--- a/Beers of the USA.pptx
+++ b/Beers of the USA.pptx
@@ -6,12 +6,13 @@
   </p:sldMasterIdLst>
   <p:sldIdLst>
     <p:sldId id="257" r:id="rId5"/>
-    <p:sldId id="258" r:id="rId6"/>
-    <p:sldId id="259" r:id="rId7"/>
-    <p:sldId id="260" r:id="rId8"/>
-    <p:sldId id="261" r:id="rId9"/>
-    <p:sldId id="262" r:id="rId10"/>
-    <p:sldId id="263" r:id="rId11"/>
+    <p:sldId id="264" r:id="rId6"/>
+    <p:sldId id="258" r:id="rId7"/>
+    <p:sldId id="259" r:id="rId8"/>
+    <p:sldId id="260" r:id="rId9"/>
+    <p:sldId id="261" r:id="rId10"/>
+    <p:sldId id="262" r:id="rId11"/>
+    <p:sldId id="263" r:id="rId12"/>
   </p:sldIdLst>
   <p:sldSz cx="12192000" cy="6858000"/>
   <p:notesSz cx="6858000" cy="9144000"/>
@@ -119,7 +120,7 @@
 </file>
 
 <file path=ppt/slideLayouts/slideLayout1.xml><?xml version="1.0" encoding="utf-8"?>
-<p:sldLayout xmlns:a="http://schemas.openxmlformats.org/drawingml/2006/main" xmlns:r="http://schemas.openxmlformats.org/officeDocument/2006/relationships" xmlns:p="http://schemas.openxmlformats.org/presentationml/2006/main" type="title" preserve="1">
+<p:sldLayout xmlns:a="http://schemas.openxmlformats.org/drawingml/2006/main" xmlns:r="http://schemas.openxmlformats.org/officeDocument/2006/relationships" xmlns:p="http://schemas.openxmlformats.org/presentationml/2006/main" showMasterSp="0" type="title" preserve="1">
   <p:cSld name="Title Slide">
     <p:spTree>
       <p:nvGrpSpPr>
@@ -356,7 +357,7 @@
           <a:p>
             <a:fld id="{ED291B17-9318-49DB-B28B-6E5994AE9581}" type="datetime1">
               <a:rPr lang="en-US" smtClean="0"/>
-              <a:t>12/8/2020</a:t>
+              <a:t>12/8/20</a:t>
             </a:fld>
             <a:endParaRPr lang="en-US" dirty="0"/>
           </a:p>
@@ -430,7 +431,7 @@
 </file>
 
 <file path=ppt/slideLayouts/slideLayout10.xml><?xml version="1.0" encoding="utf-8"?>
-<p:sldLayout xmlns:a="http://schemas.openxmlformats.org/drawingml/2006/main" xmlns:r="http://schemas.openxmlformats.org/officeDocument/2006/relationships" xmlns:p="http://schemas.openxmlformats.org/presentationml/2006/main" type="vertTx" preserve="1">
+<p:sldLayout xmlns:a="http://schemas.openxmlformats.org/drawingml/2006/main" xmlns:r="http://schemas.openxmlformats.org/officeDocument/2006/relationships" xmlns:p="http://schemas.openxmlformats.org/presentationml/2006/main" showMasterSp="0" type="vertTx" preserve="1">
   <p:cSld name="Title and Vertical Text">
     <p:spTree>
       <p:nvGrpSpPr>
@@ -559,7 +560,7 @@
           <a:p>
             <a:fld id="{2CED4963-E985-44C4-B8C4-FDD613B7C2F8}" type="datetime1">
               <a:rPr lang="en-US" smtClean="0"/>
-              <a:t>12/8/2020</a:t>
+              <a:t>12/8/20</a:t>
             </a:fld>
             <a:endParaRPr lang="en-US" dirty="0"/>
           </a:p>
@@ -921,7 +922,7 @@
           <a:p>
             <a:fld id="{ED291B17-9318-49DB-B28B-6E5994AE9581}" type="datetime1">
               <a:rPr lang="en-US" smtClean="0"/>
-              <a:t>12/8/2020</a:t>
+              <a:t>12/8/20</a:t>
             </a:fld>
             <a:endParaRPr lang="en-US" dirty="0"/>
           </a:p>
@@ -995,7 +996,7 @@
 </file>
 
 <file path=ppt/slideLayouts/slideLayout2.xml><?xml version="1.0" encoding="utf-8"?>
-<p:sldLayout xmlns:a="http://schemas.openxmlformats.org/drawingml/2006/main" xmlns:r="http://schemas.openxmlformats.org/officeDocument/2006/relationships" xmlns:p="http://schemas.openxmlformats.org/presentationml/2006/main" type="obj" preserve="1">
+<p:sldLayout xmlns:a="http://schemas.openxmlformats.org/drawingml/2006/main" xmlns:r="http://schemas.openxmlformats.org/officeDocument/2006/relationships" xmlns:p="http://schemas.openxmlformats.org/presentationml/2006/main" showMasterSp="0" type="obj" preserve="1">
   <p:cSld name="Title and Content">
     <p:spTree>
       <p:nvGrpSpPr>
@@ -1119,7 +1120,7 @@
           <a:p>
             <a:fld id="{78DD82B9-B8EE-4375-B6FF-88FA6ABB15D9}" type="datetime1">
               <a:rPr lang="en-US" smtClean="0"/>
-              <a:t>12/8/2020</a:t>
+              <a:t>12/8/20</a:t>
             </a:fld>
             <a:endParaRPr lang="en-US" dirty="0"/>
           </a:p>
@@ -1193,7 +1194,7 @@
 </file>
 
 <file path=ppt/slideLayouts/slideLayout3.xml><?xml version="1.0" encoding="utf-8"?>
-<p:sldLayout xmlns:a="http://schemas.openxmlformats.org/drawingml/2006/main" xmlns:r="http://schemas.openxmlformats.org/officeDocument/2006/relationships" xmlns:p="http://schemas.openxmlformats.org/presentationml/2006/main" type="secHead" preserve="1">
+<p:sldLayout xmlns:a="http://schemas.openxmlformats.org/drawingml/2006/main" xmlns:r="http://schemas.openxmlformats.org/officeDocument/2006/relationships" xmlns:p="http://schemas.openxmlformats.org/presentationml/2006/main" showMasterSp="0" type="secHead" preserve="1">
   <p:cSld name="Section Header">
     <p:spTree>
       <p:nvGrpSpPr>
@@ -1431,7 +1432,7 @@
           <a:p>
             <a:fld id="{B2497495-0637-405E-AE64-5CC7506D51F5}" type="datetime1">
               <a:rPr lang="en-US" smtClean="0"/>
-              <a:t>12/8/2020</a:t>
+              <a:t>12/8/20</a:t>
             </a:fld>
             <a:endParaRPr lang="en-US" dirty="0"/>
           </a:p>
@@ -1505,7 +1506,7 @@
 </file>
 
 <file path=ppt/slideLayouts/slideLayout4.xml><?xml version="1.0" encoding="utf-8"?>
-<p:sldLayout xmlns:a="http://schemas.openxmlformats.org/drawingml/2006/main" xmlns:r="http://schemas.openxmlformats.org/officeDocument/2006/relationships" xmlns:p="http://schemas.openxmlformats.org/presentationml/2006/main" type="twoObj" preserve="1">
+<p:sldLayout xmlns:a="http://schemas.openxmlformats.org/drawingml/2006/main" xmlns:r="http://schemas.openxmlformats.org/officeDocument/2006/relationships" xmlns:p="http://schemas.openxmlformats.org/presentationml/2006/main" showMasterSp="0" type="twoObj" preserve="1">
   <p:cSld name="Two Content">
     <p:spTree>
       <p:nvGrpSpPr>
@@ -1684,7 +1685,7 @@
           <a:p>
             <a:fld id="{7BFFD690-9426-415D-8B65-26881E07B2D4}" type="datetime1">
               <a:rPr lang="en-US" smtClean="0"/>
-              <a:t>12/8/2020</a:t>
+              <a:t>12/8/20</a:t>
             </a:fld>
             <a:endParaRPr lang="en-US" dirty="0"/>
           </a:p>
@@ -1746,7 +1747,7 @@
 </file>
 
 <file path=ppt/slideLayouts/slideLayout5.xml><?xml version="1.0" encoding="utf-8"?>
-<p:sldLayout xmlns:a="http://schemas.openxmlformats.org/drawingml/2006/main" xmlns:r="http://schemas.openxmlformats.org/officeDocument/2006/relationships" xmlns:p="http://schemas.openxmlformats.org/presentationml/2006/main" preserve="1">
+<p:sldLayout xmlns:a="http://schemas.openxmlformats.org/drawingml/2006/main" xmlns:r="http://schemas.openxmlformats.org/officeDocument/2006/relationships" xmlns:p="http://schemas.openxmlformats.org/presentationml/2006/main" showMasterSp="0" preserve="1">
   <p:cSld name="Comparison">
     <p:spTree>
       <p:nvGrpSpPr>
@@ -2106,7 +2107,7 @@
           <a:p>
             <a:fld id="{04C4989A-474C-40DE-95B9-011C28B71673}" type="datetime1">
               <a:rPr lang="en-US" smtClean="0"/>
-              <a:t>12/8/2020</a:t>
+              <a:t>12/8/20</a:t>
             </a:fld>
             <a:endParaRPr lang="en-US" dirty="0"/>
           </a:p>
@@ -2168,7 +2169,7 @@
 </file>
 
 <file path=ppt/slideLayouts/slideLayout6.xml><?xml version="1.0" encoding="utf-8"?>
-<p:sldLayout xmlns:a="http://schemas.openxmlformats.org/drawingml/2006/main" xmlns:r="http://schemas.openxmlformats.org/officeDocument/2006/relationships" xmlns:p="http://schemas.openxmlformats.org/presentationml/2006/main" type="titleOnly" preserve="1">
+<p:sldLayout xmlns:a="http://schemas.openxmlformats.org/drawingml/2006/main" xmlns:r="http://schemas.openxmlformats.org/officeDocument/2006/relationships" xmlns:p="http://schemas.openxmlformats.org/presentationml/2006/main" showMasterSp="0" type="titleOnly" preserve="1">
   <p:cSld name="Title Only">
     <p:spTree>
       <p:nvGrpSpPr>
@@ -2229,7 +2230,7 @@
           <a:p>
             <a:fld id="{5DB4ED54-5B5E-4A04-93D3-5772E3CE3818}" type="datetime1">
               <a:rPr lang="en-US" smtClean="0"/>
-              <a:t>12/8/2020</a:t>
+              <a:t>12/8/20</a:t>
             </a:fld>
             <a:endParaRPr lang="en-US" dirty="0"/>
           </a:p>
@@ -2291,7 +2292,7 @@
 </file>
 
 <file path=ppt/slideLayouts/slideLayout7.xml><?xml version="1.0" encoding="utf-8"?>
-<p:sldLayout xmlns:a="http://schemas.openxmlformats.org/drawingml/2006/main" xmlns:r="http://schemas.openxmlformats.org/officeDocument/2006/relationships" xmlns:p="http://schemas.openxmlformats.org/presentationml/2006/main" type="blank" preserve="1">
+<p:sldLayout xmlns:a="http://schemas.openxmlformats.org/drawingml/2006/main" xmlns:r="http://schemas.openxmlformats.org/officeDocument/2006/relationships" xmlns:p="http://schemas.openxmlformats.org/presentationml/2006/main" showMasterSp="0" type="blank" preserve="1">
   <p:cSld name="Blank">
     <p:spTree>
       <p:nvGrpSpPr>
@@ -2324,7 +2325,7 @@
           <a:p>
             <a:fld id="{4EDE50D6-574B-40AF-946F-D52A04ADE379}" type="datetime1">
               <a:rPr lang="en-US" smtClean="0"/>
-              <a:t>12/8/2020</a:t>
+              <a:t>12/8/20</a:t>
             </a:fld>
             <a:endParaRPr lang="en-US" dirty="0"/>
           </a:p>
@@ -2386,7 +2387,7 @@
 </file>
 
 <file path=ppt/slideLayouts/slideLayout8.xml><?xml version="1.0" encoding="utf-8"?>
-<p:sldLayout xmlns:a="http://schemas.openxmlformats.org/drawingml/2006/main" xmlns:r="http://schemas.openxmlformats.org/officeDocument/2006/relationships" xmlns:p="http://schemas.openxmlformats.org/presentationml/2006/main" type="objTx" preserve="1">
+<p:sldLayout xmlns:a="http://schemas.openxmlformats.org/drawingml/2006/main" xmlns:r="http://schemas.openxmlformats.org/officeDocument/2006/relationships" xmlns:p="http://schemas.openxmlformats.org/presentationml/2006/main" showMasterSp="0" type="objTx" preserve="1">
   <p:cSld name="Content with Caption">
     <p:spTree>
       <p:nvGrpSpPr>
@@ -2701,7 +2702,7 @@
           <a:p>
             <a:fld id="{D82884F1-FFEA-405F-9602-3DCA865EDA4E}" type="datetime1">
               <a:rPr lang="en-US" smtClean="0"/>
-              <a:t>12/8/2020</a:t>
+              <a:t>12/8/20</a:t>
             </a:fld>
             <a:endParaRPr lang="en-US" dirty="0"/>
           </a:p>
@@ -2786,7 +2787,7 @@
 </file>
 
 <file path=ppt/slideLayouts/slideLayout9.xml><?xml version="1.0" encoding="utf-8"?>
-<p:sldLayout xmlns:a="http://schemas.openxmlformats.org/drawingml/2006/main" xmlns:r="http://schemas.openxmlformats.org/officeDocument/2006/relationships" xmlns:p="http://schemas.openxmlformats.org/presentationml/2006/main" type="picTx" preserve="1">
+<p:sldLayout xmlns:a="http://schemas.openxmlformats.org/drawingml/2006/main" xmlns:r="http://schemas.openxmlformats.org/officeDocument/2006/relationships" xmlns:p="http://schemas.openxmlformats.org/presentationml/2006/main" showMasterSp="0" type="picTx" preserve="1">
   <p:cSld name="Picture with Caption">
     <p:spTree>
       <p:nvGrpSpPr>
@@ -2994,7 +2995,7 @@
           <a:p>
             <a:fld id="{7E18DB4A-8810-4A10-AD5C-D5E2C667F5B3}" type="datetime1">
               <a:rPr lang="en-US" smtClean="0"/>
-              <a:t>12/8/2020</a:t>
+              <a:t>12/8/20</a:t>
             </a:fld>
             <a:endParaRPr lang="en-US" dirty="0"/>
           </a:p>
@@ -3209,7 +3210,7 @@
           <a:p>
             <a:fld id="{ED291B17-9318-49DB-B28B-6E5994AE9581}" type="datetime1">
               <a:rPr lang="en-US" smtClean="0"/>
-              <a:t>12/8/2020</a:t>
+              <a:t>12/8/20</a:t>
             </a:fld>
             <a:endParaRPr lang="en-US" dirty="0"/>
           </a:p>
@@ -3825,16 +3826,8 @@
 </file>
 
 <file path=ppt/slides/slide1.xml><?xml version="1.0" encoding="utf-8"?>
-<p:sld xmlns:a="http://schemas.openxmlformats.org/drawingml/2006/main" xmlns:r="http://schemas.openxmlformats.org/officeDocument/2006/relationships" xmlns:p="http://schemas.openxmlformats.org/presentationml/2006/main">
+<p:sld xmlns:a="http://schemas.openxmlformats.org/drawingml/2006/main" xmlns:r="http://schemas.openxmlformats.org/officeDocument/2006/relationships" xmlns:p="http://schemas.openxmlformats.org/presentationml/2006/main" showMasterSp="0">
   <p:cSld>
-    <p:bg>
-      <p:bgPr>
-        <a:solidFill>
-          <a:schemeClr val="bg1"/>
-        </a:solidFill>
-        <a:effectLst/>
-      </p:bgPr>
-    </p:bg>
     <p:spTree>
       <p:nvGrpSpPr>
         <p:cNvPr id="1" name=""/>
@@ -3927,7 +3920,7 @@
         </p:nvSpPr>
         <p:spPr>
           <a:xfrm>
-            <a:off x="581191" y="1020431"/>
+            <a:off x="446534" y="810253"/>
             <a:ext cx="10993549" cy="1475013"/>
           </a:xfrm>
         </p:spPr>
@@ -4141,41 +4134,6 @@
           </a:fontRef>
         </p:style>
       </p:sp>
-      <p:pic>
-        <p:nvPicPr>
-          <p:cNvPr id="6" name="Picture 5" descr="abstract image">
-            <a:extLst>
-              <a:ext uri="{FF2B5EF4-FFF2-40B4-BE49-F238E27FC236}">
-                <a16:creationId xmlns:a16="http://schemas.microsoft.com/office/drawing/2014/main" id="{F1A8C364-94D4-4630-BAD0-78722F347055}"/>
-              </a:ext>
-            </a:extLst>
-          </p:cNvPr>
-          <p:cNvPicPr>
-            <a:picLocks noChangeAspect="1"/>
-          </p:cNvPicPr>
-          <p:nvPr/>
-        </p:nvPicPr>
-        <p:blipFill rotWithShape="1">
-          <a:blip r:embed="rId2">
-            <a:extLst>
-              <a:ext uri="{28A0092B-C50C-407E-A947-70E740481C1C}">
-                <a14:useLocalDpi xmlns:a14="http://schemas.microsoft.com/office/drawing/2010/main" val="0"/>
-              </a:ext>
-            </a:extLst>
-          </a:blip>
-          <a:srcRect/>
-          <a:stretch/>
-        </p:blipFill>
-        <p:spPr>
-          <a:xfrm>
-            <a:off x="448733" y="3081867"/>
-            <a:ext cx="11260667" cy="3310466"/>
-          </a:xfrm>
-          <a:prstGeom prst="rect">
-            <a:avLst/>
-          </a:prstGeom>
-        </p:spPr>
-      </p:pic>
     </p:spTree>
     <p:extLst>
       <p:ext uri="{BB962C8B-B14F-4D97-AF65-F5344CB8AC3E}">
@@ -4206,58 +4164,514 @@
           <a:chExt cx="0" cy="0"/>
         </a:xfrm>
       </p:grpSpPr>
-      <p:sp>
-        <p:nvSpPr>
-          <p:cNvPr id="2" name="Title 1">
-            <a:extLst>
-              <a:ext uri="{FF2B5EF4-FFF2-40B4-BE49-F238E27FC236}">
-                <a16:creationId xmlns:a16="http://schemas.microsoft.com/office/drawing/2014/main" id="{5E562972-3449-42D1-8185-B4BEFD52AB44}"/>
-              </a:ext>
-            </a:extLst>
-          </p:cNvPr>
-          <p:cNvSpPr>
-            <a:spLocks noGrp="1"/>
-          </p:cNvSpPr>
-          <p:nvPr>
-            <p:ph type="title"/>
-          </p:nvPr>
-        </p:nvSpPr>
-        <p:spPr/>
-        <p:txBody>
-          <a:bodyPr/>
-          <a:lstStyle/>
-          <a:p>
-            <a:r>
-              <a:rPr lang="en-US" dirty="0"/>
-              <a:t>Overview</a:t>
-            </a:r>
-          </a:p>
-        </p:txBody>
-      </p:sp>
-      <p:sp>
-        <p:nvSpPr>
+      <p:pic>
+        <p:nvPicPr>
           <p:cNvPr id="5" name="Content Placeholder 4">
             <a:extLst>
               <a:ext uri="{FF2B5EF4-FFF2-40B4-BE49-F238E27FC236}">
-                <a16:creationId xmlns:a16="http://schemas.microsoft.com/office/drawing/2014/main" id="{8EE30CC1-615D-42F8-9D4C-8B066E0CFB11}"/>
+                <a16:creationId xmlns:a16="http://schemas.microsoft.com/office/drawing/2014/main" id="{117C290C-7977-154D-A9A1-040A83F8C10B}"/>
               </a:ext>
             </a:extLst>
           </p:cNvPr>
-          <p:cNvSpPr>
-            <a:spLocks noGrp="1"/>
-          </p:cNvSpPr>
+          <p:cNvPicPr>
+            <a:picLocks noGrp="1" noChangeAspect="1"/>
+          </p:cNvPicPr>
           <p:nvPr>
             <p:ph idx="1"/>
           </p:nvPr>
-        </p:nvSpPr>
-        <p:spPr/>
-        <p:txBody>
-          <a:bodyPr/>
+        </p:nvPicPr>
+        <p:blipFill>
+          <a:blip r:embed="rId2"/>
+          <a:stretch>
+            <a:fillRect/>
+          </a:stretch>
+        </p:blipFill>
+        <p:spPr>
+          <a:xfrm>
+            <a:off x="-18033" y="0"/>
+            <a:ext cx="12192000" cy="6858001"/>
+          </a:xfrm>
+        </p:spPr>
+      </p:pic>
+      <p:sp>
+        <p:nvSpPr>
+          <p:cNvPr id="6" name="Title 1">
+            <a:extLst>
+              <a:ext uri="{FF2B5EF4-FFF2-40B4-BE49-F238E27FC236}">
+                <a16:creationId xmlns:a16="http://schemas.microsoft.com/office/drawing/2014/main" id="{DC34C42B-BD83-BC45-9301-5408AD14336A}"/>
+              </a:ext>
+            </a:extLst>
+          </p:cNvPr>
+          <p:cNvSpPr txBox="1">
+            <a:spLocks/>
+          </p:cNvSpPr>
+          <p:nvPr/>
+        </p:nvSpPr>
+        <p:spPr>
+          <a:xfrm>
+            <a:off x="581192" y="757664"/>
+            <a:ext cx="10993549" cy="1475013"/>
+          </a:xfrm>
+          <a:prstGeom prst="rect">
+            <a:avLst/>
+          </a:prstGeom>
+        </p:spPr>
+        <p:txBody>
+          <a:bodyPr vert="horz" lIns="91440" tIns="45720" rIns="91440" bIns="45720" rtlCol="0" anchor="b">
+            <a:normAutofit/>
+          </a:bodyPr>
+          <a:lstStyle>
+            <a:lvl1pPr algn="l" defTabSz="457200" rtl="0" eaLnBrk="1" latinLnBrk="0" hangingPunct="1">
+              <a:lnSpc>
+                <a:spcPct val="100000"/>
+              </a:lnSpc>
+              <a:spcBef>
+                <a:spcPct val="0"/>
+              </a:spcBef>
+              <a:buNone/>
+              <a:defRPr sz="2800" b="0" kern="1200" cap="all">
+                <a:solidFill>
+                  <a:schemeClr val="tx1">
+                    <a:lumMod val="75000"/>
+                    <a:lumOff val="25000"/>
+                  </a:schemeClr>
+                </a:solidFill>
+                <a:latin typeface="+mj-lt"/>
+                <a:ea typeface="+mj-ea"/>
+                <a:cs typeface="+mj-cs"/>
+              </a:defRPr>
+            </a:lvl1pPr>
+            <a:lvl2pPr eaLnBrk="1" hangingPunct="1">
+              <a:defRPr>
+                <a:solidFill>
+                  <a:schemeClr val="tx2"/>
+                </a:solidFill>
+              </a:defRPr>
+            </a:lvl2pPr>
+            <a:lvl3pPr eaLnBrk="1" hangingPunct="1">
+              <a:defRPr>
+                <a:solidFill>
+                  <a:schemeClr val="tx2"/>
+                </a:solidFill>
+              </a:defRPr>
+            </a:lvl3pPr>
+            <a:lvl4pPr eaLnBrk="1" hangingPunct="1">
+              <a:defRPr>
+                <a:solidFill>
+                  <a:schemeClr val="tx2"/>
+                </a:solidFill>
+              </a:defRPr>
+            </a:lvl4pPr>
+            <a:lvl5pPr eaLnBrk="1" hangingPunct="1">
+              <a:defRPr>
+                <a:solidFill>
+                  <a:schemeClr val="tx2"/>
+                </a:solidFill>
+              </a:defRPr>
+            </a:lvl5pPr>
+            <a:lvl6pPr eaLnBrk="1" hangingPunct="1">
+              <a:defRPr>
+                <a:solidFill>
+                  <a:schemeClr val="tx2"/>
+                </a:solidFill>
+              </a:defRPr>
+            </a:lvl6pPr>
+            <a:lvl7pPr eaLnBrk="1" hangingPunct="1">
+              <a:defRPr>
+                <a:solidFill>
+                  <a:schemeClr val="tx2"/>
+                </a:solidFill>
+              </a:defRPr>
+            </a:lvl7pPr>
+            <a:lvl8pPr eaLnBrk="1" hangingPunct="1">
+              <a:defRPr>
+                <a:solidFill>
+                  <a:schemeClr val="tx2"/>
+                </a:solidFill>
+              </a:defRPr>
+            </a:lvl8pPr>
+            <a:lvl9pPr eaLnBrk="1" hangingPunct="1">
+              <a:defRPr>
+                <a:solidFill>
+                  <a:schemeClr val="tx2"/>
+                </a:solidFill>
+              </a:defRPr>
+            </a:lvl9pPr>
+          </a:lstStyle>
+          <a:p>
+            <a:r>
+              <a:rPr lang="en-US" sz="6500" b="1" dirty="0">
+                <a:solidFill>
+                  <a:schemeClr val="bg1"/>
+                </a:solidFill>
+                <a:latin typeface="Copperplate Gothic Light" panose="020E0507020206020404" pitchFamily="34" charset="77"/>
+              </a:rPr>
+              <a:t>Beers of the USA</a:t>
+            </a:r>
+          </a:p>
+        </p:txBody>
+      </p:sp>
+      <p:sp>
+        <p:nvSpPr>
+          <p:cNvPr id="7" name="Subtitle 2">
+            <a:extLst>
+              <a:ext uri="{FF2B5EF4-FFF2-40B4-BE49-F238E27FC236}">
+                <a16:creationId xmlns:a16="http://schemas.microsoft.com/office/drawing/2014/main" id="{368BB7C3-0CAE-C048-B787-559A471D2BE3}"/>
+              </a:ext>
+            </a:extLst>
+          </p:cNvPr>
+          <p:cNvSpPr txBox="1">
+            <a:spLocks/>
+          </p:cNvSpPr>
+          <p:nvPr/>
+        </p:nvSpPr>
+        <p:spPr>
+          <a:xfrm>
+            <a:off x="581194" y="2322447"/>
+            <a:ext cx="1803660" cy="3040382"/>
+          </a:xfrm>
+          <a:prstGeom prst="rect">
+            <a:avLst/>
+          </a:prstGeom>
+        </p:spPr>
+        <p:txBody>
+          <a:bodyPr vert="horz" lIns="91440" tIns="45720" rIns="91440" bIns="45720" rtlCol="0" anchor="ctr">
+            <a:normAutofit lnSpcReduction="10000"/>
+          </a:bodyPr>
+          <a:lstStyle>
+            <a:lvl1pPr marL="306000" indent="-306000" algn="l" defTabSz="457200" rtl="0" eaLnBrk="1" latinLnBrk="0" hangingPunct="1">
+              <a:lnSpc>
+                <a:spcPct val="110000"/>
+              </a:lnSpc>
+              <a:spcBef>
+                <a:spcPct val="20000"/>
+              </a:spcBef>
+              <a:spcAft>
+                <a:spcPts val="600"/>
+              </a:spcAft>
+              <a:buClr>
+                <a:schemeClr val="accent1"/>
+              </a:buClr>
+              <a:buSzPct val="92000"/>
+              <a:buFont typeface="Wingdings 2" panose="05020102010507070707" pitchFamily="18" charset="2"/>
+              <a:buChar char=""/>
+              <a:defRPr sz="1700" kern="1200">
+                <a:solidFill>
+                  <a:schemeClr val="tx1">
+                    <a:lumMod val="75000"/>
+                    <a:lumOff val="25000"/>
+                  </a:schemeClr>
+                </a:solidFill>
+                <a:latin typeface="+mn-lt"/>
+                <a:ea typeface="+mn-ea"/>
+                <a:cs typeface="+mn-cs"/>
+              </a:defRPr>
+            </a:lvl1pPr>
+            <a:lvl2pPr marL="630000" indent="-306000" algn="l" defTabSz="457200" rtl="0" eaLnBrk="1" latinLnBrk="0" hangingPunct="1">
+              <a:spcBef>
+                <a:spcPct val="20000"/>
+              </a:spcBef>
+              <a:spcAft>
+                <a:spcPts val="600"/>
+              </a:spcAft>
+              <a:buClr>
+                <a:schemeClr val="accent1"/>
+              </a:buClr>
+              <a:buSzPct val="92000"/>
+              <a:buFont typeface="Wingdings 2" panose="05020102010507070707" pitchFamily="18" charset="2"/>
+              <a:buChar char=""/>
+              <a:defRPr sz="1400" kern="1200">
+                <a:solidFill>
+                  <a:schemeClr val="tx1">
+                    <a:lumMod val="75000"/>
+                    <a:lumOff val="25000"/>
+                  </a:schemeClr>
+                </a:solidFill>
+                <a:latin typeface="+mn-lt"/>
+                <a:ea typeface="+mn-ea"/>
+                <a:cs typeface="+mn-cs"/>
+              </a:defRPr>
+            </a:lvl2pPr>
+            <a:lvl3pPr marL="900000" indent="-270000" algn="l" defTabSz="457200" rtl="0" eaLnBrk="1" latinLnBrk="0" hangingPunct="1">
+              <a:spcBef>
+                <a:spcPct val="20000"/>
+              </a:spcBef>
+              <a:spcAft>
+                <a:spcPts val="600"/>
+              </a:spcAft>
+              <a:buClr>
+                <a:schemeClr val="accent1"/>
+              </a:buClr>
+              <a:buSzPct val="92000"/>
+              <a:buFont typeface="Wingdings 2" panose="05020102010507070707" pitchFamily="18" charset="2"/>
+              <a:buChar char=""/>
+              <a:defRPr sz="1300" kern="1200">
+                <a:solidFill>
+                  <a:schemeClr val="tx1">
+                    <a:lumMod val="75000"/>
+                    <a:lumOff val="25000"/>
+                  </a:schemeClr>
+                </a:solidFill>
+                <a:latin typeface="+mn-lt"/>
+                <a:ea typeface="+mn-ea"/>
+                <a:cs typeface="+mn-cs"/>
+              </a:defRPr>
+            </a:lvl3pPr>
+            <a:lvl4pPr marL="1242000" indent="-234000" algn="l" defTabSz="457200" rtl="0" eaLnBrk="1" latinLnBrk="0" hangingPunct="1">
+              <a:spcBef>
+                <a:spcPct val="20000"/>
+              </a:spcBef>
+              <a:spcAft>
+                <a:spcPts val="600"/>
+              </a:spcAft>
+              <a:buClr>
+                <a:schemeClr val="accent1"/>
+              </a:buClr>
+              <a:buSzPct val="92000"/>
+              <a:buFont typeface="Wingdings 2" panose="05020102010507070707" pitchFamily="18" charset="2"/>
+              <a:buChar char=""/>
+              <a:defRPr sz="1100" kern="1200">
+                <a:solidFill>
+                  <a:schemeClr val="tx1">
+                    <a:lumMod val="75000"/>
+                    <a:lumOff val="25000"/>
+                  </a:schemeClr>
+                </a:solidFill>
+                <a:latin typeface="+mn-lt"/>
+                <a:ea typeface="+mn-ea"/>
+                <a:cs typeface="+mn-cs"/>
+              </a:defRPr>
+            </a:lvl4pPr>
+            <a:lvl5pPr marL="1602000" indent="-234000" algn="l" defTabSz="457200" rtl="0" eaLnBrk="1" latinLnBrk="0" hangingPunct="1">
+              <a:spcBef>
+                <a:spcPct val="20000"/>
+              </a:spcBef>
+              <a:spcAft>
+                <a:spcPts val="600"/>
+              </a:spcAft>
+              <a:buClr>
+                <a:schemeClr val="accent1"/>
+              </a:buClr>
+              <a:buSzPct val="92000"/>
+              <a:buFont typeface="Wingdings 2" panose="05020102010507070707" pitchFamily="18" charset="2"/>
+              <a:buChar char=""/>
+              <a:defRPr sz="1100" kern="1200">
+                <a:solidFill>
+                  <a:schemeClr val="tx1">
+                    <a:lumMod val="75000"/>
+                    <a:lumOff val="25000"/>
+                  </a:schemeClr>
+                </a:solidFill>
+                <a:latin typeface="+mn-lt"/>
+                <a:ea typeface="+mn-ea"/>
+                <a:cs typeface="+mn-cs"/>
+              </a:defRPr>
+            </a:lvl5pPr>
+            <a:lvl6pPr marL="1900000" indent="-228600" algn="l" defTabSz="457200" rtl="0" eaLnBrk="1" latinLnBrk="0" hangingPunct="1">
+              <a:spcBef>
+                <a:spcPct val="20000"/>
+              </a:spcBef>
+              <a:spcAft>
+                <a:spcPts val="600"/>
+              </a:spcAft>
+              <a:buClr>
+                <a:schemeClr val="accent2"/>
+              </a:buClr>
+              <a:buSzPct val="92000"/>
+              <a:buFont typeface="Wingdings 2" panose="05020102010507070707" pitchFamily="18" charset="2"/>
+              <a:buChar char=""/>
+              <a:defRPr sz="1200" kern="1200">
+                <a:solidFill>
+                  <a:schemeClr val="tx2"/>
+                </a:solidFill>
+                <a:latin typeface="+mn-lt"/>
+                <a:ea typeface="+mn-ea"/>
+                <a:cs typeface="+mn-cs"/>
+              </a:defRPr>
+            </a:lvl6pPr>
+            <a:lvl7pPr marL="2200000" indent="-228600" algn="l" defTabSz="457200" rtl="0" eaLnBrk="1" latinLnBrk="0" hangingPunct="1">
+              <a:spcBef>
+                <a:spcPct val="20000"/>
+              </a:spcBef>
+              <a:spcAft>
+                <a:spcPts val="600"/>
+              </a:spcAft>
+              <a:buClr>
+                <a:schemeClr val="accent2"/>
+              </a:buClr>
+              <a:buSzPct val="92000"/>
+              <a:buFont typeface="Wingdings 2" panose="05020102010507070707" pitchFamily="18" charset="2"/>
+              <a:buChar char=""/>
+              <a:defRPr sz="1200" kern="1200">
+                <a:solidFill>
+                  <a:schemeClr val="tx2"/>
+                </a:solidFill>
+                <a:latin typeface="+mn-lt"/>
+                <a:ea typeface="+mn-ea"/>
+                <a:cs typeface="+mn-cs"/>
+              </a:defRPr>
+            </a:lvl7pPr>
+            <a:lvl8pPr marL="2500000" indent="-228600" algn="l" defTabSz="457200" rtl="0" eaLnBrk="1" latinLnBrk="0" hangingPunct="1">
+              <a:spcBef>
+                <a:spcPct val="20000"/>
+              </a:spcBef>
+              <a:spcAft>
+                <a:spcPts val="600"/>
+              </a:spcAft>
+              <a:buClr>
+                <a:schemeClr val="accent2"/>
+              </a:buClr>
+              <a:buSzPct val="92000"/>
+              <a:buFont typeface="Wingdings 2" panose="05020102010507070707" pitchFamily="18" charset="2"/>
+              <a:buChar char=""/>
+              <a:defRPr sz="1200" kern="1200">
+                <a:solidFill>
+                  <a:schemeClr val="tx2"/>
+                </a:solidFill>
+                <a:latin typeface="+mn-lt"/>
+                <a:ea typeface="+mn-ea"/>
+                <a:cs typeface="+mn-cs"/>
+              </a:defRPr>
+            </a:lvl8pPr>
+            <a:lvl9pPr marL="2800000" indent="-228600" algn="l" defTabSz="457200" rtl="0" eaLnBrk="1" latinLnBrk="0" hangingPunct="1">
+              <a:spcBef>
+                <a:spcPct val="20000"/>
+              </a:spcBef>
+              <a:spcAft>
+                <a:spcPts val="600"/>
+              </a:spcAft>
+              <a:buClr>
+                <a:schemeClr val="accent2"/>
+              </a:buClr>
+              <a:buSzPct val="92000"/>
+              <a:buFont typeface="Wingdings 2" panose="05020102010507070707" pitchFamily="18" charset="2"/>
+              <a:buChar char=""/>
+              <a:defRPr sz="1200" kern="1200">
+                <a:solidFill>
+                  <a:schemeClr val="tx2"/>
+                </a:solidFill>
+                <a:latin typeface="+mn-lt"/>
+                <a:ea typeface="+mn-ea"/>
+                <a:cs typeface="+mn-cs"/>
+              </a:defRPr>
+            </a:lvl9pPr>
+          </a:lstStyle>
+          <a:p>
+            <a:pPr marL="0" indent="0">
+              <a:buNone/>
+            </a:pPr>
+            <a:r>
+              <a:rPr lang="en-US" sz="2400" b="1" dirty="0">
+                <a:solidFill>
+                  <a:schemeClr val="bg1"/>
+                </a:solidFill>
+              </a:rPr>
+              <a:t>Group 1</a:t>
+            </a:r>
+          </a:p>
+          <a:p>
+            <a:pPr marL="0" indent="0">
+              <a:buNone/>
+            </a:pPr>
+            <a:r>
+              <a:rPr lang="en-US" sz="2400" dirty="0">
+                <a:solidFill>
+                  <a:schemeClr val="bg1"/>
+                </a:solidFill>
+              </a:rPr>
+              <a:t>Gabriel A. </a:t>
+            </a:r>
+          </a:p>
+          <a:p>
+            <a:pPr marL="0" indent="0">
+              <a:buNone/>
+            </a:pPr>
+            <a:r>
+              <a:rPr lang="en-US" sz="2400" dirty="0">
+                <a:solidFill>
+                  <a:schemeClr val="bg1"/>
+                </a:solidFill>
+              </a:rPr>
+              <a:t>Chad D.</a:t>
+            </a:r>
+          </a:p>
+          <a:p>
+            <a:pPr marL="0" indent="0">
+              <a:buNone/>
+            </a:pPr>
+            <a:r>
+              <a:rPr lang="en-US" sz="2400" dirty="0">
+                <a:solidFill>
+                  <a:schemeClr val="bg1"/>
+                </a:solidFill>
+              </a:rPr>
+              <a:t>Jeremy J.</a:t>
+            </a:r>
+          </a:p>
+          <a:p>
+            <a:pPr marL="0" indent="0">
+              <a:buNone/>
+            </a:pPr>
+            <a:r>
+              <a:rPr lang="en-US" sz="2400" dirty="0">
+                <a:solidFill>
+                  <a:schemeClr val="bg1"/>
+                </a:solidFill>
+              </a:rPr>
+              <a:t>Nick O.</a:t>
+            </a:r>
+          </a:p>
+          <a:p>
+            <a:pPr marL="0" indent="0">
+              <a:buNone/>
+            </a:pPr>
+            <a:r>
+              <a:rPr lang="en-US" sz="2400" dirty="0">
+                <a:solidFill>
+                  <a:schemeClr val="bg1"/>
+                </a:solidFill>
+              </a:rPr>
+              <a:t>Debra W.</a:t>
+            </a:r>
+          </a:p>
+        </p:txBody>
+      </p:sp>
+      <p:sp>
+        <p:nvSpPr>
+          <p:cNvPr id="10" name="TextBox 9">
+            <a:extLst>
+              <a:ext uri="{FF2B5EF4-FFF2-40B4-BE49-F238E27FC236}">
+                <a16:creationId xmlns:a16="http://schemas.microsoft.com/office/drawing/2014/main" id="{F404C5C2-BA26-1E44-A4A0-43B47B5211ED}"/>
+              </a:ext>
+            </a:extLst>
+          </p:cNvPr>
+          <p:cNvSpPr txBox="1"/>
+          <p:nvPr/>
+        </p:nvSpPr>
+        <p:spPr>
+          <a:xfrm>
+            <a:off x="5288692" y="4847418"/>
+            <a:ext cx="5158182" cy="646331"/>
+          </a:xfrm>
+          <a:prstGeom prst="rect">
+            <a:avLst/>
+          </a:prstGeom>
+          <a:noFill/>
+        </p:spPr>
+        <p:txBody>
+          <a:bodyPr wrap="square" rtlCol="0">
+            <a:spAutoFit/>
+          </a:bodyPr>
           <a:lstStyle/>
           <a:p>
             <a:r>
-              <a:rPr lang="en-US" dirty="0"/>
-              <a:t>Our dashboard focused on querying data from a brewery dataset (csv) so that users can query a name  of beer using a drop down menu from beers/breweries within the US.  Once the user has picked a beer, the dashboard visuals will change accordingly. </a:t>
+              <a:rPr lang="en-US" dirty="0">
+                <a:solidFill>
+                  <a:schemeClr val="bg1"/>
+                </a:solidFill>
+                <a:latin typeface="Copperplate Gothic Light" panose="020E0507020206020404" pitchFamily="34" charset="77"/>
+              </a:rPr>
+              <a:t>“I DON’T ALWAYS DRINK BEER, BUT WHEN I DO, IT’S FROM THE USA”</a:t>
             </a:r>
           </a:p>
         </p:txBody>
@@ -4265,7 +4679,7 @@
     </p:spTree>
     <p:extLst>
       <p:ext uri="{BB962C8B-B14F-4D97-AF65-F5344CB8AC3E}">
-        <p14:creationId xmlns:p14="http://schemas.microsoft.com/office/powerpoint/2010/main" val="263784652"/>
+        <p14:creationId xmlns:p14="http://schemas.microsoft.com/office/powerpoint/2010/main" val="3491371297"/>
       </p:ext>
     </p:extLst>
   </p:cSld>
@@ -4276,7 +4690,7 @@
 </file>
 
 <file path=ppt/slides/slide3.xml><?xml version="1.0" encoding="utf-8"?>
-<p:sld xmlns:a="http://schemas.openxmlformats.org/drawingml/2006/main" xmlns:r="http://schemas.openxmlformats.org/officeDocument/2006/relationships" xmlns:p="http://schemas.openxmlformats.org/presentationml/2006/main">
+<p:sld xmlns:a="http://schemas.openxmlformats.org/drawingml/2006/main" xmlns:r="http://schemas.openxmlformats.org/officeDocument/2006/relationships" xmlns:p="http://schemas.openxmlformats.org/presentationml/2006/main" showMasterSp="0">
   <p:cSld>
     <p:spTree>
       <p:nvGrpSpPr>
@@ -4315,7 +4729,7 @@
           <a:p>
             <a:r>
               <a:rPr lang="en-US" dirty="0"/>
-              <a:t>Group Members</a:t>
+              <a:t>Overview</a:t>
             </a:r>
           </a:p>
         </p:txBody>
@@ -4325,7 +4739,7 @@
           <p:cNvPr id="5" name="Content Placeholder 4">
             <a:extLst>
               <a:ext uri="{FF2B5EF4-FFF2-40B4-BE49-F238E27FC236}">
-                <a16:creationId xmlns:a16="http://schemas.microsoft.com/office/drawing/2014/main" id="{7C950646-04B8-42F2-8E49-19287D33CA22}"/>
+                <a16:creationId xmlns:a16="http://schemas.microsoft.com/office/drawing/2014/main" id="{8EE30CC1-615D-42F8-9D4C-8B066E0CFB11}"/>
               </a:ext>
             </a:extLst>
           </p:cNvPr>
@@ -4341,60 +4755,17 @@
           <a:bodyPr/>
           <a:lstStyle/>
           <a:p>
-            <a:pPr algn="ctr" rtl="0">
-              <a:spcBef>
-                <a:spcPts val="0"/>
-              </a:spcBef>
-              <a:spcAft>
-                <a:spcPts val="1600"/>
-              </a:spcAft>
-            </a:pPr>
             <a:r>
               <a:rPr lang="en-US" dirty="0"/>
-              <a:t>Gabriel </a:t>
-            </a:r>
-            <a:r>
-              <a:rPr lang="en-US" dirty="0" err="1"/>
-              <a:t>Alade</a:t>
-            </a:r>
-            <a:r>
-              <a:rPr lang="en-US" dirty="0"/>
-              <a:t>, Chad </a:t>
-            </a:r>
-            <a:r>
-              <a:rPr lang="en-US" dirty="0" err="1"/>
-              <a:t>Dubiel</a:t>
-            </a:r>
-            <a:r>
-              <a:rPr lang="en-US" dirty="0"/>
-              <a:t>, Jeremy Jones, Nick </a:t>
-            </a:r>
-            <a:r>
-              <a:rPr lang="en-US" dirty="0" err="1"/>
-              <a:t>Orewiler</a:t>
-            </a:r>
-            <a:r>
-              <a:rPr lang="en-US" dirty="0"/>
-              <a:t>, and Debra Wu</a:t>
-            </a:r>
-          </a:p>
-          <a:p>
-            <a:pPr algn="ctr" rtl="0">
-              <a:spcBef>
-                <a:spcPts val="0"/>
-              </a:spcBef>
-              <a:spcAft>
-                <a:spcPts val="1600"/>
-              </a:spcAft>
-            </a:pPr>
-            <a:endParaRPr lang="en-US" dirty="0"/>
+              <a:t>Our dashboard focused on querying data from a brewery dataset (csv) so that users can query a name  of beer using a drop down menu from beers/breweries within the US.  Once the user has picked a beer, the dashboard visuals will change accordingly. </a:t>
+            </a:r>
           </a:p>
         </p:txBody>
       </p:sp>
     </p:spTree>
     <p:extLst>
       <p:ext uri="{BB962C8B-B14F-4D97-AF65-F5344CB8AC3E}">
-        <p14:creationId xmlns:p14="http://schemas.microsoft.com/office/powerpoint/2010/main" val="1734955971"/>
+        <p14:creationId xmlns:p14="http://schemas.microsoft.com/office/powerpoint/2010/main" val="263784652"/>
       </p:ext>
     </p:extLst>
   </p:cSld>
@@ -4405,7 +4776,7 @@
 </file>
 
 <file path=ppt/slides/slide4.xml><?xml version="1.0" encoding="utf-8"?>
-<p:sld xmlns:a="http://schemas.openxmlformats.org/drawingml/2006/main" xmlns:r="http://schemas.openxmlformats.org/officeDocument/2006/relationships" xmlns:p="http://schemas.openxmlformats.org/presentationml/2006/main">
+<p:sld xmlns:a="http://schemas.openxmlformats.org/drawingml/2006/main" xmlns:r="http://schemas.openxmlformats.org/officeDocument/2006/relationships" xmlns:p="http://schemas.openxmlformats.org/presentationml/2006/main" showMasterSp="0">
   <p:cSld>
     <p:spTree>
       <p:nvGrpSpPr>
@@ -4437,1194 +4808,85 @@
             <p:ph type="title"/>
           </p:nvPr>
         </p:nvSpPr>
-        <p:spPr>
-          <a:xfrm>
-            <a:off x="644459" y="675392"/>
-            <a:ext cx="11029616" cy="772656"/>
-          </a:xfrm>
-        </p:spPr>
+        <p:spPr/>
         <p:txBody>
           <a:bodyPr/>
           <a:lstStyle/>
           <a:p>
             <a:r>
               <a:rPr lang="en-US" dirty="0"/>
-              <a:t>Workflow</a:t>
-            </a:r>
-          </a:p>
-        </p:txBody>
-      </p:sp>
-      <p:pic>
-        <p:nvPicPr>
-          <p:cNvPr id="1026" name="Picture 2">
+              <a:t>Group Members</a:t>
+            </a:r>
+          </a:p>
+        </p:txBody>
+      </p:sp>
+      <p:sp>
+        <p:nvSpPr>
+          <p:cNvPr id="5" name="Content Placeholder 4">
             <a:extLst>
               <a:ext uri="{FF2B5EF4-FFF2-40B4-BE49-F238E27FC236}">
-                <a16:creationId xmlns:a16="http://schemas.microsoft.com/office/drawing/2014/main" id="{751E9A83-8EA9-49D1-872C-2E95843F3566}"/>
+                <a16:creationId xmlns:a16="http://schemas.microsoft.com/office/drawing/2014/main" id="{7C950646-04B8-42F2-8E49-19287D33CA22}"/>
               </a:ext>
             </a:extLst>
           </p:cNvPr>
-          <p:cNvPicPr>
-            <a:picLocks noGrp="1" noChangeAspect="1" noChangeArrowheads="1"/>
-          </p:cNvPicPr>
+          <p:cNvSpPr>
+            <a:spLocks noGrp="1"/>
+          </p:cNvSpPr>
           <p:nvPr>
             <p:ph idx="1"/>
           </p:nvPr>
-        </p:nvPicPr>
-        <p:blipFill>
-          <a:blip r:embed="rId2">
-            <a:extLst>
-              <a:ext uri="{28A0092B-C50C-407E-A947-70E740481C1C}">
-                <a14:useLocalDpi xmlns:a14="http://schemas.microsoft.com/office/drawing/2010/main" val="0"/>
-              </a:ext>
-            </a:extLst>
-          </a:blip>
-          <a:srcRect/>
-          <a:stretch>
-            <a:fillRect/>
-          </a:stretch>
-        </p:blipFill>
-        <p:spPr bwMode="auto">
-          <a:xfrm>
-            <a:off x="817314" y="4993889"/>
-            <a:ext cx="957489" cy="957489"/>
-          </a:xfrm>
-          <a:prstGeom prst="rect">
-            <a:avLst/>
-          </a:prstGeom>
-          <a:noFill/>
-          <a:extLst>
-            <a:ext uri="{909E8E84-426E-40DD-AFC4-6F175D3DCCD1}">
-              <a14:hiddenFill xmlns:a14="http://schemas.microsoft.com/office/drawing/2010/main">
-                <a:solidFill>
-                  <a:srgbClr val="FFFFFF"/>
-                </a:solidFill>
-              </a14:hiddenFill>
-            </a:ext>
-          </a:extLst>
-        </p:spPr>
-      </p:pic>
-      <p:pic>
-        <p:nvPicPr>
-          <p:cNvPr id="1028" name="Picture 4">
-            <a:extLst>
-              <a:ext uri="{FF2B5EF4-FFF2-40B4-BE49-F238E27FC236}">
-                <a16:creationId xmlns:a16="http://schemas.microsoft.com/office/drawing/2014/main" id="{62E8B4F4-6091-4A5D-85FD-5021F58BD02E}"/>
-              </a:ext>
-            </a:extLst>
-          </p:cNvPr>
-          <p:cNvPicPr>
-            <a:picLocks noChangeAspect="1" noChangeArrowheads="1"/>
-          </p:cNvPicPr>
-          <p:nvPr/>
-        </p:nvPicPr>
-        <p:blipFill>
-          <a:blip r:embed="rId3">
-            <a:extLst>
-              <a:ext uri="{28A0092B-C50C-407E-A947-70E740481C1C}">
-                <a14:useLocalDpi xmlns:a14="http://schemas.microsoft.com/office/drawing/2010/main" val="0"/>
-              </a:ext>
-            </a:extLst>
-          </a:blip>
-          <a:srcRect/>
-          <a:stretch>
-            <a:fillRect/>
-          </a:stretch>
-        </p:blipFill>
-        <p:spPr bwMode="auto">
-          <a:xfrm>
-            <a:off x="1645231" y="2836736"/>
-            <a:ext cx="985520" cy="985520"/>
-          </a:xfrm>
-          <a:prstGeom prst="rect">
-            <a:avLst/>
-          </a:prstGeom>
-          <a:noFill/>
-          <a:extLst>
-            <a:ext uri="{909E8E84-426E-40DD-AFC4-6F175D3DCCD1}">
-              <a14:hiddenFill xmlns:a14="http://schemas.microsoft.com/office/drawing/2010/main">
-                <a:solidFill>
-                  <a:srgbClr val="FFFFFF"/>
-                </a:solidFill>
-              </a14:hiddenFill>
-            </a:ext>
-          </a:extLst>
-        </p:spPr>
-      </p:pic>
-      <p:pic>
-        <p:nvPicPr>
-          <p:cNvPr id="1032" name="Picture 8">
-            <a:extLst>
-              <a:ext uri="{FF2B5EF4-FFF2-40B4-BE49-F238E27FC236}">
-                <a16:creationId xmlns:a16="http://schemas.microsoft.com/office/drawing/2014/main" id="{8B457422-FC9E-4FF5-B191-EF0C74B99B64}"/>
-              </a:ext>
-            </a:extLst>
-          </p:cNvPr>
-          <p:cNvPicPr>
-            <a:picLocks noChangeAspect="1" noChangeArrowheads="1"/>
-          </p:cNvPicPr>
-          <p:nvPr/>
-        </p:nvPicPr>
-        <p:blipFill rotWithShape="1">
-          <a:blip r:embed="rId4">
-            <a:extLst>
-              <a:ext uri="{28A0092B-C50C-407E-A947-70E740481C1C}">
-                <a14:useLocalDpi xmlns:a14="http://schemas.microsoft.com/office/drawing/2010/main" val="0"/>
-              </a:ext>
-            </a:extLst>
-          </a:blip>
-          <a:srcRect l="3355" t="2933" r="74637"/>
-          <a:stretch/>
-        </p:blipFill>
-        <p:spPr bwMode="auto">
-          <a:xfrm>
-            <a:off x="2630751" y="3297802"/>
-            <a:ext cx="591501" cy="663941"/>
-          </a:xfrm>
-          <a:prstGeom prst="rect">
-            <a:avLst/>
-          </a:prstGeom>
-          <a:noFill/>
-          <a:extLst>
-            <a:ext uri="{909E8E84-426E-40DD-AFC4-6F175D3DCCD1}">
-              <a14:hiddenFill xmlns:a14="http://schemas.microsoft.com/office/drawing/2010/main">
-                <a:solidFill>
-                  <a:srgbClr val="FFFFFF"/>
-                </a:solidFill>
-              </a14:hiddenFill>
-            </a:ext>
-          </a:extLst>
-        </p:spPr>
-      </p:pic>
-      <p:pic>
-        <p:nvPicPr>
-          <p:cNvPr id="1034" name="Picture 10">
-            <a:extLst>
-              <a:ext uri="{FF2B5EF4-FFF2-40B4-BE49-F238E27FC236}">
-                <a16:creationId xmlns:a16="http://schemas.microsoft.com/office/drawing/2014/main" id="{796852F3-E2E1-4C22-929B-19379B68D674}"/>
-              </a:ext>
-            </a:extLst>
-          </p:cNvPr>
-          <p:cNvPicPr>
-            <a:picLocks noChangeAspect="1" noChangeArrowheads="1"/>
-          </p:cNvPicPr>
-          <p:nvPr/>
-        </p:nvPicPr>
-        <p:blipFill>
-          <a:blip r:embed="rId5">
-            <a:extLst>
-              <a:ext uri="{28A0092B-C50C-407E-A947-70E740481C1C}">
-                <a14:useLocalDpi xmlns:a14="http://schemas.microsoft.com/office/drawing/2010/main" val="0"/>
-              </a:ext>
-            </a:extLst>
-          </a:blip>
-          <a:srcRect/>
-          <a:stretch>
-            <a:fillRect/>
-          </a:stretch>
-        </p:blipFill>
-        <p:spPr bwMode="auto">
-          <a:xfrm>
-            <a:off x="5875316" y="4292917"/>
-            <a:ext cx="1397454" cy="1791608"/>
-          </a:xfrm>
-          <a:prstGeom prst="rect">
-            <a:avLst/>
-          </a:prstGeom>
-          <a:noFill/>
-          <a:extLst>
-            <a:ext uri="{909E8E84-426E-40DD-AFC4-6F175D3DCCD1}">
-              <a14:hiddenFill xmlns:a14="http://schemas.microsoft.com/office/drawing/2010/main">
-                <a:solidFill>
-                  <a:srgbClr val="FFFFFF"/>
-                </a:solidFill>
-              </a14:hiddenFill>
-            </a:ext>
-          </a:extLst>
-        </p:spPr>
-      </p:pic>
-      <p:pic>
-        <p:nvPicPr>
-          <p:cNvPr id="1036" name="Picture 12">
-            <a:extLst>
-              <a:ext uri="{FF2B5EF4-FFF2-40B4-BE49-F238E27FC236}">
-                <a16:creationId xmlns:a16="http://schemas.microsoft.com/office/drawing/2014/main" id="{8AFD5355-6B0D-47C3-B3C4-4BB108AC1BC6}"/>
-              </a:ext>
-            </a:extLst>
-          </p:cNvPr>
-          <p:cNvPicPr>
-            <a:picLocks noChangeAspect="1" noChangeArrowheads="1"/>
-          </p:cNvPicPr>
-          <p:nvPr/>
-        </p:nvPicPr>
-        <p:blipFill>
-          <a:blip r:embed="rId6">
-            <a:extLst>
-              <a:ext uri="{28A0092B-C50C-407E-A947-70E740481C1C}">
-                <a14:useLocalDpi xmlns:a14="http://schemas.microsoft.com/office/drawing/2010/main" val="0"/>
-              </a:ext>
-            </a:extLst>
-          </a:blip>
-          <a:srcRect/>
-          <a:stretch>
-            <a:fillRect/>
-          </a:stretch>
-        </p:blipFill>
-        <p:spPr bwMode="auto">
-          <a:xfrm>
-            <a:off x="4207772" y="1497795"/>
-            <a:ext cx="1931205" cy="1931205"/>
-          </a:xfrm>
-          <a:prstGeom prst="rect">
-            <a:avLst/>
-          </a:prstGeom>
-          <a:noFill/>
-          <a:extLst>
-            <a:ext uri="{909E8E84-426E-40DD-AFC4-6F175D3DCCD1}">
-              <a14:hiddenFill xmlns:a14="http://schemas.microsoft.com/office/drawing/2010/main">
-                <a:solidFill>
-                  <a:srgbClr val="FFFFFF"/>
-                </a:solidFill>
-              </a14:hiddenFill>
-            </a:ext>
-          </a:extLst>
-        </p:spPr>
-      </p:pic>
-      <p:pic>
-        <p:nvPicPr>
-          <p:cNvPr id="1048" name="Picture 24" descr="See the source image">
-            <a:extLst>
-              <a:ext uri="{FF2B5EF4-FFF2-40B4-BE49-F238E27FC236}">
-                <a16:creationId xmlns:a16="http://schemas.microsoft.com/office/drawing/2014/main" id="{91C8287E-DDA1-49CC-8D5C-5985AA1CCE33}"/>
-              </a:ext>
-            </a:extLst>
-          </p:cNvPr>
-          <p:cNvPicPr>
-            <a:picLocks noChangeAspect="1" noChangeArrowheads="1"/>
-          </p:cNvPicPr>
-          <p:nvPr/>
-        </p:nvPicPr>
-        <p:blipFill>
-          <a:blip r:embed="rId7">
-            <a:extLst>
-              <a:ext uri="{28A0092B-C50C-407E-A947-70E740481C1C}">
-                <a14:useLocalDpi xmlns:a14="http://schemas.microsoft.com/office/drawing/2010/main" val="0"/>
-              </a:ext>
-            </a:extLst>
-          </a:blip>
-          <a:srcRect/>
-          <a:stretch>
-            <a:fillRect/>
-          </a:stretch>
-        </p:blipFill>
-        <p:spPr bwMode="auto">
-          <a:xfrm>
-            <a:off x="9122495" y="5215192"/>
-            <a:ext cx="1397454" cy="629754"/>
-          </a:xfrm>
-          <a:prstGeom prst="rect">
-            <a:avLst/>
-          </a:prstGeom>
-          <a:noFill/>
-          <a:extLst>
-            <a:ext uri="{909E8E84-426E-40DD-AFC4-6F175D3DCCD1}">
-              <a14:hiddenFill xmlns:a14="http://schemas.microsoft.com/office/drawing/2010/main">
-                <a:solidFill>
-                  <a:srgbClr val="FFFFFF"/>
-                </a:solidFill>
-              </a14:hiddenFill>
-            </a:ext>
-          </a:extLst>
-        </p:spPr>
-      </p:pic>
-      <p:pic>
-        <p:nvPicPr>
-          <p:cNvPr id="1052" name="Picture 28" descr="See the source image">
-            <a:extLst>
-              <a:ext uri="{FF2B5EF4-FFF2-40B4-BE49-F238E27FC236}">
-                <a16:creationId xmlns:a16="http://schemas.microsoft.com/office/drawing/2014/main" id="{18C62DF7-2810-4415-8D9C-38784EEC7F25}"/>
-              </a:ext>
-            </a:extLst>
-          </p:cNvPr>
-          <p:cNvPicPr>
-            <a:picLocks noChangeAspect="1" noChangeArrowheads="1"/>
-          </p:cNvPicPr>
-          <p:nvPr/>
-        </p:nvPicPr>
-        <p:blipFill>
-          <a:blip r:embed="rId8">
-            <a:extLst>
-              <a:ext uri="{28A0092B-C50C-407E-A947-70E740481C1C}">
-                <a14:useLocalDpi xmlns:a14="http://schemas.microsoft.com/office/drawing/2010/main" val="0"/>
-              </a:ext>
-            </a:extLst>
-          </a:blip>
-          <a:srcRect/>
-          <a:stretch>
-            <a:fillRect/>
-          </a:stretch>
-        </p:blipFill>
-        <p:spPr bwMode="auto">
-          <a:xfrm>
-            <a:off x="8505115" y="1752716"/>
-            <a:ext cx="1931205" cy="2022683"/>
-          </a:xfrm>
-          <a:prstGeom prst="rect">
-            <a:avLst/>
-          </a:prstGeom>
-          <a:noFill/>
-          <a:extLst>
-            <a:ext uri="{909E8E84-426E-40DD-AFC4-6F175D3DCCD1}">
-              <a14:hiddenFill xmlns:a14="http://schemas.microsoft.com/office/drawing/2010/main">
-                <a:solidFill>
-                  <a:srgbClr val="FFFFFF"/>
-                </a:solidFill>
-              </a14:hiddenFill>
-            </a:ext>
-          </a:extLst>
-        </p:spPr>
-      </p:pic>
-      <p:sp>
-        <p:nvSpPr>
-          <p:cNvPr id="3" name="Flowchart: Connector 2">
-            <a:extLst>
-              <a:ext uri="{FF2B5EF4-FFF2-40B4-BE49-F238E27FC236}">
-                <a16:creationId xmlns:a16="http://schemas.microsoft.com/office/drawing/2014/main" id="{D6B9EA96-65E6-4EB9-8138-863A4E963035}"/>
-              </a:ext>
-            </a:extLst>
-          </p:cNvPr>
-          <p:cNvSpPr/>
-          <p:nvPr/>
-        </p:nvSpPr>
-        <p:spPr>
-          <a:xfrm>
-            <a:off x="1588500" y="2485753"/>
-            <a:ext cx="1724864" cy="1687485"/>
-          </a:xfrm>
-          <a:prstGeom prst="flowChartConnector">
-            <a:avLst/>
-          </a:prstGeom>
-          <a:noFill/>
-          <a:ln>
-            <a:solidFill>
-              <a:srgbClr val="FFFF00"/>
-            </a:solidFill>
-          </a:ln>
-        </p:spPr>
-        <p:style>
-          <a:lnRef idx="2">
-            <a:schemeClr val="accent1">
-              <a:shade val="50000"/>
-            </a:schemeClr>
-          </a:lnRef>
-          <a:fillRef idx="1">
-            <a:schemeClr val="accent1"/>
-          </a:fillRef>
-          <a:effectRef idx="0">
-            <a:schemeClr val="accent1"/>
-          </a:effectRef>
-          <a:fontRef idx="minor">
-            <a:schemeClr val="lt1"/>
-          </a:fontRef>
-        </p:style>
-        <p:txBody>
-          <a:bodyPr rtlCol="0" anchor="ctr"/>
+        </p:nvSpPr>
+        <p:spPr/>
+        <p:txBody>
+          <a:bodyPr/>
           <a:lstStyle/>
           <a:p>
-            <a:pPr algn="ctr"/>
-            <a:endParaRPr lang="en-US"/>
-          </a:p>
-        </p:txBody>
-      </p:sp>
-      <p:sp>
-        <p:nvSpPr>
-          <p:cNvPr id="4" name="Flowchart: Connector 3">
-            <a:extLst>
-              <a:ext uri="{FF2B5EF4-FFF2-40B4-BE49-F238E27FC236}">
-                <a16:creationId xmlns:a16="http://schemas.microsoft.com/office/drawing/2014/main" id="{7D53DB2E-6182-4E20-9DF9-06F059D7A59F}"/>
-              </a:ext>
-            </a:extLst>
-          </p:cNvPr>
-          <p:cNvSpPr/>
-          <p:nvPr/>
-        </p:nvSpPr>
-        <p:spPr>
-          <a:xfrm>
-            <a:off x="4059871" y="1358883"/>
-            <a:ext cx="2227006" cy="2209028"/>
-          </a:xfrm>
-          <a:prstGeom prst="flowChartConnector">
-            <a:avLst/>
-          </a:prstGeom>
-          <a:noFill/>
-        </p:spPr>
-        <p:style>
-          <a:lnRef idx="2">
-            <a:schemeClr val="accent1">
-              <a:shade val="50000"/>
-            </a:schemeClr>
-          </a:lnRef>
-          <a:fillRef idx="1">
-            <a:schemeClr val="accent1"/>
-          </a:fillRef>
-          <a:effectRef idx="0">
-            <a:schemeClr val="accent1"/>
-          </a:effectRef>
-          <a:fontRef idx="minor">
-            <a:schemeClr val="lt1"/>
-          </a:fontRef>
-        </p:style>
-        <p:txBody>
-          <a:bodyPr rtlCol="0" anchor="ctr"/>
-          <a:lstStyle/>
-          <a:p>
-            <a:pPr algn="ctr"/>
-            <a:endParaRPr lang="en-US"/>
-          </a:p>
-        </p:txBody>
-      </p:sp>
-      <p:sp>
-        <p:nvSpPr>
-          <p:cNvPr id="6" name="Flowchart: Connector 5">
-            <a:extLst>
-              <a:ext uri="{FF2B5EF4-FFF2-40B4-BE49-F238E27FC236}">
-                <a16:creationId xmlns:a16="http://schemas.microsoft.com/office/drawing/2014/main" id="{8D7AB063-C814-4040-892B-C087780DD2E3}"/>
-              </a:ext>
-            </a:extLst>
-          </p:cNvPr>
-          <p:cNvSpPr/>
-          <p:nvPr/>
-        </p:nvSpPr>
-        <p:spPr>
-          <a:xfrm>
-            <a:off x="5460540" y="4173238"/>
-            <a:ext cx="2227006" cy="2209028"/>
-          </a:xfrm>
-          <a:prstGeom prst="flowChartConnector">
-            <a:avLst/>
-          </a:prstGeom>
-          <a:noFill/>
-          <a:ln>
-            <a:solidFill>
-              <a:srgbClr val="7030A0"/>
-            </a:solidFill>
-          </a:ln>
-        </p:spPr>
-        <p:style>
-          <a:lnRef idx="2">
-            <a:schemeClr val="accent1">
-              <a:shade val="50000"/>
-            </a:schemeClr>
-          </a:lnRef>
-          <a:fillRef idx="1">
-            <a:schemeClr val="accent1"/>
-          </a:fillRef>
-          <a:effectRef idx="0">
-            <a:schemeClr val="accent1"/>
-          </a:effectRef>
-          <a:fontRef idx="minor">
-            <a:schemeClr val="lt1"/>
-          </a:fontRef>
-        </p:style>
-        <p:txBody>
-          <a:bodyPr rtlCol="0" anchor="ctr"/>
-          <a:lstStyle/>
-          <a:p>
-            <a:pPr algn="ctr"/>
-            <a:endParaRPr lang="en-US"/>
-          </a:p>
-        </p:txBody>
-      </p:sp>
-      <p:sp>
-        <p:nvSpPr>
-          <p:cNvPr id="7" name="Flowchart: Alternate Process 6">
-            <a:extLst>
-              <a:ext uri="{FF2B5EF4-FFF2-40B4-BE49-F238E27FC236}">
-                <a16:creationId xmlns:a16="http://schemas.microsoft.com/office/drawing/2014/main" id="{1EE9D7AA-7B8E-4D6F-AC04-1E558B53FAF7}"/>
-              </a:ext>
-            </a:extLst>
-          </p:cNvPr>
-          <p:cNvSpPr/>
-          <p:nvPr/>
-        </p:nvSpPr>
-        <p:spPr>
-          <a:xfrm>
-            <a:off x="8952271" y="5215192"/>
-            <a:ext cx="1740310" cy="629754"/>
-          </a:xfrm>
-          <a:prstGeom prst="flowChartAlternateProcess">
-            <a:avLst/>
-          </a:prstGeom>
-          <a:noFill/>
-        </p:spPr>
-        <p:style>
-          <a:lnRef idx="2">
-            <a:schemeClr val="accent1">
-              <a:shade val="50000"/>
-            </a:schemeClr>
-          </a:lnRef>
-          <a:fillRef idx="1">
-            <a:schemeClr val="accent1"/>
-          </a:fillRef>
-          <a:effectRef idx="0">
-            <a:schemeClr val="accent1"/>
-          </a:effectRef>
-          <a:fontRef idx="minor">
-            <a:schemeClr val="lt1"/>
-          </a:fontRef>
-        </p:style>
-        <p:txBody>
-          <a:bodyPr rtlCol="0" anchor="ctr"/>
-          <a:lstStyle/>
-          <a:p>
-            <a:pPr algn="ctr"/>
-            <a:endParaRPr lang="en-US"/>
-          </a:p>
-        </p:txBody>
-      </p:sp>
-      <p:sp>
-        <p:nvSpPr>
-          <p:cNvPr id="8" name="Flowchart: Alternate Process 7">
-            <a:extLst>
-              <a:ext uri="{FF2B5EF4-FFF2-40B4-BE49-F238E27FC236}">
-                <a16:creationId xmlns:a16="http://schemas.microsoft.com/office/drawing/2014/main" id="{73293AF7-058F-458A-BA6C-65C236EC78A9}"/>
-              </a:ext>
-            </a:extLst>
-          </p:cNvPr>
-          <p:cNvSpPr/>
-          <p:nvPr/>
-        </p:nvSpPr>
-        <p:spPr>
-          <a:xfrm>
-            <a:off x="8258997" y="1659543"/>
-            <a:ext cx="2423440" cy="2209028"/>
-          </a:xfrm>
-          <a:prstGeom prst="flowChartAlternateProcess">
-            <a:avLst/>
-          </a:prstGeom>
-          <a:noFill/>
-          <a:ln>
-            <a:solidFill>
-              <a:srgbClr val="FF0000"/>
-            </a:solidFill>
-          </a:ln>
-        </p:spPr>
-        <p:style>
-          <a:lnRef idx="2">
-            <a:schemeClr val="accent1">
-              <a:shade val="50000"/>
-            </a:schemeClr>
-          </a:lnRef>
-          <a:fillRef idx="1">
-            <a:schemeClr val="accent1"/>
-          </a:fillRef>
-          <a:effectRef idx="0">
-            <a:schemeClr val="accent1"/>
-          </a:effectRef>
-          <a:fontRef idx="minor">
-            <a:schemeClr val="lt1"/>
-          </a:fontRef>
-        </p:style>
-        <p:txBody>
-          <a:bodyPr rtlCol="0" anchor="ctr"/>
-          <a:lstStyle/>
-          <a:p>
-            <a:pPr algn="ctr"/>
-            <a:endParaRPr lang="en-US"/>
-          </a:p>
-        </p:txBody>
-      </p:sp>
-      <p:cxnSp>
-        <p:nvCxnSpPr>
-          <p:cNvPr id="10" name="Connector: Curved 9">
-            <a:extLst>
-              <a:ext uri="{FF2B5EF4-FFF2-40B4-BE49-F238E27FC236}">
-                <a16:creationId xmlns:a16="http://schemas.microsoft.com/office/drawing/2014/main" id="{EC8CD33E-CA7E-4067-8E05-5BE2764EF98C}"/>
-              </a:ext>
-            </a:extLst>
-          </p:cNvPr>
-          <p:cNvCxnSpPr>
-            <a:cxnSpLocks/>
-            <a:stCxn id="1026" idx="0"/>
-            <a:endCxn id="3" idx="4"/>
-          </p:cNvCxnSpPr>
-          <p:nvPr/>
-        </p:nvCxnSpPr>
-        <p:spPr>
-          <a:xfrm rot="5400000" flipH="1" flipV="1">
-            <a:off x="1463170" y="4006128"/>
-            <a:ext cx="820651" cy="1154873"/>
-          </a:xfrm>
-          <a:prstGeom prst="curvedConnector3">
-            <a:avLst/>
-          </a:prstGeom>
-          <a:ln>
-            <a:tailEnd type="triangle"/>
-          </a:ln>
-        </p:spPr>
-        <p:style>
-          <a:lnRef idx="1">
-            <a:schemeClr val="accent1"/>
-          </a:lnRef>
-          <a:fillRef idx="0">
-            <a:schemeClr val="accent1"/>
-          </a:fillRef>
-          <a:effectRef idx="0">
-            <a:schemeClr val="accent1"/>
-          </a:effectRef>
-          <a:fontRef idx="minor">
-            <a:schemeClr val="tx1"/>
-          </a:fontRef>
-        </p:style>
-      </p:cxnSp>
-      <p:cxnSp>
-        <p:nvCxnSpPr>
-          <p:cNvPr id="16" name="Connector: Curved 15">
-            <a:extLst>
-              <a:ext uri="{FF2B5EF4-FFF2-40B4-BE49-F238E27FC236}">
-                <a16:creationId xmlns:a16="http://schemas.microsoft.com/office/drawing/2014/main" id="{DCA1C561-1949-4DE8-A5FA-42D6F1262C81}"/>
-              </a:ext>
-            </a:extLst>
-          </p:cNvPr>
-          <p:cNvCxnSpPr>
-            <a:cxnSpLocks/>
-            <a:stCxn id="3" idx="0"/>
-            <a:endCxn id="4" idx="1"/>
-          </p:cNvCxnSpPr>
-          <p:nvPr/>
-        </p:nvCxnSpPr>
-        <p:spPr>
-          <a:xfrm rot="5400000" flipH="1" flipV="1">
-            <a:off x="3016788" y="1116533"/>
-            <a:ext cx="803365" cy="1935076"/>
-          </a:xfrm>
-          <a:prstGeom prst="curvedConnector3">
-            <a:avLst>
-              <a:gd name="adj1" fmla="val 100798"/>
-            </a:avLst>
-          </a:prstGeom>
-          <a:ln>
-            <a:tailEnd type="triangle"/>
-          </a:ln>
-        </p:spPr>
-        <p:style>
-          <a:lnRef idx="1">
-            <a:schemeClr val="accent1"/>
-          </a:lnRef>
-          <a:fillRef idx="0">
-            <a:schemeClr val="accent1"/>
-          </a:fillRef>
-          <a:effectRef idx="0">
-            <a:schemeClr val="accent1"/>
-          </a:effectRef>
-          <a:fontRef idx="minor">
-            <a:schemeClr val="tx1"/>
-          </a:fontRef>
-        </p:style>
-      </p:cxnSp>
-      <p:cxnSp>
-        <p:nvCxnSpPr>
-          <p:cNvPr id="20" name="Connector: Curved 19">
-            <a:extLst>
-              <a:ext uri="{FF2B5EF4-FFF2-40B4-BE49-F238E27FC236}">
-                <a16:creationId xmlns:a16="http://schemas.microsoft.com/office/drawing/2014/main" id="{7E42E212-F3DF-43C4-8168-4491FF2609F0}"/>
-              </a:ext>
-            </a:extLst>
-          </p:cNvPr>
-          <p:cNvCxnSpPr>
-            <a:cxnSpLocks/>
-            <a:stCxn id="4" idx="4"/>
-            <a:endCxn id="3" idx="5"/>
-          </p:cNvCxnSpPr>
-          <p:nvPr/>
-        </p:nvCxnSpPr>
-        <p:spPr>
-          <a:xfrm rot="5400000">
-            <a:off x="3937969" y="2690706"/>
-            <a:ext cx="358201" cy="2112610"/>
-          </a:xfrm>
-          <a:prstGeom prst="curvedConnector3">
-            <a:avLst>
-              <a:gd name="adj1" fmla="val 142228"/>
-            </a:avLst>
-          </a:prstGeom>
-          <a:ln>
-            <a:tailEnd type="triangle"/>
-          </a:ln>
-        </p:spPr>
-        <p:style>
-          <a:lnRef idx="1">
-            <a:schemeClr val="accent1"/>
-          </a:lnRef>
-          <a:fillRef idx="0">
-            <a:schemeClr val="accent1"/>
-          </a:fillRef>
-          <a:effectRef idx="0">
-            <a:schemeClr val="accent1"/>
-          </a:effectRef>
-          <a:fontRef idx="minor">
-            <a:schemeClr val="tx1"/>
-          </a:fontRef>
-        </p:style>
-      </p:cxnSp>
-      <p:cxnSp>
-        <p:nvCxnSpPr>
-          <p:cNvPr id="23" name="Connector: Curved 22">
-            <a:extLst>
-              <a:ext uri="{FF2B5EF4-FFF2-40B4-BE49-F238E27FC236}">
-                <a16:creationId xmlns:a16="http://schemas.microsoft.com/office/drawing/2014/main" id="{BB5DFEDC-93AC-491E-9B72-12B2861A62CE}"/>
-              </a:ext>
-            </a:extLst>
-          </p:cNvPr>
-          <p:cNvCxnSpPr>
-            <a:cxnSpLocks/>
-            <a:stCxn id="4" idx="5"/>
-            <a:endCxn id="6" idx="0"/>
-          </p:cNvCxnSpPr>
-          <p:nvPr/>
-        </p:nvCxnSpPr>
-        <p:spPr>
-          <a:xfrm rot="16200000" flipH="1">
-            <a:off x="5802975" y="3402170"/>
-            <a:ext cx="928832" cy="613303"/>
-          </a:xfrm>
-          <a:prstGeom prst="curvedConnector3">
-            <a:avLst/>
-          </a:prstGeom>
-          <a:ln>
-            <a:tailEnd type="triangle"/>
-          </a:ln>
-        </p:spPr>
-        <p:style>
-          <a:lnRef idx="1">
-            <a:schemeClr val="accent1"/>
-          </a:lnRef>
-          <a:fillRef idx="0">
-            <a:schemeClr val="accent1"/>
-          </a:fillRef>
-          <a:effectRef idx="0">
-            <a:schemeClr val="accent1"/>
-          </a:effectRef>
-          <a:fontRef idx="minor">
-            <a:schemeClr val="tx1"/>
-          </a:fontRef>
-        </p:style>
-      </p:cxnSp>
-      <p:cxnSp>
-        <p:nvCxnSpPr>
-          <p:cNvPr id="30" name="Connector: Curved 29">
-            <a:extLst>
-              <a:ext uri="{FF2B5EF4-FFF2-40B4-BE49-F238E27FC236}">
-                <a16:creationId xmlns:a16="http://schemas.microsoft.com/office/drawing/2014/main" id="{EF70F8BE-6E40-4E82-8E08-170593D46823}"/>
-              </a:ext>
-            </a:extLst>
-          </p:cNvPr>
-          <p:cNvCxnSpPr>
-            <a:cxnSpLocks/>
-            <a:endCxn id="7" idx="1"/>
-          </p:cNvCxnSpPr>
-          <p:nvPr/>
-        </p:nvCxnSpPr>
-        <p:spPr>
-          <a:xfrm>
-            <a:off x="7272770" y="4424516"/>
-            <a:ext cx="1679501" cy="1105553"/>
-          </a:xfrm>
-          <a:prstGeom prst="curvedConnector3">
-            <a:avLst>
-              <a:gd name="adj1" fmla="val 72832"/>
-            </a:avLst>
-          </a:prstGeom>
-          <a:ln>
-            <a:tailEnd type="triangle"/>
-          </a:ln>
-        </p:spPr>
-        <p:style>
-          <a:lnRef idx="1">
-            <a:schemeClr val="accent1"/>
-          </a:lnRef>
-          <a:fillRef idx="0">
-            <a:schemeClr val="accent1"/>
-          </a:fillRef>
-          <a:effectRef idx="0">
-            <a:schemeClr val="accent1"/>
-          </a:effectRef>
-          <a:fontRef idx="minor">
-            <a:schemeClr val="tx1"/>
-          </a:fontRef>
-        </p:style>
-      </p:cxnSp>
-      <p:cxnSp>
-        <p:nvCxnSpPr>
-          <p:cNvPr id="39" name="Straight Arrow Connector 38">
-            <a:extLst>
-              <a:ext uri="{FF2B5EF4-FFF2-40B4-BE49-F238E27FC236}">
-                <a16:creationId xmlns:a16="http://schemas.microsoft.com/office/drawing/2014/main" id="{BCF9AE19-04B0-44ED-9867-2DD29672CC9A}"/>
-              </a:ext>
-            </a:extLst>
-          </p:cNvPr>
-          <p:cNvCxnSpPr>
-            <a:stCxn id="8" idx="2"/>
-          </p:cNvCxnSpPr>
-          <p:nvPr/>
-        </p:nvCxnSpPr>
-        <p:spPr>
-          <a:xfrm>
-            <a:off x="9470717" y="3868571"/>
-            <a:ext cx="0" cy="1346621"/>
-          </a:xfrm>
-          <a:prstGeom prst="straightConnector1">
-            <a:avLst/>
-          </a:prstGeom>
-          <a:ln>
-            <a:tailEnd type="triangle"/>
-          </a:ln>
-        </p:spPr>
-        <p:style>
-          <a:lnRef idx="1">
-            <a:schemeClr val="accent1"/>
-          </a:lnRef>
-          <a:fillRef idx="0">
-            <a:schemeClr val="accent1"/>
-          </a:fillRef>
-          <a:effectRef idx="0">
-            <a:schemeClr val="accent1"/>
-          </a:effectRef>
-          <a:fontRef idx="minor">
-            <a:schemeClr val="tx1"/>
-          </a:fontRef>
-        </p:style>
-      </p:cxnSp>
-      <p:cxnSp>
-        <p:nvCxnSpPr>
-          <p:cNvPr id="41" name="Straight Arrow Connector 40">
-            <a:extLst>
-              <a:ext uri="{FF2B5EF4-FFF2-40B4-BE49-F238E27FC236}">
-                <a16:creationId xmlns:a16="http://schemas.microsoft.com/office/drawing/2014/main" id="{DEA1C488-265A-4629-8D9E-475936F52D8B}"/>
-              </a:ext>
-            </a:extLst>
-          </p:cNvPr>
-          <p:cNvCxnSpPr>
-            <a:cxnSpLocks/>
-            <a:stCxn id="7" idx="0"/>
-          </p:cNvCxnSpPr>
-          <p:nvPr/>
-        </p:nvCxnSpPr>
-        <p:spPr>
-          <a:xfrm flipV="1">
-            <a:off x="9822426" y="3868571"/>
-            <a:ext cx="12296" cy="1346621"/>
-          </a:xfrm>
-          <a:prstGeom prst="straightConnector1">
-            <a:avLst/>
-          </a:prstGeom>
-          <a:ln>
-            <a:tailEnd type="triangle"/>
-          </a:ln>
-        </p:spPr>
-        <p:style>
-          <a:lnRef idx="1">
-            <a:schemeClr val="accent1"/>
-          </a:lnRef>
-          <a:fillRef idx="0">
-            <a:schemeClr val="accent1"/>
-          </a:fillRef>
-          <a:effectRef idx="0">
-            <a:schemeClr val="accent1"/>
-          </a:effectRef>
-          <a:fontRef idx="minor">
-            <a:schemeClr val="tx1"/>
-          </a:fontRef>
-        </p:style>
-      </p:cxnSp>
-      <p:cxnSp>
-        <p:nvCxnSpPr>
-          <p:cNvPr id="44" name="Connector: Elbow 43">
-            <a:extLst>
-              <a:ext uri="{FF2B5EF4-FFF2-40B4-BE49-F238E27FC236}">
-                <a16:creationId xmlns:a16="http://schemas.microsoft.com/office/drawing/2014/main" id="{D593C71F-F0F5-4C78-8D27-65EB8926E90E}"/>
-              </a:ext>
-            </a:extLst>
-          </p:cNvPr>
-          <p:cNvCxnSpPr>
-            <a:cxnSpLocks/>
-            <a:endCxn id="7" idx="2"/>
-          </p:cNvCxnSpPr>
-          <p:nvPr/>
-        </p:nvCxnSpPr>
-        <p:spPr>
-          <a:xfrm>
-            <a:off x="2630751" y="5261979"/>
-            <a:ext cx="7191675" cy="582967"/>
-          </a:xfrm>
-          <a:prstGeom prst="bentConnector4">
-            <a:avLst>
-              <a:gd name="adj1" fmla="val 269"/>
-              <a:gd name="adj2" fmla="val 242938"/>
-            </a:avLst>
-          </a:prstGeom>
-          <a:ln>
-            <a:tailEnd type="triangle"/>
-          </a:ln>
-        </p:spPr>
-        <p:style>
-          <a:lnRef idx="1">
-            <a:schemeClr val="accent1"/>
-          </a:lnRef>
-          <a:fillRef idx="0">
-            <a:schemeClr val="accent1"/>
-          </a:fillRef>
-          <a:effectRef idx="0">
-            <a:schemeClr val="accent1"/>
-          </a:effectRef>
-          <a:fontRef idx="minor">
-            <a:schemeClr val="tx1"/>
-          </a:fontRef>
-        </p:style>
-      </p:cxnSp>
-      <p:sp>
-        <p:nvSpPr>
-          <p:cNvPr id="49" name="TextBox 48">
-            <a:extLst>
-              <a:ext uri="{FF2B5EF4-FFF2-40B4-BE49-F238E27FC236}">
-                <a16:creationId xmlns:a16="http://schemas.microsoft.com/office/drawing/2014/main" id="{A89EAF68-7321-4E5E-8FCB-8B98F30961FE}"/>
-              </a:ext>
-            </a:extLst>
-          </p:cNvPr>
-          <p:cNvSpPr txBox="1"/>
-          <p:nvPr/>
-        </p:nvSpPr>
-        <p:spPr>
-          <a:xfrm>
-            <a:off x="973394" y="6084525"/>
-            <a:ext cx="957489" cy="830997"/>
-          </a:xfrm>
-          <a:prstGeom prst="rect">
-            <a:avLst/>
-          </a:prstGeom>
-          <a:noFill/>
-        </p:spPr>
-        <p:txBody>
-          <a:bodyPr wrap="square" rtlCol="0">
-            <a:spAutoFit/>
-          </a:bodyPr>
-          <a:lstStyle/>
-          <a:p>
-            <a:r>
-              <a:rPr lang="en-US" sz="1000" dirty="0"/>
-              <a:t>csv Files (4) located in data folder.</a:t>
-            </a:r>
-          </a:p>
-          <a:p>
-            <a:endParaRPr lang="en-US" dirty="0"/>
-          </a:p>
-        </p:txBody>
-      </p:sp>
-      <p:sp>
-        <p:nvSpPr>
-          <p:cNvPr id="64" name="TextBox 63">
-            <a:extLst>
-              <a:ext uri="{FF2B5EF4-FFF2-40B4-BE49-F238E27FC236}">
-                <a16:creationId xmlns:a16="http://schemas.microsoft.com/office/drawing/2014/main" id="{206E78B0-89DE-4B32-9456-66A76B3D3D50}"/>
-              </a:ext>
-            </a:extLst>
-          </p:cNvPr>
-          <p:cNvSpPr txBox="1"/>
-          <p:nvPr/>
-        </p:nvSpPr>
-        <p:spPr>
-          <a:xfrm>
-            <a:off x="2464741" y="4280196"/>
-            <a:ext cx="1154873" cy="1138773"/>
-          </a:xfrm>
-          <a:prstGeom prst="rect">
-            <a:avLst/>
-          </a:prstGeom>
-          <a:noFill/>
-        </p:spPr>
-        <p:txBody>
-          <a:bodyPr wrap="square" rtlCol="0">
-            <a:spAutoFit/>
-          </a:bodyPr>
-          <a:lstStyle/>
-          <a:p>
-            <a:r>
-              <a:rPr lang="en-US" sz="1000" dirty="0"/>
-              <a:t>Data manipulation, cleaning, and mining.  Database connection.</a:t>
-            </a:r>
-          </a:p>
-          <a:p>
-            <a:endParaRPr lang="en-US" dirty="0"/>
-          </a:p>
-        </p:txBody>
-      </p:sp>
-      <p:sp>
-        <p:nvSpPr>
-          <p:cNvPr id="65" name="TextBox 64">
-            <a:extLst>
-              <a:ext uri="{FF2B5EF4-FFF2-40B4-BE49-F238E27FC236}">
-                <a16:creationId xmlns:a16="http://schemas.microsoft.com/office/drawing/2014/main" id="{C8EC5437-6AF9-4F7C-83D9-C635A7E0CDCA}"/>
-              </a:ext>
-            </a:extLst>
-          </p:cNvPr>
-          <p:cNvSpPr txBox="1"/>
-          <p:nvPr/>
-        </p:nvSpPr>
-        <p:spPr>
-          <a:xfrm>
-            <a:off x="5994948" y="1141530"/>
-            <a:ext cx="957489" cy="830997"/>
-          </a:xfrm>
-          <a:prstGeom prst="rect">
-            <a:avLst/>
-          </a:prstGeom>
-          <a:noFill/>
-        </p:spPr>
-        <p:txBody>
-          <a:bodyPr wrap="square" rtlCol="0">
-            <a:spAutoFit/>
-          </a:bodyPr>
-          <a:lstStyle/>
-          <a:p>
-            <a:r>
-              <a:rPr lang="en-US" sz="1000" dirty="0"/>
-              <a:t>SQL database in Postgres server.</a:t>
-            </a:r>
-          </a:p>
-          <a:p>
-            <a:endParaRPr lang="en-US" dirty="0"/>
-          </a:p>
-        </p:txBody>
-      </p:sp>
-      <p:sp>
-        <p:nvSpPr>
-          <p:cNvPr id="66" name="TextBox 65">
-            <a:extLst>
-              <a:ext uri="{FF2B5EF4-FFF2-40B4-BE49-F238E27FC236}">
-                <a16:creationId xmlns:a16="http://schemas.microsoft.com/office/drawing/2014/main" id="{774611B5-4FA8-493F-81C1-9020CC76A1DE}"/>
-              </a:ext>
-            </a:extLst>
-          </p:cNvPr>
-          <p:cNvSpPr txBox="1"/>
-          <p:nvPr/>
-        </p:nvSpPr>
-        <p:spPr>
-          <a:xfrm>
-            <a:off x="6702849" y="3674617"/>
-            <a:ext cx="1117039" cy="830997"/>
-          </a:xfrm>
-          <a:prstGeom prst="rect">
-            <a:avLst/>
-          </a:prstGeom>
-          <a:noFill/>
-        </p:spPr>
-        <p:txBody>
-          <a:bodyPr wrap="square" rtlCol="0">
-            <a:spAutoFit/>
-          </a:bodyPr>
-          <a:lstStyle/>
-          <a:p>
-            <a:r>
-              <a:rPr lang="en-US" sz="1000" dirty="0"/>
-              <a:t>Web application framework JSON API</a:t>
-            </a:r>
-          </a:p>
-          <a:p>
-            <a:endParaRPr lang="en-US" dirty="0"/>
-          </a:p>
-        </p:txBody>
-      </p:sp>
-      <p:sp>
-        <p:nvSpPr>
-          <p:cNvPr id="67" name="TextBox 66">
-            <a:extLst>
-              <a:ext uri="{FF2B5EF4-FFF2-40B4-BE49-F238E27FC236}">
-                <a16:creationId xmlns:a16="http://schemas.microsoft.com/office/drawing/2014/main" id="{C574D3F6-5E80-45EA-A7ED-371D5EB2B3F0}"/>
-              </a:ext>
-            </a:extLst>
-          </p:cNvPr>
-          <p:cNvSpPr txBox="1"/>
-          <p:nvPr/>
-        </p:nvSpPr>
-        <p:spPr>
-          <a:xfrm>
-            <a:off x="9818870" y="5867470"/>
-            <a:ext cx="1117039" cy="830997"/>
-          </a:xfrm>
-          <a:prstGeom prst="rect">
-            <a:avLst/>
-          </a:prstGeom>
-          <a:noFill/>
-        </p:spPr>
-        <p:txBody>
-          <a:bodyPr wrap="square" rtlCol="0">
-            <a:spAutoFit/>
-          </a:bodyPr>
-          <a:lstStyle/>
-          <a:p>
-            <a:r>
-              <a:rPr lang="en-US" sz="1000" dirty="0"/>
-              <a:t>Json API reader, </a:t>
-            </a:r>
-            <a:r>
-              <a:rPr lang="en-US" sz="1000" dirty="0" err="1"/>
-              <a:t>Jquery</a:t>
-            </a:r>
-            <a:r>
-              <a:rPr lang="en-US" sz="1000" dirty="0"/>
-              <a:t>, D3, Leaflet. </a:t>
-            </a:r>
-          </a:p>
-          <a:p>
-            <a:endParaRPr lang="en-US" dirty="0"/>
-          </a:p>
-        </p:txBody>
-      </p:sp>
-      <p:sp>
-        <p:nvSpPr>
-          <p:cNvPr id="68" name="TextBox 67">
-            <a:extLst>
-              <a:ext uri="{FF2B5EF4-FFF2-40B4-BE49-F238E27FC236}">
-                <a16:creationId xmlns:a16="http://schemas.microsoft.com/office/drawing/2014/main" id="{029649E6-89D5-43B0-BCAC-471D668A61A9}"/>
-              </a:ext>
-            </a:extLst>
-          </p:cNvPr>
-          <p:cNvSpPr txBox="1"/>
-          <p:nvPr/>
-        </p:nvSpPr>
-        <p:spPr>
-          <a:xfrm>
-            <a:off x="10681052" y="1483067"/>
-            <a:ext cx="1117039" cy="830997"/>
-          </a:xfrm>
-          <a:prstGeom prst="rect">
-            <a:avLst/>
-          </a:prstGeom>
-          <a:noFill/>
-        </p:spPr>
-        <p:txBody>
-          <a:bodyPr wrap="square" rtlCol="0">
-            <a:spAutoFit/>
-          </a:bodyPr>
-          <a:lstStyle/>
-          <a:p>
-            <a:r>
-              <a:rPr lang="en-US" sz="1000" dirty="0"/>
-              <a:t>Web visualization</a:t>
-            </a:r>
-          </a:p>
-          <a:p>
-            <a:r>
-              <a:rPr lang="en-US" sz="1000" dirty="0"/>
-              <a:t>- Flask</a:t>
-            </a:r>
-          </a:p>
-          <a:p>
-            <a:r>
-              <a:rPr lang="en-US" sz="1000" dirty="0"/>
-              <a:t>- Static html</a:t>
-            </a:r>
-          </a:p>
-          <a:p>
+            <a:pPr algn="ctr" rtl="0">
+              <a:spcBef>
+                <a:spcPts val="0"/>
+              </a:spcBef>
+              <a:spcAft>
+                <a:spcPts val="1600"/>
+              </a:spcAft>
+            </a:pPr>
+            <a:r>
+              <a:rPr lang="en-US" dirty="0"/>
+              <a:t>Gabriel </a:t>
+            </a:r>
+            <a:r>
+              <a:rPr lang="en-US" dirty="0" err="1"/>
+              <a:t>Alade</a:t>
+            </a:r>
+            <a:r>
+              <a:rPr lang="en-US" dirty="0"/>
+              <a:t>, Chad </a:t>
+            </a:r>
+            <a:r>
+              <a:rPr lang="en-US" dirty="0" err="1"/>
+              <a:t>Dubiel</a:t>
+            </a:r>
+            <a:r>
+              <a:rPr lang="en-US" dirty="0"/>
+              <a:t>, Jeremy Jones, Nick </a:t>
+            </a:r>
+            <a:r>
+              <a:rPr lang="en-US" dirty="0" err="1"/>
+              <a:t>Orewiler</a:t>
+            </a:r>
+            <a:r>
+              <a:rPr lang="en-US" dirty="0"/>
+              <a:t>, and Debra Wu</a:t>
+            </a:r>
+          </a:p>
+          <a:p>
+            <a:pPr algn="ctr" rtl="0">
+              <a:spcBef>
+                <a:spcPts val="0"/>
+              </a:spcBef>
+              <a:spcAft>
+                <a:spcPts val="1600"/>
+              </a:spcAft>
+            </a:pPr>
             <a:endParaRPr lang="en-US" dirty="0"/>
           </a:p>
         </p:txBody>
@@ -5632,7 +4894,7 @@
     </p:spTree>
     <p:extLst>
       <p:ext uri="{BB962C8B-B14F-4D97-AF65-F5344CB8AC3E}">
-        <p14:creationId xmlns:p14="http://schemas.microsoft.com/office/powerpoint/2010/main" val="592535044"/>
+        <p14:creationId xmlns:p14="http://schemas.microsoft.com/office/powerpoint/2010/main" val="1734955971"/>
       </p:ext>
     </p:extLst>
   </p:cSld>
@@ -5643,7 +4905,7 @@
 </file>
 
 <file path=ppt/slides/slide5.xml><?xml version="1.0" encoding="utf-8"?>
-<p:sld xmlns:a="http://schemas.openxmlformats.org/drawingml/2006/main" xmlns:r="http://schemas.openxmlformats.org/officeDocument/2006/relationships" xmlns:p="http://schemas.openxmlformats.org/presentationml/2006/main">
+<p:sld xmlns:a="http://schemas.openxmlformats.org/drawingml/2006/main" xmlns:r="http://schemas.openxmlformats.org/officeDocument/2006/relationships" xmlns:p="http://schemas.openxmlformats.org/presentationml/2006/main" showMasterSp="0">
   <p:cSld>
     <p:spTree>
       <p:nvGrpSpPr>
@@ -5675,147 +4937,1194 @@
             <p:ph type="title"/>
           </p:nvPr>
         </p:nvSpPr>
-        <p:spPr/>
+        <p:spPr>
+          <a:xfrm>
+            <a:off x="644459" y="675392"/>
+            <a:ext cx="11029616" cy="772656"/>
+          </a:xfrm>
+        </p:spPr>
         <p:txBody>
           <a:bodyPr/>
           <a:lstStyle/>
           <a:p>
             <a:r>
               <a:rPr lang="en-US" dirty="0"/>
-              <a:t>Data Set</a:t>
-            </a:r>
-          </a:p>
-        </p:txBody>
-      </p:sp>
-      <p:sp>
-        <p:nvSpPr>
-          <p:cNvPr id="5" name="Content Placeholder 4">
+              <a:t>Workflow</a:t>
+            </a:r>
+          </a:p>
+        </p:txBody>
+      </p:sp>
+      <p:pic>
+        <p:nvPicPr>
+          <p:cNvPr id="1026" name="Picture 2">
             <a:extLst>
               <a:ext uri="{FF2B5EF4-FFF2-40B4-BE49-F238E27FC236}">
-                <a16:creationId xmlns:a16="http://schemas.microsoft.com/office/drawing/2014/main" id="{7C950646-04B8-42F2-8E49-19287D33CA22}"/>
+                <a16:creationId xmlns:a16="http://schemas.microsoft.com/office/drawing/2014/main" id="{751E9A83-8EA9-49D1-872C-2E95843F3566}"/>
               </a:ext>
             </a:extLst>
           </p:cNvPr>
-          <p:cNvSpPr>
-            <a:spLocks noGrp="1"/>
-          </p:cNvSpPr>
+          <p:cNvPicPr>
+            <a:picLocks noGrp="1" noChangeAspect="1" noChangeArrowheads="1"/>
+          </p:cNvPicPr>
           <p:nvPr>
             <p:ph idx="1"/>
           </p:nvPr>
-        </p:nvSpPr>
-        <p:spPr/>
-        <p:txBody>
-          <a:bodyPr/>
+        </p:nvPicPr>
+        <p:blipFill>
+          <a:blip r:embed="rId2">
+            <a:extLst>
+              <a:ext uri="{28A0092B-C50C-407E-A947-70E740481C1C}">
+                <a14:useLocalDpi xmlns:a14="http://schemas.microsoft.com/office/drawing/2010/main" val="0"/>
+              </a:ext>
+            </a:extLst>
+          </a:blip>
+          <a:srcRect/>
+          <a:stretch>
+            <a:fillRect/>
+          </a:stretch>
+        </p:blipFill>
+        <p:spPr bwMode="auto">
+          <a:xfrm>
+            <a:off x="817314" y="4993889"/>
+            <a:ext cx="957489" cy="957489"/>
+          </a:xfrm>
+          <a:prstGeom prst="rect">
+            <a:avLst/>
+          </a:prstGeom>
+          <a:noFill/>
+          <a:extLst>
+            <a:ext uri="{909E8E84-426E-40DD-AFC4-6F175D3DCCD1}">
+              <a14:hiddenFill xmlns:a14="http://schemas.microsoft.com/office/drawing/2010/main">
+                <a:solidFill>
+                  <a:srgbClr val="FFFFFF"/>
+                </a:solidFill>
+              </a14:hiddenFill>
+            </a:ext>
+          </a:extLst>
+        </p:spPr>
+      </p:pic>
+      <p:pic>
+        <p:nvPicPr>
+          <p:cNvPr id="1028" name="Picture 4">
+            <a:extLst>
+              <a:ext uri="{FF2B5EF4-FFF2-40B4-BE49-F238E27FC236}">
+                <a16:creationId xmlns:a16="http://schemas.microsoft.com/office/drawing/2014/main" id="{62E8B4F4-6091-4A5D-85FD-5021F58BD02E}"/>
+              </a:ext>
+            </a:extLst>
+          </p:cNvPr>
+          <p:cNvPicPr>
+            <a:picLocks noChangeAspect="1" noChangeArrowheads="1"/>
+          </p:cNvPicPr>
+          <p:nvPr/>
+        </p:nvPicPr>
+        <p:blipFill>
+          <a:blip r:embed="rId3">
+            <a:extLst>
+              <a:ext uri="{28A0092B-C50C-407E-A947-70E740481C1C}">
+                <a14:useLocalDpi xmlns:a14="http://schemas.microsoft.com/office/drawing/2010/main" val="0"/>
+              </a:ext>
+            </a:extLst>
+          </a:blip>
+          <a:srcRect/>
+          <a:stretch>
+            <a:fillRect/>
+          </a:stretch>
+        </p:blipFill>
+        <p:spPr bwMode="auto">
+          <a:xfrm>
+            <a:off x="1645231" y="2836736"/>
+            <a:ext cx="985520" cy="985520"/>
+          </a:xfrm>
+          <a:prstGeom prst="rect">
+            <a:avLst/>
+          </a:prstGeom>
+          <a:noFill/>
+          <a:extLst>
+            <a:ext uri="{909E8E84-426E-40DD-AFC4-6F175D3DCCD1}">
+              <a14:hiddenFill xmlns:a14="http://schemas.microsoft.com/office/drawing/2010/main">
+                <a:solidFill>
+                  <a:srgbClr val="FFFFFF"/>
+                </a:solidFill>
+              </a14:hiddenFill>
+            </a:ext>
+          </a:extLst>
+        </p:spPr>
+      </p:pic>
+      <p:pic>
+        <p:nvPicPr>
+          <p:cNvPr id="1032" name="Picture 8">
+            <a:extLst>
+              <a:ext uri="{FF2B5EF4-FFF2-40B4-BE49-F238E27FC236}">
+                <a16:creationId xmlns:a16="http://schemas.microsoft.com/office/drawing/2014/main" id="{8B457422-FC9E-4FF5-B191-EF0C74B99B64}"/>
+              </a:ext>
+            </a:extLst>
+          </p:cNvPr>
+          <p:cNvPicPr>
+            <a:picLocks noChangeAspect="1" noChangeArrowheads="1"/>
+          </p:cNvPicPr>
+          <p:nvPr/>
+        </p:nvPicPr>
+        <p:blipFill rotWithShape="1">
+          <a:blip r:embed="rId4">
+            <a:extLst>
+              <a:ext uri="{28A0092B-C50C-407E-A947-70E740481C1C}">
+                <a14:useLocalDpi xmlns:a14="http://schemas.microsoft.com/office/drawing/2010/main" val="0"/>
+              </a:ext>
+            </a:extLst>
+          </a:blip>
+          <a:srcRect l="3355" t="2933" r="74637"/>
+          <a:stretch/>
+        </p:blipFill>
+        <p:spPr bwMode="auto">
+          <a:xfrm>
+            <a:off x="2630751" y="3297802"/>
+            <a:ext cx="591501" cy="663941"/>
+          </a:xfrm>
+          <a:prstGeom prst="rect">
+            <a:avLst/>
+          </a:prstGeom>
+          <a:noFill/>
+          <a:extLst>
+            <a:ext uri="{909E8E84-426E-40DD-AFC4-6F175D3DCCD1}">
+              <a14:hiddenFill xmlns:a14="http://schemas.microsoft.com/office/drawing/2010/main">
+                <a:solidFill>
+                  <a:srgbClr val="FFFFFF"/>
+                </a:solidFill>
+              </a14:hiddenFill>
+            </a:ext>
+          </a:extLst>
+        </p:spPr>
+      </p:pic>
+      <p:pic>
+        <p:nvPicPr>
+          <p:cNvPr id="1034" name="Picture 10">
+            <a:extLst>
+              <a:ext uri="{FF2B5EF4-FFF2-40B4-BE49-F238E27FC236}">
+                <a16:creationId xmlns:a16="http://schemas.microsoft.com/office/drawing/2014/main" id="{796852F3-E2E1-4C22-929B-19379B68D674}"/>
+              </a:ext>
+            </a:extLst>
+          </p:cNvPr>
+          <p:cNvPicPr>
+            <a:picLocks noChangeAspect="1" noChangeArrowheads="1"/>
+          </p:cNvPicPr>
+          <p:nvPr/>
+        </p:nvPicPr>
+        <p:blipFill>
+          <a:blip r:embed="rId5">
+            <a:extLst>
+              <a:ext uri="{28A0092B-C50C-407E-A947-70E740481C1C}">
+                <a14:useLocalDpi xmlns:a14="http://schemas.microsoft.com/office/drawing/2010/main" val="0"/>
+              </a:ext>
+            </a:extLst>
+          </a:blip>
+          <a:srcRect/>
+          <a:stretch>
+            <a:fillRect/>
+          </a:stretch>
+        </p:blipFill>
+        <p:spPr bwMode="auto">
+          <a:xfrm>
+            <a:off x="5875316" y="4292917"/>
+            <a:ext cx="1397454" cy="1791608"/>
+          </a:xfrm>
+          <a:prstGeom prst="rect">
+            <a:avLst/>
+          </a:prstGeom>
+          <a:noFill/>
+          <a:extLst>
+            <a:ext uri="{909E8E84-426E-40DD-AFC4-6F175D3DCCD1}">
+              <a14:hiddenFill xmlns:a14="http://schemas.microsoft.com/office/drawing/2010/main">
+                <a:solidFill>
+                  <a:srgbClr val="FFFFFF"/>
+                </a:solidFill>
+              </a14:hiddenFill>
+            </a:ext>
+          </a:extLst>
+        </p:spPr>
+      </p:pic>
+      <p:pic>
+        <p:nvPicPr>
+          <p:cNvPr id="1036" name="Picture 12">
+            <a:extLst>
+              <a:ext uri="{FF2B5EF4-FFF2-40B4-BE49-F238E27FC236}">
+                <a16:creationId xmlns:a16="http://schemas.microsoft.com/office/drawing/2014/main" id="{8AFD5355-6B0D-47C3-B3C4-4BB108AC1BC6}"/>
+              </a:ext>
+            </a:extLst>
+          </p:cNvPr>
+          <p:cNvPicPr>
+            <a:picLocks noChangeAspect="1" noChangeArrowheads="1"/>
+          </p:cNvPicPr>
+          <p:nvPr/>
+        </p:nvPicPr>
+        <p:blipFill>
+          <a:blip r:embed="rId6">
+            <a:extLst>
+              <a:ext uri="{28A0092B-C50C-407E-A947-70E740481C1C}">
+                <a14:useLocalDpi xmlns:a14="http://schemas.microsoft.com/office/drawing/2010/main" val="0"/>
+              </a:ext>
+            </a:extLst>
+          </a:blip>
+          <a:srcRect/>
+          <a:stretch>
+            <a:fillRect/>
+          </a:stretch>
+        </p:blipFill>
+        <p:spPr bwMode="auto">
+          <a:xfrm>
+            <a:off x="4207772" y="1497795"/>
+            <a:ext cx="1931205" cy="1931205"/>
+          </a:xfrm>
+          <a:prstGeom prst="rect">
+            <a:avLst/>
+          </a:prstGeom>
+          <a:noFill/>
+          <a:extLst>
+            <a:ext uri="{909E8E84-426E-40DD-AFC4-6F175D3DCCD1}">
+              <a14:hiddenFill xmlns:a14="http://schemas.microsoft.com/office/drawing/2010/main">
+                <a:solidFill>
+                  <a:srgbClr val="FFFFFF"/>
+                </a:solidFill>
+              </a14:hiddenFill>
+            </a:ext>
+          </a:extLst>
+        </p:spPr>
+      </p:pic>
+      <p:pic>
+        <p:nvPicPr>
+          <p:cNvPr id="1048" name="Picture 24" descr="See the source image">
+            <a:extLst>
+              <a:ext uri="{FF2B5EF4-FFF2-40B4-BE49-F238E27FC236}">
+                <a16:creationId xmlns:a16="http://schemas.microsoft.com/office/drawing/2014/main" id="{91C8287E-DDA1-49CC-8D5C-5985AA1CCE33}"/>
+              </a:ext>
+            </a:extLst>
+          </p:cNvPr>
+          <p:cNvPicPr>
+            <a:picLocks noChangeAspect="1" noChangeArrowheads="1"/>
+          </p:cNvPicPr>
+          <p:nvPr/>
+        </p:nvPicPr>
+        <p:blipFill>
+          <a:blip r:embed="rId7">
+            <a:extLst>
+              <a:ext uri="{28A0092B-C50C-407E-A947-70E740481C1C}">
+                <a14:useLocalDpi xmlns:a14="http://schemas.microsoft.com/office/drawing/2010/main" val="0"/>
+              </a:ext>
+            </a:extLst>
+          </a:blip>
+          <a:srcRect/>
+          <a:stretch>
+            <a:fillRect/>
+          </a:stretch>
+        </p:blipFill>
+        <p:spPr bwMode="auto">
+          <a:xfrm>
+            <a:off x="9122495" y="5215192"/>
+            <a:ext cx="1397454" cy="629754"/>
+          </a:xfrm>
+          <a:prstGeom prst="rect">
+            <a:avLst/>
+          </a:prstGeom>
+          <a:noFill/>
+          <a:extLst>
+            <a:ext uri="{909E8E84-426E-40DD-AFC4-6F175D3DCCD1}">
+              <a14:hiddenFill xmlns:a14="http://schemas.microsoft.com/office/drawing/2010/main">
+                <a:solidFill>
+                  <a:srgbClr val="FFFFFF"/>
+                </a:solidFill>
+              </a14:hiddenFill>
+            </a:ext>
+          </a:extLst>
+        </p:spPr>
+      </p:pic>
+      <p:pic>
+        <p:nvPicPr>
+          <p:cNvPr id="1052" name="Picture 28" descr="See the source image">
+            <a:extLst>
+              <a:ext uri="{FF2B5EF4-FFF2-40B4-BE49-F238E27FC236}">
+                <a16:creationId xmlns:a16="http://schemas.microsoft.com/office/drawing/2014/main" id="{18C62DF7-2810-4415-8D9C-38784EEC7F25}"/>
+              </a:ext>
+            </a:extLst>
+          </p:cNvPr>
+          <p:cNvPicPr>
+            <a:picLocks noChangeAspect="1" noChangeArrowheads="1"/>
+          </p:cNvPicPr>
+          <p:nvPr/>
+        </p:nvPicPr>
+        <p:blipFill>
+          <a:blip r:embed="rId8">
+            <a:extLst>
+              <a:ext uri="{28A0092B-C50C-407E-A947-70E740481C1C}">
+                <a14:useLocalDpi xmlns:a14="http://schemas.microsoft.com/office/drawing/2010/main" val="0"/>
+              </a:ext>
+            </a:extLst>
+          </a:blip>
+          <a:srcRect/>
+          <a:stretch>
+            <a:fillRect/>
+          </a:stretch>
+        </p:blipFill>
+        <p:spPr bwMode="auto">
+          <a:xfrm>
+            <a:off x="8505115" y="1752716"/>
+            <a:ext cx="1931205" cy="2022683"/>
+          </a:xfrm>
+          <a:prstGeom prst="rect">
+            <a:avLst/>
+          </a:prstGeom>
+          <a:noFill/>
+          <a:extLst>
+            <a:ext uri="{909E8E84-426E-40DD-AFC4-6F175D3DCCD1}">
+              <a14:hiddenFill xmlns:a14="http://schemas.microsoft.com/office/drawing/2010/main">
+                <a:solidFill>
+                  <a:srgbClr val="FFFFFF"/>
+                </a:solidFill>
+              </a14:hiddenFill>
+            </a:ext>
+          </a:extLst>
+        </p:spPr>
+      </p:pic>
+      <p:sp>
+        <p:nvSpPr>
+          <p:cNvPr id="3" name="Flowchart: Connector 2">
+            <a:extLst>
+              <a:ext uri="{FF2B5EF4-FFF2-40B4-BE49-F238E27FC236}">
+                <a16:creationId xmlns:a16="http://schemas.microsoft.com/office/drawing/2014/main" id="{D6B9EA96-65E6-4EB9-8138-863A4E963035}"/>
+              </a:ext>
+            </a:extLst>
+          </p:cNvPr>
+          <p:cNvSpPr/>
+          <p:nvPr/>
+        </p:nvSpPr>
+        <p:spPr>
+          <a:xfrm>
+            <a:off x="1588500" y="2485753"/>
+            <a:ext cx="1724864" cy="1687485"/>
+          </a:xfrm>
+          <a:prstGeom prst="flowChartConnector">
+            <a:avLst/>
+          </a:prstGeom>
+          <a:noFill/>
+          <a:ln>
+            <a:solidFill>
+              <a:srgbClr val="FFFF00"/>
+            </a:solidFill>
+          </a:ln>
+        </p:spPr>
+        <p:style>
+          <a:lnRef idx="2">
+            <a:schemeClr val="accent1">
+              <a:shade val="50000"/>
+            </a:schemeClr>
+          </a:lnRef>
+          <a:fillRef idx="1">
+            <a:schemeClr val="accent1"/>
+          </a:fillRef>
+          <a:effectRef idx="0">
+            <a:schemeClr val="accent1"/>
+          </a:effectRef>
+          <a:fontRef idx="minor">
+            <a:schemeClr val="lt1"/>
+          </a:fontRef>
+        </p:style>
+        <p:txBody>
+          <a:bodyPr rtlCol="0" anchor="ctr"/>
           <a:lstStyle/>
           <a:p>
-            <a:pPr rtl="0">
-              <a:spcBef>
-                <a:spcPts val="0"/>
-              </a:spcBef>
-              <a:spcAft>
-                <a:spcPts val="1600"/>
-              </a:spcAft>
-            </a:pPr>
-            <a:r>
-              <a:rPr lang="en-US" sz="1800" b="0" i="0" u="none" strike="noStrike" dirty="0">
-                <a:solidFill>
-                  <a:schemeClr val="tx1"/>
-                </a:solidFill>
-                <a:effectLst/>
-                <a:latin typeface="Lato"/>
-              </a:rPr>
-              <a:t>The data for this project can be found at the link below. </a:t>
-            </a:r>
-            <a:endParaRPr lang="en-US" b="0" dirty="0">
-              <a:solidFill>
-                <a:schemeClr val="tx1"/>
-              </a:solidFill>
-              <a:effectLst/>
-            </a:endParaRPr>
-          </a:p>
-          <a:p>
-            <a:pPr marL="0" indent="0" rtl="0">
-              <a:spcBef>
-                <a:spcPts val="0"/>
-              </a:spcBef>
-              <a:spcAft>
-                <a:spcPts val="1600"/>
-              </a:spcAft>
-              <a:buNone/>
-            </a:pPr>
-            <a:r>
-              <a:rPr lang="en-US" sz="1800" b="0" i="0" u="sng" strike="noStrike" dirty="0">
-                <a:solidFill>
-                  <a:srgbClr val="7890CD"/>
-                </a:solidFill>
-                <a:effectLst/>
-                <a:latin typeface="Arial" panose="020B0604020202020204" pitchFamily="34" charset="0"/>
-                <a:hlinkClick r:id="rId2"/>
-              </a:rPr>
-              <a:t>The Beer | Kaggle</a:t>
-            </a:r>
-            <a:endParaRPr lang="en-US" b="0" dirty="0">
-              <a:effectLst/>
-            </a:endParaRPr>
-          </a:p>
-          <a:p>
-            <a:pPr rtl="0">
-              <a:spcBef>
-                <a:spcPts val="0"/>
-              </a:spcBef>
-              <a:spcAft>
-                <a:spcPts val="1600"/>
-              </a:spcAft>
-            </a:pPr>
-            <a:r>
-              <a:rPr lang="en-US" sz="1800" b="0" i="0" u="none" strike="noStrike" dirty="0">
-                <a:solidFill>
-                  <a:schemeClr val="tx1"/>
-                </a:solidFill>
-                <a:effectLst/>
-                <a:latin typeface="Lato"/>
-              </a:rPr>
-              <a:t>Git Hub link to Repository </a:t>
-            </a:r>
-            <a:endParaRPr lang="en-US" b="0" dirty="0">
-              <a:solidFill>
-                <a:schemeClr val="tx1"/>
-              </a:solidFill>
-              <a:effectLst/>
-            </a:endParaRPr>
-          </a:p>
-          <a:p>
-            <a:pPr marL="0" indent="0" rtl="0">
-              <a:spcBef>
-                <a:spcPts val="0"/>
-              </a:spcBef>
-              <a:spcAft>
-                <a:spcPts val="1600"/>
-              </a:spcAft>
-              <a:buNone/>
-            </a:pPr>
-            <a:r>
-              <a:rPr lang="en-US" sz="1800" b="0" i="0" u="sng" strike="noStrike" dirty="0">
-                <a:solidFill>
-                  <a:srgbClr val="7890CD"/>
-                </a:solidFill>
-                <a:effectLst/>
-                <a:latin typeface="Arial" panose="020B0604020202020204" pitchFamily="34" charset="0"/>
-                <a:hlinkClick r:id="rId3"/>
-              </a:rPr>
-              <a:t>j1-aggie/Project-2 (github.com)</a:t>
-            </a:r>
-            <a:endParaRPr lang="en-US" b="0" dirty="0">
-              <a:effectLst/>
-            </a:endParaRPr>
-          </a:p>
-          <a:p>
-            <a:pPr marL="0" indent="0">
-              <a:buNone/>
-            </a:pPr>
-            <a:br>
-              <a:rPr lang="en-US" dirty="0"/>
-            </a:br>
+            <a:pPr algn="ctr"/>
+            <a:endParaRPr lang="en-US"/>
+          </a:p>
+        </p:txBody>
+      </p:sp>
+      <p:sp>
+        <p:nvSpPr>
+          <p:cNvPr id="4" name="Flowchart: Connector 3">
+            <a:extLst>
+              <a:ext uri="{FF2B5EF4-FFF2-40B4-BE49-F238E27FC236}">
+                <a16:creationId xmlns:a16="http://schemas.microsoft.com/office/drawing/2014/main" id="{7D53DB2E-6182-4E20-9DF9-06F059D7A59F}"/>
+              </a:ext>
+            </a:extLst>
+          </p:cNvPr>
+          <p:cNvSpPr/>
+          <p:nvPr/>
+        </p:nvSpPr>
+        <p:spPr>
+          <a:xfrm>
+            <a:off x="4059871" y="1358883"/>
+            <a:ext cx="2227006" cy="2209028"/>
+          </a:xfrm>
+          <a:prstGeom prst="flowChartConnector">
+            <a:avLst/>
+          </a:prstGeom>
+          <a:noFill/>
+        </p:spPr>
+        <p:style>
+          <a:lnRef idx="2">
+            <a:schemeClr val="accent1">
+              <a:shade val="50000"/>
+            </a:schemeClr>
+          </a:lnRef>
+          <a:fillRef idx="1">
+            <a:schemeClr val="accent1"/>
+          </a:fillRef>
+          <a:effectRef idx="0">
+            <a:schemeClr val="accent1"/>
+          </a:effectRef>
+          <a:fontRef idx="minor">
+            <a:schemeClr val="lt1"/>
+          </a:fontRef>
+        </p:style>
+        <p:txBody>
+          <a:bodyPr rtlCol="0" anchor="ctr"/>
+          <a:lstStyle/>
+          <a:p>
+            <a:pPr algn="ctr"/>
+            <a:endParaRPr lang="en-US"/>
+          </a:p>
+        </p:txBody>
+      </p:sp>
+      <p:sp>
+        <p:nvSpPr>
+          <p:cNvPr id="6" name="Flowchart: Connector 5">
+            <a:extLst>
+              <a:ext uri="{FF2B5EF4-FFF2-40B4-BE49-F238E27FC236}">
+                <a16:creationId xmlns:a16="http://schemas.microsoft.com/office/drawing/2014/main" id="{8D7AB063-C814-4040-892B-C087780DD2E3}"/>
+              </a:ext>
+            </a:extLst>
+          </p:cNvPr>
+          <p:cNvSpPr/>
+          <p:nvPr/>
+        </p:nvSpPr>
+        <p:spPr>
+          <a:xfrm>
+            <a:off x="5460540" y="4173238"/>
+            <a:ext cx="2227006" cy="2209028"/>
+          </a:xfrm>
+          <a:prstGeom prst="flowChartConnector">
+            <a:avLst/>
+          </a:prstGeom>
+          <a:noFill/>
+          <a:ln>
+            <a:solidFill>
+              <a:srgbClr val="7030A0"/>
+            </a:solidFill>
+          </a:ln>
+        </p:spPr>
+        <p:style>
+          <a:lnRef idx="2">
+            <a:schemeClr val="accent1">
+              <a:shade val="50000"/>
+            </a:schemeClr>
+          </a:lnRef>
+          <a:fillRef idx="1">
+            <a:schemeClr val="accent1"/>
+          </a:fillRef>
+          <a:effectRef idx="0">
+            <a:schemeClr val="accent1"/>
+          </a:effectRef>
+          <a:fontRef idx="minor">
+            <a:schemeClr val="lt1"/>
+          </a:fontRef>
+        </p:style>
+        <p:txBody>
+          <a:bodyPr rtlCol="0" anchor="ctr"/>
+          <a:lstStyle/>
+          <a:p>
+            <a:pPr algn="ctr"/>
+            <a:endParaRPr lang="en-US"/>
+          </a:p>
+        </p:txBody>
+      </p:sp>
+      <p:sp>
+        <p:nvSpPr>
+          <p:cNvPr id="7" name="Flowchart: Alternate Process 6">
+            <a:extLst>
+              <a:ext uri="{FF2B5EF4-FFF2-40B4-BE49-F238E27FC236}">
+                <a16:creationId xmlns:a16="http://schemas.microsoft.com/office/drawing/2014/main" id="{1EE9D7AA-7B8E-4D6F-AC04-1E558B53FAF7}"/>
+              </a:ext>
+            </a:extLst>
+          </p:cNvPr>
+          <p:cNvSpPr/>
+          <p:nvPr/>
+        </p:nvSpPr>
+        <p:spPr>
+          <a:xfrm>
+            <a:off x="8952271" y="5215192"/>
+            <a:ext cx="1740310" cy="629754"/>
+          </a:xfrm>
+          <a:prstGeom prst="flowChartAlternateProcess">
+            <a:avLst/>
+          </a:prstGeom>
+          <a:noFill/>
+        </p:spPr>
+        <p:style>
+          <a:lnRef idx="2">
+            <a:schemeClr val="accent1">
+              <a:shade val="50000"/>
+            </a:schemeClr>
+          </a:lnRef>
+          <a:fillRef idx="1">
+            <a:schemeClr val="accent1"/>
+          </a:fillRef>
+          <a:effectRef idx="0">
+            <a:schemeClr val="accent1"/>
+          </a:effectRef>
+          <a:fontRef idx="minor">
+            <a:schemeClr val="lt1"/>
+          </a:fontRef>
+        </p:style>
+        <p:txBody>
+          <a:bodyPr rtlCol="0" anchor="ctr"/>
+          <a:lstStyle/>
+          <a:p>
+            <a:pPr algn="ctr"/>
+            <a:endParaRPr lang="en-US"/>
+          </a:p>
+        </p:txBody>
+      </p:sp>
+      <p:sp>
+        <p:nvSpPr>
+          <p:cNvPr id="8" name="Flowchart: Alternate Process 7">
+            <a:extLst>
+              <a:ext uri="{FF2B5EF4-FFF2-40B4-BE49-F238E27FC236}">
+                <a16:creationId xmlns:a16="http://schemas.microsoft.com/office/drawing/2014/main" id="{73293AF7-058F-458A-BA6C-65C236EC78A9}"/>
+              </a:ext>
+            </a:extLst>
+          </p:cNvPr>
+          <p:cNvSpPr/>
+          <p:nvPr/>
+        </p:nvSpPr>
+        <p:spPr>
+          <a:xfrm>
+            <a:off x="8258997" y="1659543"/>
+            <a:ext cx="2423440" cy="2209028"/>
+          </a:xfrm>
+          <a:prstGeom prst="flowChartAlternateProcess">
+            <a:avLst/>
+          </a:prstGeom>
+          <a:noFill/>
+          <a:ln>
+            <a:solidFill>
+              <a:srgbClr val="FF0000"/>
+            </a:solidFill>
+          </a:ln>
+        </p:spPr>
+        <p:style>
+          <a:lnRef idx="2">
+            <a:schemeClr val="accent1">
+              <a:shade val="50000"/>
+            </a:schemeClr>
+          </a:lnRef>
+          <a:fillRef idx="1">
+            <a:schemeClr val="accent1"/>
+          </a:fillRef>
+          <a:effectRef idx="0">
+            <a:schemeClr val="accent1"/>
+          </a:effectRef>
+          <a:fontRef idx="minor">
+            <a:schemeClr val="lt1"/>
+          </a:fontRef>
+        </p:style>
+        <p:txBody>
+          <a:bodyPr rtlCol="0" anchor="ctr"/>
+          <a:lstStyle/>
+          <a:p>
+            <a:pPr algn="ctr"/>
+            <a:endParaRPr lang="en-US"/>
+          </a:p>
+        </p:txBody>
+      </p:sp>
+      <p:cxnSp>
+        <p:nvCxnSpPr>
+          <p:cNvPr id="10" name="Connector: Curved 9">
+            <a:extLst>
+              <a:ext uri="{FF2B5EF4-FFF2-40B4-BE49-F238E27FC236}">
+                <a16:creationId xmlns:a16="http://schemas.microsoft.com/office/drawing/2014/main" id="{EC8CD33E-CA7E-4067-8E05-5BE2764EF98C}"/>
+              </a:ext>
+            </a:extLst>
+          </p:cNvPr>
+          <p:cNvCxnSpPr>
+            <a:cxnSpLocks/>
+            <a:stCxn id="1026" idx="0"/>
+            <a:endCxn id="3" idx="4"/>
+          </p:cNvCxnSpPr>
+          <p:nvPr/>
+        </p:nvCxnSpPr>
+        <p:spPr>
+          <a:xfrm rot="5400000" flipH="1" flipV="1">
+            <a:off x="1463170" y="4006128"/>
+            <a:ext cx="820651" cy="1154873"/>
+          </a:xfrm>
+          <a:prstGeom prst="curvedConnector3">
+            <a:avLst/>
+          </a:prstGeom>
+          <a:ln>
+            <a:tailEnd type="triangle"/>
+          </a:ln>
+        </p:spPr>
+        <p:style>
+          <a:lnRef idx="1">
+            <a:schemeClr val="accent1"/>
+          </a:lnRef>
+          <a:fillRef idx="0">
+            <a:schemeClr val="accent1"/>
+          </a:fillRef>
+          <a:effectRef idx="0">
+            <a:schemeClr val="accent1"/>
+          </a:effectRef>
+          <a:fontRef idx="minor">
+            <a:schemeClr val="tx1"/>
+          </a:fontRef>
+        </p:style>
+      </p:cxnSp>
+      <p:cxnSp>
+        <p:nvCxnSpPr>
+          <p:cNvPr id="16" name="Connector: Curved 15">
+            <a:extLst>
+              <a:ext uri="{FF2B5EF4-FFF2-40B4-BE49-F238E27FC236}">
+                <a16:creationId xmlns:a16="http://schemas.microsoft.com/office/drawing/2014/main" id="{DCA1C561-1949-4DE8-A5FA-42D6F1262C81}"/>
+              </a:ext>
+            </a:extLst>
+          </p:cNvPr>
+          <p:cNvCxnSpPr>
+            <a:cxnSpLocks/>
+            <a:stCxn id="3" idx="0"/>
+            <a:endCxn id="4" idx="1"/>
+          </p:cNvCxnSpPr>
+          <p:nvPr/>
+        </p:nvCxnSpPr>
+        <p:spPr>
+          <a:xfrm rot="5400000" flipH="1" flipV="1">
+            <a:off x="3016788" y="1116533"/>
+            <a:ext cx="803365" cy="1935076"/>
+          </a:xfrm>
+          <a:prstGeom prst="curvedConnector3">
+            <a:avLst>
+              <a:gd name="adj1" fmla="val 100798"/>
+            </a:avLst>
+          </a:prstGeom>
+          <a:ln>
+            <a:tailEnd type="triangle"/>
+          </a:ln>
+        </p:spPr>
+        <p:style>
+          <a:lnRef idx="1">
+            <a:schemeClr val="accent1"/>
+          </a:lnRef>
+          <a:fillRef idx="0">
+            <a:schemeClr val="accent1"/>
+          </a:fillRef>
+          <a:effectRef idx="0">
+            <a:schemeClr val="accent1"/>
+          </a:effectRef>
+          <a:fontRef idx="minor">
+            <a:schemeClr val="tx1"/>
+          </a:fontRef>
+        </p:style>
+      </p:cxnSp>
+      <p:cxnSp>
+        <p:nvCxnSpPr>
+          <p:cNvPr id="20" name="Connector: Curved 19">
+            <a:extLst>
+              <a:ext uri="{FF2B5EF4-FFF2-40B4-BE49-F238E27FC236}">
+                <a16:creationId xmlns:a16="http://schemas.microsoft.com/office/drawing/2014/main" id="{7E42E212-F3DF-43C4-8168-4491FF2609F0}"/>
+              </a:ext>
+            </a:extLst>
+          </p:cNvPr>
+          <p:cNvCxnSpPr>
+            <a:cxnSpLocks/>
+            <a:stCxn id="4" idx="4"/>
+            <a:endCxn id="3" idx="5"/>
+          </p:cNvCxnSpPr>
+          <p:nvPr/>
+        </p:nvCxnSpPr>
+        <p:spPr>
+          <a:xfrm rot="5400000">
+            <a:off x="3937969" y="2690706"/>
+            <a:ext cx="358201" cy="2112610"/>
+          </a:xfrm>
+          <a:prstGeom prst="curvedConnector3">
+            <a:avLst>
+              <a:gd name="adj1" fmla="val 142228"/>
+            </a:avLst>
+          </a:prstGeom>
+          <a:ln>
+            <a:tailEnd type="triangle"/>
+          </a:ln>
+        </p:spPr>
+        <p:style>
+          <a:lnRef idx="1">
+            <a:schemeClr val="accent1"/>
+          </a:lnRef>
+          <a:fillRef idx="0">
+            <a:schemeClr val="accent1"/>
+          </a:fillRef>
+          <a:effectRef idx="0">
+            <a:schemeClr val="accent1"/>
+          </a:effectRef>
+          <a:fontRef idx="minor">
+            <a:schemeClr val="tx1"/>
+          </a:fontRef>
+        </p:style>
+      </p:cxnSp>
+      <p:cxnSp>
+        <p:nvCxnSpPr>
+          <p:cNvPr id="23" name="Connector: Curved 22">
+            <a:extLst>
+              <a:ext uri="{FF2B5EF4-FFF2-40B4-BE49-F238E27FC236}">
+                <a16:creationId xmlns:a16="http://schemas.microsoft.com/office/drawing/2014/main" id="{BB5DFEDC-93AC-491E-9B72-12B2861A62CE}"/>
+              </a:ext>
+            </a:extLst>
+          </p:cNvPr>
+          <p:cNvCxnSpPr>
+            <a:cxnSpLocks/>
+            <a:stCxn id="4" idx="5"/>
+            <a:endCxn id="6" idx="0"/>
+          </p:cNvCxnSpPr>
+          <p:nvPr/>
+        </p:nvCxnSpPr>
+        <p:spPr>
+          <a:xfrm rot="16200000" flipH="1">
+            <a:off x="5802975" y="3402170"/>
+            <a:ext cx="928832" cy="613303"/>
+          </a:xfrm>
+          <a:prstGeom prst="curvedConnector3">
+            <a:avLst/>
+          </a:prstGeom>
+          <a:ln>
+            <a:tailEnd type="triangle"/>
+          </a:ln>
+        </p:spPr>
+        <p:style>
+          <a:lnRef idx="1">
+            <a:schemeClr val="accent1"/>
+          </a:lnRef>
+          <a:fillRef idx="0">
+            <a:schemeClr val="accent1"/>
+          </a:fillRef>
+          <a:effectRef idx="0">
+            <a:schemeClr val="accent1"/>
+          </a:effectRef>
+          <a:fontRef idx="minor">
+            <a:schemeClr val="tx1"/>
+          </a:fontRef>
+        </p:style>
+      </p:cxnSp>
+      <p:cxnSp>
+        <p:nvCxnSpPr>
+          <p:cNvPr id="30" name="Connector: Curved 29">
+            <a:extLst>
+              <a:ext uri="{FF2B5EF4-FFF2-40B4-BE49-F238E27FC236}">
+                <a16:creationId xmlns:a16="http://schemas.microsoft.com/office/drawing/2014/main" id="{EF70F8BE-6E40-4E82-8E08-170593D46823}"/>
+              </a:ext>
+            </a:extLst>
+          </p:cNvPr>
+          <p:cNvCxnSpPr>
+            <a:cxnSpLocks/>
+            <a:endCxn id="7" idx="1"/>
+          </p:cNvCxnSpPr>
+          <p:nvPr/>
+        </p:nvCxnSpPr>
+        <p:spPr>
+          <a:xfrm>
+            <a:off x="7272770" y="4424516"/>
+            <a:ext cx="1679501" cy="1105553"/>
+          </a:xfrm>
+          <a:prstGeom prst="curvedConnector3">
+            <a:avLst>
+              <a:gd name="adj1" fmla="val 72832"/>
+            </a:avLst>
+          </a:prstGeom>
+          <a:ln>
+            <a:tailEnd type="triangle"/>
+          </a:ln>
+        </p:spPr>
+        <p:style>
+          <a:lnRef idx="1">
+            <a:schemeClr val="accent1"/>
+          </a:lnRef>
+          <a:fillRef idx="0">
+            <a:schemeClr val="accent1"/>
+          </a:fillRef>
+          <a:effectRef idx="0">
+            <a:schemeClr val="accent1"/>
+          </a:effectRef>
+          <a:fontRef idx="minor">
+            <a:schemeClr val="tx1"/>
+          </a:fontRef>
+        </p:style>
+      </p:cxnSp>
+      <p:cxnSp>
+        <p:nvCxnSpPr>
+          <p:cNvPr id="39" name="Straight Arrow Connector 38">
+            <a:extLst>
+              <a:ext uri="{FF2B5EF4-FFF2-40B4-BE49-F238E27FC236}">
+                <a16:creationId xmlns:a16="http://schemas.microsoft.com/office/drawing/2014/main" id="{BCF9AE19-04B0-44ED-9867-2DD29672CC9A}"/>
+              </a:ext>
+            </a:extLst>
+          </p:cNvPr>
+          <p:cNvCxnSpPr>
+            <a:stCxn id="8" idx="2"/>
+          </p:cNvCxnSpPr>
+          <p:nvPr/>
+        </p:nvCxnSpPr>
+        <p:spPr>
+          <a:xfrm>
+            <a:off x="9470717" y="3868571"/>
+            <a:ext cx="0" cy="1346621"/>
+          </a:xfrm>
+          <a:prstGeom prst="straightConnector1">
+            <a:avLst/>
+          </a:prstGeom>
+          <a:ln>
+            <a:tailEnd type="triangle"/>
+          </a:ln>
+        </p:spPr>
+        <p:style>
+          <a:lnRef idx="1">
+            <a:schemeClr val="accent1"/>
+          </a:lnRef>
+          <a:fillRef idx="0">
+            <a:schemeClr val="accent1"/>
+          </a:fillRef>
+          <a:effectRef idx="0">
+            <a:schemeClr val="accent1"/>
+          </a:effectRef>
+          <a:fontRef idx="minor">
+            <a:schemeClr val="tx1"/>
+          </a:fontRef>
+        </p:style>
+      </p:cxnSp>
+      <p:cxnSp>
+        <p:nvCxnSpPr>
+          <p:cNvPr id="41" name="Straight Arrow Connector 40">
+            <a:extLst>
+              <a:ext uri="{FF2B5EF4-FFF2-40B4-BE49-F238E27FC236}">
+                <a16:creationId xmlns:a16="http://schemas.microsoft.com/office/drawing/2014/main" id="{DEA1C488-265A-4629-8D9E-475936F52D8B}"/>
+              </a:ext>
+            </a:extLst>
+          </p:cNvPr>
+          <p:cNvCxnSpPr>
+            <a:cxnSpLocks/>
+            <a:stCxn id="7" idx="0"/>
+          </p:cNvCxnSpPr>
+          <p:nvPr/>
+        </p:nvCxnSpPr>
+        <p:spPr>
+          <a:xfrm flipV="1">
+            <a:off x="9822426" y="3868571"/>
+            <a:ext cx="12296" cy="1346621"/>
+          </a:xfrm>
+          <a:prstGeom prst="straightConnector1">
+            <a:avLst/>
+          </a:prstGeom>
+          <a:ln>
+            <a:tailEnd type="triangle"/>
+          </a:ln>
+        </p:spPr>
+        <p:style>
+          <a:lnRef idx="1">
+            <a:schemeClr val="accent1"/>
+          </a:lnRef>
+          <a:fillRef idx="0">
+            <a:schemeClr val="accent1"/>
+          </a:fillRef>
+          <a:effectRef idx="0">
+            <a:schemeClr val="accent1"/>
+          </a:effectRef>
+          <a:fontRef idx="minor">
+            <a:schemeClr val="tx1"/>
+          </a:fontRef>
+        </p:style>
+      </p:cxnSp>
+      <p:cxnSp>
+        <p:nvCxnSpPr>
+          <p:cNvPr id="44" name="Connector: Elbow 43">
+            <a:extLst>
+              <a:ext uri="{FF2B5EF4-FFF2-40B4-BE49-F238E27FC236}">
+                <a16:creationId xmlns:a16="http://schemas.microsoft.com/office/drawing/2014/main" id="{D593C71F-F0F5-4C78-8D27-65EB8926E90E}"/>
+              </a:ext>
+            </a:extLst>
+          </p:cNvPr>
+          <p:cNvCxnSpPr>
+            <a:cxnSpLocks/>
+            <a:endCxn id="7" idx="2"/>
+          </p:cNvCxnSpPr>
+          <p:nvPr/>
+        </p:nvCxnSpPr>
+        <p:spPr>
+          <a:xfrm>
+            <a:off x="2630751" y="5261979"/>
+            <a:ext cx="7191675" cy="582967"/>
+          </a:xfrm>
+          <a:prstGeom prst="bentConnector4">
+            <a:avLst>
+              <a:gd name="adj1" fmla="val 269"/>
+              <a:gd name="adj2" fmla="val 242938"/>
+            </a:avLst>
+          </a:prstGeom>
+          <a:ln>
+            <a:tailEnd type="triangle"/>
+          </a:ln>
+        </p:spPr>
+        <p:style>
+          <a:lnRef idx="1">
+            <a:schemeClr val="accent1"/>
+          </a:lnRef>
+          <a:fillRef idx="0">
+            <a:schemeClr val="accent1"/>
+          </a:fillRef>
+          <a:effectRef idx="0">
+            <a:schemeClr val="accent1"/>
+          </a:effectRef>
+          <a:fontRef idx="minor">
+            <a:schemeClr val="tx1"/>
+          </a:fontRef>
+        </p:style>
+      </p:cxnSp>
+      <p:sp>
+        <p:nvSpPr>
+          <p:cNvPr id="49" name="TextBox 48">
+            <a:extLst>
+              <a:ext uri="{FF2B5EF4-FFF2-40B4-BE49-F238E27FC236}">
+                <a16:creationId xmlns:a16="http://schemas.microsoft.com/office/drawing/2014/main" id="{A89EAF68-7321-4E5E-8FCB-8B98F30961FE}"/>
+              </a:ext>
+            </a:extLst>
+          </p:cNvPr>
+          <p:cNvSpPr txBox="1"/>
+          <p:nvPr/>
+        </p:nvSpPr>
+        <p:spPr>
+          <a:xfrm>
+            <a:off x="973394" y="6084525"/>
+            <a:ext cx="957489" cy="830997"/>
+          </a:xfrm>
+          <a:prstGeom prst="rect">
+            <a:avLst/>
+          </a:prstGeom>
+          <a:noFill/>
+        </p:spPr>
+        <p:txBody>
+          <a:bodyPr wrap="square" rtlCol="0">
+            <a:spAutoFit/>
+          </a:bodyPr>
+          <a:lstStyle/>
+          <a:p>
+            <a:r>
+              <a:rPr lang="en-US" sz="1000" dirty="0"/>
+              <a:t>csv Files (4) located in data folder.</a:t>
+            </a:r>
+          </a:p>
+          <a:p>
+            <a:endParaRPr lang="en-US" dirty="0"/>
+          </a:p>
+        </p:txBody>
+      </p:sp>
+      <p:sp>
+        <p:nvSpPr>
+          <p:cNvPr id="64" name="TextBox 63">
+            <a:extLst>
+              <a:ext uri="{FF2B5EF4-FFF2-40B4-BE49-F238E27FC236}">
+                <a16:creationId xmlns:a16="http://schemas.microsoft.com/office/drawing/2014/main" id="{206E78B0-89DE-4B32-9456-66A76B3D3D50}"/>
+              </a:ext>
+            </a:extLst>
+          </p:cNvPr>
+          <p:cNvSpPr txBox="1"/>
+          <p:nvPr/>
+        </p:nvSpPr>
+        <p:spPr>
+          <a:xfrm>
+            <a:off x="2464741" y="4280196"/>
+            <a:ext cx="1154873" cy="1138773"/>
+          </a:xfrm>
+          <a:prstGeom prst="rect">
+            <a:avLst/>
+          </a:prstGeom>
+          <a:noFill/>
+        </p:spPr>
+        <p:txBody>
+          <a:bodyPr wrap="square" rtlCol="0">
+            <a:spAutoFit/>
+          </a:bodyPr>
+          <a:lstStyle/>
+          <a:p>
+            <a:r>
+              <a:rPr lang="en-US" sz="1000" dirty="0"/>
+              <a:t>Data manipulation, cleaning, and mining.  Database connection.</a:t>
+            </a:r>
+          </a:p>
+          <a:p>
+            <a:endParaRPr lang="en-US" dirty="0"/>
+          </a:p>
+        </p:txBody>
+      </p:sp>
+      <p:sp>
+        <p:nvSpPr>
+          <p:cNvPr id="65" name="TextBox 64">
+            <a:extLst>
+              <a:ext uri="{FF2B5EF4-FFF2-40B4-BE49-F238E27FC236}">
+                <a16:creationId xmlns:a16="http://schemas.microsoft.com/office/drawing/2014/main" id="{C8EC5437-6AF9-4F7C-83D9-C635A7E0CDCA}"/>
+              </a:ext>
+            </a:extLst>
+          </p:cNvPr>
+          <p:cNvSpPr txBox="1"/>
+          <p:nvPr/>
+        </p:nvSpPr>
+        <p:spPr>
+          <a:xfrm>
+            <a:off x="5994948" y="1141530"/>
+            <a:ext cx="957489" cy="830997"/>
+          </a:xfrm>
+          <a:prstGeom prst="rect">
+            <a:avLst/>
+          </a:prstGeom>
+          <a:noFill/>
+        </p:spPr>
+        <p:txBody>
+          <a:bodyPr wrap="square" rtlCol="0">
+            <a:spAutoFit/>
+          </a:bodyPr>
+          <a:lstStyle/>
+          <a:p>
+            <a:r>
+              <a:rPr lang="en-US" sz="1000" dirty="0"/>
+              <a:t>SQL database in Postgres server.</a:t>
+            </a:r>
+          </a:p>
+          <a:p>
+            <a:endParaRPr lang="en-US" dirty="0"/>
+          </a:p>
+        </p:txBody>
+      </p:sp>
+      <p:sp>
+        <p:nvSpPr>
+          <p:cNvPr id="66" name="TextBox 65">
+            <a:extLst>
+              <a:ext uri="{FF2B5EF4-FFF2-40B4-BE49-F238E27FC236}">
+                <a16:creationId xmlns:a16="http://schemas.microsoft.com/office/drawing/2014/main" id="{774611B5-4FA8-493F-81C1-9020CC76A1DE}"/>
+              </a:ext>
+            </a:extLst>
+          </p:cNvPr>
+          <p:cNvSpPr txBox="1"/>
+          <p:nvPr/>
+        </p:nvSpPr>
+        <p:spPr>
+          <a:xfrm>
+            <a:off x="6702849" y="3674617"/>
+            <a:ext cx="1117039" cy="830997"/>
+          </a:xfrm>
+          <a:prstGeom prst="rect">
+            <a:avLst/>
+          </a:prstGeom>
+          <a:noFill/>
+        </p:spPr>
+        <p:txBody>
+          <a:bodyPr wrap="square" rtlCol="0">
+            <a:spAutoFit/>
+          </a:bodyPr>
+          <a:lstStyle/>
+          <a:p>
+            <a:r>
+              <a:rPr lang="en-US" sz="1000" dirty="0"/>
+              <a:t>Web application framework JSON API</a:t>
+            </a:r>
+          </a:p>
+          <a:p>
+            <a:endParaRPr lang="en-US" dirty="0"/>
+          </a:p>
+        </p:txBody>
+      </p:sp>
+      <p:sp>
+        <p:nvSpPr>
+          <p:cNvPr id="67" name="TextBox 66">
+            <a:extLst>
+              <a:ext uri="{FF2B5EF4-FFF2-40B4-BE49-F238E27FC236}">
+                <a16:creationId xmlns:a16="http://schemas.microsoft.com/office/drawing/2014/main" id="{C574D3F6-5E80-45EA-A7ED-371D5EB2B3F0}"/>
+              </a:ext>
+            </a:extLst>
+          </p:cNvPr>
+          <p:cNvSpPr txBox="1"/>
+          <p:nvPr/>
+        </p:nvSpPr>
+        <p:spPr>
+          <a:xfrm>
+            <a:off x="9818870" y="5867470"/>
+            <a:ext cx="1117039" cy="830997"/>
+          </a:xfrm>
+          <a:prstGeom prst="rect">
+            <a:avLst/>
+          </a:prstGeom>
+          <a:noFill/>
+        </p:spPr>
+        <p:txBody>
+          <a:bodyPr wrap="square" rtlCol="0">
+            <a:spAutoFit/>
+          </a:bodyPr>
+          <a:lstStyle/>
+          <a:p>
+            <a:r>
+              <a:rPr lang="en-US" sz="1000" dirty="0"/>
+              <a:t>Json API reader, </a:t>
+            </a:r>
+            <a:r>
+              <a:rPr lang="en-US" sz="1000" dirty="0" err="1"/>
+              <a:t>Jquery</a:t>
+            </a:r>
+            <a:r>
+              <a:rPr lang="en-US" sz="1000" dirty="0"/>
+              <a:t>, D3, Leaflet. </a:t>
+            </a:r>
+          </a:p>
+          <a:p>
+            <a:endParaRPr lang="en-US" dirty="0"/>
+          </a:p>
+        </p:txBody>
+      </p:sp>
+      <p:sp>
+        <p:nvSpPr>
+          <p:cNvPr id="68" name="TextBox 67">
+            <a:extLst>
+              <a:ext uri="{FF2B5EF4-FFF2-40B4-BE49-F238E27FC236}">
+                <a16:creationId xmlns:a16="http://schemas.microsoft.com/office/drawing/2014/main" id="{029649E6-89D5-43B0-BCAC-471D668A61A9}"/>
+              </a:ext>
+            </a:extLst>
+          </p:cNvPr>
+          <p:cNvSpPr txBox="1"/>
+          <p:nvPr/>
+        </p:nvSpPr>
+        <p:spPr>
+          <a:xfrm>
+            <a:off x="10681052" y="1483067"/>
+            <a:ext cx="1117039" cy="830997"/>
+          </a:xfrm>
+          <a:prstGeom prst="rect">
+            <a:avLst/>
+          </a:prstGeom>
+          <a:noFill/>
+        </p:spPr>
+        <p:txBody>
+          <a:bodyPr wrap="square" rtlCol="0">
+            <a:spAutoFit/>
+          </a:bodyPr>
+          <a:lstStyle/>
+          <a:p>
+            <a:r>
+              <a:rPr lang="en-US" sz="1000" dirty="0"/>
+              <a:t>Web visualization</a:t>
+            </a:r>
+          </a:p>
+          <a:p>
+            <a:r>
+              <a:rPr lang="en-US" sz="1000" dirty="0"/>
+              <a:t>- Flask</a:t>
+            </a:r>
+          </a:p>
+          <a:p>
+            <a:r>
+              <a:rPr lang="en-US" sz="1000" dirty="0"/>
+              <a:t>- Static html</a:t>
+            </a:r>
+          </a:p>
+          <a:p>
             <a:endParaRPr lang="en-US" dirty="0"/>
           </a:p>
         </p:txBody>
@@ -5823,7 +6132,7 @@
     </p:spTree>
     <p:extLst>
       <p:ext uri="{BB962C8B-B14F-4D97-AF65-F5344CB8AC3E}">
-        <p14:creationId xmlns:p14="http://schemas.microsoft.com/office/powerpoint/2010/main" val="1648935273"/>
+        <p14:creationId xmlns:p14="http://schemas.microsoft.com/office/powerpoint/2010/main" val="592535044"/>
       </p:ext>
     </p:extLst>
   </p:cSld>
@@ -5834,7 +6143,7 @@
 </file>
 
 <file path=ppt/slides/slide6.xml><?xml version="1.0" encoding="utf-8"?>
-<p:sld xmlns:a="http://schemas.openxmlformats.org/drawingml/2006/main" xmlns:r="http://schemas.openxmlformats.org/officeDocument/2006/relationships" xmlns:p="http://schemas.openxmlformats.org/presentationml/2006/main">
+<p:sld xmlns:a="http://schemas.openxmlformats.org/drawingml/2006/main" xmlns:r="http://schemas.openxmlformats.org/officeDocument/2006/relationships" xmlns:p="http://schemas.openxmlformats.org/presentationml/2006/main" showMasterSp="0">
   <p:cSld>
     <p:spTree>
       <p:nvGrpSpPr>
@@ -5873,6 +6182,197 @@
           <a:p>
             <a:r>
               <a:rPr lang="en-US" dirty="0"/>
+              <a:t>Data Set</a:t>
+            </a:r>
+          </a:p>
+        </p:txBody>
+      </p:sp>
+      <p:sp>
+        <p:nvSpPr>
+          <p:cNvPr id="5" name="Content Placeholder 4">
+            <a:extLst>
+              <a:ext uri="{FF2B5EF4-FFF2-40B4-BE49-F238E27FC236}">
+                <a16:creationId xmlns:a16="http://schemas.microsoft.com/office/drawing/2014/main" id="{7C950646-04B8-42F2-8E49-19287D33CA22}"/>
+              </a:ext>
+            </a:extLst>
+          </p:cNvPr>
+          <p:cNvSpPr>
+            <a:spLocks noGrp="1"/>
+          </p:cNvSpPr>
+          <p:nvPr>
+            <p:ph idx="1"/>
+          </p:nvPr>
+        </p:nvSpPr>
+        <p:spPr/>
+        <p:txBody>
+          <a:bodyPr/>
+          <a:lstStyle/>
+          <a:p>
+            <a:pPr rtl="0">
+              <a:spcBef>
+                <a:spcPts val="0"/>
+              </a:spcBef>
+              <a:spcAft>
+                <a:spcPts val="1600"/>
+              </a:spcAft>
+            </a:pPr>
+            <a:r>
+              <a:rPr lang="en-US" sz="1800" b="0" i="0" u="none" strike="noStrike" dirty="0">
+                <a:solidFill>
+                  <a:schemeClr val="tx1"/>
+                </a:solidFill>
+                <a:effectLst/>
+                <a:latin typeface="Lato"/>
+              </a:rPr>
+              <a:t>The data for this project can be found at the link below. </a:t>
+            </a:r>
+            <a:endParaRPr lang="en-US" b="0" dirty="0">
+              <a:solidFill>
+                <a:schemeClr val="tx1"/>
+              </a:solidFill>
+              <a:effectLst/>
+            </a:endParaRPr>
+          </a:p>
+          <a:p>
+            <a:pPr marL="0" indent="0" rtl="0">
+              <a:spcBef>
+                <a:spcPts val="0"/>
+              </a:spcBef>
+              <a:spcAft>
+                <a:spcPts val="1600"/>
+              </a:spcAft>
+              <a:buNone/>
+            </a:pPr>
+            <a:r>
+              <a:rPr lang="en-US" sz="1800" b="0" i="0" u="sng" strike="noStrike" dirty="0">
+                <a:solidFill>
+                  <a:srgbClr val="7890CD"/>
+                </a:solidFill>
+                <a:effectLst/>
+                <a:latin typeface="Arial" panose="020B0604020202020204" pitchFamily="34" charset="0"/>
+                <a:hlinkClick r:id="rId2"/>
+              </a:rPr>
+              <a:t>The Beer | Kaggle</a:t>
+            </a:r>
+            <a:endParaRPr lang="en-US" b="0" dirty="0">
+              <a:effectLst/>
+            </a:endParaRPr>
+          </a:p>
+          <a:p>
+            <a:pPr rtl="0">
+              <a:spcBef>
+                <a:spcPts val="0"/>
+              </a:spcBef>
+              <a:spcAft>
+                <a:spcPts val="1600"/>
+              </a:spcAft>
+            </a:pPr>
+            <a:r>
+              <a:rPr lang="en-US" sz="1800" b="0" i="0" u="none" strike="noStrike" dirty="0">
+                <a:solidFill>
+                  <a:schemeClr val="tx1"/>
+                </a:solidFill>
+                <a:effectLst/>
+                <a:latin typeface="Lato"/>
+              </a:rPr>
+              <a:t>Git Hub link to Repository </a:t>
+            </a:r>
+            <a:endParaRPr lang="en-US" b="0" dirty="0">
+              <a:solidFill>
+                <a:schemeClr val="tx1"/>
+              </a:solidFill>
+              <a:effectLst/>
+            </a:endParaRPr>
+          </a:p>
+          <a:p>
+            <a:pPr marL="0" indent="0" rtl="0">
+              <a:spcBef>
+                <a:spcPts val="0"/>
+              </a:spcBef>
+              <a:spcAft>
+                <a:spcPts val="1600"/>
+              </a:spcAft>
+              <a:buNone/>
+            </a:pPr>
+            <a:r>
+              <a:rPr lang="en-US" sz="1800" b="0" i="0" u="sng" strike="noStrike" dirty="0">
+                <a:solidFill>
+                  <a:srgbClr val="7890CD"/>
+                </a:solidFill>
+                <a:effectLst/>
+                <a:latin typeface="Arial" panose="020B0604020202020204" pitchFamily="34" charset="0"/>
+                <a:hlinkClick r:id="rId3"/>
+              </a:rPr>
+              <a:t>j1-aggie/Project-2 (github.com)</a:t>
+            </a:r>
+            <a:endParaRPr lang="en-US" b="0" dirty="0">
+              <a:effectLst/>
+            </a:endParaRPr>
+          </a:p>
+          <a:p>
+            <a:pPr marL="0" indent="0">
+              <a:buNone/>
+            </a:pPr>
+            <a:br>
+              <a:rPr lang="en-US" dirty="0"/>
+            </a:br>
+            <a:endParaRPr lang="en-US" dirty="0"/>
+          </a:p>
+        </p:txBody>
+      </p:sp>
+    </p:spTree>
+    <p:extLst>
+      <p:ext uri="{BB962C8B-B14F-4D97-AF65-F5344CB8AC3E}">
+        <p14:creationId xmlns:p14="http://schemas.microsoft.com/office/powerpoint/2010/main" val="1648935273"/>
+      </p:ext>
+    </p:extLst>
+  </p:cSld>
+  <p:clrMapOvr>
+    <a:masterClrMapping/>
+  </p:clrMapOvr>
+</p:sld>
+</file>
+
+<file path=ppt/slides/slide7.xml><?xml version="1.0" encoding="utf-8"?>
+<p:sld xmlns:a="http://schemas.openxmlformats.org/drawingml/2006/main" xmlns:r="http://schemas.openxmlformats.org/officeDocument/2006/relationships" xmlns:p="http://schemas.openxmlformats.org/presentationml/2006/main" showMasterSp="0">
+  <p:cSld>
+    <p:spTree>
+      <p:nvGrpSpPr>
+        <p:cNvPr id="1" name=""/>
+        <p:cNvGrpSpPr/>
+        <p:nvPr/>
+      </p:nvGrpSpPr>
+      <p:grpSpPr>
+        <a:xfrm>
+          <a:off x="0" y="0"/>
+          <a:ext cx="0" cy="0"/>
+          <a:chOff x="0" y="0"/>
+          <a:chExt cx="0" cy="0"/>
+        </a:xfrm>
+      </p:grpSpPr>
+      <p:sp>
+        <p:nvSpPr>
+          <p:cNvPr id="2" name="Title 1">
+            <a:extLst>
+              <a:ext uri="{FF2B5EF4-FFF2-40B4-BE49-F238E27FC236}">
+                <a16:creationId xmlns:a16="http://schemas.microsoft.com/office/drawing/2014/main" id="{5E562972-3449-42D1-8185-B4BEFD52AB44}"/>
+              </a:ext>
+            </a:extLst>
+          </p:cNvPr>
+          <p:cNvSpPr>
+            <a:spLocks noGrp="1"/>
+          </p:cNvSpPr>
+          <p:nvPr>
+            <p:ph type="title"/>
+          </p:nvPr>
+        </p:nvSpPr>
+        <p:spPr/>
+        <p:txBody>
+          <a:bodyPr/>
+          <a:lstStyle/>
+          <a:p>
+            <a:r>
+              <a:rPr lang="en-US" dirty="0"/>
               <a:t>Steps to recreate</a:t>
             </a:r>
           </a:p>
@@ -6130,8 +6630,8 @@
 </p:sld>
 </file>
 
-<file path=ppt/slides/slide7.xml><?xml version="1.0" encoding="utf-8"?>
-<p:sld xmlns:a="http://schemas.openxmlformats.org/drawingml/2006/main" xmlns:r="http://schemas.openxmlformats.org/officeDocument/2006/relationships" xmlns:p="http://schemas.openxmlformats.org/presentationml/2006/main">
+<file path=ppt/slides/slide8.xml><?xml version="1.0" encoding="utf-8"?>
+<p:sld xmlns:a="http://schemas.openxmlformats.org/drawingml/2006/main" xmlns:r="http://schemas.openxmlformats.org/officeDocument/2006/relationships" xmlns:p="http://schemas.openxmlformats.org/presentationml/2006/main" showMasterSp="0">
   <p:cSld>
     <p:spTree>
       <p:nvGrpSpPr>
@@ -6527,24 +7027,6 @@
 </file>
 
 <file path=customXml/item1.xml><?xml version="1.0" encoding="utf-8"?>
-<p:properties xmlns:p="http://schemas.microsoft.com/office/2006/metadata/properties" xmlns:xsi="http://www.w3.org/2001/XMLSchema-instance" xmlns:pc="http://schemas.microsoft.com/office/infopath/2007/PartnerControls">
-  <documentManagement>
-    <Status xmlns="71af3243-3dd4-4a8d-8c0d-dd76da1f02a5">Not started</Status>
-    <MediaServiceKeyPoints xmlns="71af3243-3dd4-4a8d-8c0d-dd76da1f02a5" xsi:nil="true"/>
-  </documentManagement>
-</p:properties>
-</file>
-
-<file path=customXml/item2.xml><?xml version="1.0" encoding="utf-8"?>
-<?mso-contentType ?>
-<FormTemplates xmlns="http://schemas.microsoft.com/sharepoint/v3/contenttype/forms">
-  <Display>DocumentLibraryForm</Display>
-  <Edit>DocumentLibraryForm</Edit>
-  <New>DocumentLibraryForm</New>
-</FormTemplates>
-</file>
-
-<file path=customXml/item3.xml><?xml version="1.0" encoding="utf-8"?>
 <ct:contentTypeSchema xmlns:ct="http://schemas.microsoft.com/office/2006/metadata/contentType" xmlns:ma="http://schemas.microsoft.com/office/2006/metadata/properties/metaAttributes" ct:_="" ma:_="" ma:contentTypeName="Document" ma:contentTypeID="0x01010079F111ED35F8CC479449609E8A0923A6" ma:contentTypeVersion="12" ma:contentTypeDescription="Create a new document." ma:contentTypeScope="" ma:versionID="a410dd7f93c95333ffa1b60ed6adedd1">
   <xsd:schema xmlns:xsd="http://www.w3.org/2001/XMLSchema" xmlns:xs="http://www.w3.org/2001/XMLSchema" xmlns:p="http://schemas.microsoft.com/office/2006/metadata/properties" xmlns:ns2="71af3243-3dd4-4a8d-8c0d-dd76da1f02a5" xmlns:ns3="16c05727-aa75-4e4a-9b5f-8a80a1165891" targetNamespace="http://schemas.microsoft.com/office/2006/metadata/properties" ma:root="true" ma:fieldsID="a936d9baba76aa3866493feff160faab" ns2:_="" ns3:_="">
     <xsd:import namespace="71af3243-3dd4-4a8d-8c0d-dd76da1f02a5"/>
@@ -6765,25 +7247,25 @@
 </ct:contentTypeSchema>
 </file>
 
-<file path=customXml/itemProps1.xml><?xml version="1.0" encoding="utf-8"?>
-<ds:datastoreItem xmlns:ds="http://schemas.openxmlformats.org/officeDocument/2006/customXml" ds:itemID="{8D289AE2-D2AE-49D1-AFAC-3A79F6794255}">
-  <ds:schemaRefs>
-    <ds:schemaRef ds:uri="http://schemas.microsoft.com/office/2006/metadata/properties"/>
-    <ds:schemaRef ds:uri="http://schemas.microsoft.com/office/infopath/2007/PartnerControls"/>
-    <ds:schemaRef ds:uri="71af3243-3dd4-4a8d-8c0d-dd76da1f02a5"/>
-  </ds:schemaRefs>
-</ds:datastoreItem>
+<file path=customXml/item2.xml><?xml version="1.0" encoding="utf-8"?>
+<?mso-contentType ?>
+<FormTemplates xmlns="http://schemas.microsoft.com/sharepoint/v3/contenttype/forms">
+  <Display>DocumentLibraryForm</Display>
+  <Edit>DocumentLibraryForm</Edit>
+  <New>DocumentLibraryForm</New>
+</FormTemplates>
 </file>
 
-<file path=customXml/itemProps2.xml><?xml version="1.0" encoding="utf-8"?>
-<ds:datastoreItem xmlns:ds="http://schemas.openxmlformats.org/officeDocument/2006/customXml" ds:itemID="{927BD4C1-B6B1-4715-ABF9-E660A51A4EA0}">
-  <ds:schemaRefs>
-    <ds:schemaRef ds:uri="http://schemas.microsoft.com/sharepoint/v3/contenttype/forms"/>
-  </ds:schemaRefs>
-</ds:datastoreItem>
+<file path=customXml/item3.xml><?xml version="1.0" encoding="utf-8"?>
+<p:properties xmlns:p="http://schemas.microsoft.com/office/2006/metadata/properties" xmlns:xsi="http://www.w3.org/2001/XMLSchema-instance" xmlns:pc="http://schemas.microsoft.com/office/infopath/2007/PartnerControls">
+  <documentManagement>
+    <Status xmlns="71af3243-3dd4-4a8d-8c0d-dd76da1f02a5">Not started</Status>
+    <MediaServiceKeyPoints xmlns="71af3243-3dd4-4a8d-8c0d-dd76da1f02a5" xsi:nil="true"/>
+  </documentManagement>
+</p:properties>
 </file>
 
-<file path=customXml/itemProps3.xml><?xml version="1.0" encoding="utf-8"?>
+<file path=customXml/itemProps1.xml><?xml version="1.0" encoding="utf-8"?>
 <ds:datastoreItem xmlns:ds="http://schemas.openxmlformats.org/officeDocument/2006/customXml" ds:itemID="{41E7CA09-9778-4414-AE97-8064B12DA30E}">
   <ds:schemaRefs>
     <ds:schemaRef ds:uri="http://schemas.microsoft.com/office/2006/metadata/contentType"/>
@@ -6800,4 +7282,22 @@
     <ds:schemaRef ds:uri="http://schemas.microsoft.com/internal/obd"/>
   </ds:schemaRefs>
 </ds:datastoreItem>
+</file>
+
+<file path=customXml/itemProps2.xml><?xml version="1.0" encoding="utf-8"?>
+<ds:datastoreItem xmlns:ds="http://schemas.openxmlformats.org/officeDocument/2006/customXml" ds:itemID="{927BD4C1-B6B1-4715-ABF9-E660A51A4EA0}">
+  <ds:schemaRefs>
+    <ds:schemaRef ds:uri="http://schemas.microsoft.com/sharepoint/v3/contenttype/forms"/>
+  </ds:schemaRefs>
+</ds:datastoreItem>
+</file>
+
+<file path=customXml/itemProps3.xml><?xml version="1.0" encoding="utf-8"?>
+<ds:datastoreItem xmlns:ds="http://schemas.openxmlformats.org/officeDocument/2006/customXml" ds:itemID="{8D289AE2-D2AE-49D1-AFAC-3A79F6794255}">
+  <ds:schemaRefs>
+    <ds:schemaRef ds:uri="http://schemas.microsoft.com/office/2006/metadata/properties"/>
+    <ds:schemaRef ds:uri="http://schemas.microsoft.com/office/infopath/2007/PartnerControls"/>
+    <ds:schemaRef ds:uri="71af3243-3dd4-4a8d-8c0d-dd76da1f02a5"/>
+  </ds:schemaRefs>
+</ds:datastoreItem>
 </file>
--- a/Beers of the USA.pptx
+++ b/Beers of the USA.pptx
@@ -5,14 +5,12 @@
     <p:sldMasterId id="2147483712" r:id="rId4"/>
   </p:sldMasterIdLst>
   <p:sldIdLst>
-    <p:sldId id="257" r:id="rId5"/>
-    <p:sldId id="264" r:id="rId6"/>
-    <p:sldId id="258" r:id="rId7"/>
-    <p:sldId id="259" r:id="rId8"/>
-    <p:sldId id="260" r:id="rId9"/>
-    <p:sldId id="261" r:id="rId10"/>
-    <p:sldId id="262" r:id="rId11"/>
-    <p:sldId id="263" r:id="rId12"/>
+    <p:sldId id="264" r:id="rId5"/>
+    <p:sldId id="265" r:id="rId6"/>
+    <p:sldId id="261" r:id="rId7"/>
+    <p:sldId id="260" r:id="rId8"/>
+    <p:sldId id="262" r:id="rId9"/>
+    <p:sldId id="263" r:id="rId10"/>
   </p:sldIdLst>
   <p:sldSz cx="12192000" cy="6858000"/>
   <p:notesSz cx="6858000" cy="9144000"/>
@@ -3826,8 +3824,22 @@
 </file>
 
 <file path=ppt/slides/slide1.xml><?xml version="1.0" encoding="utf-8"?>
-<p:sld xmlns:a="http://schemas.openxmlformats.org/drawingml/2006/main" xmlns:r="http://schemas.openxmlformats.org/officeDocument/2006/relationships" xmlns:p="http://schemas.openxmlformats.org/presentationml/2006/main" showMasterSp="0">
+<p:sld xmlns:a="http://schemas.openxmlformats.org/drawingml/2006/main" xmlns:r="http://schemas.openxmlformats.org/officeDocument/2006/relationships" xmlns:p="http://schemas.openxmlformats.org/presentationml/2006/main">
   <p:cSld>
+    <p:bg>
+      <p:bgPr>
+        <a:blipFill dpi="0" rotWithShape="1">
+          <a:blip r:embed="rId2">
+            <a:lum/>
+          </a:blip>
+          <a:srcRect/>
+          <a:stretch>
+            <a:fillRect/>
+          </a:stretch>
+        </a:blipFill>
+        <a:effectLst/>
+      </p:bgPr>
+    </p:bg>
     <p:spTree>
       <p:nvGrpSpPr>
         <p:cNvPr id="1" name=""/>
@@ -3842,357 +3854,6 @@
           <a:chExt cx="0" cy="0"/>
         </a:xfrm>
       </p:grpSpPr>
-      <p:sp useBgFill="1">
-        <p:nvSpPr>
-          <p:cNvPr id="18" name="Rectangle 17">
-            <a:extLst>
-              <a:ext uri="{FF2B5EF4-FFF2-40B4-BE49-F238E27FC236}">
-                <a16:creationId xmlns:a16="http://schemas.microsoft.com/office/drawing/2014/main" id="{D6D7A0BC-0046-4CAA-8E7F-DCAFE511EA0E}"/>
-              </a:ext>
-              <a:ext uri="{C183D7F6-B498-43B3-948B-1728B52AA6E4}">
-                <adec:decorative xmlns:adec="http://schemas.microsoft.com/office/drawing/2017/decorative" val="1"/>
-              </a:ext>
-            </a:extLst>
-          </p:cNvPr>
-          <p:cNvSpPr>
-            <a:spLocks noGrp="1" noRot="1" noChangeAspect="1" noMove="1" noResize="1" noEditPoints="1" noAdjustHandles="1" noChangeArrowheads="1" noChangeShapeType="1" noTextEdit="1"/>
-          </p:cNvSpPr>
-          <p:nvPr>
-            <p:extLst>
-              <p:ext uri="{386F3935-93C4-4BCD-93E2-E3B085C9AB24}">
-                <p16:designElem xmlns:p16="http://schemas.microsoft.com/office/powerpoint/2015/main" val="1"/>
-              </p:ext>
-            </p:extLst>
-          </p:nvPr>
-        </p:nvSpPr>
-        <p:spPr>
-          <a:xfrm>
-            <a:off x="0" y="0"/>
-            <a:ext cx="12192000" cy="6858000"/>
-          </a:xfrm>
-          <a:prstGeom prst="rect">
-            <a:avLst/>
-          </a:prstGeom>
-          <a:ln>
-            <a:noFill/>
-          </a:ln>
-        </p:spPr>
-        <p:style>
-          <a:lnRef idx="2">
-            <a:schemeClr val="accent1">
-              <a:shade val="50000"/>
-            </a:schemeClr>
-          </a:lnRef>
-          <a:fillRef idx="1">
-            <a:schemeClr val="accent1"/>
-          </a:fillRef>
-          <a:effectRef idx="0">
-            <a:schemeClr val="accent1"/>
-          </a:effectRef>
-          <a:fontRef idx="minor">
-            <a:schemeClr val="lt1"/>
-          </a:fontRef>
-        </p:style>
-        <p:txBody>
-          <a:bodyPr rtlCol="0" anchor="ctr"/>
-          <a:lstStyle/>
-          <a:p>
-            <a:pPr algn="ctr"/>
-            <a:endParaRPr lang="en-US" dirty="0"/>
-          </a:p>
-        </p:txBody>
-      </p:sp>
-      <p:sp>
-        <p:nvSpPr>
-          <p:cNvPr id="2" name="Title 1">
-            <a:extLst>
-              <a:ext uri="{FF2B5EF4-FFF2-40B4-BE49-F238E27FC236}">
-                <a16:creationId xmlns:a16="http://schemas.microsoft.com/office/drawing/2014/main" id="{1C21E816-31F5-48BB-BD02-D15F2F18B48A}"/>
-              </a:ext>
-            </a:extLst>
-          </p:cNvPr>
-          <p:cNvSpPr>
-            <a:spLocks noGrp="1"/>
-          </p:cNvSpPr>
-          <p:nvPr>
-            <p:ph type="ctrTitle"/>
-          </p:nvPr>
-        </p:nvSpPr>
-        <p:spPr>
-          <a:xfrm>
-            <a:off x="446534" y="810253"/>
-            <a:ext cx="10993549" cy="1475013"/>
-          </a:xfrm>
-        </p:spPr>
-        <p:txBody>
-          <a:bodyPr>
-            <a:normAutofit/>
-          </a:bodyPr>
-          <a:lstStyle/>
-          <a:p>
-            <a:r>
-              <a:rPr lang="en-US" dirty="0"/>
-              <a:t>Beers of the USA</a:t>
-            </a:r>
-          </a:p>
-        </p:txBody>
-      </p:sp>
-      <p:sp>
-        <p:nvSpPr>
-          <p:cNvPr id="3" name="Subtitle 2">
-            <a:extLst>
-              <a:ext uri="{FF2B5EF4-FFF2-40B4-BE49-F238E27FC236}">
-                <a16:creationId xmlns:a16="http://schemas.microsoft.com/office/drawing/2014/main" id="{835D6E6B-3353-491C-A3C6-F278D6CED8B3}"/>
-              </a:ext>
-            </a:extLst>
-          </p:cNvPr>
-          <p:cNvSpPr>
-            <a:spLocks noGrp="1"/>
-          </p:cNvSpPr>
-          <p:nvPr>
-            <p:ph type="subTitle" idx="1"/>
-          </p:nvPr>
-        </p:nvSpPr>
-        <p:spPr>
-          <a:xfrm>
-            <a:off x="581194" y="2495445"/>
-            <a:ext cx="10993546" cy="468233"/>
-          </a:xfrm>
-        </p:spPr>
-        <p:txBody>
-          <a:bodyPr>
-            <a:normAutofit/>
-          </a:bodyPr>
-          <a:lstStyle/>
-          <a:p>
-            <a:r>
-              <a:rPr lang="en-US" dirty="0"/>
-              <a:t>Group 1</a:t>
-            </a:r>
-          </a:p>
-        </p:txBody>
-      </p:sp>
-      <p:sp>
-        <p:nvSpPr>
-          <p:cNvPr id="20" name="Rectangle 19">
-            <a:extLst>
-              <a:ext uri="{FF2B5EF4-FFF2-40B4-BE49-F238E27FC236}">
-                <a16:creationId xmlns:a16="http://schemas.microsoft.com/office/drawing/2014/main" id="{E7C6334F-6411-41EC-AD7D-179EDD8B58CB}"/>
-              </a:ext>
-              <a:ext uri="{C183D7F6-B498-43B3-948B-1728B52AA6E4}">
-                <adec:decorative xmlns:adec="http://schemas.microsoft.com/office/drawing/2017/decorative" val="1"/>
-              </a:ext>
-            </a:extLst>
-          </p:cNvPr>
-          <p:cNvSpPr>
-            <a:spLocks noGrp="1" noRot="1" noChangeAspect="1" noMove="1" noResize="1" noEditPoints="1" noAdjustHandles="1" noChangeArrowheads="1" noChangeShapeType="1" noTextEdit="1"/>
-          </p:cNvSpPr>
-          <p:nvPr>
-            <p:extLst>
-              <p:ext uri="{386F3935-93C4-4BCD-93E2-E3B085C9AB24}">
-                <p16:designElem xmlns:p16="http://schemas.microsoft.com/office/powerpoint/2015/main" val="1"/>
-              </p:ext>
-            </p:extLst>
-          </p:nvPr>
-        </p:nvSpPr>
-        <p:spPr>
-          <a:xfrm>
-            <a:off x="446534" y="457200"/>
-            <a:ext cx="3703320" cy="94997"/>
-          </a:xfrm>
-          <a:prstGeom prst="rect">
-            <a:avLst/>
-          </a:prstGeom>
-          <a:solidFill>
-            <a:srgbClr val="465359"/>
-          </a:solidFill>
-          <a:ln>
-            <a:noFill/>
-          </a:ln>
-          <a:effectLst/>
-        </p:spPr>
-        <p:style>
-          <a:lnRef idx="1">
-            <a:schemeClr val="accent1"/>
-          </a:lnRef>
-          <a:fillRef idx="3">
-            <a:schemeClr val="accent1"/>
-          </a:fillRef>
-          <a:effectRef idx="2">
-            <a:schemeClr val="accent1"/>
-          </a:effectRef>
-          <a:fontRef idx="minor">
-            <a:schemeClr val="lt1"/>
-          </a:fontRef>
-        </p:style>
-      </p:sp>
-      <p:sp>
-        <p:nvSpPr>
-          <p:cNvPr id="22" name="Rectangle 21">
-            <a:extLst>
-              <a:ext uri="{FF2B5EF4-FFF2-40B4-BE49-F238E27FC236}">
-                <a16:creationId xmlns:a16="http://schemas.microsoft.com/office/drawing/2014/main" id="{E6B02CEE-3AF8-4349-9B3E-8970E6DF62B3}"/>
-              </a:ext>
-              <a:ext uri="{C183D7F6-B498-43B3-948B-1728B52AA6E4}">
-                <adec:decorative xmlns:adec="http://schemas.microsoft.com/office/drawing/2017/decorative" val="1"/>
-              </a:ext>
-            </a:extLst>
-          </p:cNvPr>
-          <p:cNvSpPr>
-            <a:spLocks noGrp="1" noRot="1" noChangeAspect="1" noMove="1" noResize="1" noEditPoints="1" noAdjustHandles="1" noChangeArrowheads="1" noChangeShapeType="1" noTextEdit="1"/>
-          </p:cNvSpPr>
-          <p:nvPr>
-            <p:extLst>
-              <p:ext uri="{386F3935-93C4-4BCD-93E2-E3B085C9AB24}">
-                <p16:designElem xmlns:p16="http://schemas.microsoft.com/office/powerpoint/2015/main" val="1"/>
-              </p:ext>
-            </p:extLst>
-          </p:nvPr>
-        </p:nvSpPr>
-        <p:spPr>
-          <a:xfrm>
-            <a:off x="4241830" y="457200"/>
-            <a:ext cx="3703320" cy="91440"/>
-          </a:xfrm>
-          <a:prstGeom prst="rect">
-            <a:avLst/>
-          </a:prstGeom>
-          <a:solidFill>
-            <a:schemeClr val="accent1"/>
-          </a:solidFill>
-          <a:ln>
-            <a:noFill/>
-          </a:ln>
-          <a:effectLst/>
-        </p:spPr>
-        <p:style>
-          <a:lnRef idx="1">
-            <a:schemeClr val="accent1"/>
-          </a:lnRef>
-          <a:fillRef idx="3">
-            <a:schemeClr val="accent1"/>
-          </a:fillRef>
-          <a:effectRef idx="2">
-            <a:schemeClr val="accent1"/>
-          </a:effectRef>
-          <a:fontRef idx="minor">
-            <a:schemeClr val="lt1"/>
-          </a:fontRef>
-        </p:style>
-      </p:sp>
-      <p:sp>
-        <p:nvSpPr>
-          <p:cNvPr id="24" name="Rectangle 23">
-            <a:extLst>
-              <a:ext uri="{FF2B5EF4-FFF2-40B4-BE49-F238E27FC236}">
-                <a16:creationId xmlns:a16="http://schemas.microsoft.com/office/drawing/2014/main" id="{AAA01CF0-3FB5-44EB-B7DE-F2E86374C2FB}"/>
-              </a:ext>
-              <a:ext uri="{C183D7F6-B498-43B3-948B-1728B52AA6E4}">
-                <adec:decorative xmlns:adec="http://schemas.microsoft.com/office/drawing/2017/decorative" val="1"/>
-              </a:ext>
-            </a:extLst>
-          </p:cNvPr>
-          <p:cNvSpPr>
-            <a:spLocks noGrp="1" noRot="1" noChangeAspect="1" noMove="1" noResize="1" noEditPoints="1" noAdjustHandles="1" noChangeArrowheads="1" noChangeShapeType="1" noTextEdit="1"/>
-          </p:cNvSpPr>
-          <p:nvPr>
-            <p:extLst>
-              <p:ext uri="{386F3935-93C4-4BCD-93E2-E3B085C9AB24}">
-                <p16:designElem xmlns:p16="http://schemas.microsoft.com/office/powerpoint/2015/main" val="1"/>
-              </p:ext>
-            </p:extLst>
-          </p:nvPr>
-        </p:nvSpPr>
-        <p:spPr>
-          <a:xfrm>
-            <a:off x="8042147" y="453643"/>
-            <a:ext cx="3703320" cy="98554"/>
-          </a:xfrm>
-          <a:prstGeom prst="rect">
-            <a:avLst/>
-          </a:prstGeom>
-          <a:solidFill>
-            <a:srgbClr val="969FA7"/>
-          </a:solidFill>
-          <a:ln>
-            <a:noFill/>
-          </a:ln>
-          <a:effectLst/>
-        </p:spPr>
-        <p:style>
-          <a:lnRef idx="1">
-            <a:schemeClr val="accent1"/>
-          </a:lnRef>
-          <a:fillRef idx="3">
-            <a:schemeClr val="accent1"/>
-          </a:fillRef>
-          <a:effectRef idx="2">
-            <a:schemeClr val="accent1"/>
-          </a:effectRef>
-          <a:fontRef idx="minor">
-            <a:schemeClr val="lt1"/>
-          </a:fontRef>
-        </p:style>
-      </p:sp>
-    </p:spTree>
-    <p:extLst>
-      <p:ext uri="{BB962C8B-B14F-4D97-AF65-F5344CB8AC3E}">
-        <p14:creationId xmlns:p14="http://schemas.microsoft.com/office/powerpoint/2010/main" val="2475805559"/>
-      </p:ext>
-    </p:extLst>
-  </p:cSld>
-  <p:clrMapOvr>
-    <a:masterClrMapping/>
-  </p:clrMapOvr>
-</p:sld>
-</file>
-
-<file path=ppt/slides/slide2.xml><?xml version="1.0" encoding="utf-8"?>
-<p:sld xmlns:a="http://schemas.openxmlformats.org/drawingml/2006/main" xmlns:r="http://schemas.openxmlformats.org/officeDocument/2006/relationships" xmlns:p="http://schemas.openxmlformats.org/presentationml/2006/main">
-  <p:cSld>
-    <p:spTree>
-      <p:nvGrpSpPr>
-        <p:cNvPr id="1" name=""/>
-        <p:cNvGrpSpPr/>
-        <p:nvPr/>
-      </p:nvGrpSpPr>
-      <p:grpSpPr>
-        <a:xfrm>
-          <a:off x="0" y="0"/>
-          <a:ext cx="0" cy="0"/>
-          <a:chOff x="0" y="0"/>
-          <a:chExt cx="0" cy="0"/>
-        </a:xfrm>
-      </p:grpSpPr>
-      <p:pic>
-        <p:nvPicPr>
-          <p:cNvPr id="5" name="Content Placeholder 4">
-            <a:extLst>
-              <a:ext uri="{FF2B5EF4-FFF2-40B4-BE49-F238E27FC236}">
-                <a16:creationId xmlns:a16="http://schemas.microsoft.com/office/drawing/2014/main" id="{117C290C-7977-154D-A9A1-040A83F8C10B}"/>
-              </a:ext>
-            </a:extLst>
-          </p:cNvPr>
-          <p:cNvPicPr>
-            <a:picLocks noGrp="1" noChangeAspect="1"/>
-          </p:cNvPicPr>
-          <p:nvPr>
-            <p:ph idx="1"/>
-          </p:nvPr>
-        </p:nvPicPr>
-        <p:blipFill>
-          <a:blip r:embed="rId2"/>
-          <a:stretch>
-            <a:fillRect/>
-          </a:stretch>
-        </p:blipFill>
-        <p:spPr>
-          <a:xfrm>
-            <a:off x="-18033" y="0"/>
-            <a:ext cx="12192000" cy="6858001"/>
-          </a:xfrm>
-        </p:spPr>
-      </p:pic>
       <p:sp>
         <p:nvSpPr>
           <p:cNvPr id="6" name="Title 1">
@@ -4650,7 +4311,7 @@
         </p:nvSpPr>
         <p:spPr>
           <a:xfrm>
-            <a:off x="5288692" y="4847418"/>
+            <a:off x="5497698" y="5362829"/>
             <a:ext cx="5158182" cy="646331"/>
           </a:xfrm>
           <a:prstGeom prst="rect">
@@ -4686,12 +4347,153 @@
   <p:clrMapOvr>
     <a:masterClrMapping/>
   </p:clrMapOvr>
+  <p:timing>
+    <p:tnLst>
+      <p:par>
+        <p:cTn id="1" dur="indefinite" restart="never" nodeType="tmRoot">
+          <p:childTnLst>
+            <p:seq concurrent="1" nextAc="seek">
+              <p:cTn id="2" dur="indefinite" nodeType="mainSeq">
+                <p:childTnLst>
+                  <p:par>
+                    <p:cTn id="3" fill="hold">
+                      <p:stCondLst>
+                        <p:cond delay="indefinite"/>
+                        <p:cond evt="onBegin" delay="0">
+                          <p:tn val="2"/>
+                        </p:cond>
+                      </p:stCondLst>
+                      <p:childTnLst>
+                        <p:par>
+                          <p:cTn id="4" fill="hold">
+                            <p:stCondLst>
+                              <p:cond delay="0"/>
+                            </p:stCondLst>
+                            <p:childTnLst>
+                              <p:par>
+                                <p:cTn id="5" presetID="2" presetClass="entr" presetSubtype="4" fill="hold" grpId="0" nodeType="afterEffect">
+                                  <p:stCondLst>
+                                    <p:cond delay="0"/>
+                                  </p:stCondLst>
+                                  <p:childTnLst>
+                                    <p:set>
+                                      <p:cBhvr>
+                                        <p:cTn id="6" dur="1" fill="hold">
+                                          <p:stCondLst>
+                                            <p:cond delay="0"/>
+                                          </p:stCondLst>
+                                        </p:cTn>
+                                        <p:tgtEl>
+                                          <p:spTgt spid="10"/>
+                                        </p:tgtEl>
+                                        <p:attrNameLst>
+                                          <p:attrName>style.visibility</p:attrName>
+                                        </p:attrNameLst>
+                                      </p:cBhvr>
+                                      <p:to>
+                                        <p:strVal val="visible"/>
+                                      </p:to>
+                                    </p:set>
+                                    <p:anim calcmode="lin" valueType="num">
+                                      <p:cBhvr additive="base">
+                                        <p:cTn id="7" dur="500" fill="hold"/>
+                                        <p:tgtEl>
+                                          <p:spTgt spid="10"/>
+                                        </p:tgtEl>
+                                        <p:attrNameLst>
+                                          <p:attrName>ppt_x</p:attrName>
+                                        </p:attrNameLst>
+                                      </p:cBhvr>
+                                      <p:tavLst>
+                                        <p:tav tm="0">
+                                          <p:val>
+                                            <p:strVal val="#ppt_x"/>
+                                          </p:val>
+                                        </p:tav>
+                                        <p:tav tm="100000">
+                                          <p:val>
+                                            <p:strVal val="#ppt_x"/>
+                                          </p:val>
+                                        </p:tav>
+                                      </p:tavLst>
+                                    </p:anim>
+                                    <p:anim calcmode="lin" valueType="num">
+                                      <p:cBhvr additive="base">
+                                        <p:cTn id="8" dur="500" fill="hold"/>
+                                        <p:tgtEl>
+                                          <p:spTgt spid="10"/>
+                                        </p:tgtEl>
+                                        <p:attrNameLst>
+                                          <p:attrName>ppt_y</p:attrName>
+                                        </p:attrNameLst>
+                                      </p:cBhvr>
+                                      <p:tavLst>
+                                        <p:tav tm="0">
+                                          <p:val>
+                                            <p:strVal val="1+#ppt_h/2"/>
+                                          </p:val>
+                                        </p:tav>
+                                        <p:tav tm="100000">
+                                          <p:val>
+                                            <p:strVal val="#ppt_y"/>
+                                          </p:val>
+                                        </p:tav>
+                                      </p:tavLst>
+                                    </p:anim>
+                                  </p:childTnLst>
+                                </p:cTn>
+                              </p:par>
+                            </p:childTnLst>
+                          </p:cTn>
+                        </p:par>
+                      </p:childTnLst>
+                    </p:cTn>
+                  </p:par>
+                </p:childTnLst>
+              </p:cTn>
+              <p:prevCondLst>
+                <p:cond evt="onPrev" delay="0">
+                  <p:tgtEl>
+                    <p:sldTgt/>
+                  </p:tgtEl>
+                </p:cond>
+              </p:prevCondLst>
+              <p:nextCondLst>
+                <p:cond evt="onNext" delay="0">
+                  <p:tgtEl>
+                    <p:sldTgt/>
+                  </p:tgtEl>
+                </p:cond>
+              </p:nextCondLst>
+            </p:seq>
+          </p:childTnLst>
+        </p:cTn>
+      </p:par>
+    </p:tnLst>
+    <p:bldLst>
+      <p:bldP spid="10" grpId="0"/>
+    </p:bldLst>
+  </p:timing>
 </p:sld>
 </file>
 
-<file path=ppt/slides/slide3.xml><?xml version="1.0" encoding="utf-8"?>
-<p:sld xmlns:a="http://schemas.openxmlformats.org/drawingml/2006/main" xmlns:r="http://schemas.openxmlformats.org/officeDocument/2006/relationships" xmlns:p="http://schemas.openxmlformats.org/presentationml/2006/main" showMasterSp="0">
+<file path=ppt/slides/slide2.xml><?xml version="1.0" encoding="utf-8"?>
+<p:sld xmlns:a="http://schemas.openxmlformats.org/drawingml/2006/main" xmlns:r="http://schemas.openxmlformats.org/officeDocument/2006/relationships" xmlns:p="http://schemas.openxmlformats.org/presentationml/2006/main">
   <p:cSld>
+    <p:bg>
+      <p:bgPr>
+        <a:blipFill dpi="0" rotWithShape="1">
+          <a:blip r:embed="rId2">
+            <a:lum/>
+          </a:blip>
+          <a:srcRect/>
+          <a:stretch>
+            <a:fillRect/>
+          </a:stretch>
+        </a:blipFill>
+        <a:effectLst/>
+      </p:bgPr>
+    </p:bg>
     <p:spTree>
       <p:nvGrpSpPr>
         <p:cNvPr id="1" name=""/>
@@ -4708,56 +4510,428 @@
       </p:grpSpPr>
       <p:sp>
         <p:nvSpPr>
-          <p:cNvPr id="2" name="Title 1">
+          <p:cNvPr id="6" name="Title 1">
             <a:extLst>
               <a:ext uri="{FF2B5EF4-FFF2-40B4-BE49-F238E27FC236}">
-                <a16:creationId xmlns:a16="http://schemas.microsoft.com/office/drawing/2014/main" id="{5E562972-3449-42D1-8185-B4BEFD52AB44}"/>
+                <a16:creationId xmlns:a16="http://schemas.microsoft.com/office/drawing/2014/main" id="{DC34C42B-BD83-BC45-9301-5408AD14336A}"/>
               </a:ext>
             </a:extLst>
           </p:cNvPr>
-          <p:cNvSpPr>
-            <a:spLocks noGrp="1"/>
+          <p:cNvSpPr txBox="1">
+            <a:spLocks/>
           </p:cNvSpPr>
-          <p:nvPr>
-            <p:ph type="title"/>
-          </p:nvPr>
-        </p:nvSpPr>
-        <p:spPr/>
-        <p:txBody>
-          <a:bodyPr/>
-          <a:lstStyle/>
-          <a:p>
-            <a:r>
-              <a:rPr lang="en-US" dirty="0"/>
-              <a:t>Overview</a:t>
-            </a:r>
-          </a:p>
-        </p:txBody>
-      </p:sp>
-      <p:sp>
-        <p:nvSpPr>
-          <p:cNvPr id="5" name="Content Placeholder 4">
+          <p:nvPr/>
+        </p:nvSpPr>
+        <p:spPr>
+          <a:xfrm>
+            <a:off x="581192" y="757664"/>
+            <a:ext cx="10993549" cy="1475013"/>
+          </a:xfrm>
+          <a:prstGeom prst="rect">
+            <a:avLst/>
+          </a:prstGeom>
+        </p:spPr>
+        <p:txBody>
+          <a:bodyPr vert="horz" lIns="91440" tIns="45720" rIns="91440" bIns="45720" rtlCol="0" anchor="b">
+            <a:normAutofit/>
+          </a:bodyPr>
+          <a:lstStyle>
+            <a:lvl1pPr algn="l" defTabSz="457200" rtl="0" eaLnBrk="1" latinLnBrk="0" hangingPunct="1">
+              <a:lnSpc>
+                <a:spcPct val="100000"/>
+              </a:lnSpc>
+              <a:spcBef>
+                <a:spcPct val="0"/>
+              </a:spcBef>
+              <a:buNone/>
+              <a:defRPr sz="2800" b="0" kern="1200" cap="all">
+                <a:solidFill>
+                  <a:schemeClr val="tx1">
+                    <a:lumMod val="75000"/>
+                    <a:lumOff val="25000"/>
+                  </a:schemeClr>
+                </a:solidFill>
+                <a:latin typeface="+mj-lt"/>
+                <a:ea typeface="+mj-ea"/>
+                <a:cs typeface="+mj-cs"/>
+              </a:defRPr>
+            </a:lvl1pPr>
+            <a:lvl2pPr eaLnBrk="1" hangingPunct="1">
+              <a:defRPr>
+                <a:solidFill>
+                  <a:schemeClr val="tx2"/>
+                </a:solidFill>
+              </a:defRPr>
+            </a:lvl2pPr>
+            <a:lvl3pPr eaLnBrk="1" hangingPunct="1">
+              <a:defRPr>
+                <a:solidFill>
+                  <a:schemeClr val="tx2"/>
+                </a:solidFill>
+              </a:defRPr>
+            </a:lvl3pPr>
+            <a:lvl4pPr eaLnBrk="1" hangingPunct="1">
+              <a:defRPr>
+                <a:solidFill>
+                  <a:schemeClr val="tx2"/>
+                </a:solidFill>
+              </a:defRPr>
+            </a:lvl4pPr>
+            <a:lvl5pPr eaLnBrk="1" hangingPunct="1">
+              <a:defRPr>
+                <a:solidFill>
+                  <a:schemeClr val="tx2"/>
+                </a:solidFill>
+              </a:defRPr>
+            </a:lvl5pPr>
+            <a:lvl6pPr eaLnBrk="1" hangingPunct="1">
+              <a:defRPr>
+                <a:solidFill>
+                  <a:schemeClr val="tx2"/>
+                </a:solidFill>
+              </a:defRPr>
+            </a:lvl6pPr>
+            <a:lvl7pPr eaLnBrk="1" hangingPunct="1">
+              <a:defRPr>
+                <a:solidFill>
+                  <a:schemeClr val="tx2"/>
+                </a:solidFill>
+              </a:defRPr>
+            </a:lvl7pPr>
+            <a:lvl8pPr eaLnBrk="1" hangingPunct="1">
+              <a:defRPr>
+                <a:solidFill>
+                  <a:schemeClr val="tx2"/>
+                </a:solidFill>
+              </a:defRPr>
+            </a:lvl8pPr>
+            <a:lvl9pPr eaLnBrk="1" hangingPunct="1">
+              <a:defRPr>
+                <a:solidFill>
+                  <a:schemeClr val="tx2"/>
+                </a:solidFill>
+              </a:defRPr>
+            </a:lvl9pPr>
+          </a:lstStyle>
+          <a:p>
+            <a:r>
+              <a:rPr lang="en-US" sz="6500" b="1" dirty="0">
+                <a:solidFill>
+                  <a:schemeClr val="bg1"/>
+                </a:solidFill>
+                <a:latin typeface="Copperplate Gothic Light" panose="020E0507020206020404" pitchFamily="34" charset="77"/>
+              </a:rPr>
+              <a:t>OVERVIEW</a:t>
+            </a:r>
+          </a:p>
+        </p:txBody>
+      </p:sp>
+      <p:sp>
+        <p:nvSpPr>
+          <p:cNvPr id="7" name="Subtitle 2">
             <a:extLst>
               <a:ext uri="{FF2B5EF4-FFF2-40B4-BE49-F238E27FC236}">
-                <a16:creationId xmlns:a16="http://schemas.microsoft.com/office/drawing/2014/main" id="{8EE30CC1-615D-42F8-9D4C-8B066E0CFB11}"/>
+                <a16:creationId xmlns:a16="http://schemas.microsoft.com/office/drawing/2014/main" id="{368BB7C3-0CAE-C048-B787-559A471D2BE3}"/>
               </a:ext>
             </a:extLst>
           </p:cNvPr>
-          <p:cNvSpPr>
-            <a:spLocks noGrp="1"/>
+          <p:cNvSpPr txBox="1">
+            <a:spLocks/>
           </p:cNvSpPr>
-          <p:nvPr>
-            <p:ph idx="1"/>
-          </p:nvPr>
-        </p:nvSpPr>
-        <p:spPr/>
-        <p:txBody>
-          <a:bodyPr/>
+          <p:nvPr/>
+        </p:nvSpPr>
+        <p:spPr>
+          <a:xfrm>
+            <a:off x="581194" y="2322447"/>
+            <a:ext cx="8624590" cy="3040382"/>
+          </a:xfrm>
+          <a:prstGeom prst="rect">
+            <a:avLst/>
+          </a:prstGeom>
+        </p:spPr>
+        <p:txBody>
+          <a:bodyPr vert="horz" lIns="91440" tIns="45720" rIns="91440" bIns="45720" rtlCol="0" anchor="ctr">
+            <a:normAutofit/>
+          </a:bodyPr>
+          <a:lstStyle>
+            <a:lvl1pPr marL="306000" indent="-306000" algn="l" defTabSz="457200" rtl="0" eaLnBrk="1" latinLnBrk="0" hangingPunct="1">
+              <a:lnSpc>
+                <a:spcPct val="110000"/>
+              </a:lnSpc>
+              <a:spcBef>
+                <a:spcPct val="20000"/>
+              </a:spcBef>
+              <a:spcAft>
+                <a:spcPts val="600"/>
+              </a:spcAft>
+              <a:buClr>
+                <a:schemeClr val="accent1"/>
+              </a:buClr>
+              <a:buSzPct val="92000"/>
+              <a:buFont typeface="Wingdings 2" panose="05020102010507070707" pitchFamily="18" charset="2"/>
+              <a:buChar char=""/>
+              <a:defRPr sz="1700" kern="1200">
+                <a:solidFill>
+                  <a:schemeClr val="tx1">
+                    <a:lumMod val="75000"/>
+                    <a:lumOff val="25000"/>
+                  </a:schemeClr>
+                </a:solidFill>
+                <a:latin typeface="+mn-lt"/>
+                <a:ea typeface="+mn-ea"/>
+                <a:cs typeface="+mn-cs"/>
+              </a:defRPr>
+            </a:lvl1pPr>
+            <a:lvl2pPr marL="630000" indent="-306000" algn="l" defTabSz="457200" rtl="0" eaLnBrk="1" latinLnBrk="0" hangingPunct="1">
+              <a:spcBef>
+                <a:spcPct val="20000"/>
+              </a:spcBef>
+              <a:spcAft>
+                <a:spcPts val="600"/>
+              </a:spcAft>
+              <a:buClr>
+                <a:schemeClr val="accent1"/>
+              </a:buClr>
+              <a:buSzPct val="92000"/>
+              <a:buFont typeface="Wingdings 2" panose="05020102010507070707" pitchFamily="18" charset="2"/>
+              <a:buChar char=""/>
+              <a:defRPr sz="1400" kern="1200">
+                <a:solidFill>
+                  <a:schemeClr val="tx1">
+                    <a:lumMod val="75000"/>
+                    <a:lumOff val="25000"/>
+                  </a:schemeClr>
+                </a:solidFill>
+                <a:latin typeface="+mn-lt"/>
+                <a:ea typeface="+mn-ea"/>
+                <a:cs typeface="+mn-cs"/>
+              </a:defRPr>
+            </a:lvl2pPr>
+            <a:lvl3pPr marL="900000" indent="-270000" algn="l" defTabSz="457200" rtl="0" eaLnBrk="1" latinLnBrk="0" hangingPunct="1">
+              <a:spcBef>
+                <a:spcPct val="20000"/>
+              </a:spcBef>
+              <a:spcAft>
+                <a:spcPts val="600"/>
+              </a:spcAft>
+              <a:buClr>
+                <a:schemeClr val="accent1"/>
+              </a:buClr>
+              <a:buSzPct val="92000"/>
+              <a:buFont typeface="Wingdings 2" panose="05020102010507070707" pitchFamily="18" charset="2"/>
+              <a:buChar char=""/>
+              <a:defRPr sz="1300" kern="1200">
+                <a:solidFill>
+                  <a:schemeClr val="tx1">
+                    <a:lumMod val="75000"/>
+                    <a:lumOff val="25000"/>
+                  </a:schemeClr>
+                </a:solidFill>
+                <a:latin typeface="+mn-lt"/>
+                <a:ea typeface="+mn-ea"/>
+                <a:cs typeface="+mn-cs"/>
+              </a:defRPr>
+            </a:lvl3pPr>
+            <a:lvl4pPr marL="1242000" indent="-234000" algn="l" defTabSz="457200" rtl="0" eaLnBrk="1" latinLnBrk="0" hangingPunct="1">
+              <a:spcBef>
+                <a:spcPct val="20000"/>
+              </a:spcBef>
+              <a:spcAft>
+                <a:spcPts val="600"/>
+              </a:spcAft>
+              <a:buClr>
+                <a:schemeClr val="accent1"/>
+              </a:buClr>
+              <a:buSzPct val="92000"/>
+              <a:buFont typeface="Wingdings 2" panose="05020102010507070707" pitchFamily="18" charset="2"/>
+              <a:buChar char=""/>
+              <a:defRPr sz="1100" kern="1200">
+                <a:solidFill>
+                  <a:schemeClr val="tx1">
+                    <a:lumMod val="75000"/>
+                    <a:lumOff val="25000"/>
+                  </a:schemeClr>
+                </a:solidFill>
+                <a:latin typeface="+mn-lt"/>
+                <a:ea typeface="+mn-ea"/>
+                <a:cs typeface="+mn-cs"/>
+              </a:defRPr>
+            </a:lvl4pPr>
+            <a:lvl5pPr marL="1602000" indent="-234000" algn="l" defTabSz="457200" rtl="0" eaLnBrk="1" latinLnBrk="0" hangingPunct="1">
+              <a:spcBef>
+                <a:spcPct val="20000"/>
+              </a:spcBef>
+              <a:spcAft>
+                <a:spcPts val="600"/>
+              </a:spcAft>
+              <a:buClr>
+                <a:schemeClr val="accent1"/>
+              </a:buClr>
+              <a:buSzPct val="92000"/>
+              <a:buFont typeface="Wingdings 2" panose="05020102010507070707" pitchFamily="18" charset="2"/>
+              <a:buChar char=""/>
+              <a:defRPr sz="1100" kern="1200">
+                <a:solidFill>
+                  <a:schemeClr val="tx1">
+                    <a:lumMod val="75000"/>
+                    <a:lumOff val="25000"/>
+                  </a:schemeClr>
+                </a:solidFill>
+                <a:latin typeface="+mn-lt"/>
+                <a:ea typeface="+mn-ea"/>
+                <a:cs typeface="+mn-cs"/>
+              </a:defRPr>
+            </a:lvl5pPr>
+            <a:lvl6pPr marL="1900000" indent="-228600" algn="l" defTabSz="457200" rtl="0" eaLnBrk="1" latinLnBrk="0" hangingPunct="1">
+              <a:spcBef>
+                <a:spcPct val="20000"/>
+              </a:spcBef>
+              <a:spcAft>
+                <a:spcPts val="600"/>
+              </a:spcAft>
+              <a:buClr>
+                <a:schemeClr val="accent2"/>
+              </a:buClr>
+              <a:buSzPct val="92000"/>
+              <a:buFont typeface="Wingdings 2" panose="05020102010507070707" pitchFamily="18" charset="2"/>
+              <a:buChar char=""/>
+              <a:defRPr sz="1200" kern="1200">
+                <a:solidFill>
+                  <a:schemeClr val="tx2"/>
+                </a:solidFill>
+                <a:latin typeface="+mn-lt"/>
+                <a:ea typeface="+mn-ea"/>
+                <a:cs typeface="+mn-cs"/>
+              </a:defRPr>
+            </a:lvl6pPr>
+            <a:lvl7pPr marL="2200000" indent="-228600" algn="l" defTabSz="457200" rtl="0" eaLnBrk="1" latinLnBrk="0" hangingPunct="1">
+              <a:spcBef>
+                <a:spcPct val="20000"/>
+              </a:spcBef>
+              <a:spcAft>
+                <a:spcPts val="600"/>
+              </a:spcAft>
+              <a:buClr>
+                <a:schemeClr val="accent2"/>
+              </a:buClr>
+              <a:buSzPct val="92000"/>
+              <a:buFont typeface="Wingdings 2" panose="05020102010507070707" pitchFamily="18" charset="2"/>
+              <a:buChar char=""/>
+              <a:defRPr sz="1200" kern="1200">
+                <a:solidFill>
+                  <a:schemeClr val="tx2"/>
+                </a:solidFill>
+                <a:latin typeface="+mn-lt"/>
+                <a:ea typeface="+mn-ea"/>
+                <a:cs typeface="+mn-cs"/>
+              </a:defRPr>
+            </a:lvl7pPr>
+            <a:lvl8pPr marL="2500000" indent="-228600" algn="l" defTabSz="457200" rtl="0" eaLnBrk="1" latinLnBrk="0" hangingPunct="1">
+              <a:spcBef>
+                <a:spcPct val="20000"/>
+              </a:spcBef>
+              <a:spcAft>
+                <a:spcPts val="600"/>
+              </a:spcAft>
+              <a:buClr>
+                <a:schemeClr val="accent2"/>
+              </a:buClr>
+              <a:buSzPct val="92000"/>
+              <a:buFont typeface="Wingdings 2" panose="05020102010507070707" pitchFamily="18" charset="2"/>
+              <a:buChar char=""/>
+              <a:defRPr sz="1200" kern="1200">
+                <a:solidFill>
+                  <a:schemeClr val="tx2"/>
+                </a:solidFill>
+                <a:latin typeface="+mn-lt"/>
+                <a:ea typeface="+mn-ea"/>
+                <a:cs typeface="+mn-cs"/>
+              </a:defRPr>
+            </a:lvl8pPr>
+            <a:lvl9pPr marL="2800000" indent="-228600" algn="l" defTabSz="457200" rtl="0" eaLnBrk="1" latinLnBrk="0" hangingPunct="1">
+              <a:spcBef>
+                <a:spcPct val="20000"/>
+              </a:spcBef>
+              <a:spcAft>
+                <a:spcPts val="600"/>
+              </a:spcAft>
+              <a:buClr>
+                <a:schemeClr val="accent2"/>
+              </a:buClr>
+              <a:buSzPct val="92000"/>
+              <a:buFont typeface="Wingdings 2" panose="05020102010507070707" pitchFamily="18" charset="2"/>
+              <a:buChar char=""/>
+              <a:defRPr sz="1200" kern="1200">
+                <a:solidFill>
+                  <a:schemeClr val="tx2"/>
+                </a:solidFill>
+                <a:latin typeface="+mn-lt"/>
+                <a:ea typeface="+mn-ea"/>
+                <a:cs typeface="+mn-cs"/>
+              </a:defRPr>
+            </a:lvl9pPr>
+          </a:lstStyle>
+          <a:p>
+            <a:pPr marL="0" indent="0">
+              <a:buNone/>
+            </a:pPr>
+            <a:r>
+              <a:rPr lang="en-US" sz="1800" dirty="0">
+                <a:solidFill>
+                  <a:schemeClr val="bg1"/>
+                </a:solidFill>
+              </a:rPr>
+              <a:t>Our dashboard focused on querying data from a brewery dataset (csv) so that users can query a name  of beer using a drop down menu from beers/breweries within the US.  Once the user has picked a beer, the dashboard visuals will change accordingly. </a:t>
+            </a:r>
+          </a:p>
+          <a:p>
+            <a:pPr marL="0" indent="0">
+              <a:buNone/>
+            </a:pPr>
+            <a:endParaRPr lang="en-US" sz="2400" b="1" dirty="0">
+              <a:solidFill>
+                <a:schemeClr val="bg1"/>
+              </a:solidFill>
+            </a:endParaRPr>
+          </a:p>
+        </p:txBody>
+      </p:sp>
+      <p:sp>
+        <p:nvSpPr>
+          <p:cNvPr id="10" name="TextBox 9">
+            <a:extLst>
+              <a:ext uri="{FF2B5EF4-FFF2-40B4-BE49-F238E27FC236}">
+                <a16:creationId xmlns:a16="http://schemas.microsoft.com/office/drawing/2014/main" id="{F404C5C2-BA26-1E44-A4A0-43B47B5211ED}"/>
+              </a:ext>
+            </a:extLst>
+          </p:cNvPr>
+          <p:cNvSpPr txBox="1"/>
+          <p:nvPr/>
+        </p:nvSpPr>
+        <p:spPr>
+          <a:xfrm>
+            <a:off x="5549949" y="5362829"/>
+            <a:ext cx="5158182" cy="646331"/>
+          </a:xfrm>
+          <a:prstGeom prst="rect">
+            <a:avLst/>
+          </a:prstGeom>
+          <a:noFill/>
+        </p:spPr>
+        <p:txBody>
+          <a:bodyPr wrap="square" rtlCol="0">
+            <a:spAutoFit/>
+          </a:bodyPr>
           <a:lstStyle/>
           <a:p>
             <a:r>
-              <a:rPr lang="en-US" dirty="0"/>
-              <a:t>Our dashboard focused on querying data from a brewery dataset (csv) so that users can query a name  of beer using a drop down menu from beers/breweries within the US.  Once the user has picked a beer, the dashboard visuals will change accordingly. </a:t>
+              <a:rPr lang="en-US" dirty="0">
+                <a:solidFill>
+                  <a:schemeClr val="bg1"/>
+                </a:solidFill>
+                <a:latin typeface="Copperplate Gothic Light" panose="020E0507020206020404" pitchFamily="34" charset="77"/>
+              </a:rPr>
+              <a:t>“I DON’T ALWAYS DRINK BEER, BUT WHEN I DO, IT’S NEVER AN IMPORT”</a:t>
             </a:r>
           </a:p>
         </p:txBody>
@@ -4765,19 +4939,160 @@
     </p:spTree>
     <p:extLst>
       <p:ext uri="{BB962C8B-B14F-4D97-AF65-F5344CB8AC3E}">
-        <p14:creationId xmlns:p14="http://schemas.microsoft.com/office/powerpoint/2010/main" val="263784652"/>
+        <p14:creationId xmlns:p14="http://schemas.microsoft.com/office/powerpoint/2010/main" val="2720050255"/>
       </p:ext>
     </p:extLst>
   </p:cSld>
   <p:clrMapOvr>
     <a:masterClrMapping/>
   </p:clrMapOvr>
+  <p:timing>
+    <p:tnLst>
+      <p:par>
+        <p:cTn id="1" dur="indefinite" restart="never" nodeType="tmRoot">
+          <p:childTnLst>
+            <p:seq concurrent="1" nextAc="seek">
+              <p:cTn id="2" dur="indefinite" nodeType="mainSeq">
+                <p:childTnLst>
+                  <p:par>
+                    <p:cTn id="3" fill="hold">
+                      <p:stCondLst>
+                        <p:cond delay="indefinite"/>
+                        <p:cond evt="onBegin" delay="0">
+                          <p:tn val="2"/>
+                        </p:cond>
+                      </p:stCondLst>
+                      <p:childTnLst>
+                        <p:par>
+                          <p:cTn id="4" fill="hold">
+                            <p:stCondLst>
+                              <p:cond delay="0"/>
+                            </p:stCondLst>
+                            <p:childTnLst>
+                              <p:par>
+                                <p:cTn id="5" presetID="2" presetClass="entr" presetSubtype="4" fill="hold" grpId="0" nodeType="afterEffect">
+                                  <p:stCondLst>
+                                    <p:cond delay="0"/>
+                                  </p:stCondLst>
+                                  <p:childTnLst>
+                                    <p:set>
+                                      <p:cBhvr>
+                                        <p:cTn id="6" dur="1" fill="hold">
+                                          <p:stCondLst>
+                                            <p:cond delay="0"/>
+                                          </p:stCondLst>
+                                        </p:cTn>
+                                        <p:tgtEl>
+                                          <p:spTgt spid="10"/>
+                                        </p:tgtEl>
+                                        <p:attrNameLst>
+                                          <p:attrName>style.visibility</p:attrName>
+                                        </p:attrNameLst>
+                                      </p:cBhvr>
+                                      <p:to>
+                                        <p:strVal val="visible"/>
+                                      </p:to>
+                                    </p:set>
+                                    <p:anim calcmode="lin" valueType="num">
+                                      <p:cBhvr additive="base">
+                                        <p:cTn id="7" dur="500" fill="hold"/>
+                                        <p:tgtEl>
+                                          <p:spTgt spid="10"/>
+                                        </p:tgtEl>
+                                        <p:attrNameLst>
+                                          <p:attrName>ppt_x</p:attrName>
+                                        </p:attrNameLst>
+                                      </p:cBhvr>
+                                      <p:tavLst>
+                                        <p:tav tm="0">
+                                          <p:val>
+                                            <p:strVal val="#ppt_x"/>
+                                          </p:val>
+                                        </p:tav>
+                                        <p:tav tm="100000">
+                                          <p:val>
+                                            <p:strVal val="#ppt_x"/>
+                                          </p:val>
+                                        </p:tav>
+                                      </p:tavLst>
+                                    </p:anim>
+                                    <p:anim calcmode="lin" valueType="num">
+                                      <p:cBhvr additive="base">
+                                        <p:cTn id="8" dur="500" fill="hold"/>
+                                        <p:tgtEl>
+                                          <p:spTgt spid="10"/>
+                                        </p:tgtEl>
+                                        <p:attrNameLst>
+                                          <p:attrName>ppt_y</p:attrName>
+                                        </p:attrNameLst>
+                                      </p:cBhvr>
+                                      <p:tavLst>
+                                        <p:tav tm="0">
+                                          <p:val>
+                                            <p:strVal val="1+#ppt_h/2"/>
+                                          </p:val>
+                                        </p:tav>
+                                        <p:tav tm="100000">
+                                          <p:val>
+                                            <p:strVal val="#ppt_y"/>
+                                          </p:val>
+                                        </p:tav>
+                                      </p:tavLst>
+                                    </p:anim>
+                                  </p:childTnLst>
+                                </p:cTn>
+                              </p:par>
+                            </p:childTnLst>
+                          </p:cTn>
+                        </p:par>
+                      </p:childTnLst>
+                    </p:cTn>
+                  </p:par>
+                </p:childTnLst>
+              </p:cTn>
+              <p:prevCondLst>
+                <p:cond evt="onPrev" delay="0">
+                  <p:tgtEl>
+                    <p:sldTgt/>
+                  </p:tgtEl>
+                </p:cond>
+              </p:prevCondLst>
+              <p:nextCondLst>
+                <p:cond evt="onNext" delay="0">
+                  <p:tgtEl>
+                    <p:sldTgt/>
+                  </p:tgtEl>
+                </p:cond>
+              </p:nextCondLst>
+            </p:seq>
+          </p:childTnLst>
+        </p:cTn>
+      </p:par>
+    </p:tnLst>
+    <p:bldLst>
+      <p:bldP spid="10" grpId="0"/>
+    </p:bldLst>
+  </p:timing>
 </p:sld>
 </file>
 
-<file path=ppt/slides/slide4.xml><?xml version="1.0" encoding="utf-8"?>
+<file path=ppt/slides/slide3.xml><?xml version="1.0" encoding="utf-8"?>
 <p:sld xmlns:a="http://schemas.openxmlformats.org/drawingml/2006/main" xmlns:r="http://schemas.openxmlformats.org/officeDocument/2006/relationships" xmlns:p="http://schemas.openxmlformats.org/presentationml/2006/main" showMasterSp="0">
   <p:cSld>
+    <p:bg>
+      <p:bgPr>
+        <a:blipFill dpi="0" rotWithShape="1">
+          <a:blip r:embed="rId2">
+            <a:lum/>
+          </a:blip>
+          <a:srcRect/>
+          <a:stretch>
+            <a:fillRect/>
+          </a:stretch>
+        </a:blipFill>
+        <a:effectLst/>
+      </p:bgPr>
+    </p:bg>
     <p:spTree>
       <p:nvGrpSpPr>
         <p:cNvPr id="1" name=""/>
@@ -4810,12 +5125,19 @@
         </p:nvSpPr>
         <p:spPr/>
         <p:txBody>
-          <a:bodyPr/>
+          <a:bodyPr>
+            <a:noAutofit/>
+          </a:bodyPr>
           <a:lstStyle/>
           <a:p>
             <a:r>
-              <a:rPr lang="en-US" dirty="0"/>
-              <a:t>Group Members</a:t>
+              <a:rPr lang="en-US" sz="6500" b="1" dirty="0">
+                <a:solidFill>
+                  <a:schemeClr val="bg1"/>
+                </a:solidFill>
+                <a:latin typeface="Copperplate Gothic Light" panose="020E0507020206020404" pitchFamily="34" charset="77"/>
+              </a:rPr>
+              <a:t>Datasets USED</a:t>
             </a:r>
           </a:p>
         </p:txBody>
@@ -4838,63 +5160,202 @@
         </p:nvSpPr>
         <p:spPr/>
         <p:txBody>
-          <a:bodyPr/>
+          <a:bodyPr>
+            <a:normAutofit lnSpcReduction="10000"/>
+          </a:bodyPr>
           <a:lstStyle/>
           <a:p>
-            <a:pPr algn="ctr" rtl="0">
+            <a:pPr marL="0" indent="0" rtl="0">
               <a:spcBef>
                 <a:spcPts val="0"/>
               </a:spcBef>
               <a:spcAft>
                 <a:spcPts val="1600"/>
               </a:spcAft>
+              <a:buNone/>
             </a:pPr>
             <a:r>
-              <a:rPr lang="en-US" dirty="0"/>
-              <a:t>Gabriel </a:t>
-            </a:r>
-            <a:r>
-              <a:rPr lang="en-US" dirty="0" err="1"/>
-              <a:t>Alade</a:t>
-            </a:r>
-            <a:r>
-              <a:rPr lang="en-US" dirty="0"/>
-              <a:t>, Chad </a:t>
-            </a:r>
-            <a:r>
-              <a:rPr lang="en-US" dirty="0" err="1"/>
-              <a:t>Dubiel</a:t>
-            </a:r>
-            <a:r>
-              <a:rPr lang="en-US" dirty="0"/>
-              <a:t>, Jeremy Jones, Nick </a:t>
-            </a:r>
-            <a:r>
-              <a:rPr lang="en-US" dirty="0" err="1"/>
-              <a:t>Orewiler</a:t>
-            </a:r>
-            <a:r>
-              <a:rPr lang="en-US" dirty="0"/>
-              <a:t>, and Debra Wu</a:t>
-            </a:r>
-          </a:p>
-          <a:p>
-            <a:pPr algn="ctr" rtl="0">
+              <a:rPr lang="en-US" sz="1800" b="0" i="0" u="none" strike="noStrike" dirty="0">
+                <a:solidFill>
+                  <a:schemeClr val="bg1"/>
+                </a:solidFill>
+                <a:effectLst/>
+                <a:latin typeface="Lato"/>
+              </a:rPr>
+              <a:t>The data for this project was found on Kaggle from:</a:t>
+            </a:r>
+          </a:p>
+          <a:p>
+            <a:pPr marL="0" indent="0">
               <a:spcBef>
                 <a:spcPts val="0"/>
               </a:spcBef>
               <a:spcAft>
                 <a:spcPts val="1600"/>
               </a:spcAft>
+              <a:buNone/>
             </a:pPr>
+            <a:r>
+              <a:rPr lang="en-US" sz="1800" dirty="0">
+                <a:solidFill>
+                  <a:schemeClr val="bg1"/>
+                </a:solidFill>
+                <a:latin typeface="Lato"/>
+                <a:hlinkClick r:id="rId3"/>
+              </a:rPr>
+              <a:t>Nick Hould's Craft Cans</a:t>
+            </a:r>
+            <a:endParaRPr lang="en-US" sz="1800" dirty="0">
+              <a:solidFill>
+                <a:schemeClr val="bg1"/>
+              </a:solidFill>
+              <a:latin typeface="Lato"/>
+            </a:endParaRPr>
+          </a:p>
+          <a:p>
+            <a:pPr marL="0" indent="0">
+              <a:spcBef>
+                <a:spcPts val="0"/>
+              </a:spcBef>
+              <a:spcAft>
+                <a:spcPts val="1600"/>
+              </a:spcAft>
+              <a:buNone/>
+            </a:pPr>
+            <a:r>
+              <a:rPr lang="en-US" sz="1800" dirty="0">
+                <a:solidFill>
+                  <a:schemeClr val="bg1"/>
+                </a:solidFill>
+                <a:latin typeface="Lato"/>
+                <a:hlinkClick r:id="rId4"/>
+              </a:rPr>
+              <a:t>J. Trofe's Beer Recipes</a:t>
+            </a:r>
+            <a:endParaRPr lang="en-US" sz="1800" dirty="0">
+              <a:solidFill>
+                <a:schemeClr val="bg1"/>
+              </a:solidFill>
+              <a:latin typeface="Lato"/>
+            </a:endParaRPr>
+          </a:p>
+          <a:p>
+            <a:pPr marL="0" indent="0">
+              <a:spcBef>
+                <a:spcPts val="0"/>
+              </a:spcBef>
+              <a:spcAft>
+                <a:spcPts val="1600"/>
+              </a:spcAft>
+              <a:buNone/>
+            </a:pPr>
+            <a:r>
+              <a:rPr lang="en-US" sz="1800" dirty="0">
+                <a:solidFill>
+                  <a:schemeClr val="bg1"/>
+                </a:solidFill>
+                <a:latin typeface="Lato"/>
+                <a:hlinkClick r:id="rId5"/>
+              </a:rPr>
+              <a:t>Brett Kurzawa's US Breweries</a:t>
+            </a:r>
+            <a:endParaRPr lang="en-US" sz="1800" dirty="0">
+              <a:solidFill>
+                <a:schemeClr val="bg1"/>
+              </a:solidFill>
+              <a:latin typeface="Lato"/>
+            </a:endParaRPr>
+          </a:p>
+          <a:p>
+            <a:pPr marL="0" indent="0">
+              <a:spcBef>
+                <a:spcPts val="0"/>
+              </a:spcBef>
+              <a:spcAft>
+                <a:spcPts val="1600"/>
+              </a:spcAft>
+              <a:buNone/>
+            </a:pPr>
+            <a:endParaRPr lang="en-US" sz="1800" dirty="0">
+              <a:solidFill>
+                <a:schemeClr val="bg1"/>
+              </a:solidFill>
+              <a:latin typeface="Lato"/>
+            </a:endParaRPr>
+          </a:p>
+          <a:p>
+            <a:pPr marL="0" indent="0">
+              <a:spcBef>
+                <a:spcPts val="0"/>
+              </a:spcBef>
+              <a:spcAft>
+                <a:spcPts val="1600"/>
+              </a:spcAft>
+              <a:buNone/>
+            </a:pPr>
+            <a:endParaRPr lang="en-US" sz="1800" b="0" i="0" u="none" strike="noStrike" dirty="0">
+              <a:solidFill>
+                <a:schemeClr val="bg1"/>
+              </a:solidFill>
+              <a:effectLst/>
+              <a:latin typeface="Lato"/>
+            </a:endParaRPr>
+          </a:p>
+          <a:p>
+            <a:pPr marL="0" indent="0">
+              <a:buNone/>
+            </a:pPr>
+            <a:br>
+              <a:rPr lang="en-US" dirty="0"/>
+            </a:br>
             <a:endParaRPr lang="en-US" dirty="0"/>
+          </a:p>
+        </p:txBody>
+      </p:sp>
+      <p:sp>
+        <p:nvSpPr>
+          <p:cNvPr id="3" name="TextBox 2">
+            <a:extLst>
+              <a:ext uri="{FF2B5EF4-FFF2-40B4-BE49-F238E27FC236}">
+                <a16:creationId xmlns:a16="http://schemas.microsoft.com/office/drawing/2014/main" id="{17A5DECF-7FF4-6C41-9DC5-7DE3DE432016}"/>
+              </a:ext>
+            </a:extLst>
+          </p:cNvPr>
+          <p:cNvSpPr txBox="1"/>
+          <p:nvPr/>
+        </p:nvSpPr>
+        <p:spPr>
+          <a:xfrm>
+            <a:off x="5434149" y="5329019"/>
+            <a:ext cx="5055231" cy="646331"/>
+          </a:xfrm>
+          <a:prstGeom prst="rect">
+            <a:avLst/>
+          </a:prstGeom>
+          <a:noFill/>
+        </p:spPr>
+        <p:txBody>
+          <a:bodyPr wrap="square" rtlCol="0">
+            <a:spAutoFit/>
+          </a:bodyPr>
+          <a:lstStyle/>
+          <a:p>
+            <a:r>
+              <a:rPr lang="en-US" cap="all" dirty="0">
+                <a:solidFill>
+                  <a:schemeClr val="bg1"/>
+                </a:solidFill>
+                <a:latin typeface="Copperplate Gothic Light" panose="020E0507020206020404" pitchFamily="34" charset="77"/>
+              </a:rPr>
+              <a:t>“I don’t always drink beer, but when I do, I need a good dataset”</a:t>
+            </a:r>
           </a:p>
         </p:txBody>
       </p:sp>
     </p:spTree>
     <p:extLst>
       <p:ext uri="{BB962C8B-B14F-4D97-AF65-F5344CB8AC3E}">
-        <p14:creationId xmlns:p14="http://schemas.microsoft.com/office/powerpoint/2010/main" val="1734955971"/>
+        <p14:creationId xmlns:p14="http://schemas.microsoft.com/office/powerpoint/2010/main" val="1648935273"/>
       </p:ext>
     </p:extLst>
   </p:cSld>
@@ -4904,9 +5365,23 @@
 </p:sld>
 </file>
 
-<file path=ppt/slides/slide5.xml><?xml version="1.0" encoding="utf-8"?>
+<file path=ppt/slides/slide4.xml><?xml version="1.0" encoding="utf-8"?>
 <p:sld xmlns:a="http://schemas.openxmlformats.org/drawingml/2006/main" xmlns:r="http://schemas.openxmlformats.org/officeDocument/2006/relationships" xmlns:p="http://schemas.openxmlformats.org/presentationml/2006/main" showMasterSp="0">
   <p:cSld>
+    <p:bg>
+      <p:bgPr>
+        <a:blipFill dpi="0" rotWithShape="1">
+          <a:blip r:embed="rId2">
+            <a:lum/>
+          </a:blip>
+          <a:srcRect/>
+          <a:stretch>
+            <a:fillRect/>
+          </a:stretch>
+        </a:blipFill>
+        <a:effectLst/>
+      </p:bgPr>
+    </p:bg>
     <p:spTree>
       <p:nvGrpSpPr>
         <p:cNvPr id="1" name=""/>
@@ -4923,6 +5398,390 @@
       </p:grpSpPr>
       <p:sp>
         <p:nvSpPr>
+          <p:cNvPr id="77" name="Rectangle 76">
+            <a:extLst>
+              <a:ext uri="{FF2B5EF4-FFF2-40B4-BE49-F238E27FC236}">
+                <a16:creationId xmlns:a16="http://schemas.microsoft.com/office/drawing/2014/main" id="{E2C84337-2E72-1947-9991-496D2EA532AE}"/>
+              </a:ext>
+            </a:extLst>
+          </p:cNvPr>
+          <p:cNvSpPr/>
+          <p:nvPr/>
+        </p:nvSpPr>
+        <p:spPr>
+          <a:xfrm>
+            <a:off x="325012" y="5234662"/>
+            <a:ext cx="1281998" cy="1312277"/>
+          </a:xfrm>
+          <a:prstGeom prst="rect">
+            <a:avLst/>
+          </a:prstGeom>
+          <a:ln>
+            <a:solidFill>
+              <a:srgbClr val="FF0000"/>
+            </a:solidFill>
+          </a:ln>
+        </p:spPr>
+        <p:style>
+          <a:lnRef idx="2">
+            <a:schemeClr val="accent6"/>
+          </a:lnRef>
+          <a:fillRef idx="1">
+            <a:schemeClr val="lt1"/>
+          </a:fillRef>
+          <a:effectRef idx="0">
+            <a:schemeClr val="accent6"/>
+          </a:effectRef>
+          <a:fontRef idx="minor">
+            <a:schemeClr val="dk1"/>
+          </a:fontRef>
+        </p:style>
+        <p:txBody>
+          <a:bodyPr rtlCol="0" anchor="ctr"/>
+          <a:lstStyle/>
+          <a:p>
+            <a:pPr algn="ctr"/>
+            <a:endParaRPr lang="en-US"/>
+          </a:p>
+        </p:txBody>
+      </p:sp>
+      <p:cxnSp>
+        <p:nvCxnSpPr>
+          <p:cNvPr id="52" name="Elbow Connector 51">
+            <a:extLst>
+              <a:ext uri="{FF2B5EF4-FFF2-40B4-BE49-F238E27FC236}">
+                <a16:creationId xmlns:a16="http://schemas.microsoft.com/office/drawing/2014/main" id="{78C12613-BCBB-2747-A667-4F3A4984A578}"/>
+              </a:ext>
+            </a:extLst>
+          </p:cNvPr>
+          <p:cNvCxnSpPr>
+            <a:cxnSpLocks/>
+          </p:cNvCxnSpPr>
+          <p:nvPr/>
+        </p:nvCxnSpPr>
+        <p:spPr>
+          <a:xfrm flipV="1">
+            <a:off x="6729691" y="4238616"/>
+            <a:ext cx="1328975" cy="1279979"/>
+          </a:xfrm>
+          <a:prstGeom prst="bentConnector3">
+            <a:avLst>
+              <a:gd name="adj1" fmla="val 50000"/>
+            </a:avLst>
+          </a:prstGeom>
+          <a:ln w="50800">
+            <a:tailEnd type="triangle"/>
+          </a:ln>
+        </p:spPr>
+        <p:style>
+          <a:lnRef idx="1">
+            <a:schemeClr val="accent1"/>
+          </a:lnRef>
+          <a:fillRef idx="0">
+            <a:schemeClr val="accent1"/>
+          </a:fillRef>
+          <a:effectRef idx="0">
+            <a:schemeClr val="accent1"/>
+          </a:effectRef>
+          <a:fontRef idx="minor">
+            <a:schemeClr val="tx1"/>
+          </a:fontRef>
+        </p:style>
+      </p:cxnSp>
+      <p:sp>
+        <p:nvSpPr>
+          <p:cNvPr id="62" name="Rectangle 61">
+            <a:extLst>
+              <a:ext uri="{FF2B5EF4-FFF2-40B4-BE49-F238E27FC236}">
+                <a16:creationId xmlns:a16="http://schemas.microsoft.com/office/drawing/2014/main" id="{20B2EEDA-B687-044C-9A07-1016656531EC}"/>
+              </a:ext>
+            </a:extLst>
+          </p:cNvPr>
+          <p:cNvSpPr/>
+          <p:nvPr/>
+        </p:nvSpPr>
+        <p:spPr>
+          <a:xfrm>
+            <a:off x="8004135" y="3756477"/>
+            <a:ext cx="1814736" cy="842377"/>
+          </a:xfrm>
+          <a:prstGeom prst="rect">
+            <a:avLst/>
+          </a:prstGeom>
+          <a:solidFill>
+            <a:schemeClr val="bg1"/>
+          </a:solidFill>
+        </p:spPr>
+        <p:style>
+          <a:lnRef idx="2">
+            <a:schemeClr val="accent1">
+              <a:shade val="50000"/>
+            </a:schemeClr>
+          </a:lnRef>
+          <a:fillRef idx="1">
+            <a:schemeClr val="accent1"/>
+          </a:fillRef>
+          <a:effectRef idx="0">
+            <a:schemeClr val="accent1"/>
+          </a:effectRef>
+          <a:fontRef idx="minor">
+            <a:schemeClr val="lt1"/>
+          </a:fontRef>
+        </p:style>
+        <p:txBody>
+          <a:bodyPr rtlCol="0" anchor="ctr"/>
+          <a:lstStyle/>
+          <a:p>
+            <a:pPr algn="ctr"/>
+            <a:endParaRPr lang="en-US"/>
+          </a:p>
+        </p:txBody>
+      </p:sp>
+      <p:sp>
+        <p:nvSpPr>
+          <p:cNvPr id="45" name="Rectangle 44">
+            <a:extLst>
+              <a:ext uri="{FF2B5EF4-FFF2-40B4-BE49-F238E27FC236}">
+                <a16:creationId xmlns:a16="http://schemas.microsoft.com/office/drawing/2014/main" id="{2D782F7E-DECD-E946-AD55-14B6835184DD}"/>
+              </a:ext>
+            </a:extLst>
+          </p:cNvPr>
+          <p:cNvSpPr/>
+          <p:nvPr/>
+        </p:nvSpPr>
+        <p:spPr>
+          <a:xfrm>
+            <a:off x="8168588" y="334084"/>
+            <a:ext cx="2398577" cy="2448907"/>
+          </a:xfrm>
+          <a:prstGeom prst="rect">
+            <a:avLst/>
+          </a:prstGeom>
+          <a:solidFill>
+            <a:schemeClr val="bg1"/>
+          </a:solidFill>
+          <a:ln>
+            <a:solidFill>
+              <a:srgbClr val="7030A0"/>
+            </a:solidFill>
+          </a:ln>
+        </p:spPr>
+        <p:style>
+          <a:lnRef idx="2">
+            <a:schemeClr val="accent1">
+              <a:shade val="50000"/>
+            </a:schemeClr>
+          </a:lnRef>
+          <a:fillRef idx="1">
+            <a:schemeClr val="accent1"/>
+          </a:fillRef>
+          <a:effectRef idx="0">
+            <a:schemeClr val="accent1"/>
+          </a:effectRef>
+          <a:fontRef idx="minor">
+            <a:schemeClr val="lt1"/>
+          </a:fontRef>
+        </p:style>
+        <p:txBody>
+          <a:bodyPr rtlCol="0" anchor="ctr"/>
+          <a:lstStyle/>
+          <a:p>
+            <a:pPr algn="ctr"/>
+            <a:endParaRPr lang="en-US"/>
+          </a:p>
+        </p:txBody>
+      </p:sp>
+      <p:cxnSp>
+        <p:nvCxnSpPr>
+          <p:cNvPr id="31" name="Elbow Connector 30">
+            <a:extLst>
+              <a:ext uri="{FF2B5EF4-FFF2-40B4-BE49-F238E27FC236}">
+                <a16:creationId xmlns:a16="http://schemas.microsoft.com/office/drawing/2014/main" id="{DEB603BE-8335-5B45-8438-091F355857FE}"/>
+              </a:ext>
+            </a:extLst>
+          </p:cNvPr>
+          <p:cNvCxnSpPr>
+            <a:cxnSpLocks/>
+            <a:stCxn id="14" idx="0"/>
+          </p:cNvCxnSpPr>
+          <p:nvPr/>
+        </p:nvCxnSpPr>
+        <p:spPr>
+          <a:xfrm rot="5400000" flipH="1" flipV="1">
+            <a:off x="3180688" y="1116566"/>
+            <a:ext cx="722878" cy="2199598"/>
+          </a:xfrm>
+          <a:prstGeom prst="bentConnector2">
+            <a:avLst/>
+          </a:prstGeom>
+          <a:ln w="50800">
+            <a:tailEnd type="triangle"/>
+          </a:ln>
+        </p:spPr>
+        <p:style>
+          <a:lnRef idx="1">
+            <a:schemeClr val="accent1"/>
+          </a:lnRef>
+          <a:fillRef idx="0">
+            <a:schemeClr val="accent1"/>
+          </a:fillRef>
+          <a:effectRef idx="0">
+            <a:schemeClr val="accent1"/>
+          </a:effectRef>
+          <a:fontRef idx="minor">
+            <a:schemeClr val="tx1"/>
+          </a:fontRef>
+        </p:style>
+      </p:cxnSp>
+      <p:sp>
+        <p:nvSpPr>
+          <p:cNvPr id="38" name="Rectangle 37">
+            <a:extLst>
+              <a:ext uri="{FF2B5EF4-FFF2-40B4-BE49-F238E27FC236}">
+                <a16:creationId xmlns:a16="http://schemas.microsoft.com/office/drawing/2014/main" id="{B85DA6B0-D069-F94C-9995-D05730910E8E}"/>
+              </a:ext>
+            </a:extLst>
+          </p:cNvPr>
+          <p:cNvSpPr/>
+          <p:nvPr/>
+        </p:nvSpPr>
+        <p:spPr>
+          <a:xfrm>
+            <a:off x="5071801" y="4325295"/>
+            <a:ext cx="1867990" cy="1990051"/>
+          </a:xfrm>
+          <a:prstGeom prst="rect">
+            <a:avLst/>
+          </a:prstGeom>
+          <a:ln>
+            <a:solidFill>
+              <a:srgbClr val="92D050"/>
+            </a:solidFill>
+          </a:ln>
+        </p:spPr>
+        <p:style>
+          <a:lnRef idx="2">
+            <a:schemeClr val="accent6"/>
+          </a:lnRef>
+          <a:fillRef idx="1">
+            <a:schemeClr val="lt1"/>
+          </a:fillRef>
+          <a:effectRef idx="0">
+            <a:schemeClr val="accent6"/>
+          </a:effectRef>
+          <a:fontRef idx="minor">
+            <a:schemeClr val="dk1"/>
+          </a:fontRef>
+        </p:style>
+        <p:txBody>
+          <a:bodyPr rtlCol="0" anchor="ctr"/>
+          <a:lstStyle/>
+          <a:p>
+            <a:pPr algn="ctr"/>
+            <a:endParaRPr lang="en-US"/>
+          </a:p>
+        </p:txBody>
+      </p:sp>
+      <p:sp>
+        <p:nvSpPr>
+          <p:cNvPr id="28" name="Rectangle 27">
+            <a:extLst>
+              <a:ext uri="{FF2B5EF4-FFF2-40B4-BE49-F238E27FC236}">
+                <a16:creationId xmlns:a16="http://schemas.microsoft.com/office/drawing/2014/main" id="{80EF1940-3202-CF4B-8830-13ACC301164F}"/>
+              </a:ext>
+            </a:extLst>
+          </p:cNvPr>
+          <p:cNvSpPr/>
+          <p:nvPr/>
+        </p:nvSpPr>
+        <p:spPr>
+          <a:xfrm>
+            <a:off x="4641926" y="1198846"/>
+            <a:ext cx="2097844" cy="2209028"/>
+          </a:xfrm>
+          <a:prstGeom prst="rect">
+            <a:avLst/>
+          </a:prstGeom>
+          <a:ln>
+            <a:solidFill>
+              <a:srgbClr val="FFFF00"/>
+            </a:solidFill>
+          </a:ln>
+        </p:spPr>
+        <p:style>
+          <a:lnRef idx="2">
+            <a:schemeClr val="accent6"/>
+          </a:lnRef>
+          <a:fillRef idx="1">
+            <a:schemeClr val="lt1"/>
+          </a:fillRef>
+          <a:effectRef idx="0">
+            <a:schemeClr val="accent6"/>
+          </a:effectRef>
+          <a:fontRef idx="minor">
+            <a:schemeClr val="dk1"/>
+          </a:fontRef>
+        </p:style>
+        <p:txBody>
+          <a:bodyPr rtlCol="0" anchor="ctr"/>
+          <a:lstStyle/>
+          <a:p>
+            <a:pPr algn="ctr"/>
+            <a:endParaRPr lang="en-US"/>
+          </a:p>
+        </p:txBody>
+      </p:sp>
+      <p:sp>
+        <p:nvSpPr>
+          <p:cNvPr id="14" name="Rectangle 13">
+            <a:extLst>
+              <a:ext uri="{FF2B5EF4-FFF2-40B4-BE49-F238E27FC236}">
+                <a16:creationId xmlns:a16="http://schemas.microsoft.com/office/drawing/2014/main" id="{4BC41B1A-4758-9449-A47D-4003FF7E2801}"/>
+              </a:ext>
+            </a:extLst>
+          </p:cNvPr>
+          <p:cNvSpPr/>
+          <p:nvPr/>
+        </p:nvSpPr>
+        <p:spPr>
+          <a:xfrm>
+            <a:off x="1409936" y="2577804"/>
+            <a:ext cx="2064784" cy="1525350"/>
+          </a:xfrm>
+          <a:prstGeom prst="rect">
+            <a:avLst/>
+          </a:prstGeom>
+          <a:ln>
+            <a:solidFill>
+              <a:srgbClr val="FFC000"/>
+            </a:solidFill>
+          </a:ln>
+        </p:spPr>
+        <p:style>
+          <a:lnRef idx="2">
+            <a:schemeClr val="accent6"/>
+          </a:lnRef>
+          <a:fillRef idx="1">
+            <a:schemeClr val="lt1"/>
+          </a:fillRef>
+          <a:effectRef idx="0">
+            <a:schemeClr val="accent6"/>
+          </a:effectRef>
+          <a:fontRef idx="minor">
+            <a:schemeClr val="dk1"/>
+          </a:fontRef>
+        </p:style>
+        <p:txBody>
+          <a:bodyPr rtlCol="0" anchor="ctr"/>
+          <a:lstStyle/>
+          <a:p>
+            <a:pPr algn="ctr"/>
+            <a:endParaRPr lang="en-US"/>
+          </a:p>
+        </p:txBody>
+      </p:sp>
+      <p:sp>
+        <p:nvSpPr>
           <p:cNvPr id="2" name="Title 1">
             <a:extLst>
               <a:ext uri="{FF2B5EF4-FFF2-40B4-BE49-F238E27FC236}">
@@ -4934,21 +5793,28 @@
             <a:spLocks noGrp="1"/>
           </p:cNvSpPr>
           <p:nvPr>
-            <p:ph type="title"/>
+            <p:ph type="title" idx="4294967295"/>
           </p:nvPr>
         </p:nvSpPr>
         <p:spPr>
           <a:xfrm>
-            <a:off x="644459" y="675392"/>
-            <a:ext cx="11029616" cy="772656"/>
-          </a:xfrm>
-        </p:spPr>
-        <p:txBody>
-          <a:bodyPr/>
+            <a:off x="325012" y="349950"/>
+            <a:ext cx="11029950" cy="773112"/>
+          </a:xfrm>
+        </p:spPr>
+        <p:txBody>
+          <a:bodyPr>
+            <a:noAutofit/>
+          </a:bodyPr>
           <a:lstStyle/>
           <a:p>
             <a:r>
-              <a:rPr lang="en-US" dirty="0"/>
+              <a:rPr lang="en-US" sz="5000" dirty="0">
+                <a:solidFill>
+                  <a:schemeClr val="bg1"/>
+                </a:solidFill>
+                <a:latin typeface="Copperplate Gothic Light" panose="020E0507020206020404" pitchFamily="34" charset="77"/>
+              </a:rPr>
               <a:t>Workflow</a:t>
             </a:r>
           </a:p>
@@ -4967,11 +5833,11 @@
             <a:picLocks noGrp="1" noChangeAspect="1" noChangeArrowheads="1"/>
           </p:cNvPicPr>
           <p:nvPr>
-            <p:ph idx="1"/>
+            <p:ph idx="4294967295"/>
           </p:nvPr>
         </p:nvPicPr>
         <p:blipFill>
-          <a:blip r:embed="rId2">
+          <a:blip r:embed="rId3">
             <a:extLst>
               <a:ext uri="{28A0092B-C50C-407E-A947-70E740481C1C}">
                 <a14:useLocalDpi xmlns:a14="http://schemas.microsoft.com/office/drawing/2010/main" val="0"/>
@@ -4985,8 +5851,8 @@
         </p:blipFill>
         <p:spPr bwMode="auto">
           <a:xfrm>
-            <a:off x="817314" y="4993889"/>
-            <a:ext cx="957489" cy="957489"/>
+            <a:off x="452673" y="5412170"/>
+            <a:ext cx="957263" cy="957263"/>
           </a:xfrm>
           <a:prstGeom prst="rect">
             <a:avLst/>
@@ -5018,7 +5884,7 @@
           <p:nvPr/>
         </p:nvPicPr>
         <p:blipFill>
-          <a:blip r:embed="rId3">
+          <a:blip r:embed="rId4">
             <a:extLst>
               <a:ext uri="{28A0092B-C50C-407E-A947-70E740481C1C}">
                 <a14:useLocalDpi xmlns:a14="http://schemas.microsoft.com/office/drawing/2010/main" val="0"/>
@@ -5038,16 +5904,9 @@
           <a:prstGeom prst="rect">
             <a:avLst/>
           </a:prstGeom>
-          <a:noFill/>
-          <a:extLst>
-            <a:ext uri="{909E8E84-426E-40DD-AFC4-6F175D3DCCD1}">
-              <a14:hiddenFill xmlns:a14="http://schemas.microsoft.com/office/drawing/2010/main">
-                <a:solidFill>
-                  <a:srgbClr val="FFFFFF"/>
-                </a:solidFill>
-              </a14:hiddenFill>
-            </a:ext>
-          </a:extLst>
+          <a:solidFill>
+            <a:schemeClr val="bg1"/>
+          </a:solidFill>
         </p:spPr>
       </p:pic>
       <p:pic>
@@ -5065,8 +5924,17 @@
           <p:nvPr/>
         </p:nvPicPr>
         <p:blipFill rotWithShape="1">
-          <a:blip r:embed="rId4">
+          <a:blip r:embed="rId5">
             <a:extLst>
+              <a:ext uri="{BEBA8EAE-BF5A-486C-A8C5-ECC9F3942E4B}">
+                <a14:imgProps xmlns:a14="http://schemas.microsoft.com/office/drawing/2010/main">
+                  <a14:imgLayer r:embed="rId6">
+                    <a14:imgEffect>
+                      <a14:colorTemperature colorTemp="6692"/>
+                    </a14:imgEffect>
+                  </a14:imgLayer>
+                </a14:imgProps>
+              </a:ext>
               <a:ext uri="{28A0092B-C50C-407E-A947-70E740481C1C}">
                 <a14:useLocalDpi xmlns:a14="http://schemas.microsoft.com/office/drawing/2010/main" val="0"/>
               </a:ext>
@@ -5077,22 +5945,15 @@
         </p:blipFill>
         <p:spPr bwMode="auto">
           <a:xfrm>
-            <a:off x="2630751" y="3297802"/>
+            <a:off x="2702636" y="3092536"/>
             <a:ext cx="591501" cy="663941"/>
           </a:xfrm>
           <a:prstGeom prst="rect">
             <a:avLst/>
           </a:prstGeom>
-          <a:noFill/>
-          <a:extLst>
-            <a:ext uri="{909E8E84-426E-40DD-AFC4-6F175D3DCCD1}">
-              <a14:hiddenFill xmlns:a14="http://schemas.microsoft.com/office/drawing/2010/main">
-                <a:solidFill>
-                  <a:srgbClr val="FFFFFF"/>
-                </a:solidFill>
-              </a14:hiddenFill>
-            </a:ext>
-          </a:extLst>
+          <a:solidFill>
+            <a:schemeClr val="bg1"/>
+          </a:solidFill>
         </p:spPr>
       </p:pic>
       <p:pic>
@@ -5110,7 +5971,8 @@
           <p:nvPr/>
         </p:nvPicPr>
         <p:blipFill>
-          <a:blip r:embed="rId5">
+          <a:blip r:embed="rId7">
+            <a:biLevel thresh="25000"/>
             <a:extLst>
               <a:ext uri="{28A0092B-C50C-407E-A947-70E740481C1C}">
                 <a14:useLocalDpi xmlns:a14="http://schemas.microsoft.com/office/drawing/2010/main" val="0"/>
@@ -5124,22 +5986,15 @@
         </p:blipFill>
         <p:spPr bwMode="auto">
           <a:xfrm>
-            <a:off x="5875316" y="4292917"/>
+            <a:off x="5264909" y="4366175"/>
             <a:ext cx="1397454" cy="1791608"/>
           </a:xfrm>
           <a:prstGeom prst="rect">
             <a:avLst/>
           </a:prstGeom>
-          <a:noFill/>
-          <a:extLst>
-            <a:ext uri="{909E8E84-426E-40DD-AFC4-6F175D3DCCD1}">
-              <a14:hiddenFill xmlns:a14="http://schemas.microsoft.com/office/drawing/2010/main">
-                <a:solidFill>
-                  <a:srgbClr val="FFFFFF"/>
-                </a:solidFill>
-              </a14:hiddenFill>
-            </a:ext>
-          </a:extLst>
+          <a:solidFill>
+            <a:schemeClr val="bg1"/>
+          </a:solidFill>
         </p:spPr>
       </p:pic>
       <p:pic>
@@ -5148,100 +6003,6 @@
             <a:extLst>
               <a:ext uri="{FF2B5EF4-FFF2-40B4-BE49-F238E27FC236}">
                 <a16:creationId xmlns:a16="http://schemas.microsoft.com/office/drawing/2014/main" id="{8AFD5355-6B0D-47C3-B3C4-4BB108AC1BC6}"/>
-              </a:ext>
-            </a:extLst>
-          </p:cNvPr>
-          <p:cNvPicPr>
-            <a:picLocks noChangeAspect="1" noChangeArrowheads="1"/>
-          </p:cNvPicPr>
-          <p:nvPr/>
-        </p:nvPicPr>
-        <p:blipFill>
-          <a:blip r:embed="rId6">
-            <a:extLst>
-              <a:ext uri="{28A0092B-C50C-407E-A947-70E740481C1C}">
-                <a14:useLocalDpi xmlns:a14="http://schemas.microsoft.com/office/drawing/2010/main" val="0"/>
-              </a:ext>
-            </a:extLst>
-          </a:blip>
-          <a:srcRect/>
-          <a:stretch>
-            <a:fillRect/>
-          </a:stretch>
-        </p:blipFill>
-        <p:spPr bwMode="auto">
-          <a:xfrm>
-            <a:off x="4207772" y="1497795"/>
-            <a:ext cx="1931205" cy="1931205"/>
-          </a:xfrm>
-          <a:prstGeom prst="rect">
-            <a:avLst/>
-          </a:prstGeom>
-          <a:noFill/>
-          <a:extLst>
-            <a:ext uri="{909E8E84-426E-40DD-AFC4-6F175D3DCCD1}">
-              <a14:hiddenFill xmlns:a14="http://schemas.microsoft.com/office/drawing/2010/main">
-                <a:solidFill>
-                  <a:srgbClr val="FFFFFF"/>
-                </a:solidFill>
-              </a14:hiddenFill>
-            </a:ext>
-          </a:extLst>
-        </p:spPr>
-      </p:pic>
-      <p:pic>
-        <p:nvPicPr>
-          <p:cNvPr id="1048" name="Picture 24" descr="See the source image">
-            <a:extLst>
-              <a:ext uri="{FF2B5EF4-FFF2-40B4-BE49-F238E27FC236}">
-                <a16:creationId xmlns:a16="http://schemas.microsoft.com/office/drawing/2014/main" id="{91C8287E-DDA1-49CC-8D5C-5985AA1CCE33}"/>
-              </a:ext>
-            </a:extLst>
-          </p:cNvPr>
-          <p:cNvPicPr>
-            <a:picLocks noChangeAspect="1" noChangeArrowheads="1"/>
-          </p:cNvPicPr>
-          <p:nvPr/>
-        </p:nvPicPr>
-        <p:blipFill>
-          <a:blip r:embed="rId7">
-            <a:extLst>
-              <a:ext uri="{28A0092B-C50C-407E-A947-70E740481C1C}">
-                <a14:useLocalDpi xmlns:a14="http://schemas.microsoft.com/office/drawing/2010/main" val="0"/>
-              </a:ext>
-            </a:extLst>
-          </a:blip>
-          <a:srcRect/>
-          <a:stretch>
-            <a:fillRect/>
-          </a:stretch>
-        </p:blipFill>
-        <p:spPr bwMode="auto">
-          <a:xfrm>
-            <a:off x="9122495" y="5215192"/>
-            <a:ext cx="1397454" cy="629754"/>
-          </a:xfrm>
-          <a:prstGeom prst="rect">
-            <a:avLst/>
-          </a:prstGeom>
-          <a:noFill/>
-          <a:extLst>
-            <a:ext uri="{909E8E84-426E-40DD-AFC4-6F175D3DCCD1}">
-              <a14:hiddenFill xmlns:a14="http://schemas.microsoft.com/office/drawing/2010/main">
-                <a:solidFill>
-                  <a:srgbClr val="FFFFFF"/>
-                </a:solidFill>
-              </a14:hiddenFill>
-            </a:ext>
-          </a:extLst>
-        </p:spPr>
-      </p:pic>
-      <p:pic>
-        <p:nvPicPr>
-          <p:cNvPr id="1052" name="Picture 28" descr="See the source image">
-            <a:extLst>
-              <a:ext uri="{FF2B5EF4-FFF2-40B4-BE49-F238E27FC236}">
-                <a16:creationId xmlns:a16="http://schemas.microsoft.com/office/drawing/2014/main" id="{18C62DF7-2810-4415-8D9C-38784EEC7F25}"/>
               </a:ext>
             </a:extLst>
           </p:cNvPr>
@@ -5265,494 +6026,97 @@
         </p:blipFill>
         <p:spPr bwMode="auto">
           <a:xfrm>
-            <a:off x="8505115" y="1752716"/>
-            <a:ext cx="1931205" cy="2022683"/>
+            <a:off x="4707241" y="1372716"/>
+            <a:ext cx="1931205" cy="1931205"/>
           </a:xfrm>
           <a:prstGeom prst="rect">
             <a:avLst/>
           </a:prstGeom>
-          <a:noFill/>
-          <a:extLst>
-            <a:ext uri="{909E8E84-426E-40DD-AFC4-6F175D3DCCD1}">
-              <a14:hiddenFill xmlns:a14="http://schemas.microsoft.com/office/drawing/2010/main">
-                <a:solidFill>
-                  <a:srgbClr val="FFFFFF"/>
-                </a:solidFill>
-              </a14:hiddenFill>
-            </a:ext>
-          </a:extLst>
+          <a:solidFill>
+            <a:schemeClr val="bg1"/>
+          </a:solidFill>
         </p:spPr>
       </p:pic>
-      <p:sp>
-        <p:nvSpPr>
-          <p:cNvPr id="3" name="Flowchart: Connector 2">
+      <p:pic>
+        <p:nvPicPr>
+          <p:cNvPr id="1048" name="Picture 24" descr="See the source image">
             <a:extLst>
               <a:ext uri="{FF2B5EF4-FFF2-40B4-BE49-F238E27FC236}">
-                <a16:creationId xmlns:a16="http://schemas.microsoft.com/office/drawing/2014/main" id="{D6B9EA96-65E6-4EB9-8138-863A4E963035}"/>
+                <a16:creationId xmlns:a16="http://schemas.microsoft.com/office/drawing/2014/main" id="{91C8287E-DDA1-49CC-8D5C-5985AA1CCE33}"/>
               </a:ext>
             </a:extLst>
           </p:cNvPr>
-          <p:cNvSpPr/>
+          <p:cNvPicPr>
+            <a:picLocks noChangeAspect="1" noChangeArrowheads="1"/>
+          </p:cNvPicPr>
           <p:nvPr/>
-        </p:nvSpPr>
-        <p:spPr>
+        </p:nvPicPr>
+        <p:blipFill>
+          <a:blip r:embed="rId9">
+            <a:extLst>
+              <a:ext uri="{28A0092B-C50C-407E-A947-70E740481C1C}">
+                <a14:useLocalDpi xmlns:a14="http://schemas.microsoft.com/office/drawing/2010/main" val="0"/>
+              </a:ext>
+            </a:extLst>
+          </a:blip>
+          <a:srcRect/>
+          <a:stretch>
+            <a:fillRect/>
+          </a:stretch>
+        </p:blipFill>
+        <p:spPr bwMode="auto">
           <a:xfrm>
-            <a:off x="1588500" y="2485753"/>
-            <a:ext cx="1724864" cy="1687485"/>
-          </a:xfrm>
-          <a:prstGeom prst="flowChartConnector">
+            <a:off x="8191974" y="3856570"/>
+            <a:ext cx="1397454" cy="629754"/>
+          </a:xfrm>
+          <a:prstGeom prst="rect">
             <a:avLst/>
           </a:prstGeom>
-          <a:noFill/>
-          <a:ln>
-            <a:solidFill>
-              <a:srgbClr val="FFFF00"/>
-            </a:solidFill>
-          </a:ln>
-        </p:spPr>
-        <p:style>
-          <a:lnRef idx="2">
-            <a:schemeClr val="accent1">
-              <a:shade val="50000"/>
-            </a:schemeClr>
-          </a:lnRef>
-          <a:fillRef idx="1">
-            <a:schemeClr val="accent1"/>
-          </a:fillRef>
-          <a:effectRef idx="0">
-            <a:schemeClr val="accent1"/>
-          </a:effectRef>
-          <a:fontRef idx="minor">
-            <a:schemeClr val="lt1"/>
-          </a:fontRef>
-        </p:style>
-        <p:txBody>
-          <a:bodyPr rtlCol="0" anchor="ctr"/>
-          <a:lstStyle/>
-          <a:p>
-            <a:pPr algn="ctr"/>
-            <a:endParaRPr lang="en-US"/>
-          </a:p>
-        </p:txBody>
-      </p:sp>
-      <p:sp>
-        <p:nvSpPr>
-          <p:cNvPr id="4" name="Flowchart: Connector 3">
+          <a:solidFill>
+            <a:schemeClr val="bg1"/>
+          </a:solidFill>
+        </p:spPr>
+      </p:pic>
+      <p:pic>
+        <p:nvPicPr>
+          <p:cNvPr id="1052" name="Picture 28" descr="See the source image">
             <a:extLst>
               <a:ext uri="{FF2B5EF4-FFF2-40B4-BE49-F238E27FC236}">
-                <a16:creationId xmlns:a16="http://schemas.microsoft.com/office/drawing/2014/main" id="{7D53DB2E-6182-4E20-9DF9-06F059D7A59F}"/>
+                <a16:creationId xmlns:a16="http://schemas.microsoft.com/office/drawing/2014/main" id="{18C62DF7-2810-4415-8D9C-38784EEC7F25}"/>
               </a:ext>
             </a:extLst>
           </p:cNvPr>
-          <p:cNvSpPr/>
+          <p:cNvPicPr>
+            <a:picLocks noChangeAspect="1" noChangeArrowheads="1"/>
+          </p:cNvPicPr>
           <p:nvPr/>
-        </p:nvSpPr>
-        <p:spPr>
+        </p:nvPicPr>
+        <p:blipFill>
+          <a:blip r:embed="rId10">
+            <a:extLst>
+              <a:ext uri="{28A0092B-C50C-407E-A947-70E740481C1C}">
+                <a14:useLocalDpi xmlns:a14="http://schemas.microsoft.com/office/drawing/2010/main" val="0"/>
+              </a:ext>
+            </a:extLst>
+          </a:blip>
+          <a:srcRect/>
+          <a:stretch>
+            <a:fillRect/>
+          </a:stretch>
+        </p:blipFill>
+        <p:spPr bwMode="auto">
           <a:xfrm>
-            <a:off x="4059871" y="1358883"/>
-            <a:ext cx="2227006" cy="2209028"/>
-          </a:xfrm>
-          <a:prstGeom prst="flowChartConnector">
+            <a:off x="8320814" y="446774"/>
+            <a:ext cx="2094124" cy="2193319"/>
+          </a:xfrm>
+          <a:prstGeom prst="rect">
             <a:avLst/>
           </a:prstGeom>
-          <a:noFill/>
-        </p:spPr>
-        <p:style>
-          <a:lnRef idx="2">
-            <a:schemeClr val="accent1">
-              <a:shade val="50000"/>
-            </a:schemeClr>
-          </a:lnRef>
-          <a:fillRef idx="1">
-            <a:schemeClr val="accent1"/>
-          </a:fillRef>
-          <a:effectRef idx="0">
-            <a:schemeClr val="accent1"/>
-          </a:effectRef>
-          <a:fontRef idx="minor">
-            <a:schemeClr val="lt1"/>
-          </a:fontRef>
-        </p:style>
-        <p:txBody>
-          <a:bodyPr rtlCol="0" anchor="ctr"/>
-          <a:lstStyle/>
-          <a:p>
-            <a:pPr algn="ctr"/>
-            <a:endParaRPr lang="en-US"/>
-          </a:p>
-        </p:txBody>
-      </p:sp>
-      <p:sp>
-        <p:nvSpPr>
-          <p:cNvPr id="6" name="Flowchart: Connector 5">
-            <a:extLst>
-              <a:ext uri="{FF2B5EF4-FFF2-40B4-BE49-F238E27FC236}">
-                <a16:creationId xmlns:a16="http://schemas.microsoft.com/office/drawing/2014/main" id="{8D7AB063-C814-4040-892B-C087780DD2E3}"/>
-              </a:ext>
-            </a:extLst>
-          </p:cNvPr>
-          <p:cNvSpPr/>
-          <p:nvPr/>
-        </p:nvSpPr>
-        <p:spPr>
-          <a:xfrm>
-            <a:off x="5460540" y="4173238"/>
-            <a:ext cx="2227006" cy="2209028"/>
-          </a:xfrm>
-          <a:prstGeom prst="flowChartConnector">
-            <a:avLst/>
-          </a:prstGeom>
-          <a:noFill/>
-          <a:ln>
-            <a:solidFill>
-              <a:srgbClr val="7030A0"/>
-            </a:solidFill>
-          </a:ln>
-        </p:spPr>
-        <p:style>
-          <a:lnRef idx="2">
-            <a:schemeClr val="accent1">
-              <a:shade val="50000"/>
-            </a:schemeClr>
-          </a:lnRef>
-          <a:fillRef idx="1">
-            <a:schemeClr val="accent1"/>
-          </a:fillRef>
-          <a:effectRef idx="0">
-            <a:schemeClr val="accent1"/>
-          </a:effectRef>
-          <a:fontRef idx="minor">
-            <a:schemeClr val="lt1"/>
-          </a:fontRef>
-        </p:style>
-        <p:txBody>
-          <a:bodyPr rtlCol="0" anchor="ctr"/>
-          <a:lstStyle/>
-          <a:p>
-            <a:pPr algn="ctr"/>
-            <a:endParaRPr lang="en-US"/>
-          </a:p>
-        </p:txBody>
-      </p:sp>
-      <p:sp>
-        <p:nvSpPr>
-          <p:cNvPr id="7" name="Flowchart: Alternate Process 6">
-            <a:extLst>
-              <a:ext uri="{FF2B5EF4-FFF2-40B4-BE49-F238E27FC236}">
-                <a16:creationId xmlns:a16="http://schemas.microsoft.com/office/drawing/2014/main" id="{1EE9D7AA-7B8E-4D6F-AC04-1E558B53FAF7}"/>
-              </a:ext>
-            </a:extLst>
-          </p:cNvPr>
-          <p:cNvSpPr/>
-          <p:nvPr/>
-        </p:nvSpPr>
-        <p:spPr>
-          <a:xfrm>
-            <a:off x="8952271" y="5215192"/>
-            <a:ext cx="1740310" cy="629754"/>
-          </a:xfrm>
-          <a:prstGeom prst="flowChartAlternateProcess">
-            <a:avLst/>
-          </a:prstGeom>
-          <a:noFill/>
-        </p:spPr>
-        <p:style>
-          <a:lnRef idx="2">
-            <a:schemeClr val="accent1">
-              <a:shade val="50000"/>
-            </a:schemeClr>
-          </a:lnRef>
-          <a:fillRef idx="1">
-            <a:schemeClr val="accent1"/>
-          </a:fillRef>
-          <a:effectRef idx="0">
-            <a:schemeClr val="accent1"/>
-          </a:effectRef>
-          <a:fontRef idx="minor">
-            <a:schemeClr val="lt1"/>
-          </a:fontRef>
-        </p:style>
-        <p:txBody>
-          <a:bodyPr rtlCol="0" anchor="ctr"/>
-          <a:lstStyle/>
-          <a:p>
-            <a:pPr algn="ctr"/>
-            <a:endParaRPr lang="en-US"/>
-          </a:p>
-        </p:txBody>
-      </p:sp>
-      <p:sp>
-        <p:nvSpPr>
-          <p:cNvPr id="8" name="Flowchart: Alternate Process 7">
-            <a:extLst>
-              <a:ext uri="{FF2B5EF4-FFF2-40B4-BE49-F238E27FC236}">
-                <a16:creationId xmlns:a16="http://schemas.microsoft.com/office/drawing/2014/main" id="{73293AF7-058F-458A-BA6C-65C236EC78A9}"/>
-              </a:ext>
-            </a:extLst>
-          </p:cNvPr>
-          <p:cNvSpPr/>
-          <p:nvPr/>
-        </p:nvSpPr>
-        <p:spPr>
-          <a:xfrm>
-            <a:off x="8258997" y="1659543"/>
-            <a:ext cx="2423440" cy="2209028"/>
-          </a:xfrm>
-          <a:prstGeom prst="flowChartAlternateProcess">
-            <a:avLst/>
-          </a:prstGeom>
-          <a:noFill/>
-          <a:ln>
-            <a:solidFill>
-              <a:srgbClr val="FF0000"/>
-            </a:solidFill>
-          </a:ln>
-        </p:spPr>
-        <p:style>
-          <a:lnRef idx="2">
-            <a:schemeClr val="accent1">
-              <a:shade val="50000"/>
-            </a:schemeClr>
-          </a:lnRef>
-          <a:fillRef idx="1">
-            <a:schemeClr val="accent1"/>
-          </a:fillRef>
-          <a:effectRef idx="0">
-            <a:schemeClr val="accent1"/>
-          </a:effectRef>
-          <a:fontRef idx="minor">
-            <a:schemeClr val="lt1"/>
-          </a:fontRef>
-        </p:style>
-        <p:txBody>
-          <a:bodyPr rtlCol="0" anchor="ctr"/>
-          <a:lstStyle/>
-          <a:p>
-            <a:pPr algn="ctr"/>
-            <a:endParaRPr lang="en-US"/>
-          </a:p>
-        </p:txBody>
-      </p:sp>
-      <p:cxnSp>
-        <p:nvCxnSpPr>
-          <p:cNvPr id="10" name="Connector: Curved 9">
-            <a:extLst>
-              <a:ext uri="{FF2B5EF4-FFF2-40B4-BE49-F238E27FC236}">
-                <a16:creationId xmlns:a16="http://schemas.microsoft.com/office/drawing/2014/main" id="{EC8CD33E-CA7E-4067-8E05-5BE2764EF98C}"/>
-              </a:ext>
-            </a:extLst>
-          </p:cNvPr>
-          <p:cNvCxnSpPr>
-            <a:cxnSpLocks/>
-            <a:stCxn id="1026" idx="0"/>
-            <a:endCxn id="3" idx="4"/>
-          </p:cNvCxnSpPr>
-          <p:nvPr/>
-        </p:nvCxnSpPr>
-        <p:spPr>
-          <a:xfrm rot="5400000" flipH="1" flipV="1">
-            <a:off x="1463170" y="4006128"/>
-            <a:ext cx="820651" cy="1154873"/>
-          </a:xfrm>
-          <a:prstGeom prst="curvedConnector3">
-            <a:avLst/>
-          </a:prstGeom>
-          <a:ln>
-            <a:tailEnd type="triangle"/>
-          </a:ln>
-        </p:spPr>
-        <p:style>
-          <a:lnRef idx="1">
-            <a:schemeClr val="accent1"/>
-          </a:lnRef>
-          <a:fillRef idx="0">
-            <a:schemeClr val="accent1"/>
-          </a:fillRef>
-          <a:effectRef idx="0">
-            <a:schemeClr val="accent1"/>
-          </a:effectRef>
-          <a:fontRef idx="minor">
-            <a:schemeClr val="tx1"/>
-          </a:fontRef>
-        </p:style>
-      </p:cxnSp>
-      <p:cxnSp>
-        <p:nvCxnSpPr>
-          <p:cNvPr id="16" name="Connector: Curved 15">
-            <a:extLst>
-              <a:ext uri="{FF2B5EF4-FFF2-40B4-BE49-F238E27FC236}">
-                <a16:creationId xmlns:a16="http://schemas.microsoft.com/office/drawing/2014/main" id="{DCA1C561-1949-4DE8-A5FA-42D6F1262C81}"/>
-              </a:ext>
-            </a:extLst>
-          </p:cNvPr>
-          <p:cNvCxnSpPr>
-            <a:cxnSpLocks/>
-            <a:stCxn id="3" idx="0"/>
-            <a:endCxn id="4" idx="1"/>
-          </p:cNvCxnSpPr>
-          <p:nvPr/>
-        </p:nvCxnSpPr>
-        <p:spPr>
-          <a:xfrm rot="5400000" flipH="1" flipV="1">
-            <a:off x="3016788" y="1116533"/>
-            <a:ext cx="803365" cy="1935076"/>
-          </a:xfrm>
-          <a:prstGeom prst="curvedConnector3">
-            <a:avLst>
-              <a:gd name="adj1" fmla="val 100798"/>
-            </a:avLst>
-          </a:prstGeom>
-          <a:ln>
-            <a:tailEnd type="triangle"/>
-          </a:ln>
-        </p:spPr>
-        <p:style>
-          <a:lnRef idx="1">
-            <a:schemeClr val="accent1"/>
-          </a:lnRef>
-          <a:fillRef idx="0">
-            <a:schemeClr val="accent1"/>
-          </a:fillRef>
-          <a:effectRef idx="0">
-            <a:schemeClr val="accent1"/>
-          </a:effectRef>
-          <a:fontRef idx="minor">
-            <a:schemeClr val="tx1"/>
-          </a:fontRef>
-        </p:style>
-      </p:cxnSp>
-      <p:cxnSp>
-        <p:nvCxnSpPr>
-          <p:cNvPr id="20" name="Connector: Curved 19">
-            <a:extLst>
-              <a:ext uri="{FF2B5EF4-FFF2-40B4-BE49-F238E27FC236}">
-                <a16:creationId xmlns:a16="http://schemas.microsoft.com/office/drawing/2014/main" id="{7E42E212-F3DF-43C4-8168-4491FF2609F0}"/>
-              </a:ext>
-            </a:extLst>
-          </p:cNvPr>
-          <p:cNvCxnSpPr>
-            <a:cxnSpLocks/>
-            <a:stCxn id="4" idx="4"/>
-            <a:endCxn id="3" idx="5"/>
-          </p:cNvCxnSpPr>
-          <p:nvPr/>
-        </p:nvCxnSpPr>
-        <p:spPr>
-          <a:xfrm rot="5400000">
-            <a:off x="3937969" y="2690706"/>
-            <a:ext cx="358201" cy="2112610"/>
-          </a:xfrm>
-          <a:prstGeom prst="curvedConnector3">
-            <a:avLst>
-              <a:gd name="adj1" fmla="val 142228"/>
-            </a:avLst>
-          </a:prstGeom>
-          <a:ln>
-            <a:tailEnd type="triangle"/>
-          </a:ln>
-        </p:spPr>
-        <p:style>
-          <a:lnRef idx="1">
-            <a:schemeClr val="accent1"/>
-          </a:lnRef>
-          <a:fillRef idx="0">
-            <a:schemeClr val="accent1"/>
-          </a:fillRef>
-          <a:effectRef idx="0">
-            <a:schemeClr val="accent1"/>
-          </a:effectRef>
-          <a:fontRef idx="minor">
-            <a:schemeClr val="tx1"/>
-          </a:fontRef>
-        </p:style>
-      </p:cxnSp>
-      <p:cxnSp>
-        <p:nvCxnSpPr>
-          <p:cNvPr id="23" name="Connector: Curved 22">
-            <a:extLst>
-              <a:ext uri="{FF2B5EF4-FFF2-40B4-BE49-F238E27FC236}">
-                <a16:creationId xmlns:a16="http://schemas.microsoft.com/office/drawing/2014/main" id="{BB5DFEDC-93AC-491E-9B72-12B2861A62CE}"/>
-              </a:ext>
-            </a:extLst>
-          </p:cNvPr>
-          <p:cNvCxnSpPr>
-            <a:cxnSpLocks/>
-            <a:stCxn id="4" idx="5"/>
-            <a:endCxn id="6" idx="0"/>
-          </p:cNvCxnSpPr>
-          <p:nvPr/>
-        </p:nvCxnSpPr>
-        <p:spPr>
-          <a:xfrm rot="16200000" flipH="1">
-            <a:off x="5802975" y="3402170"/>
-            <a:ext cx="928832" cy="613303"/>
-          </a:xfrm>
-          <a:prstGeom prst="curvedConnector3">
-            <a:avLst/>
-          </a:prstGeom>
-          <a:ln>
-            <a:tailEnd type="triangle"/>
-          </a:ln>
-        </p:spPr>
-        <p:style>
-          <a:lnRef idx="1">
-            <a:schemeClr val="accent1"/>
-          </a:lnRef>
-          <a:fillRef idx="0">
-            <a:schemeClr val="accent1"/>
-          </a:fillRef>
-          <a:effectRef idx="0">
-            <a:schemeClr val="accent1"/>
-          </a:effectRef>
-          <a:fontRef idx="minor">
-            <a:schemeClr val="tx1"/>
-          </a:fontRef>
-        </p:style>
-      </p:cxnSp>
-      <p:cxnSp>
-        <p:nvCxnSpPr>
-          <p:cNvPr id="30" name="Connector: Curved 29">
-            <a:extLst>
-              <a:ext uri="{FF2B5EF4-FFF2-40B4-BE49-F238E27FC236}">
-                <a16:creationId xmlns:a16="http://schemas.microsoft.com/office/drawing/2014/main" id="{EF70F8BE-6E40-4E82-8E08-170593D46823}"/>
-              </a:ext>
-            </a:extLst>
-          </p:cNvPr>
-          <p:cNvCxnSpPr>
-            <a:cxnSpLocks/>
-            <a:endCxn id="7" idx="1"/>
-          </p:cNvCxnSpPr>
-          <p:nvPr/>
-        </p:nvCxnSpPr>
-        <p:spPr>
-          <a:xfrm>
-            <a:off x="7272770" y="4424516"/>
-            <a:ext cx="1679501" cy="1105553"/>
-          </a:xfrm>
-          <a:prstGeom prst="curvedConnector3">
-            <a:avLst>
-              <a:gd name="adj1" fmla="val 72832"/>
-            </a:avLst>
-          </a:prstGeom>
-          <a:ln>
-            <a:tailEnd type="triangle"/>
-          </a:ln>
-        </p:spPr>
-        <p:style>
-          <a:lnRef idx="1">
-            <a:schemeClr val="accent1"/>
-          </a:lnRef>
-          <a:fillRef idx="0">
-            <a:schemeClr val="accent1"/>
-          </a:fillRef>
-          <a:effectRef idx="0">
-            <a:schemeClr val="accent1"/>
-          </a:effectRef>
-          <a:fontRef idx="minor">
-            <a:schemeClr val="tx1"/>
-          </a:fontRef>
-        </p:style>
-      </p:cxnSp>
+          <a:solidFill>
+            <a:schemeClr val="bg1"/>
+          </a:solidFill>
+        </p:spPr>
+      </p:pic>
       <p:cxnSp>
         <p:nvCxnSpPr>
           <p:cNvPr id="39" name="Straight Arrow Connector 38">
@@ -5763,19 +6127,19 @@
             </a:extLst>
           </p:cNvPr>
           <p:cNvCxnSpPr>
-            <a:stCxn id="8" idx="2"/>
+            <a:cxnSpLocks/>
           </p:cNvCxnSpPr>
           <p:nvPr/>
         </p:nvCxnSpPr>
         <p:spPr>
           <a:xfrm>
-            <a:off x="9470717" y="3868571"/>
-            <a:ext cx="0" cy="1346621"/>
+            <a:off x="9418466" y="2836736"/>
+            <a:ext cx="0" cy="919741"/>
           </a:xfrm>
           <a:prstGeom prst="straightConnector1">
             <a:avLst/>
           </a:prstGeom>
-          <a:ln>
+          <a:ln w="50800">
             <a:tailEnd type="triangle"/>
           </a:ln>
         </p:spPr>
@@ -5805,19 +6169,18 @@
           </p:cNvPr>
           <p:cNvCxnSpPr>
             <a:cxnSpLocks/>
-            <a:stCxn id="7" idx="0"/>
           </p:cNvCxnSpPr>
           <p:nvPr/>
         </p:nvCxnSpPr>
         <p:spPr>
           <a:xfrm flipV="1">
-            <a:off x="9822426" y="3868571"/>
-            <a:ext cx="12296" cy="1346621"/>
+            <a:off x="8717282" y="2823674"/>
+            <a:ext cx="12296" cy="919740"/>
           </a:xfrm>
           <a:prstGeom prst="straightConnector1">
             <a:avLst/>
           </a:prstGeom>
-          <a:ln>
+          <a:ln w="50800">
             <a:tailEnd type="triangle"/>
           </a:ln>
         </p:spPr>
@@ -5847,22 +6210,21 @@
           </p:cNvPr>
           <p:cNvCxnSpPr>
             <a:cxnSpLocks/>
-            <a:endCxn id="7" idx="2"/>
           </p:cNvCxnSpPr>
           <p:nvPr/>
         </p:nvCxnSpPr>
         <p:spPr>
           <a:xfrm>
-            <a:off x="2630751" y="5261979"/>
+            <a:off x="1804761" y="4115122"/>
             <a:ext cx="7191675" cy="582967"/>
           </a:xfrm>
           <a:prstGeom prst="bentConnector4">
             <a:avLst>
               <a:gd name="adj1" fmla="val 269"/>
-              <a:gd name="adj2" fmla="val 242938"/>
+              <a:gd name="adj2" fmla="val 413235"/>
             </a:avLst>
           </a:prstGeom>
-          <a:ln>
+          <a:ln w="50800">
             <a:tailEnd type="triangle"/>
           </a:ln>
         </p:spPr>
@@ -5895,8 +6257,8 @@
         </p:nvSpPr>
         <p:spPr>
           <a:xfrm>
-            <a:off x="973394" y="6084525"/>
-            <a:ext cx="957489" cy="830997"/>
+            <a:off x="227470" y="4767224"/>
+            <a:ext cx="1477083" cy="692497"/>
           </a:xfrm>
           <a:prstGeom prst="rect">
             <a:avLst/>
@@ -5910,12 +6272,20 @@
           <a:lstStyle/>
           <a:p>
             <a:r>
-              <a:rPr lang="en-US" sz="1000" dirty="0"/>
-              <a:t>csv Files (4) located in data folder.</a:t>
-            </a:r>
-          </a:p>
-          <a:p>
-            <a:endParaRPr lang="en-US" dirty="0"/>
+              <a:rPr lang="en-US" sz="1300" dirty="0">
+                <a:solidFill>
+                  <a:schemeClr val="bg1"/>
+                </a:solidFill>
+              </a:rPr>
+              <a:t>CSV files located in the Data folder</a:t>
+            </a:r>
+          </a:p>
+          <a:p>
+            <a:endParaRPr lang="en-US" sz="1300" dirty="0">
+              <a:solidFill>
+                <a:schemeClr val="bg1"/>
+              </a:solidFill>
+            </a:endParaRPr>
           </a:p>
         </p:txBody>
       </p:sp>
@@ -5933,8 +6303,8 @@
         </p:nvSpPr>
         <p:spPr>
           <a:xfrm>
-            <a:off x="2464741" y="4280196"/>
-            <a:ext cx="1154873" cy="1138773"/>
+            <a:off x="1876605" y="4257333"/>
+            <a:ext cx="1867990" cy="892552"/>
           </a:xfrm>
           <a:prstGeom prst="rect">
             <a:avLst/>
@@ -5948,12 +6318,20 @@
           <a:lstStyle/>
           <a:p>
             <a:r>
-              <a:rPr lang="en-US" sz="1000" dirty="0"/>
+              <a:rPr lang="en-US" sz="1300" dirty="0">
+                <a:solidFill>
+                  <a:schemeClr val="bg1"/>
+                </a:solidFill>
+              </a:rPr>
               <a:t>Data manipulation, cleaning, and mining.  Database connection.</a:t>
             </a:r>
           </a:p>
           <a:p>
-            <a:endParaRPr lang="en-US" dirty="0"/>
+            <a:endParaRPr lang="en-US" sz="1300" dirty="0">
+              <a:solidFill>
+                <a:schemeClr val="bg1"/>
+              </a:solidFill>
+            </a:endParaRPr>
           </a:p>
         </p:txBody>
       </p:sp>
@@ -5971,8 +6349,8 @@
         </p:nvSpPr>
         <p:spPr>
           <a:xfrm>
-            <a:off x="5994948" y="1141530"/>
-            <a:ext cx="957489" cy="830997"/>
+            <a:off x="6746359" y="1483067"/>
+            <a:ext cx="1352588" cy="692497"/>
           </a:xfrm>
           <a:prstGeom prst="rect">
             <a:avLst/>
@@ -5986,12 +6364,16 @@
           <a:lstStyle/>
           <a:p>
             <a:r>
-              <a:rPr lang="en-US" sz="1000" dirty="0"/>
+              <a:rPr lang="en-US" sz="1300" dirty="0">
+                <a:solidFill>
+                  <a:schemeClr val="bg1"/>
+                </a:solidFill>
+              </a:rPr>
               <a:t>SQL database in Postgres server.</a:t>
             </a:r>
           </a:p>
           <a:p>
-            <a:endParaRPr lang="en-US" dirty="0"/>
+            <a:endParaRPr lang="en-US" sz="1300" dirty="0"/>
           </a:p>
         </p:txBody>
       </p:sp>
@@ -6009,8 +6391,8 @@
         </p:nvSpPr>
         <p:spPr>
           <a:xfrm>
-            <a:off x="6702849" y="3674617"/>
-            <a:ext cx="1117039" cy="830997"/>
+            <a:off x="6428628" y="3593737"/>
+            <a:ext cx="1723888" cy="692497"/>
           </a:xfrm>
           <a:prstGeom prst="rect">
             <a:avLst/>
@@ -6024,12 +6406,20 @@
           <a:lstStyle/>
           <a:p>
             <a:r>
-              <a:rPr lang="en-US" sz="1000" dirty="0"/>
+              <a:rPr lang="en-US" sz="1300" dirty="0">
+                <a:solidFill>
+                  <a:schemeClr val="bg1"/>
+                </a:solidFill>
+              </a:rPr>
               <a:t>Web application framework JSON API</a:t>
             </a:r>
           </a:p>
           <a:p>
-            <a:endParaRPr lang="en-US" dirty="0"/>
+            <a:endParaRPr lang="en-US" sz="1300" dirty="0">
+              <a:solidFill>
+                <a:schemeClr val="bg1"/>
+              </a:solidFill>
+            </a:endParaRPr>
           </a:p>
         </p:txBody>
       </p:sp>
@@ -6047,8 +6437,8 @@
         </p:nvSpPr>
         <p:spPr>
           <a:xfrm>
-            <a:off x="9818870" y="5867470"/>
-            <a:ext cx="1117039" cy="830997"/>
+            <a:off x="7516104" y="4744876"/>
+            <a:ext cx="1608298" cy="769441"/>
           </a:xfrm>
           <a:prstGeom prst="rect">
             <a:avLst/>
@@ -6062,15 +6452,27 @@
           <a:lstStyle/>
           <a:p>
             <a:r>
-              <a:rPr lang="en-US" sz="1000" dirty="0"/>
+              <a:rPr lang="en-US" sz="1300" dirty="0">
+                <a:solidFill>
+                  <a:schemeClr val="bg1"/>
+                </a:solidFill>
+              </a:rPr>
               <a:t>Json API reader, </a:t>
             </a:r>
             <a:r>
-              <a:rPr lang="en-US" sz="1000" dirty="0" err="1"/>
+              <a:rPr lang="en-US" sz="1300" dirty="0" err="1">
+                <a:solidFill>
+                  <a:schemeClr val="bg1"/>
+                </a:solidFill>
+              </a:rPr>
               <a:t>Jquery</a:t>
             </a:r>
             <a:r>
-              <a:rPr lang="en-US" sz="1000" dirty="0"/>
+              <a:rPr lang="en-US" sz="1300" dirty="0">
+                <a:solidFill>
+                  <a:schemeClr val="bg1"/>
+                </a:solidFill>
+              </a:rPr>
               <a:t>, D3, Leaflet. </a:t>
             </a:r>
           </a:p>
@@ -6093,8 +6495,8 @@
         </p:nvSpPr>
         <p:spPr>
           <a:xfrm>
-            <a:off x="10681052" y="1483067"/>
-            <a:ext cx="1117039" cy="830997"/>
+            <a:off x="10656257" y="1304651"/>
+            <a:ext cx="1420521" cy="892552"/>
           </a:xfrm>
           <a:prstGeom prst="rect">
             <a:avLst/>
@@ -6108,27 +6510,166 @@
           <a:lstStyle/>
           <a:p>
             <a:r>
-              <a:rPr lang="en-US" sz="1000" dirty="0"/>
+              <a:rPr lang="en-US" sz="1300" dirty="0">
+                <a:solidFill>
+                  <a:schemeClr val="bg1"/>
+                </a:solidFill>
+              </a:rPr>
               <a:t>Web visualization</a:t>
             </a:r>
           </a:p>
           <a:p>
             <a:r>
-              <a:rPr lang="en-US" sz="1000" dirty="0"/>
+              <a:rPr lang="en-US" sz="1300" dirty="0">
+                <a:solidFill>
+                  <a:schemeClr val="bg1"/>
+                </a:solidFill>
+              </a:rPr>
               <a:t>- Flask</a:t>
             </a:r>
           </a:p>
           <a:p>
             <a:r>
-              <a:rPr lang="en-US" sz="1000" dirty="0"/>
+              <a:rPr lang="en-US" sz="1300" dirty="0">
+                <a:solidFill>
+                  <a:schemeClr val="bg1"/>
+                </a:solidFill>
+              </a:rPr>
               <a:t>- Static html</a:t>
             </a:r>
           </a:p>
           <a:p>
-            <a:endParaRPr lang="en-US" dirty="0"/>
-          </a:p>
-        </p:txBody>
-      </p:sp>
+            <a:endParaRPr lang="en-US" sz="1300" dirty="0">
+              <a:solidFill>
+                <a:schemeClr val="bg1"/>
+              </a:solidFill>
+            </a:endParaRPr>
+          </a:p>
+        </p:txBody>
+      </p:sp>
+      <p:cxnSp>
+        <p:nvCxnSpPr>
+          <p:cNvPr id="26" name="Elbow Connector 25">
+            <a:extLst>
+              <a:ext uri="{FF2B5EF4-FFF2-40B4-BE49-F238E27FC236}">
+                <a16:creationId xmlns:a16="http://schemas.microsoft.com/office/drawing/2014/main" id="{75760BE9-A72A-4647-AB5A-AF2F7F30A3EF}"/>
+              </a:ext>
+            </a:extLst>
+          </p:cNvPr>
+          <p:cNvCxnSpPr>
+            <a:cxnSpLocks/>
+            <a:stCxn id="49" idx="0"/>
+            <a:endCxn id="14" idx="1"/>
+          </p:cNvCxnSpPr>
+          <p:nvPr/>
+        </p:nvCxnSpPr>
+        <p:spPr>
+          <a:xfrm rot="5400000" flipH="1" flipV="1">
+            <a:off x="474602" y="3831890"/>
+            <a:ext cx="1426745" cy="443924"/>
+          </a:xfrm>
+          <a:prstGeom prst="bentConnector2">
+            <a:avLst/>
+          </a:prstGeom>
+          <a:ln w="50800">
+            <a:tailEnd type="triangle"/>
+          </a:ln>
+        </p:spPr>
+        <p:style>
+          <a:lnRef idx="1">
+            <a:schemeClr val="accent1"/>
+          </a:lnRef>
+          <a:fillRef idx="0">
+            <a:schemeClr val="accent1"/>
+          </a:fillRef>
+          <a:effectRef idx="0">
+            <a:schemeClr val="accent1"/>
+          </a:effectRef>
+          <a:fontRef idx="minor">
+            <a:schemeClr val="tx1"/>
+          </a:fontRef>
+        </p:style>
+      </p:cxnSp>
+      <p:cxnSp>
+        <p:nvCxnSpPr>
+          <p:cNvPr id="36" name="Elbow Connector 35">
+            <a:extLst>
+              <a:ext uri="{FF2B5EF4-FFF2-40B4-BE49-F238E27FC236}">
+                <a16:creationId xmlns:a16="http://schemas.microsoft.com/office/drawing/2014/main" id="{EA056ABD-2D4C-4440-9654-26CFDD20F908}"/>
+              </a:ext>
+            </a:extLst>
+          </p:cNvPr>
+          <p:cNvCxnSpPr/>
+          <p:nvPr/>
+        </p:nvCxnSpPr>
+        <p:spPr>
+          <a:xfrm rot="10800000" flipV="1">
+            <a:off x="3474721" y="3424505"/>
+            <a:ext cx="1867989" cy="444065"/>
+          </a:xfrm>
+          <a:prstGeom prst="bentConnector3">
+            <a:avLst>
+              <a:gd name="adj1" fmla="val 350"/>
+            </a:avLst>
+          </a:prstGeom>
+          <a:ln w="50800">
+            <a:tailEnd type="triangle"/>
+          </a:ln>
+        </p:spPr>
+        <p:style>
+          <a:lnRef idx="1">
+            <a:schemeClr val="accent1"/>
+          </a:lnRef>
+          <a:fillRef idx="0">
+            <a:schemeClr val="accent1"/>
+          </a:fillRef>
+          <a:effectRef idx="0">
+            <a:schemeClr val="accent1"/>
+          </a:effectRef>
+          <a:fontRef idx="minor">
+            <a:schemeClr val="tx1"/>
+          </a:fontRef>
+        </p:style>
+      </p:cxnSp>
+      <p:cxnSp>
+        <p:nvCxnSpPr>
+          <p:cNvPr id="42" name="Straight Arrow Connector 41">
+            <a:extLst>
+              <a:ext uri="{FF2B5EF4-FFF2-40B4-BE49-F238E27FC236}">
+                <a16:creationId xmlns:a16="http://schemas.microsoft.com/office/drawing/2014/main" id="{E3352DF2-D019-734E-964F-0D86DAA667C5}"/>
+              </a:ext>
+            </a:extLst>
+          </p:cNvPr>
+          <p:cNvCxnSpPr/>
+          <p:nvPr/>
+        </p:nvCxnSpPr>
+        <p:spPr>
+          <a:xfrm>
+            <a:off x="6130118" y="3424505"/>
+            <a:ext cx="0" cy="832828"/>
+          </a:xfrm>
+          <a:prstGeom prst="straightConnector1">
+            <a:avLst/>
+          </a:prstGeom>
+          <a:ln w="50800">
+            <a:tailEnd type="triangle"/>
+          </a:ln>
+        </p:spPr>
+        <p:style>
+          <a:lnRef idx="1">
+            <a:schemeClr val="accent1"/>
+          </a:lnRef>
+          <a:fillRef idx="0">
+            <a:schemeClr val="accent1"/>
+          </a:fillRef>
+          <a:effectRef idx="0">
+            <a:schemeClr val="accent1"/>
+          </a:effectRef>
+          <a:fontRef idx="minor">
+            <a:schemeClr val="tx1"/>
+          </a:fontRef>
+        </p:style>
+      </p:cxnSp>
     </p:spTree>
     <p:extLst>
       <p:ext uri="{BB962C8B-B14F-4D97-AF65-F5344CB8AC3E}">
@@ -6142,9 +6683,23 @@
 </p:sld>
 </file>
 
-<file path=ppt/slides/slide6.xml><?xml version="1.0" encoding="utf-8"?>
+<file path=ppt/slides/slide5.xml><?xml version="1.0" encoding="utf-8"?>
 <p:sld xmlns:a="http://schemas.openxmlformats.org/drawingml/2006/main" xmlns:r="http://schemas.openxmlformats.org/officeDocument/2006/relationships" xmlns:p="http://schemas.openxmlformats.org/presentationml/2006/main" showMasterSp="0">
   <p:cSld>
+    <p:bg>
+      <p:bgPr>
+        <a:blipFill dpi="0" rotWithShape="1">
+          <a:blip r:embed="rId2">
+            <a:lum/>
+          </a:blip>
+          <a:srcRect/>
+          <a:stretch>
+            <a:fillRect/>
+          </a:stretch>
+        </a:blipFill>
+        <a:effectLst/>
+      </p:bgPr>
+    </p:bg>
     <p:spTree>
       <p:nvGrpSpPr>
         <p:cNvPr id="1" name=""/>
@@ -6161,34 +6716,6 @@
       </p:grpSpPr>
       <p:sp>
         <p:nvSpPr>
-          <p:cNvPr id="2" name="Title 1">
-            <a:extLst>
-              <a:ext uri="{FF2B5EF4-FFF2-40B4-BE49-F238E27FC236}">
-                <a16:creationId xmlns:a16="http://schemas.microsoft.com/office/drawing/2014/main" id="{5E562972-3449-42D1-8185-B4BEFD52AB44}"/>
-              </a:ext>
-            </a:extLst>
-          </p:cNvPr>
-          <p:cNvSpPr>
-            <a:spLocks noGrp="1"/>
-          </p:cNvSpPr>
-          <p:nvPr>
-            <p:ph type="title"/>
-          </p:nvPr>
-        </p:nvSpPr>
-        <p:spPr/>
-        <p:txBody>
-          <a:bodyPr/>
-          <a:lstStyle/>
-          <a:p>
-            <a:r>
-              <a:rPr lang="en-US" dirty="0"/>
-              <a:t>Data Set</a:t>
-            </a:r>
-          </a:p>
-        </p:txBody>
-      </p:sp>
-      <p:sp>
-        <p:nvSpPr>
           <p:cNvPr id="5" name="Content Placeholder 4">
             <a:extLst>
               <a:ext uri="{FF2B5EF4-FFF2-40B4-BE49-F238E27FC236}">
@@ -6203,127 +6730,386 @@
             <p:ph idx="1"/>
           </p:nvPr>
         </p:nvSpPr>
-        <p:spPr/>
-        <p:txBody>
-          <a:bodyPr/>
+        <p:spPr>
+          <a:xfrm>
+            <a:off x="581192" y="2340864"/>
+            <a:ext cx="7779037" cy="3634486"/>
+          </a:xfrm>
+        </p:spPr>
+        <p:txBody>
+          <a:bodyPr>
+            <a:normAutofit lnSpcReduction="10000"/>
+          </a:bodyPr>
           <a:lstStyle/>
           <a:p>
-            <a:pPr rtl="0">
+            <a:pPr rtl="0" fontAlgn="base">
               <a:spcBef>
                 <a:spcPts val="0"/>
               </a:spcBef>
               <a:spcAft>
-                <a:spcPts val="1600"/>
+                <a:spcPts val="0"/>
               </a:spcAft>
+              <a:buFont typeface="+mj-lt"/>
+              <a:buAutoNum type="arabicPeriod"/>
             </a:pPr>
             <a:r>
               <a:rPr lang="en-US" sz="1800" b="0" i="0" u="none" strike="noStrike" dirty="0">
                 <a:solidFill>
-                  <a:schemeClr val="tx1"/>
+                  <a:schemeClr val="bg1"/>
                 </a:solidFill>
                 <a:effectLst/>
-                <a:latin typeface="Lato"/>
               </a:rPr>
-              <a:t>The data for this project can be found at the link below. </a:t>
-            </a:r>
-            <a:endParaRPr lang="en-US" b="0" dirty="0">
-              <a:solidFill>
-                <a:schemeClr val="tx1"/>
-              </a:solidFill>
-              <a:effectLst/>
-            </a:endParaRPr>
-          </a:p>
-          <a:p>
-            <a:pPr marL="0" indent="0" rtl="0">
+              <a:t>Clone the project repository to your computer.</a:t>
+            </a:r>
+          </a:p>
+          <a:p>
+            <a:pPr rtl="0" fontAlgn="base">
               <a:spcBef>
                 <a:spcPts val="0"/>
               </a:spcBef>
               <a:spcAft>
-                <a:spcPts val="1600"/>
+                <a:spcPts val="0"/>
               </a:spcAft>
-              <a:buNone/>
+              <a:buFont typeface="+mj-lt"/>
+              <a:buAutoNum type="arabicPeriod"/>
             </a:pPr>
             <a:r>
-              <a:rPr lang="en-US" sz="1800" b="0" i="0" u="sng" strike="noStrike" dirty="0">
-                <a:solidFill>
-                  <a:srgbClr val="7890CD"/>
+              <a:rPr lang="en-US" sz="1800" b="0" i="0" u="none" strike="noStrike" dirty="0">
+                <a:solidFill>
+                  <a:schemeClr val="bg1"/>
                 </a:solidFill>
                 <a:effectLst/>
-                <a:latin typeface="Arial" panose="020B0604020202020204" pitchFamily="34" charset="0"/>
-                <a:hlinkClick r:id="rId2"/>
               </a:rPr>
-              <a:t>The Beer | Kaggle</a:t>
-            </a:r>
-            <a:endParaRPr lang="en-US" b="0" dirty="0">
-              <a:effectLst/>
-            </a:endParaRPr>
-          </a:p>
-          <a:p>
-            <a:pPr rtl="0">
+              <a:t>Open a session in Postgres SQL and create a database titled “</a:t>
+            </a:r>
+            <a:r>
+              <a:rPr lang="en-US" sz="1800" b="0" i="0" u="none" strike="noStrike" dirty="0" err="1">
+                <a:solidFill>
+                  <a:schemeClr val="bg1"/>
+                </a:solidFill>
+                <a:effectLst/>
+              </a:rPr>
+              <a:t>beersDB</a:t>
+            </a:r>
+            <a:r>
+              <a:rPr lang="en-US" sz="1800" b="0" i="0" u="none" strike="noStrike" dirty="0">
+                <a:solidFill>
+                  <a:schemeClr val="bg1"/>
+                </a:solidFill>
+                <a:effectLst/>
+              </a:rPr>
+              <a:t>”.</a:t>
+            </a:r>
+          </a:p>
+          <a:p>
+            <a:pPr rtl="0" fontAlgn="base">
               <a:spcBef>
                 <a:spcPts val="0"/>
               </a:spcBef>
               <a:spcAft>
-                <a:spcPts val="1600"/>
+                <a:spcPts val="0"/>
               </a:spcAft>
+              <a:buFont typeface="+mj-lt"/>
+              <a:buAutoNum type="arabicPeriod"/>
             </a:pPr>
             <a:r>
               <a:rPr lang="en-US" sz="1800" b="0" i="0" u="none" strike="noStrike" dirty="0">
                 <a:solidFill>
-                  <a:schemeClr val="tx1"/>
+                  <a:schemeClr val="bg1"/>
                 </a:solidFill>
                 <a:effectLst/>
-                <a:latin typeface="Lato"/>
               </a:rPr>
-              <a:t>Git Hub link to Repository </a:t>
-            </a:r>
-            <a:endParaRPr lang="en-US" b="0" dirty="0">
-              <a:solidFill>
-                <a:schemeClr val="tx1"/>
-              </a:solidFill>
-              <a:effectLst/>
-            </a:endParaRPr>
-          </a:p>
-          <a:p>
-            <a:pPr marL="0" indent="0" rtl="0">
+              <a:t>Run the notebook “</a:t>
+            </a:r>
+            <a:r>
+              <a:rPr lang="en-US" sz="1800" b="0" i="0" u="none" strike="noStrike" dirty="0" err="1">
+                <a:solidFill>
+                  <a:schemeClr val="bg1"/>
+                </a:solidFill>
+                <a:effectLst/>
+              </a:rPr>
+              <a:t>analysis.ipynb</a:t>
+            </a:r>
+            <a:r>
+              <a:rPr lang="en-US" sz="1800" b="0" i="0" u="none" strike="noStrike" dirty="0">
+                <a:solidFill>
+                  <a:schemeClr val="bg1"/>
+                </a:solidFill>
+                <a:effectLst/>
+              </a:rPr>
+              <a:t>”, this will load csv into the different tables in the “</a:t>
+            </a:r>
+            <a:r>
+              <a:rPr lang="en-US" sz="1800" b="0" i="0" u="none" strike="noStrike" dirty="0" err="1">
+                <a:solidFill>
+                  <a:schemeClr val="bg1"/>
+                </a:solidFill>
+                <a:effectLst/>
+              </a:rPr>
+              <a:t>beersDB</a:t>
+            </a:r>
+            <a:r>
+              <a:rPr lang="en-US" sz="1800" b="0" i="0" u="none" strike="noStrike" dirty="0">
+                <a:solidFill>
+                  <a:schemeClr val="bg1"/>
+                </a:solidFill>
+                <a:effectLst/>
+              </a:rPr>
+              <a:t>”. </a:t>
+            </a:r>
+          </a:p>
+          <a:p>
+            <a:pPr rtl="0" fontAlgn="base">
               <a:spcBef>
                 <a:spcPts val="0"/>
               </a:spcBef>
               <a:spcAft>
-                <a:spcPts val="1600"/>
+                <a:spcPts val="0"/>
               </a:spcAft>
-              <a:buNone/>
+              <a:buFont typeface="+mj-lt"/>
+              <a:buAutoNum type="arabicPeriod"/>
             </a:pPr>
             <a:r>
-              <a:rPr lang="en-US" sz="1800" b="0" i="0" u="sng" strike="noStrike" dirty="0">
-                <a:solidFill>
-                  <a:srgbClr val="7890CD"/>
+              <a:rPr lang="en-US" sz="1800" b="0" i="0" u="none" strike="noStrike" dirty="0">
+                <a:solidFill>
+                  <a:schemeClr val="bg1"/>
                 </a:solidFill>
                 <a:effectLst/>
-                <a:latin typeface="Arial" panose="020B0604020202020204" pitchFamily="34" charset="0"/>
-                <a:hlinkClick r:id="rId3"/>
               </a:rPr>
-              <a:t>j1-aggie/Project-2 (github.com)</a:t>
-            </a:r>
-            <a:endParaRPr lang="en-US" b="0" dirty="0">
-              <a:effectLst/>
-            </a:endParaRPr>
+              <a:t>Start up the Flask application app.py and run inside the project folder in the command prompt</a:t>
+            </a:r>
+          </a:p>
+          <a:p>
+            <a:pPr rtl="0" fontAlgn="base">
+              <a:spcBef>
+                <a:spcPts val="0"/>
+              </a:spcBef>
+              <a:spcAft>
+                <a:spcPts val="0"/>
+              </a:spcAft>
+              <a:buFont typeface="+mj-lt"/>
+              <a:buAutoNum type="arabicPeriod"/>
+            </a:pPr>
+            <a:r>
+              <a:rPr lang="en-US" sz="1800" b="0" i="0" u="none" strike="noStrike" dirty="0">
+                <a:solidFill>
+                  <a:schemeClr val="bg1"/>
+                </a:solidFill>
+                <a:effectLst/>
+              </a:rPr>
+              <a:t>Open the site on localhost:5000 and enjoy.</a:t>
+            </a:r>
+          </a:p>
+          <a:p>
+            <a:pPr rtl="0" fontAlgn="base">
+              <a:spcBef>
+                <a:spcPts val="0"/>
+              </a:spcBef>
+              <a:spcAft>
+                <a:spcPts val="0"/>
+              </a:spcAft>
+              <a:buFont typeface="+mj-lt"/>
+              <a:buAutoNum type="arabicPeriod"/>
+            </a:pPr>
+            <a:r>
+              <a:rPr lang="en-US" sz="1800" b="0" i="0" u="none" strike="noStrike" dirty="0">
+                <a:solidFill>
+                  <a:schemeClr val="bg1"/>
+                </a:solidFill>
+                <a:effectLst/>
+              </a:rPr>
+              <a:t>Use the drop down menu to pick different beers and watch the dashboard change.  </a:t>
+            </a:r>
           </a:p>
           <a:p>
             <a:pPr marL="0" indent="0">
               <a:buNone/>
             </a:pPr>
             <a:br>
-              <a:rPr lang="en-US" dirty="0"/>
+              <a:rPr lang="en-US" sz="2000" b="0" dirty="0">
+                <a:solidFill>
+                  <a:schemeClr val="tx1"/>
+                </a:solidFill>
+                <a:effectLst/>
+              </a:rPr>
             </a:br>
-            <a:endParaRPr lang="en-US" dirty="0"/>
+            <a:br>
+              <a:rPr lang="en-US" dirty="0">
+                <a:solidFill>
+                  <a:schemeClr val="tx1"/>
+                </a:solidFill>
+              </a:rPr>
+            </a:br>
+            <a:endParaRPr lang="en-US" dirty="0">
+              <a:solidFill>
+                <a:schemeClr val="tx1"/>
+              </a:solidFill>
+            </a:endParaRPr>
+          </a:p>
+        </p:txBody>
+      </p:sp>
+      <p:sp>
+        <p:nvSpPr>
+          <p:cNvPr id="10" name="Title 1">
+            <a:extLst>
+              <a:ext uri="{FF2B5EF4-FFF2-40B4-BE49-F238E27FC236}">
+                <a16:creationId xmlns:a16="http://schemas.microsoft.com/office/drawing/2014/main" id="{499E733B-A0B2-1B46-B732-81F27846870B}"/>
+              </a:ext>
+            </a:extLst>
+          </p:cNvPr>
+          <p:cNvSpPr txBox="1">
+            <a:spLocks/>
+          </p:cNvSpPr>
+          <p:nvPr/>
+        </p:nvSpPr>
+        <p:spPr>
+          <a:xfrm>
+            <a:off x="581192" y="916214"/>
+            <a:ext cx="11029616" cy="1188720"/>
+          </a:xfrm>
+          <a:prstGeom prst="rect">
+            <a:avLst/>
+          </a:prstGeom>
+        </p:spPr>
+        <p:txBody>
+          <a:bodyPr vert="horz" lIns="91440" tIns="45720" rIns="91440" bIns="45720" rtlCol="0" anchor="b">
+            <a:noAutofit/>
+          </a:bodyPr>
+          <a:lstStyle>
+            <a:lvl1pPr algn="l" defTabSz="457200" rtl="0" eaLnBrk="1" latinLnBrk="0" hangingPunct="1">
+              <a:lnSpc>
+                <a:spcPct val="100000"/>
+              </a:lnSpc>
+              <a:spcBef>
+                <a:spcPct val="0"/>
+              </a:spcBef>
+              <a:buNone/>
+              <a:defRPr sz="2800" b="0" kern="1200" cap="all">
+                <a:solidFill>
+                  <a:schemeClr val="tx1">
+                    <a:lumMod val="75000"/>
+                    <a:lumOff val="25000"/>
+                  </a:schemeClr>
+                </a:solidFill>
+                <a:latin typeface="+mj-lt"/>
+                <a:ea typeface="+mj-ea"/>
+                <a:cs typeface="+mj-cs"/>
+              </a:defRPr>
+            </a:lvl1pPr>
+            <a:lvl2pPr eaLnBrk="1" hangingPunct="1">
+              <a:defRPr>
+                <a:solidFill>
+                  <a:schemeClr val="tx2"/>
+                </a:solidFill>
+              </a:defRPr>
+            </a:lvl2pPr>
+            <a:lvl3pPr eaLnBrk="1" hangingPunct="1">
+              <a:defRPr>
+                <a:solidFill>
+                  <a:schemeClr val="tx2"/>
+                </a:solidFill>
+              </a:defRPr>
+            </a:lvl3pPr>
+            <a:lvl4pPr eaLnBrk="1" hangingPunct="1">
+              <a:defRPr>
+                <a:solidFill>
+                  <a:schemeClr val="tx2"/>
+                </a:solidFill>
+              </a:defRPr>
+            </a:lvl4pPr>
+            <a:lvl5pPr eaLnBrk="1" hangingPunct="1">
+              <a:defRPr>
+                <a:solidFill>
+                  <a:schemeClr val="tx2"/>
+                </a:solidFill>
+              </a:defRPr>
+            </a:lvl5pPr>
+            <a:lvl6pPr eaLnBrk="1" hangingPunct="1">
+              <a:defRPr>
+                <a:solidFill>
+                  <a:schemeClr val="tx2"/>
+                </a:solidFill>
+              </a:defRPr>
+            </a:lvl6pPr>
+            <a:lvl7pPr eaLnBrk="1" hangingPunct="1">
+              <a:defRPr>
+                <a:solidFill>
+                  <a:schemeClr val="tx2"/>
+                </a:solidFill>
+              </a:defRPr>
+            </a:lvl7pPr>
+            <a:lvl8pPr eaLnBrk="1" hangingPunct="1">
+              <a:defRPr>
+                <a:solidFill>
+                  <a:schemeClr val="tx2"/>
+                </a:solidFill>
+              </a:defRPr>
+            </a:lvl8pPr>
+            <a:lvl9pPr eaLnBrk="1" hangingPunct="1">
+              <a:defRPr>
+                <a:solidFill>
+                  <a:schemeClr val="tx2"/>
+                </a:solidFill>
+              </a:defRPr>
+            </a:lvl9pPr>
+          </a:lstStyle>
+          <a:p>
+            <a:r>
+              <a:rPr lang="en-US" sz="6500" b="1" dirty="0">
+                <a:solidFill>
+                  <a:schemeClr val="bg1"/>
+                </a:solidFill>
+                <a:latin typeface="Copperplate Gothic Light" panose="020E0507020206020404" pitchFamily="34" charset="77"/>
+              </a:rPr>
+              <a:t>Steps to recreate</a:t>
+            </a:r>
+          </a:p>
+        </p:txBody>
+      </p:sp>
+      <p:sp>
+        <p:nvSpPr>
+          <p:cNvPr id="11" name="TextBox 10">
+            <a:extLst>
+              <a:ext uri="{FF2B5EF4-FFF2-40B4-BE49-F238E27FC236}">
+                <a16:creationId xmlns:a16="http://schemas.microsoft.com/office/drawing/2014/main" id="{145931EB-85D8-0C49-903F-43E22018846E}"/>
+              </a:ext>
+            </a:extLst>
+          </p:cNvPr>
+          <p:cNvSpPr txBox="1"/>
+          <p:nvPr/>
+        </p:nvSpPr>
+        <p:spPr>
+          <a:xfrm>
+            <a:off x="5434149" y="5329019"/>
+            <a:ext cx="5055231" cy="646331"/>
+          </a:xfrm>
+          <a:prstGeom prst="rect">
+            <a:avLst/>
+          </a:prstGeom>
+          <a:noFill/>
+        </p:spPr>
+        <p:txBody>
+          <a:bodyPr wrap="square" rtlCol="0">
+            <a:spAutoFit/>
+          </a:bodyPr>
+          <a:lstStyle/>
+          <a:p>
+            <a:r>
+              <a:rPr lang="en-US" cap="all" dirty="0">
+                <a:solidFill>
+                  <a:schemeClr val="bg1"/>
+                </a:solidFill>
+                <a:latin typeface="Copperplate Gothic Light" panose="020E0507020206020404" pitchFamily="34" charset="77"/>
+              </a:rPr>
+              <a:t>“I don’t always drink beer, but when I do, I need … ”</a:t>
+            </a:r>
           </a:p>
         </p:txBody>
       </p:sp>
     </p:spTree>
     <p:extLst>
       <p:ext uri="{BB962C8B-B14F-4D97-AF65-F5344CB8AC3E}">
-        <p14:creationId xmlns:p14="http://schemas.microsoft.com/office/powerpoint/2010/main" val="1648935273"/>
+        <p14:creationId xmlns:p14="http://schemas.microsoft.com/office/powerpoint/2010/main" val="491733537"/>
       </p:ext>
     </p:extLst>
   </p:cSld>
@@ -6333,9 +7119,23 @@
 </p:sld>
 </file>
 
-<file path=ppt/slides/slide7.xml><?xml version="1.0" encoding="utf-8"?>
+<file path=ppt/slides/slide6.xml><?xml version="1.0" encoding="utf-8"?>
 <p:sld xmlns:a="http://schemas.openxmlformats.org/drawingml/2006/main" xmlns:r="http://schemas.openxmlformats.org/officeDocument/2006/relationships" xmlns:p="http://schemas.openxmlformats.org/presentationml/2006/main" showMasterSp="0">
   <p:cSld>
+    <p:bg>
+      <p:bgPr>
+        <a:blipFill dpi="0" rotWithShape="1">
+          <a:blip r:embed="rId2">
+            <a:lum/>
+          </a:blip>
+          <a:srcRect/>
+          <a:stretch>
+            <a:fillRect/>
+          </a:stretch>
+        </a:blipFill>
+        <a:effectLst/>
+      </p:bgPr>
+    </p:bg>
     <p:spTree>
       <p:nvGrpSpPr>
         <p:cNvPr id="1" name=""/>
@@ -6366,381 +7166,67 @@
             <p:ph type="title"/>
           </p:nvPr>
         </p:nvSpPr>
-        <p:spPr/>
-        <p:txBody>
-          <a:bodyPr/>
+        <p:spPr>
+          <a:xfrm>
+            <a:off x="450564" y="1603492"/>
+            <a:ext cx="11029616" cy="2080233"/>
+          </a:xfrm>
+        </p:spPr>
+        <p:txBody>
+          <a:bodyPr>
+            <a:noAutofit/>
+          </a:bodyPr>
           <a:lstStyle/>
           <a:p>
             <a:r>
-              <a:rPr lang="en-US" dirty="0"/>
-              <a:t>Steps to recreate</a:t>
-            </a:r>
-          </a:p>
-        </p:txBody>
-      </p:sp>
-      <p:sp>
-        <p:nvSpPr>
-          <p:cNvPr id="5" name="Content Placeholder 4">
+              <a:rPr lang="en-US" sz="6500" dirty="0">
+                <a:solidFill>
+                  <a:schemeClr val="bg1"/>
+                </a:solidFill>
+                <a:latin typeface="Copperplate Gothic Light" panose="020E0507020206020404" pitchFamily="34" charset="77"/>
+              </a:rPr>
+              <a:t>Dashboard Presentation</a:t>
+            </a:r>
+          </a:p>
+        </p:txBody>
+      </p:sp>
+      <p:sp>
+        <p:nvSpPr>
+          <p:cNvPr id="6" name="TextBox 5">
             <a:extLst>
               <a:ext uri="{FF2B5EF4-FFF2-40B4-BE49-F238E27FC236}">
-                <a16:creationId xmlns:a16="http://schemas.microsoft.com/office/drawing/2014/main" id="{7C950646-04B8-42F2-8E49-19287D33CA22}"/>
+                <a16:creationId xmlns:a16="http://schemas.microsoft.com/office/drawing/2014/main" id="{C64DF9DB-A009-D34A-A0D6-C4F81129387E}"/>
               </a:ext>
             </a:extLst>
           </p:cNvPr>
-          <p:cNvSpPr>
-            <a:spLocks noGrp="1"/>
-          </p:cNvSpPr>
-          <p:nvPr>
-            <p:ph idx="1"/>
-          </p:nvPr>
-        </p:nvSpPr>
-        <p:spPr/>
-        <p:txBody>
-          <a:bodyPr/>
+          <p:cNvSpPr txBox="1"/>
+          <p:nvPr/>
+        </p:nvSpPr>
+        <p:spPr>
+          <a:xfrm>
+            <a:off x="5434149" y="5329019"/>
+            <a:ext cx="5055231" cy="646331"/>
+          </a:xfrm>
+          <a:prstGeom prst="rect">
+            <a:avLst/>
+          </a:prstGeom>
+          <a:noFill/>
+        </p:spPr>
+        <p:txBody>
+          <a:bodyPr wrap="square" rtlCol="0">
+            <a:spAutoFit/>
+          </a:bodyPr>
           <a:lstStyle/>
           <a:p>
-            <a:pPr rtl="0" fontAlgn="base">
-              <a:spcBef>
-                <a:spcPts val="0"/>
-              </a:spcBef>
-              <a:spcAft>
-                <a:spcPts val="0"/>
-              </a:spcAft>
-              <a:buFont typeface="+mj-lt"/>
-              <a:buAutoNum type="arabicPeriod"/>
-            </a:pPr>
-            <a:r>
-              <a:rPr lang="en-US" sz="1800" b="0" i="0" u="none" strike="noStrike" dirty="0">
-                <a:solidFill>
-                  <a:schemeClr val="tx1"/>
-                </a:solidFill>
-                <a:effectLst/>
-                <a:latin typeface="Montserrat"/>
+            <a:r>
+              <a:rPr lang="en-US" cap="all" dirty="0">
+                <a:solidFill>
+                  <a:schemeClr val="bg1"/>
+                </a:solidFill>
+                <a:latin typeface="Copperplate Gothic Light" panose="020E0507020206020404" pitchFamily="34" charset="77"/>
               </a:rPr>
-              <a:t>Clone the project repository to your computer.</a:t>
-            </a:r>
-          </a:p>
-          <a:p>
-            <a:pPr rtl="0" fontAlgn="base">
-              <a:spcBef>
-                <a:spcPts val="0"/>
-              </a:spcBef>
-              <a:spcAft>
-                <a:spcPts val="0"/>
-              </a:spcAft>
-              <a:buFont typeface="+mj-lt"/>
-              <a:buAutoNum type="arabicPeriod"/>
-            </a:pPr>
-            <a:r>
-              <a:rPr lang="en-US" sz="1800" b="0" i="0" u="none" strike="noStrike" dirty="0">
-                <a:solidFill>
-                  <a:schemeClr val="tx1"/>
-                </a:solidFill>
-                <a:effectLst/>
-                <a:latin typeface="Montserrat"/>
-              </a:rPr>
-              <a:t>Open a session in Postgres SQL and create a database titled “</a:t>
-            </a:r>
-            <a:r>
-              <a:rPr lang="en-US" sz="1800" b="0" i="0" u="none" strike="noStrike" dirty="0" err="1">
-                <a:solidFill>
-                  <a:schemeClr val="tx1"/>
-                </a:solidFill>
-                <a:effectLst/>
-                <a:latin typeface="Montserrat"/>
-              </a:rPr>
-              <a:t>beersDB</a:t>
-            </a:r>
-            <a:r>
-              <a:rPr lang="en-US" sz="1800" b="0" i="0" u="none" strike="noStrike" dirty="0">
-                <a:solidFill>
-                  <a:schemeClr val="tx1"/>
-                </a:solidFill>
-                <a:effectLst/>
-                <a:latin typeface="Montserrat"/>
-              </a:rPr>
-              <a:t>”.</a:t>
-            </a:r>
-          </a:p>
-          <a:p>
-            <a:pPr rtl="0" fontAlgn="base">
-              <a:spcBef>
-                <a:spcPts val="0"/>
-              </a:spcBef>
-              <a:spcAft>
-                <a:spcPts val="0"/>
-              </a:spcAft>
-              <a:buFont typeface="+mj-lt"/>
-              <a:buAutoNum type="arabicPeriod"/>
-            </a:pPr>
-            <a:r>
-              <a:rPr lang="en-US" sz="1800" b="0" i="0" u="none" strike="noStrike" dirty="0">
-                <a:solidFill>
-                  <a:schemeClr val="tx1"/>
-                </a:solidFill>
-                <a:effectLst/>
-                <a:latin typeface="Montserrat"/>
-              </a:rPr>
-              <a:t>Run the notebook “</a:t>
-            </a:r>
-            <a:r>
-              <a:rPr lang="en-US" sz="1800" b="0" i="0" u="none" strike="noStrike" dirty="0" err="1">
-                <a:solidFill>
-                  <a:schemeClr val="tx1"/>
-                </a:solidFill>
-                <a:effectLst/>
-                <a:latin typeface="Montserrat"/>
-              </a:rPr>
-              <a:t>analysis.ipynb</a:t>
-            </a:r>
-            <a:r>
-              <a:rPr lang="en-US" sz="1800" b="0" i="0" u="none" strike="noStrike" dirty="0">
-                <a:solidFill>
-                  <a:schemeClr val="tx1"/>
-                </a:solidFill>
-                <a:effectLst/>
-                <a:latin typeface="Montserrat"/>
-              </a:rPr>
-              <a:t>”, this will load csv into the different tables in the “</a:t>
-            </a:r>
-            <a:r>
-              <a:rPr lang="en-US" sz="1800" b="0" i="0" u="none" strike="noStrike" dirty="0" err="1">
-                <a:solidFill>
-                  <a:schemeClr val="tx1"/>
-                </a:solidFill>
-                <a:effectLst/>
-                <a:latin typeface="Montserrat"/>
-              </a:rPr>
-              <a:t>beersDB</a:t>
-            </a:r>
-            <a:r>
-              <a:rPr lang="en-US" sz="1800" b="0" i="0" u="none" strike="noStrike" dirty="0">
-                <a:solidFill>
-                  <a:schemeClr val="tx1"/>
-                </a:solidFill>
-                <a:effectLst/>
-                <a:latin typeface="Montserrat"/>
-              </a:rPr>
-              <a:t>”. </a:t>
-            </a:r>
-          </a:p>
-          <a:p>
-            <a:pPr rtl="0" fontAlgn="base">
-              <a:spcBef>
-                <a:spcPts val="0"/>
-              </a:spcBef>
-              <a:spcAft>
-                <a:spcPts val="0"/>
-              </a:spcAft>
-              <a:buFont typeface="+mj-lt"/>
-              <a:buAutoNum type="arabicPeriod"/>
-            </a:pPr>
-            <a:r>
-              <a:rPr lang="en-US" sz="1800" b="0" i="0" u="none" strike="noStrike" dirty="0">
-                <a:solidFill>
-                  <a:schemeClr val="tx1"/>
-                </a:solidFill>
-                <a:effectLst/>
-                <a:latin typeface="Montserrat"/>
-              </a:rPr>
-              <a:t>Start up the Flask application app.py and run inside the project folder in the command prompt</a:t>
-            </a:r>
-          </a:p>
-          <a:p>
-            <a:pPr rtl="0" fontAlgn="base">
-              <a:spcBef>
-                <a:spcPts val="0"/>
-              </a:spcBef>
-              <a:spcAft>
-                <a:spcPts val="0"/>
-              </a:spcAft>
-              <a:buFont typeface="+mj-lt"/>
-              <a:buAutoNum type="arabicPeriod"/>
-            </a:pPr>
-            <a:r>
-              <a:rPr lang="en-US" sz="1800" b="0" i="0" u="none" strike="noStrike" dirty="0">
-                <a:solidFill>
-                  <a:schemeClr val="tx1"/>
-                </a:solidFill>
-                <a:effectLst/>
-                <a:latin typeface="Montserrat"/>
-              </a:rPr>
-              <a:t>Open the site on localhost:5000 and enjoy.</a:t>
-            </a:r>
-          </a:p>
-          <a:p>
-            <a:pPr rtl="0" fontAlgn="base">
-              <a:spcBef>
-                <a:spcPts val="0"/>
-              </a:spcBef>
-              <a:spcAft>
-                <a:spcPts val="0"/>
-              </a:spcAft>
-              <a:buFont typeface="+mj-lt"/>
-              <a:buAutoNum type="arabicPeriod"/>
-            </a:pPr>
-            <a:r>
-              <a:rPr lang="en-US" sz="1800" b="0" i="0" u="none" strike="noStrike" dirty="0">
-                <a:solidFill>
-                  <a:schemeClr val="tx1"/>
-                </a:solidFill>
-                <a:effectLst/>
-                <a:latin typeface="Montserrat"/>
-              </a:rPr>
-              <a:t>Use the drop down menu to pick different beers and watch the dashboard change.  </a:t>
-            </a:r>
-          </a:p>
-          <a:p>
-            <a:pPr marL="0" indent="0">
-              <a:buNone/>
-            </a:pPr>
-            <a:br>
-              <a:rPr lang="en-US" sz="2000" b="0" dirty="0">
-                <a:solidFill>
-                  <a:schemeClr val="tx1"/>
-                </a:solidFill>
-                <a:effectLst/>
-              </a:rPr>
-            </a:br>
-            <a:br>
-              <a:rPr lang="en-US" dirty="0">
-                <a:solidFill>
-                  <a:schemeClr val="tx1"/>
-                </a:solidFill>
-              </a:rPr>
-            </a:br>
-            <a:endParaRPr lang="en-US" dirty="0">
-              <a:solidFill>
-                <a:schemeClr val="tx1"/>
-              </a:solidFill>
-            </a:endParaRPr>
-          </a:p>
-        </p:txBody>
-      </p:sp>
-    </p:spTree>
-    <p:extLst>
-      <p:ext uri="{BB962C8B-B14F-4D97-AF65-F5344CB8AC3E}">
-        <p14:creationId xmlns:p14="http://schemas.microsoft.com/office/powerpoint/2010/main" val="491733537"/>
-      </p:ext>
-    </p:extLst>
-  </p:cSld>
-  <p:clrMapOvr>
-    <a:masterClrMapping/>
-  </p:clrMapOvr>
-</p:sld>
-</file>
-
-<file path=ppt/slides/slide8.xml><?xml version="1.0" encoding="utf-8"?>
-<p:sld xmlns:a="http://schemas.openxmlformats.org/drawingml/2006/main" xmlns:r="http://schemas.openxmlformats.org/officeDocument/2006/relationships" xmlns:p="http://schemas.openxmlformats.org/presentationml/2006/main" showMasterSp="0">
-  <p:cSld>
-    <p:spTree>
-      <p:nvGrpSpPr>
-        <p:cNvPr id="1" name=""/>
-        <p:cNvGrpSpPr/>
-        <p:nvPr/>
-      </p:nvGrpSpPr>
-      <p:grpSpPr>
-        <a:xfrm>
-          <a:off x="0" y="0"/>
-          <a:ext cx="0" cy="0"/>
-          <a:chOff x="0" y="0"/>
-          <a:chExt cx="0" cy="0"/>
-        </a:xfrm>
-      </p:grpSpPr>
-      <p:sp>
-        <p:nvSpPr>
-          <p:cNvPr id="2" name="Title 1">
-            <a:extLst>
-              <a:ext uri="{FF2B5EF4-FFF2-40B4-BE49-F238E27FC236}">
-                <a16:creationId xmlns:a16="http://schemas.microsoft.com/office/drawing/2014/main" id="{5E562972-3449-42D1-8185-B4BEFD52AB44}"/>
-              </a:ext>
-            </a:extLst>
-          </p:cNvPr>
-          <p:cNvSpPr>
-            <a:spLocks noGrp="1"/>
-          </p:cNvSpPr>
-          <p:nvPr>
-            <p:ph type="title"/>
-          </p:nvPr>
-        </p:nvSpPr>
-        <p:spPr/>
-        <p:txBody>
-          <a:bodyPr/>
-          <a:lstStyle/>
-          <a:p>
-            <a:r>
-              <a:rPr lang="en-US" dirty="0"/>
-              <a:t>Dashboard Presentation</a:t>
-            </a:r>
-          </a:p>
-        </p:txBody>
-      </p:sp>
-      <p:sp>
-        <p:nvSpPr>
-          <p:cNvPr id="5" name="Content Placeholder 4">
-            <a:extLst>
-              <a:ext uri="{FF2B5EF4-FFF2-40B4-BE49-F238E27FC236}">
-                <a16:creationId xmlns:a16="http://schemas.microsoft.com/office/drawing/2014/main" id="{7C950646-04B8-42F2-8E49-19287D33CA22}"/>
-              </a:ext>
-            </a:extLst>
-          </p:cNvPr>
-          <p:cNvSpPr>
-            <a:spLocks noGrp="1"/>
-          </p:cNvSpPr>
-          <p:nvPr>
-            <p:ph idx="1"/>
-          </p:nvPr>
-        </p:nvSpPr>
-        <p:spPr/>
-        <p:txBody>
-          <a:bodyPr/>
-          <a:lstStyle/>
-          <a:p>
-            <a:pPr rtl="0" fontAlgn="base">
-              <a:spcBef>
-                <a:spcPts val="0"/>
-              </a:spcBef>
-              <a:spcAft>
-                <a:spcPts val="0"/>
-              </a:spcAft>
-              <a:buFont typeface="+mj-lt"/>
-              <a:buAutoNum type="arabicPeriod"/>
-            </a:pPr>
-            <a:r>
-              <a:rPr lang="en-US" sz="1800" b="0" i="0" u="none" strike="noStrike" dirty="0">
-                <a:solidFill>
-                  <a:schemeClr val="tx1"/>
-                </a:solidFill>
-                <a:effectLst/>
-                <a:latin typeface="Montserrat"/>
-              </a:rPr>
-              <a:t>Move to dashboard. </a:t>
-            </a:r>
-          </a:p>
-          <a:p>
-            <a:pPr marL="0" indent="0">
-              <a:buNone/>
-            </a:pPr>
-            <a:br>
-              <a:rPr lang="en-US" sz="2000" b="0" dirty="0">
-                <a:solidFill>
-                  <a:schemeClr val="tx1"/>
-                </a:solidFill>
-                <a:effectLst/>
-              </a:rPr>
-            </a:br>
-            <a:br>
-              <a:rPr lang="en-US" dirty="0">
-                <a:solidFill>
-                  <a:schemeClr val="tx1"/>
-                </a:solidFill>
-              </a:rPr>
-            </a:br>
-            <a:endParaRPr lang="en-US" dirty="0">
-              <a:solidFill>
-                <a:schemeClr val="tx1"/>
-              </a:solidFill>
-            </a:endParaRPr>
+              <a:t>“I don’t always drink beer, but when I do, I need … ”</a:t>
+            </a:r>
           </a:p>
         </p:txBody>
       </p:sp>

--- a/Beers of the USA.pptx
+++ b/Beers of the USA.pptx
@@ -4896,7 +4896,7 @@
         </p:nvSpPr>
         <p:spPr>
           <a:xfrm>
-            <a:off x="5460540" y="4173238"/>
+            <a:off x="5452215" y="4110678"/>
             <a:ext cx="2227006" cy="2209028"/>
           </a:xfrm>
           <a:prstGeom prst="flowChartConnector">
@@ -5184,8 +5184,8 @@
         </p:nvCxnSpPr>
         <p:spPr>
           <a:xfrm rot="16200000" flipH="1">
-            <a:off x="5802975" y="3402170"/>
-            <a:ext cx="928832" cy="613303"/>
+            <a:off x="5830093" y="3375053"/>
+            <a:ext cx="866272" cy="604978"/>
           </a:xfrm>
           <a:prstGeom prst="curvedConnector3">
             <a:avLst/>
@@ -6527,21 +6527,21 @@
 </file>
 
 <file path=customXml/item1.xml><?xml version="1.0" encoding="utf-8"?>
+<?mso-contentType ?>
+<FormTemplates xmlns="http://schemas.microsoft.com/sharepoint/v3/contenttype/forms">
+  <Display>DocumentLibraryForm</Display>
+  <Edit>DocumentLibraryForm</Edit>
+  <New>DocumentLibraryForm</New>
+</FormTemplates>
+</file>
+
+<file path=customXml/item2.xml><?xml version="1.0" encoding="utf-8"?>
 <p:properties xmlns:p="http://schemas.microsoft.com/office/2006/metadata/properties" xmlns:xsi="http://www.w3.org/2001/XMLSchema-instance" xmlns:pc="http://schemas.microsoft.com/office/infopath/2007/PartnerControls">
   <documentManagement>
     <Status xmlns="71af3243-3dd4-4a8d-8c0d-dd76da1f02a5">Not started</Status>
     <MediaServiceKeyPoints xmlns="71af3243-3dd4-4a8d-8c0d-dd76da1f02a5" xsi:nil="true"/>
   </documentManagement>
 </p:properties>
-</file>
-
-<file path=customXml/item2.xml><?xml version="1.0" encoding="utf-8"?>
-<?mso-contentType ?>
-<FormTemplates xmlns="http://schemas.microsoft.com/sharepoint/v3/contenttype/forms">
-  <Display>DocumentLibraryForm</Display>
-  <Edit>DocumentLibraryForm</Edit>
-  <New>DocumentLibraryForm</New>
-</FormTemplates>
 </file>
 
 <file path=customXml/item3.xml><?xml version="1.0" encoding="utf-8"?>
@@ -6766,19 +6766,19 @@
 </file>
 
 <file path=customXml/itemProps1.xml><?xml version="1.0" encoding="utf-8"?>
+<ds:datastoreItem xmlns:ds="http://schemas.openxmlformats.org/officeDocument/2006/customXml" ds:itemID="{927BD4C1-B6B1-4715-ABF9-E660A51A4EA0}">
+  <ds:schemaRefs>
+    <ds:schemaRef ds:uri="http://schemas.microsoft.com/sharepoint/v3/contenttype/forms"/>
+  </ds:schemaRefs>
+</ds:datastoreItem>
+</file>
+
+<file path=customXml/itemProps2.xml><?xml version="1.0" encoding="utf-8"?>
 <ds:datastoreItem xmlns:ds="http://schemas.openxmlformats.org/officeDocument/2006/customXml" ds:itemID="{8D289AE2-D2AE-49D1-AFAC-3A79F6794255}">
   <ds:schemaRefs>
     <ds:schemaRef ds:uri="http://schemas.microsoft.com/office/2006/metadata/properties"/>
     <ds:schemaRef ds:uri="http://schemas.microsoft.com/office/infopath/2007/PartnerControls"/>
     <ds:schemaRef ds:uri="71af3243-3dd4-4a8d-8c0d-dd76da1f02a5"/>
-  </ds:schemaRefs>
-</ds:datastoreItem>
-</file>
-
-<file path=customXml/itemProps2.xml><?xml version="1.0" encoding="utf-8"?>
-<ds:datastoreItem xmlns:ds="http://schemas.openxmlformats.org/officeDocument/2006/customXml" ds:itemID="{927BD4C1-B6B1-4715-ABF9-E660A51A4EA0}">
-  <ds:schemaRefs>
-    <ds:schemaRef ds:uri="http://schemas.microsoft.com/sharepoint/v3/contenttype/forms"/>
   </ds:schemaRefs>
 </ds:datastoreItem>
 </file>

--- a/Beers of the USA.pptx
+++ b/Beers of the USA.pptx
@@ -355,7 +355,7 @@
           <a:p>
             <a:fld id="{ED291B17-9318-49DB-B28B-6E5994AE9581}" type="datetime1">
               <a:rPr lang="en-US" smtClean="0"/>
-              <a:t>12/8/20</a:t>
+              <a:t>12/8/2020</a:t>
             </a:fld>
             <a:endParaRPr lang="en-US" dirty="0"/>
           </a:p>
@@ -558,7 +558,7 @@
           <a:p>
             <a:fld id="{2CED4963-E985-44C4-B8C4-FDD613B7C2F8}" type="datetime1">
               <a:rPr lang="en-US" smtClean="0"/>
-              <a:t>12/8/20</a:t>
+              <a:t>12/8/2020</a:t>
             </a:fld>
             <a:endParaRPr lang="en-US" dirty="0"/>
           </a:p>
@@ -920,7 +920,7 @@
           <a:p>
             <a:fld id="{ED291B17-9318-49DB-B28B-6E5994AE9581}" type="datetime1">
               <a:rPr lang="en-US" smtClean="0"/>
-              <a:t>12/8/20</a:t>
+              <a:t>12/8/2020</a:t>
             </a:fld>
             <a:endParaRPr lang="en-US" dirty="0"/>
           </a:p>
@@ -1118,7 +1118,7 @@
           <a:p>
             <a:fld id="{78DD82B9-B8EE-4375-B6FF-88FA6ABB15D9}" type="datetime1">
               <a:rPr lang="en-US" smtClean="0"/>
-              <a:t>12/8/20</a:t>
+              <a:t>12/8/2020</a:t>
             </a:fld>
             <a:endParaRPr lang="en-US" dirty="0"/>
           </a:p>
@@ -1430,7 +1430,7 @@
           <a:p>
             <a:fld id="{B2497495-0637-405E-AE64-5CC7506D51F5}" type="datetime1">
               <a:rPr lang="en-US" smtClean="0"/>
-              <a:t>12/8/20</a:t>
+              <a:t>12/8/2020</a:t>
             </a:fld>
             <a:endParaRPr lang="en-US" dirty="0"/>
           </a:p>
@@ -1683,7 +1683,7 @@
           <a:p>
             <a:fld id="{7BFFD690-9426-415D-8B65-26881E07B2D4}" type="datetime1">
               <a:rPr lang="en-US" smtClean="0"/>
-              <a:t>12/8/20</a:t>
+              <a:t>12/8/2020</a:t>
             </a:fld>
             <a:endParaRPr lang="en-US" dirty="0"/>
           </a:p>
@@ -2105,7 +2105,7 @@
           <a:p>
             <a:fld id="{04C4989A-474C-40DE-95B9-011C28B71673}" type="datetime1">
               <a:rPr lang="en-US" smtClean="0"/>
-              <a:t>12/8/20</a:t>
+              <a:t>12/8/2020</a:t>
             </a:fld>
             <a:endParaRPr lang="en-US" dirty="0"/>
           </a:p>
@@ -2228,7 +2228,7 @@
           <a:p>
             <a:fld id="{5DB4ED54-5B5E-4A04-93D3-5772E3CE3818}" type="datetime1">
               <a:rPr lang="en-US" smtClean="0"/>
-              <a:t>12/8/20</a:t>
+              <a:t>12/8/2020</a:t>
             </a:fld>
             <a:endParaRPr lang="en-US" dirty="0"/>
           </a:p>
@@ -2323,7 +2323,7 @@
           <a:p>
             <a:fld id="{4EDE50D6-574B-40AF-946F-D52A04ADE379}" type="datetime1">
               <a:rPr lang="en-US" smtClean="0"/>
-              <a:t>12/8/20</a:t>
+              <a:t>12/8/2020</a:t>
             </a:fld>
             <a:endParaRPr lang="en-US" dirty="0"/>
           </a:p>
@@ -2700,7 +2700,7 @@
           <a:p>
             <a:fld id="{D82884F1-FFEA-405F-9602-3DCA865EDA4E}" type="datetime1">
               <a:rPr lang="en-US" smtClean="0"/>
-              <a:t>12/8/20</a:t>
+              <a:t>12/8/2020</a:t>
             </a:fld>
             <a:endParaRPr lang="en-US" dirty="0"/>
           </a:p>
@@ -2993,7 +2993,7 @@
           <a:p>
             <a:fld id="{7E18DB4A-8810-4A10-AD5C-D5E2C667F5B3}" type="datetime1">
               <a:rPr lang="en-US" smtClean="0"/>
-              <a:t>12/8/20</a:t>
+              <a:t>12/8/2020</a:t>
             </a:fld>
             <a:endParaRPr lang="en-US" dirty="0"/>
           </a:p>
@@ -3208,7 +3208,7 @@
           <a:p>
             <a:fld id="{ED291B17-9318-49DB-B28B-6E5994AE9581}" type="datetime1">
               <a:rPr lang="en-US" smtClean="0"/>
-              <a:t>12/8/20</a:t>
+              <a:t>12/8/2020</a:t>
             </a:fld>
             <a:endParaRPr lang="en-US" dirty="0"/>
           </a:p>
@@ -5347,7 +5347,7 @@
                 </a:solidFill>
                 <a:latin typeface="Copperplate Gothic Light" panose="020E0507020206020404" pitchFamily="34" charset="77"/>
               </a:rPr>
-              <a:t>“I don’t always drink beer, but when I do, I need a good dataset”</a:t>
+              <a:t>“I don’t always Analyze beer, but when I do, I need a good dataset”</a:t>
             </a:r>
           </a:p>
         </p:txBody>
@@ -7101,7 +7101,7 @@
                 </a:solidFill>
                 <a:latin typeface="Copperplate Gothic Light" panose="020E0507020206020404" pitchFamily="34" charset="77"/>
               </a:rPr>
-              <a:t>“I don’t always drink beer, but when I do, I need … ”</a:t>
+              <a:t>“I don’t always drink beer, but when I do, I need a flask”</a:t>
             </a:r>
           </a:p>
         </p:txBody>
@@ -7225,7 +7225,7 @@
                 </a:solidFill>
                 <a:latin typeface="Copperplate Gothic Light" panose="020E0507020206020404" pitchFamily="34" charset="77"/>
               </a:rPr>
-              <a:t>“I don’t always drink beer, but when I do, I need … ”</a:t>
+              <a:t>“I don’t always drink beer, but when I do, I need a dash of lime”</a:t>
             </a:r>
           </a:p>
         </p:txBody>
@@ -7513,6 +7513,24 @@
 </file>
 
 <file path=customXml/item1.xml><?xml version="1.0" encoding="utf-8"?>
+<p:properties xmlns:p="http://schemas.microsoft.com/office/2006/metadata/properties" xmlns:xsi="http://www.w3.org/2001/XMLSchema-instance" xmlns:pc="http://schemas.microsoft.com/office/infopath/2007/PartnerControls">
+  <documentManagement>
+    <Status xmlns="71af3243-3dd4-4a8d-8c0d-dd76da1f02a5">Not started</Status>
+    <MediaServiceKeyPoints xmlns="71af3243-3dd4-4a8d-8c0d-dd76da1f02a5" xsi:nil="true"/>
+  </documentManagement>
+</p:properties>
+</file>
+
+<file path=customXml/item2.xml><?xml version="1.0" encoding="utf-8"?>
+<?mso-contentType ?>
+<FormTemplates xmlns="http://schemas.microsoft.com/sharepoint/v3/contenttype/forms">
+  <Display>DocumentLibraryForm</Display>
+  <Edit>DocumentLibraryForm</Edit>
+  <New>DocumentLibraryForm</New>
+</FormTemplates>
+</file>
+
+<file path=customXml/item3.xml><?xml version="1.0" encoding="utf-8"?>
 <ct:contentTypeSchema xmlns:ct="http://schemas.microsoft.com/office/2006/metadata/contentType" xmlns:ma="http://schemas.microsoft.com/office/2006/metadata/properties/metaAttributes" ct:_="" ma:_="" ma:contentTypeName="Document" ma:contentTypeID="0x01010079F111ED35F8CC479449609E8A0923A6" ma:contentTypeVersion="12" ma:contentTypeDescription="Create a new document." ma:contentTypeScope="" ma:versionID="a410dd7f93c95333ffa1b60ed6adedd1">
   <xsd:schema xmlns:xsd="http://www.w3.org/2001/XMLSchema" xmlns:xs="http://www.w3.org/2001/XMLSchema" xmlns:p="http://schemas.microsoft.com/office/2006/metadata/properties" xmlns:ns2="71af3243-3dd4-4a8d-8c0d-dd76da1f02a5" xmlns:ns3="16c05727-aa75-4e4a-9b5f-8a80a1165891" targetNamespace="http://schemas.microsoft.com/office/2006/metadata/properties" ma:root="true" ma:fieldsID="a936d9baba76aa3866493feff160faab" ns2:_="" ns3:_="">
     <xsd:import namespace="71af3243-3dd4-4a8d-8c0d-dd76da1f02a5"/>
@@ -7733,25 +7751,25 @@
 </ct:contentTypeSchema>
 </file>
 
-<file path=customXml/item2.xml><?xml version="1.0" encoding="utf-8"?>
-<?mso-contentType ?>
-<FormTemplates xmlns="http://schemas.microsoft.com/sharepoint/v3/contenttype/forms">
-  <Display>DocumentLibraryForm</Display>
-  <Edit>DocumentLibraryForm</Edit>
-  <New>DocumentLibraryForm</New>
-</FormTemplates>
+<file path=customXml/itemProps1.xml><?xml version="1.0" encoding="utf-8"?>
+<ds:datastoreItem xmlns:ds="http://schemas.openxmlformats.org/officeDocument/2006/customXml" ds:itemID="{8D289AE2-D2AE-49D1-AFAC-3A79F6794255}">
+  <ds:schemaRefs>
+    <ds:schemaRef ds:uri="http://schemas.microsoft.com/office/2006/metadata/properties"/>
+    <ds:schemaRef ds:uri="http://schemas.microsoft.com/office/infopath/2007/PartnerControls"/>
+    <ds:schemaRef ds:uri="71af3243-3dd4-4a8d-8c0d-dd76da1f02a5"/>
+  </ds:schemaRefs>
+</ds:datastoreItem>
 </file>
 
-<file path=customXml/item3.xml><?xml version="1.0" encoding="utf-8"?>
-<p:properties xmlns:p="http://schemas.microsoft.com/office/2006/metadata/properties" xmlns:xsi="http://www.w3.org/2001/XMLSchema-instance" xmlns:pc="http://schemas.microsoft.com/office/infopath/2007/PartnerControls">
-  <documentManagement>
-    <Status xmlns="71af3243-3dd4-4a8d-8c0d-dd76da1f02a5">Not started</Status>
-    <MediaServiceKeyPoints xmlns="71af3243-3dd4-4a8d-8c0d-dd76da1f02a5" xsi:nil="true"/>
-  </documentManagement>
-</p:properties>
+<file path=customXml/itemProps2.xml><?xml version="1.0" encoding="utf-8"?>
+<ds:datastoreItem xmlns:ds="http://schemas.openxmlformats.org/officeDocument/2006/customXml" ds:itemID="{927BD4C1-B6B1-4715-ABF9-E660A51A4EA0}">
+  <ds:schemaRefs>
+    <ds:schemaRef ds:uri="http://schemas.microsoft.com/sharepoint/v3/contenttype/forms"/>
+  </ds:schemaRefs>
+</ds:datastoreItem>
 </file>
 
-<file path=customXml/itemProps1.xml><?xml version="1.0" encoding="utf-8"?>
+<file path=customXml/itemProps3.xml><?xml version="1.0" encoding="utf-8"?>
 <ds:datastoreItem xmlns:ds="http://schemas.openxmlformats.org/officeDocument/2006/customXml" ds:itemID="{41E7CA09-9778-4414-AE97-8064B12DA30E}">
   <ds:schemaRefs>
     <ds:schemaRef ds:uri="http://schemas.microsoft.com/office/2006/metadata/contentType"/>
@@ -7768,22 +7786,4 @@
     <ds:schemaRef ds:uri="http://schemas.microsoft.com/internal/obd"/>
   </ds:schemaRefs>
 </ds:datastoreItem>
-</file>
-
-<file path=customXml/itemProps2.xml><?xml version="1.0" encoding="utf-8"?>
-<ds:datastoreItem xmlns:ds="http://schemas.openxmlformats.org/officeDocument/2006/customXml" ds:itemID="{927BD4C1-B6B1-4715-ABF9-E660A51A4EA0}">
-  <ds:schemaRefs>
-    <ds:schemaRef ds:uri="http://schemas.microsoft.com/sharepoint/v3/contenttype/forms"/>
-  </ds:schemaRefs>
-</ds:datastoreItem>
-</file>
-
-<file path=customXml/itemProps3.xml><?xml version="1.0" encoding="utf-8"?>
-<ds:datastoreItem xmlns:ds="http://schemas.openxmlformats.org/officeDocument/2006/customXml" ds:itemID="{8D289AE2-D2AE-49D1-AFAC-3A79F6794255}">
-  <ds:schemaRefs>
-    <ds:schemaRef ds:uri="http://schemas.microsoft.com/office/2006/metadata/properties"/>
-    <ds:schemaRef ds:uri="http://schemas.microsoft.com/office/infopath/2007/PartnerControls"/>
-    <ds:schemaRef ds:uri="71af3243-3dd4-4a8d-8c0d-dd76da1f02a5"/>
-  </ds:schemaRefs>
-</ds:datastoreItem>
 </file>
--- a/Beers of the USA.pptx
+++ b/Beers of the USA.pptx
@@ -355,7 +355,7 @@
           <a:p>
             <a:fld id="{ED291B17-9318-49DB-B28B-6E5994AE9581}" type="datetime1">
               <a:rPr lang="en-US" smtClean="0"/>
-              <a:t>12/8/2020</a:t>
+              <a:t>12/9/2020</a:t>
             </a:fld>
             <a:endParaRPr lang="en-US" dirty="0"/>
           </a:p>
@@ -558,7 +558,7 @@
           <a:p>
             <a:fld id="{2CED4963-E985-44C4-B8C4-FDD613B7C2F8}" type="datetime1">
               <a:rPr lang="en-US" smtClean="0"/>
-              <a:t>12/8/2020</a:t>
+              <a:t>12/9/2020</a:t>
             </a:fld>
             <a:endParaRPr lang="en-US" dirty="0"/>
           </a:p>
@@ -920,7 +920,7 @@
           <a:p>
             <a:fld id="{ED291B17-9318-49DB-B28B-6E5994AE9581}" type="datetime1">
               <a:rPr lang="en-US" smtClean="0"/>
-              <a:t>12/8/2020</a:t>
+              <a:t>12/9/2020</a:t>
             </a:fld>
             <a:endParaRPr lang="en-US" dirty="0"/>
           </a:p>
@@ -1118,7 +1118,7 @@
           <a:p>
             <a:fld id="{78DD82B9-B8EE-4375-B6FF-88FA6ABB15D9}" type="datetime1">
               <a:rPr lang="en-US" smtClean="0"/>
-              <a:t>12/8/2020</a:t>
+              <a:t>12/9/2020</a:t>
             </a:fld>
             <a:endParaRPr lang="en-US" dirty="0"/>
           </a:p>
@@ -1430,7 +1430,7 @@
           <a:p>
             <a:fld id="{B2497495-0637-405E-AE64-5CC7506D51F5}" type="datetime1">
               <a:rPr lang="en-US" smtClean="0"/>
-              <a:t>12/8/2020</a:t>
+              <a:t>12/9/2020</a:t>
             </a:fld>
             <a:endParaRPr lang="en-US" dirty="0"/>
           </a:p>
@@ -1683,7 +1683,7 @@
           <a:p>
             <a:fld id="{7BFFD690-9426-415D-8B65-26881E07B2D4}" type="datetime1">
               <a:rPr lang="en-US" smtClean="0"/>
-              <a:t>12/8/2020</a:t>
+              <a:t>12/9/2020</a:t>
             </a:fld>
             <a:endParaRPr lang="en-US" dirty="0"/>
           </a:p>
@@ -2105,7 +2105,7 @@
           <a:p>
             <a:fld id="{04C4989A-474C-40DE-95B9-011C28B71673}" type="datetime1">
               <a:rPr lang="en-US" smtClean="0"/>
-              <a:t>12/8/2020</a:t>
+              <a:t>12/9/2020</a:t>
             </a:fld>
             <a:endParaRPr lang="en-US" dirty="0"/>
           </a:p>
@@ -2228,7 +2228,7 @@
           <a:p>
             <a:fld id="{5DB4ED54-5B5E-4A04-93D3-5772E3CE3818}" type="datetime1">
               <a:rPr lang="en-US" smtClean="0"/>
-              <a:t>12/8/2020</a:t>
+              <a:t>12/9/2020</a:t>
             </a:fld>
             <a:endParaRPr lang="en-US" dirty="0"/>
           </a:p>
@@ -2323,7 +2323,7 @@
           <a:p>
             <a:fld id="{4EDE50D6-574B-40AF-946F-D52A04ADE379}" type="datetime1">
               <a:rPr lang="en-US" smtClean="0"/>
-              <a:t>12/8/2020</a:t>
+              <a:t>12/9/2020</a:t>
             </a:fld>
             <a:endParaRPr lang="en-US" dirty="0"/>
           </a:p>
@@ -2700,7 +2700,7 @@
           <a:p>
             <a:fld id="{D82884F1-FFEA-405F-9602-3DCA865EDA4E}" type="datetime1">
               <a:rPr lang="en-US" smtClean="0"/>
-              <a:t>12/8/2020</a:t>
+              <a:t>12/9/2020</a:t>
             </a:fld>
             <a:endParaRPr lang="en-US" dirty="0"/>
           </a:p>
@@ -2993,7 +2993,7 @@
           <a:p>
             <a:fld id="{7E18DB4A-8810-4A10-AD5C-D5E2C667F5B3}" type="datetime1">
               <a:rPr lang="en-US" smtClean="0"/>
-              <a:t>12/8/2020</a:t>
+              <a:t>12/9/2020</a:t>
             </a:fld>
             <a:endParaRPr lang="en-US" dirty="0"/>
           </a:p>
@@ -3208,7 +3208,7 @@
           <a:p>
             <a:fld id="{ED291B17-9318-49DB-B28B-6E5994AE9581}" type="datetime1">
               <a:rPr lang="en-US" smtClean="0"/>
-              <a:t>12/8/2020</a:t>
+              <a:t>12/9/2020</a:t>
             </a:fld>
             <a:endParaRPr lang="en-US" dirty="0"/>
           </a:p>
@@ -6369,7 +6369,23 @@
                   <a:schemeClr val="bg1"/>
                 </a:solidFill>
               </a:rPr>
-              <a:t>SQL database in Postgres server.</a:t>
+              <a:t>SQL database in </a:t>
+            </a:r>
+            <a:r>
+              <a:rPr lang="en-US" sz="1300" dirty="0" err="1">
+                <a:solidFill>
+                  <a:schemeClr val="bg1"/>
+                </a:solidFill>
+              </a:rPr>
+              <a:t>Postgre</a:t>
+            </a:r>
+            <a:r>
+              <a:rPr lang="en-US" sz="1300" dirty="0">
+                <a:solidFill>
+                  <a:schemeClr val="bg1"/>
+                </a:solidFill>
+              </a:rPr>
+              <a:t> server.</a:t>
             </a:r>
           </a:p>
           <a:p>
@@ -6780,7 +6796,25 @@
                 </a:solidFill>
                 <a:effectLst/>
               </a:rPr>
-              <a:t>Open a session in Postgres SQL and create a database titled “</a:t>
+              <a:t>Open a session in </a:t>
+            </a:r>
+            <a:r>
+              <a:rPr lang="en-US" sz="1800" b="0" i="0" u="none" strike="noStrike">
+                <a:solidFill>
+                  <a:schemeClr val="bg1"/>
+                </a:solidFill>
+                <a:effectLst/>
+              </a:rPr>
+              <a:t>Postgre </a:t>
+            </a:r>
+            <a:r>
+              <a:rPr lang="en-US" sz="1800" b="0" i="0" u="none" strike="noStrike" dirty="0">
+                <a:solidFill>
+                  <a:schemeClr val="bg1"/>
+                </a:solidFill>
+                <a:effectLst/>
+              </a:rPr>
+              <a:t>SQL and create a database titled “</a:t>
             </a:r>
             <a:r>
               <a:rPr lang="en-US" sz="1800" b="0" i="0" u="none" strike="noStrike" dirty="0" err="1">
@@ -7513,24 +7547,6 @@
 </file>
 
 <file path=customXml/item1.xml><?xml version="1.0" encoding="utf-8"?>
-<p:properties xmlns:p="http://schemas.microsoft.com/office/2006/metadata/properties" xmlns:xsi="http://www.w3.org/2001/XMLSchema-instance" xmlns:pc="http://schemas.microsoft.com/office/infopath/2007/PartnerControls">
-  <documentManagement>
-    <Status xmlns="71af3243-3dd4-4a8d-8c0d-dd76da1f02a5">Not started</Status>
-    <MediaServiceKeyPoints xmlns="71af3243-3dd4-4a8d-8c0d-dd76da1f02a5" xsi:nil="true"/>
-  </documentManagement>
-</p:properties>
-</file>
-
-<file path=customXml/item2.xml><?xml version="1.0" encoding="utf-8"?>
-<?mso-contentType ?>
-<FormTemplates xmlns="http://schemas.microsoft.com/sharepoint/v3/contenttype/forms">
-  <Display>DocumentLibraryForm</Display>
-  <Edit>DocumentLibraryForm</Edit>
-  <New>DocumentLibraryForm</New>
-</FormTemplates>
-</file>
-
-<file path=customXml/item3.xml><?xml version="1.0" encoding="utf-8"?>
 <ct:contentTypeSchema xmlns:ct="http://schemas.microsoft.com/office/2006/metadata/contentType" xmlns:ma="http://schemas.microsoft.com/office/2006/metadata/properties/metaAttributes" ct:_="" ma:_="" ma:contentTypeName="Document" ma:contentTypeID="0x01010079F111ED35F8CC479449609E8A0923A6" ma:contentTypeVersion="12" ma:contentTypeDescription="Create a new document." ma:contentTypeScope="" ma:versionID="a410dd7f93c95333ffa1b60ed6adedd1">
   <xsd:schema xmlns:xsd="http://www.w3.org/2001/XMLSchema" xmlns:xs="http://www.w3.org/2001/XMLSchema" xmlns:p="http://schemas.microsoft.com/office/2006/metadata/properties" xmlns:ns2="71af3243-3dd4-4a8d-8c0d-dd76da1f02a5" xmlns:ns3="16c05727-aa75-4e4a-9b5f-8a80a1165891" targetNamespace="http://schemas.microsoft.com/office/2006/metadata/properties" ma:root="true" ma:fieldsID="a936d9baba76aa3866493feff160faab" ns2:_="" ns3:_="">
     <xsd:import namespace="71af3243-3dd4-4a8d-8c0d-dd76da1f02a5"/>
@@ -7751,25 +7767,25 @@
 </ct:contentTypeSchema>
 </file>
 
-<file path=customXml/itemProps1.xml><?xml version="1.0" encoding="utf-8"?>
-<ds:datastoreItem xmlns:ds="http://schemas.openxmlformats.org/officeDocument/2006/customXml" ds:itemID="{8D289AE2-D2AE-49D1-AFAC-3A79F6794255}">
-  <ds:schemaRefs>
-    <ds:schemaRef ds:uri="http://schemas.microsoft.com/office/2006/metadata/properties"/>
-    <ds:schemaRef ds:uri="http://schemas.microsoft.com/office/infopath/2007/PartnerControls"/>
-    <ds:schemaRef ds:uri="71af3243-3dd4-4a8d-8c0d-dd76da1f02a5"/>
-  </ds:schemaRefs>
-</ds:datastoreItem>
+<file path=customXml/item2.xml><?xml version="1.0" encoding="utf-8"?>
+<?mso-contentType ?>
+<FormTemplates xmlns="http://schemas.microsoft.com/sharepoint/v3/contenttype/forms">
+  <Display>DocumentLibraryForm</Display>
+  <Edit>DocumentLibraryForm</Edit>
+  <New>DocumentLibraryForm</New>
+</FormTemplates>
 </file>
 
-<file path=customXml/itemProps2.xml><?xml version="1.0" encoding="utf-8"?>
-<ds:datastoreItem xmlns:ds="http://schemas.openxmlformats.org/officeDocument/2006/customXml" ds:itemID="{927BD4C1-B6B1-4715-ABF9-E660A51A4EA0}">
-  <ds:schemaRefs>
-    <ds:schemaRef ds:uri="http://schemas.microsoft.com/sharepoint/v3/contenttype/forms"/>
-  </ds:schemaRefs>
-</ds:datastoreItem>
+<file path=customXml/item3.xml><?xml version="1.0" encoding="utf-8"?>
+<p:properties xmlns:p="http://schemas.microsoft.com/office/2006/metadata/properties" xmlns:xsi="http://www.w3.org/2001/XMLSchema-instance" xmlns:pc="http://schemas.microsoft.com/office/infopath/2007/PartnerControls">
+  <documentManagement>
+    <Status xmlns="71af3243-3dd4-4a8d-8c0d-dd76da1f02a5">Not started</Status>
+    <MediaServiceKeyPoints xmlns="71af3243-3dd4-4a8d-8c0d-dd76da1f02a5" xsi:nil="true"/>
+  </documentManagement>
+</p:properties>
 </file>
 
-<file path=customXml/itemProps3.xml><?xml version="1.0" encoding="utf-8"?>
+<file path=customXml/itemProps1.xml><?xml version="1.0" encoding="utf-8"?>
 <ds:datastoreItem xmlns:ds="http://schemas.openxmlformats.org/officeDocument/2006/customXml" ds:itemID="{41E7CA09-9778-4414-AE97-8064B12DA30E}">
   <ds:schemaRefs>
     <ds:schemaRef ds:uri="http://schemas.microsoft.com/office/2006/metadata/contentType"/>
@@ -7786,4 +7802,22 @@
     <ds:schemaRef ds:uri="http://schemas.microsoft.com/internal/obd"/>
   </ds:schemaRefs>
 </ds:datastoreItem>
+</file>
+
+<file path=customXml/itemProps2.xml><?xml version="1.0" encoding="utf-8"?>
+<ds:datastoreItem xmlns:ds="http://schemas.openxmlformats.org/officeDocument/2006/customXml" ds:itemID="{927BD4C1-B6B1-4715-ABF9-E660A51A4EA0}">
+  <ds:schemaRefs>
+    <ds:schemaRef ds:uri="http://schemas.microsoft.com/sharepoint/v3/contenttype/forms"/>
+  </ds:schemaRefs>
+</ds:datastoreItem>
+</file>
+
+<file path=customXml/itemProps3.xml><?xml version="1.0" encoding="utf-8"?>
+<ds:datastoreItem xmlns:ds="http://schemas.openxmlformats.org/officeDocument/2006/customXml" ds:itemID="{8D289AE2-D2AE-49D1-AFAC-3A79F6794255}">
+  <ds:schemaRefs>
+    <ds:schemaRef ds:uri="http://schemas.microsoft.com/office/2006/metadata/properties"/>
+    <ds:schemaRef ds:uri="http://schemas.microsoft.com/office/infopath/2007/PartnerControls"/>
+    <ds:schemaRef ds:uri="71af3243-3dd4-4a8d-8c0d-dd76da1f02a5"/>
+  </ds:schemaRefs>
+</ds:datastoreItem>
 </file>
--- a/Beers of the USA.pptx
+++ b/Beers of the USA.pptx
@@ -7,8 +7,8 @@
   <p:sldIdLst>
     <p:sldId id="264" r:id="rId5"/>
     <p:sldId id="265" r:id="rId6"/>
-    <p:sldId id="261" r:id="rId7"/>
-    <p:sldId id="260" r:id="rId8"/>
+    <p:sldId id="260" r:id="rId7"/>
+    <p:sldId id="261" r:id="rId8"/>
     <p:sldId id="262" r:id="rId9"/>
     <p:sldId id="263" r:id="rId10"/>
   </p:sldIdLst>
@@ -355,7 +355,7 @@
           <a:p>
             <a:fld id="{ED291B17-9318-49DB-B28B-6E5994AE9581}" type="datetime1">
               <a:rPr lang="en-US" smtClean="0"/>
-              <a:t>12/9/2020</a:t>
+              <a:t>12/10/20</a:t>
             </a:fld>
             <a:endParaRPr lang="en-US" dirty="0"/>
           </a:p>
@@ -558,7 +558,7 @@
           <a:p>
             <a:fld id="{2CED4963-E985-44C4-B8C4-FDD613B7C2F8}" type="datetime1">
               <a:rPr lang="en-US" smtClean="0"/>
-              <a:t>12/9/2020</a:t>
+              <a:t>12/10/20</a:t>
             </a:fld>
             <a:endParaRPr lang="en-US" dirty="0"/>
           </a:p>
@@ -920,7 +920,7 @@
           <a:p>
             <a:fld id="{ED291B17-9318-49DB-B28B-6E5994AE9581}" type="datetime1">
               <a:rPr lang="en-US" smtClean="0"/>
-              <a:t>12/9/2020</a:t>
+              <a:t>12/10/20</a:t>
             </a:fld>
             <a:endParaRPr lang="en-US" dirty="0"/>
           </a:p>
@@ -1118,7 +1118,7 @@
           <a:p>
             <a:fld id="{78DD82B9-B8EE-4375-B6FF-88FA6ABB15D9}" type="datetime1">
               <a:rPr lang="en-US" smtClean="0"/>
-              <a:t>12/9/2020</a:t>
+              <a:t>12/10/20</a:t>
             </a:fld>
             <a:endParaRPr lang="en-US" dirty="0"/>
           </a:p>
@@ -1430,7 +1430,7 @@
           <a:p>
             <a:fld id="{B2497495-0637-405E-AE64-5CC7506D51F5}" type="datetime1">
               <a:rPr lang="en-US" smtClean="0"/>
-              <a:t>12/9/2020</a:t>
+              <a:t>12/10/20</a:t>
             </a:fld>
             <a:endParaRPr lang="en-US" dirty="0"/>
           </a:p>
@@ -1683,7 +1683,7 @@
           <a:p>
             <a:fld id="{7BFFD690-9426-415D-8B65-26881E07B2D4}" type="datetime1">
               <a:rPr lang="en-US" smtClean="0"/>
-              <a:t>12/9/2020</a:t>
+              <a:t>12/10/20</a:t>
             </a:fld>
             <a:endParaRPr lang="en-US" dirty="0"/>
           </a:p>
@@ -2105,7 +2105,7 @@
           <a:p>
             <a:fld id="{04C4989A-474C-40DE-95B9-011C28B71673}" type="datetime1">
               <a:rPr lang="en-US" smtClean="0"/>
-              <a:t>12/9/2020</a:t>
+              <a:t>12/10/20</a:t>
             </a:fld>
             <a:endParaRPr lang="en-US" dirty="0"/>
           </a:p>
@@ -2228,7 +2228,7 @@
           <a:p>
             <a:fld id="{5DB4ED54-5B5E-4A04-93D3-5772E3CE3818}" type="datetime1">
               <a:rPr lang="en-US" smtClean="0"/>
-              <a:t>12/9/2020</a:t>
+              <a:t>12/10/20</a:t>
             </a:fld>
             <a:endParaRPr lang="en-US" dirty="0"/>
           </a:p>
@@ -2323,7 +2323,7 @@
           <a:p>
             <a:fld id="{4EDE50D6-574B-40AF-946F-D52A04ADE379}" type="datetime1">
               <a:rPr lang="en-US" smtClean="0"/>
-              <a:t>12/9/2020</a:t>
+              <a:t>12/10/20</a:t>
             </a:fld>
             <a:endParaRPr lang="en-US" dirty="0"/>
           </a:p>
@@ -2700,7 +2700,7 @@
           <a:p>
             <a:fld id="{D82884F1-FFEA-405F-9602-3DCA865EDA4E}" type="datetime1">
               <a:rPr lang="en-US" smtClean="0"/>
-              <a:t>12/9/2020</a:t>
+              <a:t>12/10/20</a:t>
             </a:fld>
             <a:endParaRPr lang="en-US" dirty="0"/>
           </a:p>
@@ -2993,7 +2993,7 @@
           <a:p>
             <a:fld id="{7E18DB4A-8810-4A10-AD5C-D5E2C667F5B3}" type="datetime1">
               <a:rPr lang="en-US" smtClean="0"/>
-              <a:t>12/9/2020</a:t>
+              <a:t>12/10/20</a:t>
             </a:fld>
             <a:endParaRPr lang="en-US" dirty="0"/>
           </a:p>
@@ -3208,7 +3208,7 @@
           <a:p>
             <a:fld id="{ED291B17-9318-49DB-B28B-6E5994AE9581}" type="datetime1">
               <a:rPr lang="en-US" smtClean="0"/>
-              <a:t>12/9/2020</a:t>
+              <a:t>12/10/20</a:t>
             </a:fld>
             <a:endParaRPr lang="en-US" dirty="0"/>
           </a:p>
@@ -5109,6 +5109,390 @@
       </p:grpSpPr>
       <p:sp>
         <p:nvSpPr>
+          <p:cNvPr id="77" name="Rectangle 76">
+            <a:extLst>
+              <a:ext uri="{FF2B5EF4-FFF2-40B4-BE49-F238E27FC236}">
+                <a16:creationId xmlns:a16="http://schemas.microsoft.com/office/drawing/2014/main" id="{E2C84337-2E72-1947-9991-496D2EA532AE}"/>
+              </a:ext>
+            </a:extLst>
+          </p:cNvPr>
+          <p:cNvSpPr/>
+          <p:nvPr/>
+        </p:nvSpPr>
+        <p:spPr>
+          <a:xfrm>
+            <a:off x="325012" y="5234662"/>
+            <a:ext cx="1281998" cy="1312277"/>
+          </a:xfrm>
+          <a:prstGeom prst="rect">
+            <a:avLst/>
+          </a:prstGeom>
+          <a:ln>
+            <a:solidFill>
+              <a:srgbClr val="FF0000"/>
+            </a:solidFill>
+          </a:ln>
+        </p:spPr>
+        <p:style>
+          <a:lnRef idx="2">
+            <a:schemeClr val="accent6"/>
+          </a:lnRef>
+          <a:fillRef idx="1">
+            <a:schemeClr val="lt1"/>
+          </a:fillRef>
+          <a:effectRef idx="0">
+            <a:schemeClr val="accent6"/>
+          </a:effectRef>
+          <a:fontRef idx="minor">
+            <a:schemeClr val="dk1"/>
+          </a:fontRef>
+        </p:style>
+        <p:txBody>
+          <a:bodyPr rtlCol="0" anchor="ctr"/>
+          <a:lstStyle/>
+          <a:p>
+            <a:pPr algn="ctr"/>
+            <a:endParaRPr lang="en-US"/>
+          </a:p>
+        </p:txBody>
+      </p:sp>
+      <p:cxnSp>
+        <p:nvCxnSpPr>
+          <p:cNvPr id="52" name="Elbow Connector 51">
+            <a:extLst>
+              <a:ext uri="{FF2B5EF4-FFF2-40B4-BE49-F238E27FC236}">
+                <a16:creationId xmlns:a16="http://schemas.microsoft.com/office/drawing/2014/main" id="{78C12613-BCBB-2747-A667-4F3A4984A578}"/>
+              </a:ext>
+            </a:extLst>
+          </p:cNvPr>
+          <p:cNvCxnSpPr>
+            <a:cxnSpLocks/>
+          </p:cNvCxnSpPr>
+          <p:nvPr/>
+        </p:nvCxnSpPr>
+        <p:spPr>
+          <a:xfrm flipV="1">
+            <a:off x="6729691" y="4238616"/>
+            <a:ext cx="1328975" cy="1279979"/>
+          </a:xfrm>
+          <a:prstGeom prst="bentConnector3">
+            <a:avLst>
+              <a:gd name="adj1" fmla="val 50000"/>
+            </a:avLst>
+          </a:prstGeom>
+          <a:ln w="50800">
+            <a:tailEnd type="triangle"/>
+          </a:ln>
+        </p:spPr>
+        <p:style>
+          <a:lnRef idx="1">
+            <a:schemeClr val="accent1"/>
+          </a:lnRef>
+          <a:fillRef idx="0">
+            <a:schemeClr val="accent1"/>
+          </a:fillRef>
+          <a:effectRef idx="0">
+            <a:schemeClr val="accent1"/>
+          </a:effectRef>
+          <a:fontRef idx="minor">
+            <a:schemeClr val="tx1"/>
+          </a:fontRef>
+        </p:style>
+      </p:cxnSp>
+      <p:sp>
+        <p:nvSpPr>
+          <p:cNvPr id="62" name="Rectangle 61">
+            <a:extLst>
+              <a:ext uri="{FF2B5EF4-FFF2-40B4-BE49-F238E27FC236}">
+                <a16:creationId xmlns:a16="http://schemas.microsoft.com/office/drawing/2014/main" id="{20B2EEDA-B687-044C-9A07-1016656531EC}"/>
+              </a:ext>
+            </a:extLst>
+          </p:cNvPr>
+          <p:cNvSpPr/>
+          <p:nvPr/>
+        </p:nvSpPr>
+        <p:spPr>
+          <a:xfrm>
+            <a:off x="8004135" y="3756477"/>
+            <a:ext cx="1814736" cy="842377"/>
+          </a:xfrm>
+          <a:prstGeom prst="rect">
+            <a:avLst/>
+          </a:prstGeom>
+          <a:solidFill>
+            <a:schemeClr val="bg1"/>
+          </a:solidFill>
+        </p:spPr>
+        <p:style>
+          <a:lnRef idx="2">
+            <a:schemeClr val="accent1">
+              <a:shade val="50000"/>
+            </a:schemeClr>
+          </a:lnRef>
+          <a:fillRef idx="1">
+            <a:schemeClr val="accent1"/>
+          </a:fillRef>
+          <a:effectRef idx="0">
+            <a:schemeClr val="accent1"/>
+          </a:effectRef>
+          <a:fontRef idx="minor">
+            <a:schemeClr val="lt1"/>
+          </a:fontRef>
+        </p:style>
+        <p:txBody>
+          <a:bodyPr rtlCol="0" anchor="ctr"/>
+          <a:lstStyle/>
+          <a:p>
+            <a:pPr algn="ctr"/>
+            <a:endParaRPr lang="en-US"/>
+          </a:p>
+        </p:txBody>
+      </p:sp>
+      <p:sp>
+        <p:nvSpPr>
+          <p:cNvPr id="45" name="Rectangle 44">
+            <a:extLst>
+              <a:ext uri="{FF2B5EF4-FFF2-40B4-BE49-F238E27FC236}">
+                <a16:creationId xmlns:a16="http://schemas.microsoft.com/office/drawing/2014/main" id="{2D782F7E-DECD-E946-AD55-14B6835184DD}"/>
+              </a:ext>
+            </a:extLst>
+          </p:cNvPr>
+          <p:cNvSpPr/>
+          <p:nvPr/>
+        </p:nvSpPr>
+        <p:spPr>
+          <a:xfrm>
+            <a:off x="8168588" y="334084"/>
+            <a:ext cx="2398577" cy="2448907"/>
+          </a:xfrm>
+          <a:prstGeom prst="rect">
+            <a:avLst/>
+          </a:prstGeom>
+          <a:solidFill>
+            <a:schemeClr val="bg1"/>
+          </a:solidFill>
+          <a:ln>
+            <a:solidFill>
+              <a:srgbClr val="7030A0"/>
+            </a:solidFill>
+          </a:ln>
+        </p:spPr>
+        <p:style>
+          <a:lnRef idx="2">
+            <a:schemeClr val="accent1">
+              <a:shade val="50000"/>
+            </a:schemeClr>
+          </a:lnRef>
+          <a:fillRef idx="1">
+            <a:schemeClr val="accent1"/>
+          </a:fillRef>
+          <a:effectRef idx="0">
+            <a:schemeClr val="accent1"/>
+          </a:effectRef>
+          <a:fontRef idx="minor">
+            <a:schemeClr val="lt1"/>
+          </a:fontRef>
+        </p:style>
+        <p:txBody>
+          <a:bodyPr rtlCol="0" anchor="ctr"/>
+          <a:lstStyle/>
+          <a:p>
+            <a:pPr algn="ctr"/>
+            <a:endParaRPr lang="en-US"/>
+          </a:p>
+        </p:txBody>
+      </p:sp>
+      <p:cxnSp>
+        <p:nvCxnSpPr>
+          <p:cNvPr id="31" name="Elbow Connector 30">
+            <a:extLst>
+              <a:ext uri="{FF2B5EF4-FFF2-40B4-BE49-F238E27FC236}">
+                <a16:creationId xmlns:a16="http://schemas.microsoft.com/office/drawing/2014/main" id="{DEB603BE-8335-5B45-8438-091F355857FE}"/>
+              </a:ext>
+            </a:extLst>
+          </p:cNvPr>
+          <p:cNvCxnSpPr>
+            <a:cxnSpLocks/>
+            <a:stCxn id="14" idx="0"/>
+          </p:cNvCxnSpPr>
+          <p:nvPr/>
+        </p:nvCxnSpPr>
+        <p:spPr>
+          <a:xfrm rot="5400000" flipH="1" flipV="1">
+            <a:off x="3180688" y="1116566"/>
+            <a:ext cx="722878" cy="2199598"/>
+          </a:xfrm>
+          <a:prstGeom prst="bentConnector2">
+            <a:avLst/>
+          </a:prstGeom>
+          <a:ln w="50800">
+            <a:tailEnd type="triangle"/>
+          </a:ln>
+        </p:spPr>
+        <p:style>
+          <a:lnRef idx="1">
+            <a:schemeClr val="accent1"/>
+          </a:lnRef>
+          <a:fillRef idx="0">
+            <a:schemeClr val="accent1"/>
+          </a:fillRef>
+          <a:effectRef idx="0">
+            <a:schemeClr val="accent1"/>
+          </a:effectRef>
+          <a:fontRef idx="minor">
+            <a:schemeClr val="tx1"/>
+          </a:fontRef>
+        </p:style>
+      </p:cxnSp>
+      <p:sp>
+        <p:nvSpPr>
+          <p:cNvPr id="38" name="Rectangle 37">
+            <a:extLst>
+              <a:ext uri="{FF2B5EF4-FFF2-40B4-BE49-F238E27FC236}">
+                <a16:creationId xmlns:a16="http://schemas.microsoft.com/office/drawing/2014/main" id="{B85DA6B0-D069-F94C-9995-D05730910E8E}"/>
+              </a:ext>
+            </a:extLst>
+          </p:cNvPr>
+          <p:cNvSpPr/>
+          <p:nvPr/>
+        </p:nvSpPr>
+        <p:spPr>
+          <a:xfrm>
+            <a:off x="5071801" y="4325295"/>
+            <a:ext cx="1867990" cy="1990051"/>
+          </a:xfrm>
+          <a:prstGeom prst="rect">
+            <a:avLst/>
+          </a:prstGeom>
+          <a:ln>
+            <a:solidFill>
+              <a:srgbClr val="92D050"/>
+            </a:solidFill>
+          </a:ln>
+        </p:spPr>
+        <p:style>
+          <a:lnRef idx="2">
+            <a:schemeClr val="accent6"/>
+          </a:lnRef>
+          <a:fillRef idx="1">
+            <a:schemeClr val="lt1"/>
+          </a:fillRef>
+          <a:effectRef idx="0">
+            <a:schemeClr val="accent6"/>
+          </a:effectRef>
+          <a:fontRef idx="minor">
+            <a:schemeClr val="dk1"/>
+          </a:fontRef>
+        </p:style>
+        <p:txBody>
+          <a:bodyPr rtlCol="0" anchor="ctr"/>
+          <a:lstStyle/>
+          <a:p>
+            <a:pPr algn="ctr"/>
+            <a:endParaRPr lang="en-US"/>
+          </a:p>
+        </p:txBody>
+      </p:sp>
+      <p:sp>
+        <p:nvSpPr>
+          <p:cNvPr id="28" name="Rectangle 27">
+            <a:extLst>
+              <a:ext uri="{FF2B5EF4-FFF2-40B4-BE49-F238E27FC236}">
+                <a16:creationId xmlns:a16="http://schemas.microsoft.com/office/drawing/2014/main" id="{80EF1940-3202-CF4B-8830-13ACC301164F}"/>
+              </a:ext>
+            </a:extLst>
+          </p:cNvPr>
+          <p:cNvSpPr/>
+          <p:nvPr/>
+        </p:nvSpPr>
+        <p:spPr>
+          <a:xfrm>
+            <a:off x="4641926" y="1198846"/>
+            <a:ext cx="2097844" cy="2209028"/>
+          </a:xfrm>
+          <a:prstGeom prst="rect">
+            <a:avLst/>
+          </a:prstGeom>
+          <a:ln>
+            <a:solidFill>
+              <a:srgbClr val="FFFF00"/>
+            </a:solidFill>
+          </a:ln>
+        </p:spPr>
+        <p:style>
+          <a:lnRef idx="2">
+            <a:schemeClr val="accent6"/>
+          </a:lnRef>
+          <a:fillRef idx="1">
+            <a:schemeClr val="lt1"/>
+          </a:fillRef>
+          <a:effectRef idx="0">
+            <a:schemeClr val="accent6"/>
+          </a:effectRef>
+          <a:fontRef idx="minor">
+            <a:schemeClr val="dk1"/>
+          </a:fontRef>
+        </p:style>
+        <p:txBody>
+          <a:bodyPr rtlCol="0" anchor="ctr"/>
+          <a:lstStyle/>
+          <a:p>
+            <a:pPr algn="ctr"/>
+            <a:endParaRPr lang="en-US"/>
+          </a:p>
+        </p:txBody>
+      </p:sp>
+      <p:sp>
+        <p:nvSpPr>
+          <p:cNvPr id="14" name="Rectangle 13">
+            <a:extLst>
+              <a:ext uri="{FF2B5EF4-FFF2-40B4-BE49-F238E27FC236}">
+                <a16:creationId xmlns:a16="http://schemas.microsoft.com/office/drawing/2014/main" id="{4BC41B1A-4758-9449-A47D-4003FF7E2801}"/>
+              </a:ext>
+            </a:extLst>
+          </p:cNvPr>
+          <p:cNvSpPr/>
+          <p:nvPr/>
+        </p:nvSpPr>
+        <p:spPr>
+          <a:xfrm>
+            <a:off x="1409936" y="2577804"/>
+            <a:ext cx="2064784" cy="1525350"/>
+          </a:xfrm>
+          <a:prstGeom prst="rect">
+            <a:avLst/>
+          </a:prstGeom>
+          <a:ln>
+            <a:solidFill>
+              <a:srgbClr val="FFC000"/>
+            </a:solidFill>
+          </a:ln>
+        </p:spPr>
+        <p:style>
+          <a:lnRef idx="2">
+            <a:schemeClr val="accent6"/>
+          </a:lnRef>
+          <a:fillRef idx="1">
+            <a:schemeClr val="lt1"/>
+          </a:fillRef>
+          <a:effectRef idx="0">
+            <a:schemeClr val="accent6"/>
+          </a:effectRef>
+          <a:fontRef idx="minor">
+            <a:schemeClr val="dk1"/>
+          </a:fontRef>
+        </p:style>
+        <p:txBody>
+          <a:bodyPr rtlCol="0" anchor="ctr"/>
+          <a:lstStyle/>
+          <a:p>
+            <a:pPr algn="ctr"/>
+            <a:endParaRPr lang="en-US"/>
+          </a:p>
+        </p:txBody>
+      </p:sp>
+      <p:sp>
+        <p:nvSpPr>
           <p:cNvPr id="2" name="Title 1">
             <a:extLst>
               <a:ext uri="{FF2B5EF4-FFF2-40B4-BE49-F238E27FC236}">
@@ -5120,10 +5504,15 @@
             <a:spLocks noGrp="1"/>
           </p:cNvSpPr>
           <p:nvPr>
-            <p:ph type="title"/>
+            <p:ph type="title" idx="4294967295"/>
           </p:nvPr>
         </p:nvSpPr>
-        <p:spPr/>
+        <p:spPr>
+          <a:xfrm>
+            <a:off x="325012" y="349950"/>
+            <a:ext cx="11029950" cy="773112"/>
+          </a:xfrm>
+        </p:spPr>
         <p:txBody>
           <a:bodyPr>
             <a:noAutofit/>
@@ -5131,193 +5520,446 @@
           <a:lstStyle/>
           <a:p>
             <a:r>
-              <a:rPr lang="en-US" sz="6500" b="1" dirty="0">
+              <a:rPr lang="en-US" sz="5000" dirty="0">
                 <a:solidFill>
                   <a:schemeClr val="bg1"/>
                 </a:solidFill>
                 <a:latin typeface="Copperplate Gothic Light" panose="020E0507020206020404" pitchFamily="34" charset="77"/>
               </a:rPr>
-              <a:t>Datasets USED</a:t>
-            </a:r>
-          </a:p>
-        </p:txBody>
-      </p:sp>
-      <p:sp>
-        <p:nvSpPr>
-          <p:cNvPr id="5" name="Content Placeholder 4">
+              <a:t>Workflow</a:t>
+            </a:r>
+          </a:p>
+        </p:txBody>
+      </p:sp>
+      <p:pic>
+        <p:nvPicPr>
+          <p:cNvPr id="1026" name="Picture 2">
             <a:extLst>
               <a:ext uri="{FF2B5EF4-FFF2-40B4-BE49-F238E27FC236}">
-                <a16:creationId xmlns:a16="http://schemas.microsoft.com/office/drawing/2014/main" id="{7C950646-04B8-42F2-8E49-19287D33CA22}"/>
+                <a16:creationId xmlns:a16="http://schemas.microsoft.com/office/drawing/2014/main" id="{751E9A83-8EA9-49D1-872C-2E95843F3566}"/>
               </a:ext>
             </a:extLst>
           </p:cNvPr>
-          <p:cNvSpPr>
-            <a:spLocks noGrp="1"/>
-          </p:cNvSpPr>
+          <p:cNvPicPr>
+            <a:picLocks noGrp="1" noChangeAspect="1" noChangeArrowheads="1"/>
+          </p:cNvPicPr>
           <p:nvPr>
-            <p:ph idx="1"/>
+            <p:ph idx="4294967295"/>
           </p:nvPr>
-        </p:nvSpPr>
-        <p:spPr/>
-        <p:txBody>
-          <a:bodyPr>
-            <a:normAutofit lnSpcReduction="10000"/>
-          </a:bodyPr>
-          <a:lstStyle/>
-          <a:p>
-            <a:pPr marL="0" indent="0" rtl="0">
-              <a:spcBef>
-                <a:spcPts val="0"/>
-              </a:spcBef>
-              <a:spcAft>
-                <a:spcPts val="1600"/>
-              </a:spcAft>
-              <a:buNone/>
-            </a:pPr>
-            <a:r>
-              <a:rPr lang="en-US" sz="1800" b="0" i="0" u="none" strike="noStrike" dirty="0">
-                <a:solidFill>
-                  <a:schemeClr val="bg1"/>
-                </a:solidFill>
-                <a:effectLst/>
-                <a:latin typeface="Lato"/>
-              </a:rPr>
-              <a:t>The data for this project was found on Kaggle from:</a:t>
-            </a:r>
-          </a:p>
-          <a:p>
-            <a:pPr marL="0" indent="0">
-              <a:spcBef>
-                <a:spcPts val="0"/>
-              </a:spcBef>
-              <a:spcAft>
-                <a:spcPts val="1600"/>
-              </a:spcAft>
-              <a:buNone/>
-            </a:pPr>
-            <a:r>
-              <a:rPr lang="en-US" sz="1800" dirty="0">
-                <a:solidFill>
-                  <a:schemeClr val="bg1"/>
-                </a:solidFill>
-                <a:latin typeface="Lato"/>
-                <a:hlinkClick r:id="rId3"/>
-              </a:rPr>
-              <a:t>Nick Hould's Craft Cans</a:t>
-            </a:r>
-            <a:endParaRPr lang="en-US" sz="1800" dirty="0">
-              <a:solidFill>
-                <a:schemeClr val="bg1"/>
-              </a:solidFill>
-              <a:latin typeface="Lato"/>
-            </a:endParaRPr>
-          </a:p>
-          <a:p>
-            <a:pPr marL="0" indent="0">
-              <a:spcBef>
-                <a:spcPts val="0"/>
-              </a:spcBef>
-              <a:spcAft>
-                <a:spcPts val="1600"/>
-              </a:spcAft>
-              <a:buNone/>
-            </a:pPr>
-            <a:r>
-              <a:rPr lang="en-US" sz="1800" dirty="0">
-                <a:solidFill>
-                  <a:schemeClr val="bg1"/>
-                </a:solidFill>
-                <a:latin typeface="Lato"/>
-                <a:hlinkClick r:id="rId4"/>
-              </a:rPr>
-              <a:t>J. Trofe's Beer Recipes</a:t>
-            </a:r>
-            <a:endParaRPr lang="en-US" sz="1800" dirty="0">
-              <a:solidFill>
-                <a:schemeClr val="bg1"/>
-              </a:solidFill>
-              <a:latin typeface="Lato"/>
-            </a:endParaRPr>
-          </a:p>
-          <a:p>
-            <a:pPr marL="0" indent="0">
-              <a:spcBef>
-                <a:spcPts val="0"/>
-              </a:spcBef>
-              <a:spcAft>
-                <a:spcPts val="1600"/>
-              </a:spcAft>
-              <a:buNone/>
-            </a:pPr>
-            <a:r>
-              <a:rPr lang="en-US" sz="1800" dirty="0">
-                <a:solidFill>
-                  <a:schemeClr val="bg1"/>
-                </a:solidFill>
-                <a:latin typeface="Lato"/>
-                <a:hlinkClick r:id="rId5"/>
-              </a:rPr>
-              <a:t>Brett Kurzawa's US Breweries</a:t>
-            </a:r>
-            <a:endParaRPr lang="en-US" sz="1800" dirty="0">
-              <a:solidFill>
-                <a:schemeClr val="bg1"/>
-              </a:solidFill>
-              <a:latin typeface="Lato"/>
-            </a:endParaRPr>
-          </a:p>
-          <a:p>
-            <a:pPr marL="0" indent="0">
-              <a:spcBef>
-                <a:spcPts val="0"/>
-              </a:spcBef>
-              <a:spcAft>
-                <a:spcPts val="1600"/>
-              </a:spcAft>
-              <a:buNone/>
-            </a:pPr>
-            <a:endParaRPr lang="en-US" sz="1800" dirty="0">
-              <a:solidFill>
-                <a:schemeClr val="bg1"/>
-              </a:solidFill>
-              <a:latin typeface="Lato"/>
-            </a:endParaRPr>
-          </a:p>
-          <a:p>
-            <a:pPr marL="0" indent="0">
-              <a:spcBef>
-                <a:spcPts val="0"/>
-              </a:spcBef>
-              <a:spcAft>
-                <a:spcPts val="1600"/>
-              </a:spcAft>
-              <a:buNone/>
-            </a:pPr>
-            <a:endParaRPr lang="en-US" sz="1800" b="0" i="0" u="none" strike="noStrike" dirty="0">
-              <a:solidFill>
-                <a:schemeClr val="bg1"/>
-              </a:solidFill>
-              <a:effectLst/>
-              <a:latin typeface="Lato"/>
-            </a:endParaRPr>
-          </a:p>
-          <a:p>
-            <a:pPr marL="0" indent="0">
-              <a:buNone/>
-            </a:pPr>
-            <a:br>
-              <a:rPr lang="en-US" dirty="0"/>
-            </a:br>
-            <a:endParaRPr lang="en-US" dirty="0"/>
-          </a:p>
-        </p:txBody>
-      </p:sp>
-      <p:sp>
-        <p:nvSpPr>
-          <p:cNvPr id="3" name="TextBox 2">
+        </p:nvPicPr>
+        <p:blipFill>
+          <a:blip r:embed="rId3">
+            <a:extLst>
+              <a:ext uri="{28A0092B-C50C-407E-A947-70E740481C1C}">
+                <a14:useLocalDpi xmlns:a14="http://schemas.microsoft.com/office/drawing/2010/main" val="0"/>
+              </a:ext>
+            </a:extLst>
+          </a:blip>
+          <a:srcRect/>
+          <a:stretch>
+            <a:fillRect/>
+          </a:stretch>
+        </p:blipFill>
+        <p:spPr bwMode="auto">
+          <a:xfrm>
+            <a:off x="452673" y="5412170"/>
+            <a:ext cx="957263" cy="957263"/>
+          </a:xfrm>
+          <a:prstGeom prst="rect">
+            <a:avLst/>
+          </a:prstGeom>
+          <a:noFill/>
+          <a:extLst>
+            <a:ext uri="{909E8E84-426E-40DD-AFC4-6F175D3DCCD1}">
+              <a14:hiddenFill xmlns:a14="http://schemas.microsoft.com/office/drawing/2010/main">
+                <a:solidFill>
+                  <a:srgbClr val="FFFFFF"/>
+                </a:solidFill>
+              </a14:hiddenFill>
+            </a:ext>
+          </a:extLst>
+        </p:spPr>
+      </p:pic>
+      <p:pic>
+        <p:nvPicPr>
+          <p:cNvPr id="1028" name="Picture 4">
             <a:extLst>
               <a:ext uri="{FF2B5EF4-FFF2-40B4-BE49-F238E27FC236}">
-                <a16:creationId xmlns:a16="http://schemas.microsoft.com/office/drawing/2014/main" id="{17A5DECF-7FF4-6C41-9DC5-7DE3DE432016}"/>
+                <a16:creationId xmlns:a16="http://schemas.microsoft.com/office/drawing/2014/main" id="{62E8B4F4-6091-4A5D-85FD-5021F58BD02E}"/>
+              </a:ext>
+            </a:extLst>
+          </p:cNvPr>
+          <p:cNvPicPr>
+            <a:picLocks noChangeAspect="1" noChangeArrowheads="1"/>
+          </p:cNvPicPr>
+          <p:nvPr/>
+        </p:nvPicPr>
+        <p:blipFill>
+          <a:blip r:embed="rId4">
+            <a:extLst>
+              <a:ext uri="{28A0092B-C50C-407E-A947-70E740481C1C}">
+                <a14:useLocalDpi xmlns:a14="http://schemas.microsoft.com/office/drawing/2010/main" val="0"/>
+              </a:ext>
+            </a:extLst>
+          </a:blip>
+          <a:srcRect/>
+          <a:stretch>
+            <a:fillRect/>
+          </a:stretch>
+        </p:blipFill>
+        <p:spPr bwMode="auto">
+          <a:xfrm>
+            <a:off x="1645231" y="2836736"/>
+            <a:ext cx="985520" cy="985520"/>
+          </a:xfrm>
+          <a:prstGeom prst="rect">
+            <a:avLst/>
+          </a:prstGeom>
+          <a:solidFill>
+            <a:schemeClr val="bg1"/>
+          </a:solidFill>
+        </p:spPr>
+      </p:pic>
+      <p:pic>
+        <p:nvPicPr>
+          <p:cNvPr id="1032" name="Picture 8">
+            <a:extLst>
+              <a:ext uri="{FF2B5EF4-FFF2-40B4-BE49-F238E27FC236}">
+                <a16:creationId xmlns:a16="http://schemas.microsoft.com/office/drawing/2014/main" id="{8B457422-FC9E-4FF5-B191-EF0C74B99B64}"/>
+              </a:ext>
+            </a:extLst>
+          </p:cNvPr>
+          <p:cNvPicPr>
+            <a:picLocks noChangeAspect="1" noChangeArrowheads="1"/>
+          </p:cNvPicPr>
+          <p:nvPr/>
+        </p:nvPicPr>
+        <p:blipFill rotWithShape="1">
+          <a:blip r:embed="rId5">
+            <a:extLst>
+              <a:ext uri="{BEBA8EAE-BF5A-486C-A8C5-ECC9F3942E4B}">
+                <a14:imgProps xmlns:a14="http://schemas.microsoft.com/office/drawing/2010/main">
+                  <a14:imgLayer r:embed="rId6">
+                    <a14:imgEffect>
+                      <a14:colorTemperature colorTemp="6692"/>
+                    </a14:imgEffect>
+                  </a14:imgLayer>
+                </a14:imgProps>
+              </a:ext>
+              <a:ext uri="{28A0092B-C50C-407E-A947-70E740481C1C}">
+                <a14:useLocalDpi xmlns:a14="http://schemas.microsoft.com/office/drawing/2010/main" val="0"/>
+              </a:ext>
+            </a:extLst>
+          </a:blip>
+          <a:srcRect l="3355" t="2933" r="74637"/>
+          <a:stretch/>
+        </p:blipFill>
+        <p:spPr bwMode="auto">
+          <a:xfrm>
+            <a:off x="2702636" y="3092536"/>
+            <a:ext cx="591501" cy="663941"/>
+          </a:xfrm>
+          <a:prstGeom prst="rect">
+            <a:avLst/>
+          </a:prstGeom>
+          <a:solidFill>
+            <a:schemeClr val="bg1"/>
+          </a:solidFill>
+        </p:spPr>
+      </p:pic>
+      <p:pic>
+        <p:nvPicPr>
+          <p:cNvPr id="1034" name="Picture 10">
+            <a:extLst>
+              <a:ext uri="{FF2B5EF4-FFF2-40B4-BE49-F238E27FC236}">
+                <a16:creationId xmlns:a16="http://schemas.microsoft.com/office/drawing/2014/main" id="{796852F3-E2E1-4C22-929B-19379B68D674}"/>
+              </a:ext>
+            </a:extLst>
+          </p:cNvPr>
+          <p:cNvPicPr>
+            <a:picLocks noChangeAspect="1" noChangeArrowheads="1"/>
+          </p:cNvPicPr>
+          <p:nvPr/>
+        </p:nvPicPr>
+        <p:blipFill>
+          <a:blip r:embed="rId7">
+            <a:biLevel thresh="25000"/>
+            <a:extLst>
+              <a:ext uri="{28A0092B-C50C-407E-A947-70E740481C1C}">
+                <a14:useLocalDpi xmlns:a14="http://schemas.microsoft.com/office/drawing/2010/main" val="0"/>
+              </a:ext>
+            </a:extLst>
+          </a:blip>
+          <a:srcRect/>
+          <a:stretch>
+            <a:fillRect/>
+          </a:stretch>
+        </p:blipFill>
+        <p:spPr bwMode="auto">
+          <a:xfrm>
+            <a:off x="5264909" y="4366175"/>
+            <a:ext cx="1397454" cy="1791608"/>
+          </a:xfrm>
+          <a:prstGeom prst="rect">
+            <a:avLst/>
+          </a:prstGeom>
+          <a:solidFill>
+            <a:schemeClr val="bg1"/>
+          </a:solidFill>
+        </p:spPr>
+      </p:pic>
+      <p:pic>
+        <p:nvPicPr>
+          <p:cNvPr id="1036" name="Picture 12">
+            <a:extLst>
+              <a:ext uri="{FF2B5EF4-FFF2-40B4-BE49-F238E27FC236}">
+                <a16:creationId xmlns:a16="http://schemas.microsoft.com/office/drawing/2014/main" id="{8AFD5355-6B0D-47C3-B3C4-4BB108AC1BC6}"/>
+              </a:ext>
+            </a:extLst>
+          </p:cNvPr>
+          <p:cNvPicPr>
+            <a:picLocks noChangeAspect="1" noChangeArrowheads="1"/>
+          </p:cNvPicPr>
+          <p:nvPr/>
+        </p:nvPicPr>
+        <p:blipFill>
+          <a:blip r:embed="rId8">
+            <a:extLst>
+              <a:ext uri="{28A0092B-C50C-407E-A947-70E740481C1C}">
+                <a14:useLocalDpi xmlns:a14="http://schemas.microsoft.com/office/drawing/2010/main" val="0"/>
+              </a:ext>
+            </a:extLst>
+          </a:blip>
+          <a:srcRect/>
+          <a:stretch>
+            <a:fillRect/>
+          </a:stretch>
+        </p:blipFill>
+        <p:spPr bwMode="auto">
+          <a:xfrm>
+            <a:off x="4707241" y="1372716"/>
+            <a:ext cx="1931205" cy="1931205"/>
+          </a:xfrm>
+          <a:prstGeom prst="rect">
+            <a:avLst/>
+          </a:prstGeom>
+          <a:solidFill>
+            <a:schemeClr val="bg1"/>
+          </a:solidFill>
+        </p:spPr>
+      </p:pic>
+      <p:pic>
+        <p:nvPicPr>
+          <p:cNvPr id="1048" name="Picture 24" descr="See the source image">
+            <a:extLst>
+              <a:ext uri="{FF2B5EF4-FFF2-40B4-BE49-F238E27FC236}">
+                <a16:creationId xmlns:a16="http://schemas.microsoft.com/office/drawing/2014/main" id="{91C8287E-DDA1-49CC-8D5C-5985AA1CCE33}"/>
+              </a:ext>
+            </a:extLst>
+          </p:cNvPr>
+          <p:cNvPicPr>
+            <a:picLocks noChangeAspect="1" noChangeArrowheads="1"/>
+          </p:cNvPicPr>
+          <p:nvPr/>
+        </p:nvPicPr>
+        <p:blipFill>
+          <a:blip r:embed="rId9">
+            <a:extLst>
+              <a:ext uri="{28A0092B-C50C-407E-A947-70E740481C1C}">
+                <a14:useLocalDpi xmlns:a14="http://schemas.microsoft.com/office/drawing/2010/main" val="0"/>
+              </a:ext>
+            </a:extLst>
+          </a:blip>
+          <a:srcRect/>
+          <a:stretch>
+            <a:fillRect/>
+          </a:stretch>
+        </p:blipFill>
+        <p:spPr bwMode="auto">
+          <a:xfrm>
+            <a:off x="8191974" y="3856570"/>
+            <a:ext cx="1397454" cy="629754"/>
+          </a:xfrm>
+          <a:prstGeom prst="rect">
+            <a:avLst/>
+          </a:prstGeom>
+          <a:solidFill>
+            <a:schemeClr val="bg1"/>
+          </a:solidFill>
+        </p:spPr>
+      </p:pic>
+      <p:pic>
+        <p:nvPicPr>
+          <p:cNvPr id="1052" name="Picture 28" descr="See the source image">
+            <a:extLst>
+              <a:ext uri="{FF2B5EF4-FFF2-40B4-BE49-F238E27FC236}">
+                <a16:creationId xmlns:a16="http://schemas.microsoft.com/office/drawing/2014/main" id="{18C62DF7-2810-4415-8D9C-38784EEC7F25}"/>
+              </a:ext>
+            </a:extLst>
+          </p:cNvPr>
+          <p:cNvPicPr>
+            <a:picLocks noChangeAspect="1" noChangeArrowheads="1"/>
+          </p:cNvPicPr>
+          <p:nvPr/>
+        </p:nvPicPr>
+        <p:blipFill>
+          <a:blip r:embed="rId10">
+            <a:extLst>
+              <a:ext uri="{28A0092B-C50C-407E-A947-70E740481C1C}">
+                <a14:useLocalDpi xmlns:a14="http://schemas.microsoft.com/office/drawing/2010/main" val="0"/>
+              </a:ext>
+            </a:extLst>
+          </a:blip>
+          <a:srcRect/>
+          <a:stretch>
+            <a:fillRect/>
+          </a:stretch>
+        </p:blipFill>
+        <p:spPr bwMode="auto">
+          <a:xfrm>
+            <a:off x="8320814" y="446774"/>
+            <a:ext cx="2094124" cy="2193319"/>
+          </a:xfrm>
+          <a:prstGeom prst="rect">
+            <a:avLst/>
+          </a:prstGeom>
+          <a:solidFill>
+            <a:schemeClr val="bg1"/>
+          </a:solidFill>
+        </p:spPr>
+      </p:pic>
+      <p:cxnSp>
+        <p:nvCxnSpPr>
+          <p:cNvPr id="39" name="Straight Arrow Connector 38">
+            <a:extLst>
+              <a:ext uri="{FF2B5EF4-FFF2-40B4-BE49-F238E27FC236}">
+                <a16:creationId xmlns:a16="http://schemas.microsoft.com/office/drawing/2014/main" id="{BCF9AE19-04B0-44ED-9867-2DD29672CC9A}"/>
+              </a:ext>
+            </a:extLst>
+          </p:cNvPr>
+          <p:cNvCxnSpPr>
+            <a:cxnSpLocks/>
+          </p:cNvCxnSpPr>
+          <p:nvPr/>
+        </p:nvCxnSpPr>
+        <p:spPr>
+          <a:xfrm>
+            <a:off x="9418466" y="2836736"/>
+            <a:ext cx="0" cy="919741"/>
+          </a:xfrm>
+          <a:prstGeom prst="straightConnector1">
+            <a:avLst/>
+          </a:prstGeom>
+          <a:ln w="50800">
+            <a:tailEnd type="triangle"/>
+          </a:ln>
+        </p:spPr>
+        <p:style>
+          <a:lnRef idx="1">
+            <a:schemeClr val="accent1"/>
+          </a:lnRef>
+          <a:fillRef idx="0">
+            <a:schemeClr val="accent1"/>
+          </a:fillRef>
+          <a:effectRef idx="0">
+            <a:schemeClr val="accent1"/>
+          </a:effectRef>
+          <a:fontRef idx="minor">
+            <a:schemeClr val="tx1"/>
+          </a:fontRef>
+        </p:style>
+      </p:cxnSp>
+      <p:cxnSp>
+        <p:nvCxnSpPr>
+          <p:cNvPr id="41" name="Straight Arrow Connector 40">
+            <a:extLst>
+              <a:ext uri="{FF2B5EF4-FFF2-40B4-BE49-F238E27FC236}">
+                <a16:creationId xmlns:a16="http://schemas.microsoft.com/office/drawing/2014/main" id="{DEA1C488-265A-4629-8D9E-475936F52D8B}"/>
+              </a:ext>
+            </a:extLst>
+          </p:cNvPr>
+          <p:cNvCxnSpPr>
+            <a:cxnSpLocks/>
+          </p:cNvCxnSpPr>
+          <p:nvPr/>
+        </p:nvCxnSpPr>
+        <p:spPr>
+          <a:xfrm flipV="1">
+            <a:off x="8717282" y="2823674"/>
+            <a:ext cx="12296" cy="919740"/>
+          </a:xfrm>
+          <a:prstGeom prst="straightConnector1">
+            <a:avLst/>
+          </a:prstGeom>
+          <a:ln w="50800">
+            <a:tailEnd type="triangle"/>
+          </a:ln>
+        </p:spPr>
+        <p:style>
+          <a:lnRef idx="1">
+            <a:schemeClr val="accent1"/>
+          </a:lnRef>
+          <a:fillRef idx="0">
+            <a:schemeClr val="accent1"/>
+          </a:fillRef>
+          <a:effectRef idx="0">
+            <a:schemeClr val="accent1"/>
+          </a:effectRef>
+          <a:fontRef idx="minor">
+            <a:schemeClr val="tx1"/>
+          </a:fontRef>
+        </p:style>
+      </p:cxnSp>
+      <p:cxnSp>
+        <p:nvCxnSpPr>
+          <p:cNvPr id="44" name="Connector: Elbow 43">
+            <a:extLst>
+              <a:ext uri="{FF2B5EF4-FFF2-40B4-BE49-F238E27FC236}">
+                <a16:creationId xmlns:a16="http://schemas.microsoft.com/office/drawing/2014/main" id="{D593C71F-F0F5-4C78-8D27-65EB8926E90E}"/>
+              </a:ext>
+            </a:extLst>
+          </p:cNvPr>
+          <p:cNvCxnSpPr>
+            <a:cxnSpLocks/>
+          </p:cNvCxnSpPr>
+          <p:nvPr/>
+        </p:nvCxnSpPr>
+        <p:spPr>
+          <a:xfrm>
+            <a:off x="1804761" y="4115122"/>
+            <a:ext cx="7191675" cy="582967"/>
+          </a:xfrm>
+          <a:prstGeom prst="bentConnector4">
+            <a:avLst>
+              <a:gd name="adj1" fmla="val 269"/>
+              <a:gd name="adj2" fmla="val 413235"/>
+            </a:avLst>
+          </a:prstGeom>
+          <a:ln w="50800">
+            <a:tailEnd type="triangle"/>
+          </a:ln>
+        </p:spPr>
+        <p:style>
+          <a:lnRef idx="1">
+            <a:schemeClr val="accent1"/>
+          </a:lnRef>
+          <a:fillRef idx="0">
+            <a:schemeClr val="accent1"/>
+          </a:fillRef>
+          <a:effectRef idx="0">
+            <a:schemeClr val="accent1"/>
+          </a:effectRef>
+          <a:fontRef idx="minor">
+            <a:schemeClr val="tx1"/>
+          </a:fontRef>
+        </p:style>
+      </p:cxnSp>
+      <p:sp>
+        <p:nvSpPr>
+          <p:cNvPr id="49" name="TextBox 48">
+            <a:extLst>
+              <a:ext uri="{FF2B5EF4-FFF2-40B4-BE49-F238E27FC236}">
+                <a16:creationId xmlns:a16="http://schemas.microsoft.com/office/drawing/2014/main" id="{A89EAF68-7321-4E5E-8FCB-8B98F30961FE}"/>
               </a:ext>
             </a:extLst>
           </p:cNvPr>
@@ -5326,8 +5968,8 @@
         </p:nvSpPr>
         <p:spPr>
           <a:xfrm>
-            <a:off x="5434149" y="5329019"/>
-            <a:ext cx="5055231" cy="646331"/>
+            <a:off x="227470" y="4767224"/>
+            <a:ext cx="1477083" cy="692497"/>
           </a:xfrm>
           <a:prstGeom prst="rect">
             <a:avLst/>
@@ -5341,21 +5983,424 @@
           <a:lstStyle/>
           <a:p>
             <a:r>
-              <a:rPr lang="en-US" cap="all" dirty="0">
+              <a:rPr lang="en-US" sz="1300" dirty="0">
                 <a:solidFill>
                   <a:schemeClr val="bg1"/>
                 </a:solidFill>
-                <a:latin typeface="Copperplate Gothic Light" panose="020E0507020206020404" pitchFamily="34" charset="77"/>
               </a:rPr>
-              <a:t>“I don’t always Analyze beer, but when I do, I need a good dataset”</a:t>
-            </a:r>
-          </a:p>
-        </p:txBody>
-      </p:sp>
+              <a:t>CSV files located in the Data folder</a:t>
+            </a:r>
+          </a:p>
+          <a:p>
+            <a:endParaRPr lang="en-US" sz="1300" dirty="0">
+              <a:solidFill>
+                <a:schemeClr val="bg1"/>
+              </a:solidFill>
+            </a:endParaRPr>
+          </a:p>
+        </p:txBody>
+      </p:sp>
+      <p:sp>
+        <p:nvSpPr>
+          <p:cNvPr id="64" name="TextBox 63">
+            <a:extLst>
+              <a:ext uri="{FF2B5EF4-FFF2-40B4-BE49-F238E27FC236}">
+                <a16:creationId xmlns:a16="http://schemas.microsoft.com/office/drawing/2014/main" id="{206E78B0-89DE-4B32-9456-66A76B3D3D50}"/>
+              </a:ext>
+            </a:extLst>
+          </p:cNvPr>
+          <p:cNvSpPr txBox="1"/>
+          <p:nvPr/>
+        </p:nvSpPr>
+        <p:spPr>
+          <a:xfrm>
+            <a:off x="1876605" y="4257333"/>
+            <a:ext cx="1867990" cy="892552"/>
+          </a:xfrm>
+          <a:prstGeom prst="rect">
+            <a:avLst/>
+          </a:prstGeom>
+          <a:noFill/>
+        </p:spPr>
+        <p:txBody>
+          <a:bodyPr wrap="square" rtlCol="0">
+            <a:spAutoFit/>
+          </a:bodyPr>
+          <a:lstStyle/>
+          <a:p>
+            <a:r>
+              <a:rPr lang="en-US" sz="1300" dirty="0">
+                <a:solidFill>
+                  <a:schemeClr val="bg1"/>
+                </a:solidFill>
+              </a:rPr>
+              <a:t>Data manipulation, cleaning, and mining.  Database connection.</a:t>
+            </a:r>
+          </a:p>
+          <a:p>
+            <a:endParaRPr lang="en-US" sz="1300" dirty="0">
+              <a:solidFill>
+                <a:schemeClr val="bg1"/>
+              </a:solidFill>
+            </a:endParaRPr>
+          </a:p>
+        </p:txBody>
+      </p:sp>
+      <p:sp>
+        <p:nvSpPr>
+          <p:cNvPr id="65" name="TextBox 64">
+            <a:extLst>
+              <a:ext uri="{FF2B5EF4-FFF2-40B4-BE49-F238E27FC236}">
+                <a16:creationId xmlns:a16="http://schemas.microsoft.com/office/drawing/2014/main" id="{C8EC5437-6AF9-4F7C-83D9-C635A7E0CDCA}"/>
+              </a:ext>
+            </a:extLst>
+          </p:cNvPr>
+          <p:cNvSpPr txBox="1"/>
+          <p:nvPr/>
+        </p:nvSpPr>
+        <p:spPr>
+          <a:xfrm>
+            <a:off x="6746359" y="1483067"/>
+            <a:ext cx="1352588" cy="692497"/>
+          </a:xfrm>
+          <a:prstGeom prst="rect">
+            <a:avLst/>
+          </a:prstGeom>
+          <a:noFill/>
+        </p:spPr>
+        <p:txBody>
+          <a:bodyPr wrap="square" rtlCol="0">
+            <a:spAutoFit/>
+          </a:bodyPr>
+          <a:lstStyle/>
+          <a:p>
+            <a:r>
+              <a:rPr lang="en-US" sz="1300" dirty="0">
+                <a:solidFill>
+                  <a:schemeClr val="bg1"/>
+                </a:solidFill>
+              </a:rPr>
+              <a:t>SQL database in </a:t>
+            </a:r>
+            <a:r>
+              <a:rPr lang="en-US" sz="1300" dirty="0" err="1">
+                <a:solidFill>
+                  <a:schemeClr val="bg1"/>
+                </a:solidFill>
+              </a:rPr>
+              <a:t>Postgre</a:t>
+            </a:r>
+            <a:r>
+              <a:rPr lang="en-US" sz="1300" dirty="0">
+                <a:solidFill>
+                  <a:schemeClr val="bg1"/>
+                </a:solidFill>
+              </a:rPr>
+              <a:t> server.</a:t>
+            </a:r>
+          </a:p>
+          <a:p>
+            <a:endParaRPr lang="en-US" sz="1300" dirty="0"/>
+          </a:p>
+        </p:txBody>
+      </p:sp>
+      <p:sp>
+        <p:nvSpPr>
+          <p:cNvPr id="66" name="TextBox 65">
+            <a:extLst>
+              <a:ext uri="{FF2B5EF4-FFF2-40B4-BE49-F238E27FC236}">
+                <a16:creationId xmlns:a16="http://schemas.microsoft.com/office/drawing/2014/main" id="{774611B5-4FA8-493F-81C1-9020CC76A1DE}"/>
+              </a:ext>
+            </a:extLst>
+          </p:cNvPr>
+          <p:cNvSpPr txBox="1"/>
+          <p:nvPr/>
+        </p:nvSpPr>
+        <p:spPr>
+          <a:xfrm>
+            <a:off x="6428628" y="3593737"/>
+            <a:ext cx="1723888" cy="692497"/>
+          </a:xfrm>
+          <a:prstGeom prst="rect">
+            <a:avLst/>
+          </a:prstGeom>
+          <a:noFill/>
+        </p:spPr>
+        <p:txBody>
+          <a:bodyPr wrap="square" rtlCol="0">
+            <a:spAutoFit/>
+          </a:bodyPr>
+          <a:lstStyle/>
+          <a:p>
+            <a:r>
+              <a:rPr lang="en-US" sz="1300" dirty="0">
+                <a:solidFill>
+                  <a:schemeClr val="bg1"/>
+                </a:solidFill>
+              </a:rPr>
+              <a:t>Web application framework JSON API</a:t>
+            </a:r>
+          </a:p>
+          <a:p>
+            <a:endParaRPr lang="en-US" sz="1300" dirty="0">
+              <a:solidFill>
+                <a:schemeClr val="bg1"/>
+              </a:solidFill>
+            </a:endParaRPr>
+          </a:p>
+        </p:txBody>
+      </p:sp>
+      <p:sp>
+        <p:nvSpPr>
+          <p:cNvPr id="67" name="TextBox 66">
+            <a:extLst>
+              <a:ext uri="{FF2B5EF4-FFF2-40B4-BE49-F238E27FC236}">
+                <a16:creationId xmlns:a16="http://schemas.microsoft.com/office/drawing/2014/main" id="{C574D3F6-5E80-45EA-A7ED-371D5EB2B3F0}"/>
+              </a:ext>
+            </a:extLst>
+          </p:cNvPr>
+          <p:cNvSpPr txBox="1"/>
+          <p:nvPr/>
+        </p:nvSpPr>
+        <p:spPr>
+          <a:xfrm>
+            <a:off x="7516104" y="4744876"/>
+            <a:ext cx="1608298" cy="769441"/>
+          </a:xfrm>
+          <a:prstGeom prst="rect">
+            <a:avLst/>
+          </a:prstGeom>
+          <a:noFill/>
+        </p:spPr>
+        <p:txBody>
+          <a:bodyPr wrap="square" rtlCol="0">
+            <a:spAutoFit/>
+          </a:bodyPr>
+          <a:lstStyle/>
+          <a:p>
+            <a:r>
+              <a:rPr lang="en-US" sz="1300" dirty="0">
+                <a:solidFill>
+                  <a:schemeClr val="bg1"/>
+                </a:solidFill>
+              </a:rPr>
+              <a:t>Json API reader, </a:t>
+            </a:r>
+            <a:r>
+              <a:rPr lang="en-US" sz="1300" dirty="0" err="1">
+                <a:solidFill>
+                  <a:schemeClr val="bg1"/>
+                </a:solidFill>
+              </a:rPr>
+              <a:t>Jquery</a:t>
+            </a:r>
+            <a:r>
+              <a:rPr lang="en-US" sz="1300" dirty="0">
+                <a:solidFill>
+                  <a:schemeClr val="bg1"/>
+                </a:solidFill>
+              </a:rPr>
+              <a:t>, D3, Leaflet. </a:t>
+            </a:r>
+          </a:p>
+          <a:p>
+            <a:endParaRPr lang="en-US" dirty="0"/>
+          </a:p>
+        </p:txBody>
+      </p:sp>
+      <p:sp>
+        <p:nvSpPr>
+          <p:cNvPr id="68" name="TextBox 67">
+            <a:extLst>
+              <a:ext uri="{FF2B5EF4-FFF2-40B4-BE49-F238E27FC236}">
+                <a16:creationId xmlns:a16="http://schemas.microsoft.com/office/drawing/2014/main" id="{029649E6-89D5-43B0-BCAC-471D668A61A9}"/>
+              </a:ext>
+            </a:extLst>
+          </p:cNvPr>
+          <p:cNvSpPr txBox="1"/>
+          <p:nvPr/>
+        </p:nvSpPr>
+        <p:spPr>
+          <a:xfrm>
+            <a:off x="10656257" y="1304651"/>
+            <a:ext cx="1420521" cy="892552"/>
+          </a:xfrm>
+          <a:prstGeom prst="rect">
+            <a:avLst/>
+          </a:prstGeom>
+          <a:noFill/>
+        </p:spPr>
+        <p:txBody>
+          <a:bodyPr wrap="square" rtlCol="0">
+            <a:spAutoFit/>
+          </a:bodyPr>
+          <a:lstStyle/>
+          <a:p>
+            <a:r>
+              <a:rPr lang="en-US" sz="1300" dirty="0">
+                <a:solidFill>
+                  <a:schemeClr val="bg1"/>
+                </a:solidFill>
+              </a:rPr>
+              <a:t>Web visualization</a:t>
+            </a:r>
+          </a:p>
+          <a:p>
+            <a:r>
+              <a:rPr lang="en-US" sz="1300" dirty="0">
+                <a:solidFill>
+                  <a:schemeClr val="bg1"/>
+                </a:solidFill>
+              </a:rPr>
+              <a:t>- Flask</a:t>
+            </a:r>
+          </a:p>
+          <a:p>
+            <a:r>
+              <a:rPr lang="en-US" sz="1300" dirty="0">
+                <a:solidFill>
+                  <a:schemeClr val="bg1"/>
+                </a:solidFill>
+              </a:rPr>
+              <a:t>- Static html</a:t>
+            </a:r>
+          </a:p>
+          <a:p>
+            <a:endParaRPr lang="en-US" sz="1300" dirty="0">
+              <a:solidFill>
+                <a:schemeClr val="bg1"/>
+              </a:solidFill>
+            </a:endParaRPr>
+          </a:p>
+        </p:txBody>
+      </p:sp>
+      <p:cxnSp>
+        <p:nvCxnSpPr>
+          <p:cNvPr id="26" name="Elbow Connector 25">
+            <a:extLst>
+              <a:ext uri="{FF2B5EF4-FFF2-40B4-BE49-F238E27FC236}">
+                <a16:creationId xmlns:a16="http://schemas.microsoft.com/office/drawing/2014/main" id="{75760BE9-A72A-4647-AB5A-AF2F7F30A3EF}"/>
+              </a:ext>
+            </a:extLst>
+          </p:cNvPr>
+          <p:cNvCxnSpPr>
+            <a:cxnSpLocks/>
+            <a:stCxn id="49" idx="0"/>
+            <a:endCxn id="14" idx="1"/>
+          </p:cNvCxnSpPr>
+          <p:nvPr/>
+        </p:nvCxnSpPr>
+        <p:spPr>
+          <a:xfrm rot="5400000" flipH="1" flipV="1">
+            <a:off x="474602" y="3831890"/>
+            <a:ext cx="1426745" cy="443924"/>
+          </a:xfrm>
+          <a:prstGeom prst="bentConnector2">
+            <a:avLst/>
+          </a:prstGeom>
+          <a:ln w="50800">
+            <a:tailEnd type="triangle"/>
+          </a:ln>
+        </p:spPr>
+        <p:style>
+          <a:lnRef idx="1">
+            <a:schemeClr val="accent1"/>
+          </a:lnRef>
+          <a:fillRef idx="0">
+            <a:schemeClr val="accent1"/>
+          </a:fillRef>
+          <a:effectRef idx="0">
+            <a:schemeClr val="accent1"/>
+          </a:effectRef>
+          <a:fontRef idx="minor">
+            <a:schemeClr val="tx1"/>
+          </a:fontRef>
+        </p:style>
+      </p:cxnSp>
+      <p:cxnSp>
+        <p:nvCxnSpPr>
+          <p:cNvPr id="36" name="Elbow Connector 35">
+            <a:extLst>
+              <a:ext uri="{FF2B5EF4-FFF2-40B4-BE49-F238E27FC236}">
+                <a16:creationId xmlns:a16="http://schemas.microsoft.com/office/drawing/2014/main" id="{EA056ABD-2D4C-4440-9654-26CFDD20F908}"/>
+              </a:ext>
+            </a:extLst>
+          </p:cNvPr>
+          <p:cNvCxnSpPr/>
+          <p:nvPr/>
+        </p:nvCxnSpPr>
+        <p:spPr>
+          <a:xfrm rot="10800000" flipV="1">
+            <a:off x="3474721" y="3424505"/>
+            <a:ext cx="1867989" cy="444065"/>
+          </a:xfrm>
+          <a:prstGeom prst="bentConnector3">
+            <a:avLst>
+              <a:gd name="adj1" fmla="val 350"/>
+            </a:avLst>
+          </a:prstGeom>
+          <a:ln w="50800">
+            <a:tailEnd type="triangle"/>
+          </a:ln>
+        </p:spPr>
+        <p:style>
+          <a:lnRef idx="1">
+            <a:schemeClr val="accent1"/>
+          </a:lnRef>
+          <a:fillRef idx="0">
+            <a:schemeClr val="accent1"/>
+          </a:fillRef>
+          <a:effectRef idx="0">
+            <a:schemeClr val="accent1"/>
+          </a:effectRef>
+          <a:fontRef idx="minor">
+            <a:schemeClr val="tx1"/>
+          </a:fontRef>
+        </p:style>
+      </p:cxnSp>
+      <p:cxnSp>
+        <p:nvCxnSpPr>
+          <p:cNvPr id="42" name="Straight Arrow Connector 41">
+            <a:extLst>
+              <a:ext uri="{FF2B5EF4-FFF2-40B4-BE49-F238E27FC236}">
+                <a16:creationId xmlns:a16="http://schemas.microsoft.com/office/drawing/2014/main" id="{E3352DF2-D019-734E-964F-0D86DAA667C5}"/>
+              </a:ext>
+            </a:extLst>
+          </p:cNvPr>
+          <p:cNvCxnSpPr/>
+          <p:nvPr/>
+        </p:nvCxnSpPr>
+        <p:spPr>
+          <a:xfrm>
+            <a:off x="6130118" y="3424505"/>
+            <a:ext cx="0" cy="832828"/>
+          </a:xfrm>
+          <a:prstGeom prst="straightConnector1">
+            <a:avLst/>
+          </a:prstGeom>
+          <a:ln w="50800">
+            <a:tailEnd type="triangle"/>
+          </a:ln>
+        </p:spPr>
+        <p:style>
+          <a:lnRef idx="1">
+            <a:schemeClr val="accent1"/>
+          </a:lnRef>
+          <a:fillRef idx="0">
+            <a:schemeClr val="accent1"/>
+          </a:fillRef>
+          <a:effectRef idx="0">
+            <a:schemeClr val="accent1"/>
+          </a:effectRef>
+          <a:fontRef idx="minor">
+            <a:schemeClr val="tx1"/>
+          </a:fontRef>
+        </p:style>
+      </p:cxnSp>
     </p:spTree>
     <p:extLst>
       <p:ext uri="{BB962C8B-B14F-4D97-AF65-F5344CB8AC3E}">
-        <p14:creationId xmlns:p14="http://schemas.microsoft.com/office/powerpoint/2010/main" val="1648935273"/>
+        <p14:creationId xmlns:p14="http://schemas.microsoft.com/office/powerpoint/2010/main" val="592535044"/>
       </p:ext>
     </p:extLst>
   </p:cSld>
@@ -5398,390 +6443,6 @@
       </p:grpSpPr>
       <p:sp>
         <p:nvSpPr>
-          <p:cNvPr id="77" name="Rectangle 76">
-            <a:extLst>
-              <a:ext uri="{FF2B5EF4-FFF2-40B4-BE49-F238E27FC236}">
-                <a16:creationId xmlns:a16="http://schemas.microsoft.com/office/drawing/2014/main" id="{E2C84337-2E72-1947-9991-496D2EA532AE}"/>
-              </a:ext>
-            </a:extLst>
-          </p:cNvPr>
-          <p:cNvSpPr/>
-          <p:nvPr/>
-        </p:nvSpPr>
-        <p:spPr>
-          <a:xfrm>
-            <a:off x="325012" y="5234662"/>
-            <a:ext cx="1281998" cy="1312277"/>
-          </a:xfrm>
-          <a:prstGeom prst="rect">
-            <a:avLst/>
-          </a:prstGeom>
-          <a:ln>
-            <a:solidFill>
-              <a:srgbClr val="FF0000"/>
-            </a:solidFill>
-          </a:ln>
-        </p:spPr>
-        <p:style>
-          <a:lnRef idx="2">
-            <a:schemeClr val="accent6"/>
-          </a:lnRef>
-          <a:fillRef idx="1">
-            <a:schemeClr val="lt1"/>
-          </a:fillRef>
-          <a:effectRef idx="0">
-            <a:schemeClr val="accent6"/>
-          </a:effectRef>
-          <a:fontRef idx="minor">
-            <a:schemeClr val="dk1"/>
-          </a:fontRef>
-        </p:style>
-        <p:txBody>
-          <a:bodyPr rtlCol="0" anchor="ctr"/>
-          <a:lstStyle/>
-          <a:p>
-            <a:pPr algn="ctr"/>
-            <a:endParaRPr lang="en-US"/>
-          </a:p>
-        </p:txBody>
-      </p:sp>
-      <p:cxnSp>
-        <p:nvCxnSpPr>
-          <p:cNvPr id="52" name="Elbow Connector 51">
-            <a:extLst>
-              <a:ext uri="{FF2B5EF4-FFF2-40B4-BE49-F238E27FC236}">
-                <a16:creationId xmlns:a16="http://schemas.microsoft.com/office/drawing/2014/main" id="{78C12613-BCBB-2747-A667-4F3A4984A578}"/>
-              </a:ext>
-            </a:extLst>
-          </p:cNvPr>
-          <p:cNvCxnSpPr>
-            <a:cxnSpLocks/>
-          </p:cNvCxnSpPr>
-          <p:nvPr/>
-        </p:nvCxnSpPr>
-        <p:spPr>
-          <a:xfrm flipV="1">
-            <a:off x="6729691" y="4238616"/>
-            <a:ext cx="1328975" cy="1279979"/>
-          </a:xfrm>
-          <a:prstGeom prst="bentConnector3">
-            <a:avLst>
-              <a:gd name="adj1" fmla="val 50000"/>
-            </a:avLst>
-          </a:prstGeom>
-          <a:ln w="50800">
-            <a:tailEnd type="triangle"/>
-          </a:ln>
-        </p:spPr>
-        <p:style>
-          <a:lnRef idx="1">
-            <a:schemeClr val="accent1"/>
-          </a:lnRef>
-          <a:fillRef idx="0">
-            <a:schemeClr val="accent1"/>
-          </a:fillRef>
-          <a:effectRef idx="0">
-            <a:schemeClr val="accent1"/>
-          </a:effectRef>
-          <a:fontRef idx="minor">
-            <a:schemeClr val="tx1"/>
-          </a:fontRef>
-        </p:style>
-      </p:cxnSp>
-      <p:sp>
-        <p:nvSpPr>
-          <p:cNvPr id="62" name="Rectangle 61">
-            <a:extLst>
-              <a:ext uri="{FF2B5EF4-FFF2-40B4-BE49-F238E27FC236}">
-                <a16:creationId xmlns:a16="http://schemas.microsoft.com/office/drawing/2014/main" id="{20B2EEDA-B687-044C-9A07-1016656531EC}"/>
-              </a:ext>
-            </a:extLst>
-          </p:cNvPr>
-          <p:cNvSpPr/>
-          <p:nvPr/>
-        </p:nvSpPr>
-        <p:spPr>
-          <a:xfrm>
-            <a:off x="8004135" y="3756477"/>
-            <a:ext cx="1814736" cy="842377"/>
-          </a:xfrm>
-          <a:prstGeom prst="rect">
-            <a:avLst/>
-          </a:prstGeom>
-          <a:solidFill>
-            <a:schemeClr val="bg1"/>
-          </a:solidFill>
-        </p:spPr>
-        <p:style>
-          <a:lnRef idx="2">
-            <a:schemeClr val="accent1">
-              <a:shade val="50000"/>
-            </a:schemeClr>
-          </a:lnRef>
-          <a:fillRef idx="1">
-            <a:schemeClr val="accent1"/>
-          </a:fillRef>
-          <a:effectRef idx="0">
-            <a:schemeClr val="accent1"/>
-          </a:effectRef>
-          <a:fontRef idx="minor">
-            <a:schemeClr val="lt1"/>
-          </a:fontRef>
-        </p:style>
-        <p:txBody>
-          <a:bodyPr rtlCol="0" anchor="ctr"/>
-          <a:lstStyle/>
-          <a:p>
-            <a:pPr algn="ctr"/>
-            <a:endParaRPr lang="en-US"/>
-          </a:p>
-        </p:txBody>
-      </p:sp>
-      <p:sp>
-        <p:nvSpPr>
-          <p:cNvPr id="45" name="Rectangle 44">
-            <a:extLst>
-              <a:ext uri="{FF2B5EF4-FFF2-40B4-BE49-F238E27FC236}">
-                <a16:creationId xmlns:a16="http://schemas.microsoft.com/office/drawing/2014/main" id="{2D782F7E-DECD-E946-AD55-14B6835184DD}"/>
-              </a:ext>
-            </a:extLst>
-          </p:cNvPr>
-          <p:cNvSpPr/>
-          <p:nvPr/>
-        </p:nvSpPr>
-        <p:spPr>
-          <a:xfrm>
-            <a:off x="8168588" y="334084"/>
-            <a:ext cx="2398577" cy="2448907"/>
-          </a:xfrm>
-          <a:prstGeom prst="rect">
-            <a:avLst/>
-          </a:prstGeom>
-          <a:solidFill>
-            <a:schemeClr val="bg1"/>
-          </a:solidFill>
-          <a:ln>
-            <a:solidFill>
-              <a:srgbClr val="7030A0"/>
-            </a:solidFill>
-          </a:ln>
-        </p:spPr>
-        <p:style>
-          <a:lnRef idx="2">
-            <a:schemeClr val="accent1">
-              <a:shade val="50000"/>
-            </a:schemeClr>
-          </a:lnRef>
-          <a:fillRef idx="1">
-            <a:schemeClr val="accent1"/>
-          </a:fillRef>
-          <a:effectRef idx="0">
-            <a:schemeClr val="accent1"/>
-          </a:effectRef>
-          <a:fontRef idx="minor">
-            <a:schemeClr val="lt1"/>
-          </a:fontRef>
-        </p:style>
-        <p:txBody>
-          <a:bodyPr rtlCol="0" anchor="ctr"/>
-          <a:lstStyle/>
-          <a:p>
-            <a:pPr algn="ctr"/>
-            <a:endParaRPr lang="en-US"/>
-          </a:p>
-        </p:txBody>
-      </p:sp>
-      <p:cxnSp>
-        <p:nvCxnSpPr>
-          <p:cNvPr id="31" name="Elbow Connector 30">
-            <a:extLst>
-              <a:ext uri="{FF2B5EF4-FFF2-40B4-BE49-F238E27FC236}">
-                <a16:creationId xmlns:a16="http://schemas.microsoft.com/office/drawing/2014/main" id="{DEB603BE-8335-5B45-8438-091F355857FE}"/>
-              </a:ext>
-            </a:extLst>
-          </p:cNvPr>
-          <p:cNvCxnSpPr>
-            <a:cxnSpLocks/>
-            <a:stCxn id="14" idx="0"/>
-          </p:cNvCxnSpPr>
-          <p:nvPr/>
-        </p:nvCxnSpPr>
-        <p:spPr>
-          <a:xfrm rot="5400000" flipH="1" flipV="1">
-            <a:off x="3180688" y="1116566"/>
-            <a:ext cx="722878" cy="2199598"/>
-          </a:xfrm>
-          <a:prstGeom prst="bentConnector2">
-            <a:avLst/>
-          </a:prstGeom>
-          <a:ln w="50800">
-            <a:tailEnd type="triangle"/>
-          </a:ln>
-        </p:spPr>
-        <p:style>
-          <a:lnRef idx="1">
-            <a:schemeClr val="accent1"/>
-          </a:lnRef>
-          <a:fillRef idx="0">
-            <a:schemeClr val="accent1"/>
-          </a:fillRef>
-          <a:effectRef idx="0">
-            <a:schemeClr val="accent1"/>
-          </a:effectRef>
-          <a:fontRef idx="minor">
-            <a:schemeClr val="tx1"/>
-          </a:fontRef>
-        </p:style>
-      </p:cxnSp>
-      <p:sp>
-        <p:nvSpPr>
-          <p:cNvPr id="38" name="Rectangle 37">
-            <a:extLst>
-              <a:ext uri="{FF2B5EF4-FFF2-40B4-BE49-F238E27FC236}">
-                <a16:creationId xmlns:a16="http://schemas.microsoft.com/office/drawing/2014/main" id="{B85DA6B0-D069-F94C-9995-D05730910E8E}"/>
-              </a:ext>
-            </a:extLst>
-          </p:cNvPr>
-          <p:cNvSpPr/>
-          <p:nvPr/>
-        </p:nvSpPr>
-        <p:spPr>
-          <a:xfrm>
-            <a:off x="5071801" y="4325295"/>
-            <a:ext cx="1867990" cy="1990051"/>
-          </a:xfrm>
-          <a:prstGeom prst="rect">
-            <a:avLst/>
-          </a:prstGeom>
-          <a:ln>
-            <a:solidFill>
-              <a:srgbClr val="92D050"/>
-            </a:solidFill>
-          </a:ln>
-        </p:spPr>
-        <p:style>
-          <a:lnRef idx="2">
-            <a:schemeClr val="accent6"/>
-          </a:lnRef>
-          <a:fillRef idx="1">
-            <a:schemeClr val="lt1"/>
-          </a:fillRef>
-          <a:effectRef idx="0">
-            <a:schemeClr val="accent6"/>
-          </a:effectRef>
-          <a:fontRef idx="minor">
-            <a:schemeClr val="dk1"/>
-          </a:fontRef>
-        </p:style>
-        <p:txBody>
-          <a:bodyPr rtlCol="0" anchor="ctr"/>
-          <a:lstStyle/>
-          <a:p>
-            <a:pPr algn="ctr"/>
-            <a:endParaRPr lang="en-US"/>
-          </a:p>
-        </p:txBody>
-      </p:sp>
-      <p:sp>
-        <p:nvSpPr>
-          <p:cNvPr id="28" name="Rectangle 27">
-            <a:extLst>
-              <a:ext uri="{FF2B5EF4-FFF2-40B4-BE49-F238E27FC236}">
-                <a16:creationId xmlns:a16="http://schemas.microsoft.com/office/drawing/2014/main" id="{80EF1940-3202-CF4B-8830-13ACC301164F}"/>
-              </a:ext>
-            </a:extLst>
-          </p:cNvPr>
-          <p:cNvSpPr/>
-          <p:nvPr/>
-        </p:nvSpPr>
-        <p:spPr>
-          <a:xfrm>
-            <a:off x="4641926" y="1198846"/>
-            <a:ext cx="2097844" cy="2209028"/>
-          </a:xfrm>
-          <a:prstGeom prst="rect">
-            <a:avLst/>
-          </a:prstGeom>
-          <a:ln>
-            <a:solidFill>
-              <a:srgbClr val="FFFF00"/>
-            </a:solidFill>
-          </a:ln>
-        </p:spPr>
-        <p:style>
-          <a:lnRef idx="2">
-            <a:schemeClr val="accent6"/>
-          </a:lnRef>
-          <a:fillRef idx="1">
-            <a:schemeClr val="lt1"/>
-          </a:fillRef>
-          <a:effectRef idx="0">
-            <a:schemeClr val="accent6"/>
-          </a:effectRef>
-          <a:fontRef idx="minor">
-            <a:schemeClr val="dk1"/>
-          </a:fontRef>
-        </p:style>
-        <p:txBody>
-          <a:bodyPr rtlCol="0" anchor="ctr"/>
-          <a:lstStyle/>
-          <a:p>
-            <a:pPr algn="ctr"/>
-            <a:endParaRPr lang="en-US"/>
-          </a:p>
-        </p:txBody>
-      </p:sp>
-      <p:sp>
-        <p:nvSpPr>
-          <p:cNvPr id="14" name="Rectangle 13">
-            <a:extLst>
-              <a:ext uri="{FF2B5EF4-FFF2-40B4-BE49-F238E27FC236}">
-                <a16:creationId xmlns:a16="http://schemas.microsoft.com/office/drawing/2014/main" id="{4BC41B1A-4758-9449-A47D-4003FF7E2801}"/>
-              </a:ext>
-            </a:extLst>
-          </p:cNvPr>
-          <p:cNvSpPr/>
-          <p:nvPr/>
-        </p:nvSpPr>
-        <p:spPr>
-          <a:xfrm>
-            <a:off x="1409936" y="2577804"/>
-            <a:ext cx="2064784" cy="1525350"/>
-          </a:xfrm>
-          <a:prstGeom prst="rect">
-            <a:avLst/>
-          </a:prstGeom>
-          <a:ln>
-            <a:solidFill>
-              <a:srgbClr val="FFC000"/>
-            </a:solidFill>
-          </a:ln>
-        </p:spPr>
-        <p:style>
-          <a:lnRef idx="2">
-            <a:schemeClr val="accent6"/>
-          </a:lnRef>
-          <a:fillRef idx="1">
-            <a:schemeClr val="lt1"/>
-          </a:fillRef>
-          <a:effectRef idx="0">
-            <a:schemeClr val="accent6"/>
-          </a:effectRef>
-          <a:fontRef idx="minor">
-            <a:schemeClr val="dk1"/>
-          </a:fontRef>
-        </p:style>
-        <p:txBody>
-          <a:bodyPr rtlCol="0" anchor="ctr"/>
-          <a:lstStyle/>
-          <a:p>
-            <a:pPr algn="ctr"/>
-            <a:endParaRPr lang="en-US"/>
-          </a:p>
-        </p:txBody>
-      </p:sp>
-      <p:sp>
-        <p:nvSpPr>
           <p:cNvPr id="2" name="Title 1">
             <a:extLst>
               <a:ext uri="{FF2B5EF4-FFF2-40B4-BE49-F238E27FC236}">
@@ -5793,15 +6454,10 @@
             <a:spLocks noGrp="1"/>
           </p:cNvSpPr>
           <p:nvPr>
-            <p:ph type="title" idx="4294967295"/>
+            <p:ph type="title"/>
           </p:nvPr>
         </p:nvSpPr>
-        <p:spPr>
-          <a:xfrm>
-            <a:off x="325012" y="349950"/>
-            <a:ext cx="11029950" cy="773112"/>
-          </a:xfrm>
-        </p:spPr>
+        <p:spPr/>
         <p:txBody>
           <a:bodyPr>
             <a:noAutofit/>
@@ -5809,446 +6465,193 @@
           <a:lstStyle/>
           <a:p>
             <a:r>
-              <a:rPr lang="en-US" sz="5000" dirty="0">
+              <a:rPr lang="en-US" sz="6500" b="1" dirty="0">
                 <a:solidFill>
                   <a:schemeClr val="bg1"/>
                 </a:solidFill>
                 <a:latin typeface="Copperplate Gothic Light" panose="020E0507020206020404" pitchFamily="34" charset="77"/>
               </a:rPr>
-              <a:t>Workflow</a:t>
-            </a:r>
-          </a:p>
-        </p:txBody>
-      </p:sp>
-      <p:pic>
-        <p:nvPicPr>
-          <p:cNvPr id="1026" name="Picture 2">
+              <a:t>Datasets USED</a:t>
+            </a:r>
+          </a:p>
+        </p:txBody>
+      </p:sp>
+      <p:sp>
+        <p:nvSpPr>
+          <p:cNvPr id="5" name="Content Placeholder 4">
             <a:extLst>
               <a:ext uri="{FF2B5EF4-FFF2-40B4-BE49-F238E27FC236}">
-                <a16:creationId xmlns:a16="http://schemas.microsoft.com/office/drawing/2014/main" id="{751E9A83-8EA9-49D1-872C-2E95843F3566}"/>
+                <a16:creationId xmlns:a16="http://schemas.microsoft.com/office/drawing/2014/main" id="{7C950646-04B8-42F2-8E49-19287D33CA22}"/>
               </a:ext>
             </a:extLst>
           </p:cNvPr>
-          <p:cNvPicPr>
-            <a:picLocks noGrp="1" noChangeAspect="1" noChangeArrowheads="1"/>
-          </p:cNvPicPr>
+          <p:cNvSpPr>
+            <a:spLocks noGrp="1"/>
+          </p:cNvSpPr>
           <p:nvPr>
-            <p:ph idx="4294967295"/>
+            <p:ph idx="1"/>
           </p:nvPr>
-        </p:nvPicPr>
-        <p:blipFill>
-          <a:blip r:embed="rId3">
-            <a:extLst>
-              <a:ext uri="{28A0092B-C50C-407E-A947-70E740481C1C}">
-                <a14:useLocalDpi xmlns:a14="http://schemas.microsoft.com/office/drawing/2010/main" val="0"/>
-              </a:ext>
-            </a:extLst>
-          </a:blip>
-          <a:srcRect/>
-          <a:stretch>
-            <a:fillRect/>
-          </a:stretch>
-        </p:blipFill>
-        <p:spPr bwMode="auto">
-          <a:xfrm>
-            <a:off x="452673" y="5412170"/>
-            <a:ext cx="957263" cy="957263"/>
-          </a:xfrm>
-          <a:prstGeom prst="rect">
-            <a:avLst/>
-          </a:prstGeom>
-          <a:noFill/>
-          <a:extLst>
-            <a:ext uri="{909E8E84-426E-40DD-AFC4-6F175D3DCCD1}">
-              <a14:hiddenFill xmlns:a14="http://schemas.microsoft.com/office/drawing/2010/main">
-                <a:solidFill>
-                  <a:srgbClr val="FFFFFF"/>
-                </a:solidFill>
-              </a14:hiddenFill>
-            </a:ext>
-          </a:extLst>
-        </p:spPr>
-      </p:pic>
-      <p:pic>
-        <p:nvPicPr>
-          <p:cNvPr id="1028" name="Picture 4">
+        </p:nvSpPr>
+        <p:spPr/>
+        <p:txBody>
+          <a:bodyPr>
+            <a:normAutofit lnSpcReduction="10000"/>
+          </a:bodyPr>
+          <a:lstStyle/>
+          <a:p>
+            <a:pPr marL="0" indent="0" rtl="0">
+              <a:spcBef>
+                <a:spcPts val="0"/>
+              </a:spcBef>
+              <a:spcAft>
+                <a:spcPts val="1600"/>
+              </a:spcAft>
+              <a:buNone/>
+            </a:pPr>
+            <a:r>
+              <a:rPr lang="en-US" sz="1800" b="0" i="0" u="none" strike="noStrike" dirty="0">
+                <a:solidFill>
+                  <a:schemeClr val="bg1"/>
+                </a:solidFill>
+                <a:effectLst/>
+                <a:latin typeface="Lato"/>
+              </a:rPr>
+              <a:t>The data for this project was found on Kaggle from:</a:t>
+            </a:r>
+          </a:p>
+          <a:p>
+            <a:pPr marL="0" indent="0">
+              <a:spcBef>
+                <a:spcPts val="0"/>
+              </a:spcBef>
+              <a:spcAft>
+                <a:spcPts val="1600"/>
+              </a:spcAft>
+              <a:buNone/>
+            </a:pPr>
+            <a:r>
+              <a:rPr lang="en-US" sz="1800" dirty="0">
+                <a:solidFill>
+                  <a:schemeClr val="bg1"/>
+                </a:solidFill>
+                <a:latin typeface="Lato"/>
+                <a:hlinkClick r:id="rId3"/>
+              </a:rPr>
+              <a:t>Nick Hould's Craft Cans</a:t>
+            </a:r>
+            <a:endParaRPr lang="en-US" sz="1800" dirty="0">
+              <a:solidFill>
+                <a:schemeClr val="bg1"/>
+              </a:solidFill>
+              <a:latin typeface="Lato"/>
+            </a:endParaRPr>
+          </a:p>
+          <a:p>
+            <a:pPr marL="0" indent="0">
+              <a:spcBef>
+                <a:spcPts val="0"/>
+              </a:spcBef>
+              <a:spcAft>
+                <a:spcPts val="1600"/>
+              </a:spcAft>
+              <a:buNone/>
+            </a:pPr>
+            <a:r>
+              <a:rPr lang="en-US" sz="1800" dirty="0">
+                <a:solidFill>
+                  <a:schemeClr val="bg1"/>
+                </a:solidFill>
+                <a:latin typeface="Lato"/>
+                <a:hlinkClick r:id="rId4"/>
+              </a:rPr>
+              <a:t>J. Trofe's Beer Recipes</a:t>
+            </a:r>
+            <a:endParaRPr lang="en-US" sz="1800" dirty="0">
+              <a:solidFill>
+                <a:schemeClr val="bg1"/>
+              </a:solidFill>
+              <a:latin typeface="Lato"/>
+            </a:endParaRPr>
+          </a:p>
+          <a:p>
+            <a:pPr marL="0" indent="0">
+              <a:spcBef>
+                <a:spcPts val="0"/>
+              </a:spcBef>
+              <a:spcAft>
+                <a:spcPts val="1600"/>
+              </a:spcAft>
+              <a:buNone/>
+            </a:pPr>
+            <a:r>
+              <a:rPr lang="en-US" sz="1800" dirty="0">
+                <a:solidFill>
+                  <a:schemeClr val="bg1"/>
+                </a:solidFill>
+                <a:latin typeface="Lato"/>
+                <a:hlinkClick r:id="rId5"/>
+              </a:rPr>
+              <a:t>Brett Kurzawa's US Breweries</a:t>
+            </a:r>
+            <a:endParaRPr lang="en-US" sz="1800" dirty="0">
+              <a:solidFill>
+                <a:schemeClr val="bg1"/>
+              </a:solidFill>
+              <a:latin typeface="Lato"/>
+            </a:endParaRPr>
+          </a:p>
+          <a:p>
+            <a:pPr marL="0" indent="0">
+              <a:spcBef>
+                <a:spcPts val="0"/>
+              </a:spcBef>
+              <a:spcAft>
+                <a:spcPts val="1600"/>
+              </a:spcAft>
+              <a:buNone/>
+            </a:pPr>
+            <a:endParaRPr lang="en-US" sz="1800" dirty="0">
+              <a:solidFill>
+                <a:schemeClr val="bg1"/>
+              </a:solidFill>
+              <a:latin typeface="Lato"/>
+            </a:endParaRPr>
+          </a:p>
+          <a:p>
+            <a:pPr marL="0" indent="0">
+              <a:spcBef>
+                <a:spcPts val="0"/>
+              </a:spcBef>
+              <a:spcAft>
+                <a:spcPts val="1600"/>
+              </a:spcAft>
+              <a:buNone/>
+            </a:pPr>
+            <a:endParaRPr lang="en-US" sz="1800" b="0" i="0" u="none" strike="noStrike" dirty="0">
+              <a:solidFill>
+                <a:schemeClr val="bg1"/>
+              </a:solidFill>
+              <a:effectLst/>
+              <a:latin typeface="Lato"/>
+            </a:endParaRPr>
+          </a:p>
+          <a:p>
+            <a:pPr marL="0" indent="0">
+              <a:buNone/>
+            </a:pPr>
+            <a:br>
+              <a:rPr lang="en-US" dirty="0"/>
+            </a:br>
+            <a:endParaRPr lang="en-US" dirty="0"/>
+          </a:p>
+        </p:txBody>
+      </p:sp>
+      <p:sp>
+        <p:nvSpPr>
+          <p:cNvPr id="3" name="TextBox 2">
             <a:extLst>
               <a:ext uri="{FF2B5EF4-FFF2-40B4-BE49-F238E27FC236}">
-                <a16:creationId xmlns:a16="http://schemas.microsoft.com/office/drawing/2014/main" id="{62E8B4F4-6091-4A5D-85FD-5021F58BD02E}"/>
-              </a:ext>
-            </a:extLst>
-          </p:cNvPr>
-          <p:cNvPicPr>
-            <a:picLocks noChangeAspect="1" noChangeArrowheads="1"/>
-          </p:cNvPicPr>
-          <p:nvPr/>
-        </p:nvPicPr>
-        <p:blipFill>
-          <a:blip r:embed="rId4">
-            <a:extLst>
-              <a:ext uri="{28A0092B-C50C-407E-A947-70E740481C1C}">
-                <a14:useLocalDpi xmlns:a14="http://schemas.microsoft.com/office/drawing/2010/main" val="0"/>
-              </a:ext>
-            </a:extLst>
-          </a:blip>
-          <a:srcRect/>
-          <a:stretch>
-            <a:fillRect/>
-          </a:stretch>
-        </p:blipFill>
-        <p:spPr bwMode="auto">
-          <a:xfrm>
-            <a:off x="1645231" y="2836736"/>
-            <a:ext cx="985520" cy="985520"/>
-          </a:xfrm>
-          <a:prstGeom prst="rect">
-            <a:avLst/>
-          </a:prstGeom>
-          <a:solidFill>
-            <a:schemeClr val="bg1"/>
-          </a:solidFill>
-        </p:spPr>
-      </p:pic>
-      <p:pic>
-        <p:nvPicPr>
-          <p:cNvPr id="1032" name="Picture 8">
-            <a:extLst>
-              <a:ext uri="{FF2B5EF4-FFF2-40B4-BE49-F238E27FC236}">
-                <a16:creationId xmlns:a16="http://schemas.microsoft.com/office/drawing/2014/main" id="{8B457422-FC9E-4FF5-B191-EF0C74B99B64}"/>
-              </a:ext>
-            </a:extLst>
-          </p:cNvPr>
-          <p:cNvPicPr>
-            <a:picLocks noChangeAspect="1" noChangeArrowheads="1"/>
-          </p:cNvPicPr>
-          <p:nvPr/>
-        </p:nvPicPr>
-        <p:blipFill rotWithShape="1">
-          <a:blip r:embed="rId5">
-            <a:extLst>
-              <a:ext uri="{BEBA8EAE-BF5A-486C-A8C5-ECC9F3942E4B}">
-                <a14:imgProps xmlns:a14="http://schemas.microsoft.com/office/drawing/2010/main">
-                  <a14:imgLayer r:embed="rId6">
-                    <a14:imgEffect>
-                      <a14:colorTemperature colorTemp="6692"/>
-                    </a14:imgEffect>
-                  </a14:imgLayer>
-                </a14:imgProps>
-              </a:ext>
-              <a:ext uri="{28A0092B-C50C-407E-A947-70E740481C1C}">
-                <a14:useLocalDpi xmlns:a14="http://schemas.microsoft.com/office/drawing/2010/main" val="0"/>
-              </a:ext>
-            </a:extLst>
-          </a:blip>
-          <a:srcRect l="3355" t="2933" r="74637"/>
-          <a:stretch/>
-        </p:blipFill>
-        <p:spPr bwMode="auto">
-          <a:xfrm>
-            <a:off x="2702636" y="3092536"/>
-            <a:ext cx="591501" cy="663941"/>
-          </a:xfrm>
-          <a:prstGeom prst="rect">
-            <a:avLst/>
-          </a:prstGeom>
-          <a:solidFill>
-            <a:schemeClr val="bg1"/>
-          </a:solidFill>
-        </p:spPr>
-      </p:pic>
-      <p:pic>
-        <p:nvPicPr>
-          <p:cNvPr id="1034" name="Picture 10">
-            <a:extLst>
-              <a:ext uri="{FF2B5EF4-FFF2-40B4-BE49-F238E27FC236}">
-                <a16:creationId xmlns:a16="http://schemas.microsoft.com/office/drawing/2014/main" id="{796852F3-E2E1-4C22-929B-19379B68D674}"/>
-              </a:ext>
-            </a:extLst>
-          </p:cNvPr>
-          <p:cNvPicPr>
-            <a:picLocks noChangeAspect="1" noChangeArrowheads="1"/>
-          </p:cNvPicPr>
-          <p:nvPr/>
-        </p:nvPicPr>
-        <p:blipFill>
-          <a:blip r:embed="rId7">
-            <a:biLevel thresh="25000"/>
-            <a:extLst>
-              <a:ext uri="{28A0092B-C50C-407E-A947-70E740481C1C}">
-                <a14:useLocalDpi xmlns:a14="http://schemas.microsoft.com/office/drawing/2010/main" val="0"/>
-              </a:ext>
-            </a:extLst>
-          </a:blip>
-          <a:srcRect/>
-          <a:stretch>
-            <a:fillRect/>
-          </a:stretch>
-        </p:blipFill>
-        <p:spPr bwMode="auto">
-          <a:xfrm>
-            <a:off x="5264909" y="4366175"/>
-            <a:ext cx="1397454" cy="1791608"/>
-          </a:xfrm>
-          <a:prstGeom prst="rect">
-            <a:avLst/>
-          </a:prstGeom>
-          <a:solidFill>
-            <a:schemeClr val="bg1"/>
-          </a:solidFill>
-        </p:spPr>
-      </p:pic>
-      <p:pic>
-        <p:nvPicPr>
-          <p:cNvPr id="1036" name="Picture 12">
-            <a:extLst>
-              <a:ext uri="{FF2B5EF4-FFF2-40B4-BE49-F238E27FC236}">
-                <a16:creationId xmlns:a16="http://schemas.microsoft.com/office/drawing/2014/main" id="{8AFD5355-6B0D-47C3-B3C4-4BB108AC1BC6}"/>
-              </a:ext>
-            </a:extLst>
-          </p:cNvPr>
-          <p:cNvPicPr>
-            <a:picLocks noChangeAspect="1" noChangeArrowheads="1"/>
-          </p:cNvPicPr>
-          <p:nvPr/>
-        </p:nvPicPr>
-        <p:blipFill>
-          <a:blip r:embed="rId8">
-            <a:extLst>
-              <a:ext uri="{28A0092B-C50C-407E-A947-70E740481C1C}">
-                <a14:useLocalDpi xmlns:a14="http://schemas.microsoft.com/office/drawing/2010/main" val="0"/>
-              </a:ext>
-            </a:extLst>
-          </a:blip>
-          <a:srcRect/>
-          <a:stretch>
-            <a:fillRect/>
-          </a:stretch>
-        </p:blipFill>
-        <p:spPr bwMode="auto">
-          <a:xfrm>
-            <a:off x="4707241" y="1372716"/>
-            <a:ext cx="1931205" cy="1931205"/>
-          </a:xfrm>
-          <a:prstGeom prst="rect">
-            <a:avLst/>
-          </a:prstGeom>
-          <a:solidFill>
-            <a:schemeClr val="bg1"/>
-          </a:solidFill>
-        </p:spPr>
-      </p:pic>
-      <p:pic>
-        <p:nvPicPr>
-          <p:cNvPr id="1048" name="Picture 24" descr="See the source image">
-            <a:extLst>
-              <a:ext uri="{FF2B5EF4-FFF2-40B4-BE49-F238E27FC236}">
-                <a16:creationId xmlns:a16="http://schemas.microsoft.com/office/drawing/2014/main" id="{91C8287E-DDA1-49CC-8D5C-5985AA1CCE33}"/>
-              </a:ext>
-            </a:extLst>
-          </p:cNvPr>
-          <p:cNvPicPr>
-            <a:picLocks noChangeAspect="1" noChangeArrowheads="1"/>
-          </p:cNvPicPr>
-          <p:nvPr/>
-        </p:nvPicPr>
-        <p:blipFill>
-          <a:blip r:embed="rId9">
-            <a:extLst>
-              <a:ext uri="{28A0092B-C50C-407E-A947-70E740481C1C}">
-                <a14:useLocalDpi xmlns:a14="http://schemas.microsoft.com/office/drawing/2010/main" val="0"/>
-              </a:ext>
-            </a:extLst>
-          </a:blip>
-          <a:srcRect/>
-          <a:stretch>
-            <a:fillRect/>
-          </a:stretch>
-        </p:blipFill>
-        <p:spPr bwMode="auto">
-          <a:xfrm>
-            <a:off x="8191974" y="3856570"/>
-            <a:ext cx="1397454" cy="629754"/>
-          </a:xfrm>
-          <a:prstGeom prst="rect">
-            <a:avLst/>
-          </a:prstGeom>
-          <a:solidFill>
-            <a:schemeClr val="bg1"/>
-          </a:solidFill>
-        </p:spPr>
-      </p:pic>
-      <p:pic>
-        <p:nvPicPr>
-          <p:cNvPr id="1052" name="Picture 28" descr="See the source image">
-            <a:extLst>
-              <a:ext uri="{FF2B5EF4-FFF2-40B4-BE49-F238E27FC236}">
-                <a16:creationId xmlns:a16="http://schemas.microsoft.com/office/drawing/2014/main" id="{18C62DF7-2810-4415-8D9C-38784EEC7F25}"/>
-              </a:ext>
-            </a:extLst>
-          </p:cNvPr>
-          <p:cNvPicPr>
-            <a:picLocks noChangeAspect="1" noChangeArrowheads="1"/>
-          </p:cNvPicPr>
-          <p:nvPr/>
-        </p:nvPicPr>
-        <p:blipFill>
-          <a:blip r:embed="rId10">
-            <a:extLst>
-              <a:ext uri="{28A0092B-C50C-407E-A947-70E740481C1C}">
-                <a14:useLocalDpi xmlns:a14="http://schemas.microsoft.com/office/drawing/2010/main" val="0"/>
-              </a:ext>
-            </a:extLst>
-          </a:blip>
-          <a:srcRect/>
-          <a:stretch>
-            <a:fillRect/>
-          </a:stretch>
-        </p:blipFill>
-        <p:spPr bwMode="auto">
-          <a:xfrm>
-            <a:off x="8320814" y="446774"/>
-            <a:ext cx="2094124" cy="2193319"/>
-          </a:xfrm>
-          <a:prstGeom prst="rect">
-            <a:avLst/>
-          </a:prstGeom>
-          <a:solidFill>
-            <a:schemeClr val="bg1"/>
-          </a:solidFill>
-        </p:spPr>
-      </p:pic>
-      <p:cxnSp>
-        <p:nvCxnSpPr>
-          <p:cNvPr id="39" name="Straight Arrow Connector 38">
-            <a:extLst>
-              <a:ext uri="{FF2B5EF4-FFF2-40B4-BE49-F238E27FC236}">
-                <a16:creationId xmlns:a16="http://schemas.microsoft.com/office/drawing/2014/main" id="{BCF9AE19-04B0-44ED-9867-2DD29672CC9A}"/>
-              </a:ext>
-            </a:extLst>
-          </p:cNvPr>
-          <p:cNvCxnSpPr>
-            <a:cxnSpLocks/>
-          </p:cNvCxnSpPr>
-          <p:nvPr/>
-        </p:nvCxnSpPr>
-        <p:spPr>
-          <a:xfrm>
-            <a:off x="9418466" y="2836736"/>
-            <a:ext cx="0" cy="919741"/>
-          </a:xfrm>
-          <a:prstGeom prst="straightConnector1">
-            <a:avLst/>
-          </a:prstGeom>
-          <a:ln w="50800">
-            <a:tailEnd type="triangle"/>
-          </a:ln>
-        </p:spPr>
-        <p:style>
-          <a:lnRef idx="1">
-            <a:schemeClr val="accent1"/>
-          </a:lnRef>
-          <a:fillRef idx="0">
-            <a:schemeClr val="accent1"/>
-          </a:fillRef>
-          <a:effectRef idx="0">
-            <a:schemeClr val="accent1"/>
-          </a:effectRef>
-          <a:fontRef idx="minor">
-            <a:schemeClr val="tx1"/>
-          </a:fontRef>
-        </p:style>
-      </p:cxnSp>
-      <p:cxnSp>
-        <p:nvCxnSpPr>
-          <p:cNvPr id="41" name="Straight Arrow Connector 40">
-            <a:extLst>
-              <a:ext uri="{FF2B5EF4-FFF2-40B4-BE49-F238E27FC236}">
-                <a16:creationId xmlns:a16="http://schemas.microsoft.com/office/drawing/2014/main" id="{DEA1C488-265A-4629-8D9E-475936F52D8B}"/>
-              </a:ext>
-            </a:extLst>
-          </p:cNvPr>
-          <p:cNvCxnSpPr>
-            <a:cxnSpLocks/>
-          </p:cNvCxnSpPr>
-          <p:nvPr/>
-        </p:nvCxnSpPr>
-        <p:spPr>
-          <a:xfrm flipV="1">
-            <a:off x="8717282" y="2823674"/>
-            <a:ext cx="12296" cy="919740"/>
-          </a:xfrm>
-          <a:prstGeom prst="straightConnector1">
-            <a:avLst/>
-          </a:prstGeom>
-          <a:ln w="50800">
-            <a:tailEnd type="triangle"/>
-          </a:ln>
-        </p:spPr>
-        <p:style>
-          <a:lnRef idx="1">
-            <a:schemeClr val="accent1"/>
-          </a:lnRef>
-          <a:fillRef idx="0">
-            <a:schemeClr val="accent1"/>
-          </a:fillRef>
-          <a:effectRef idx="0">
-            <a:schemeClr val="accent1"/>
-          </a:effectRef>
-          <a:fontRef idx="minor">
-            <a:schemeClr val="tx1"/>
-          </a:fontRef>
-        </p:style>
-      </p:cxnSp>
-      <p:cxnSp>
-        <p:nvCxnSpPr>
-          <p:cNvPr id="44" name="Connector: Elbow 43">
-            <a:extLst>
-              <a:ext uri="{FF2B5EF4-FFF2-40B4-BE49-F238E27FC236}">
-                <a16:creationId xmlns:a16="http://schemas.microsoft.com/office/drawing/2014/main" id="{D593C71F-F0F5-4C78-8D27-65EB8926E90E}"/>
-              </a:ext>
-            </a:extLst>
-          </p:cNvPr>
-          <p:cNvCxnSpPr>
-            <a:cxnSpLocks/>
-          </p:cNvCxnSpPr>
-          <p:nvPr/>
-        </p:nvCxnSpPr>
-        <p:spPr>
-          <a:xfrm>
-            <a:off x="1804761" y="4115122"/>
-            <a:ext cx="7191675" cy="582967"/>
-          </a:xfrm>
-          <a:prstGeom prst="bentConnector4">
-            <a:avLst>
-              <a:gd name="adj1" fmla="val 269"/>
-              <a:gd name="adj2" fmla="val 413235"/>
-            </a:avLst>
-          </a:prstGeom>
-          <a:ln w="50800">
-            <a:tailEnd type="triangle"/>
-          </a:ln>
-        </p:spPr>
-        <p:style>
-          <a:lnRef idx="1">
-            <a:schemeClr val="accent1"/>
-          </a:lnRef>
-          <a:fillRef idx="0">
-            <a:schemeClr val="accent1"/>
-          </a:fillRef>
-          <a:effectRef idx="0">
-            <a:schemeClr val="accent1"/>
-          </a:effectRef>
-          <a:fontRef idx="minor">
-            <a:schemeClr val="tx1"/>
-          </a:fontRef>
-        </p:style>
-      </p:cxnSp>
-      <p:sp>
-        <p:nvSpPr>
-          <p:cNvPr id="49" name="TextBox 48">
-            <a:extLst>
-              <a:ext uri="{FF2B5EF4-FFF2-40B4-BE49-F238E27FC236}">
-                <a16:creationId xmlns:a16="http://schemas.microsoft.com/office/drawing/2014/main" id="{A89EAF68-7321-4E5E-8FCB-8B98F30961FE}"/>
+                <a16:creationId xmlns:a16="http://schemas.microsoft.com/office/drawing/2014/main" id="{17A5DECF-7FF4-6C41-9DC5-7DE3DE432016}"/>
               </a:ext>
             </a:extLst>
           </p:cNvPr>
@@ -6257,8 +6660,8 @@
         </p:nvSpPr>
         <p:spPr>
           <a:xfrm>
-            <a:off x="227470" y="4767224"/>
-            <a:ext cx="1477083" cy="692497"/>
+            <a:off x="5434149" y="5329019"/>
+            <a:ext cx="5055231" cy="646331"/>
           </a:xfrm>
           <a:prstGeom prst="rect">
             <a:avLst/>
@@ -6272,424 +6675,21 @@
           <a:lstStyle/>
           <a:p>
             <a:r>
-              <a:rPr lang="en-US" sz="1300" dirty="0">
+              <a:rPr lang="en-US" cap="all" dirty="0">
                 <a:solidFill>
                   <a:schemeClr val="bg1"/>
                 </a:solidFill>
+                <a:latin typeface="Copperplate Gothic Light" panose="020E0507020206020404" pitchFamily="34" charset="77"/>
               </a:rPr>
-              <a:t>CSV files located in the Data folder</a:t>
-            </a:r>
-          </a:p>
-          <a:p>
-            <a:endParaRPr lang="en-US" sz="1300" dirty="0">
-              <a:solidFill>
-                <a:schemeClr val="bg1"/>
-              </a:solidFill>
-            </a:endParaRPr>
-          </a:p>
-        </p:txBody>
-      </p:sp>
-      <p:sp>
-        <p:nvSpPr>
-          <p:cNvPr id="64" name="TextBox 63">
-            <a:extLst>
-              <a:ext uri="{FF2B5EF4-FFF2-40B4-BE49-F238E27FC236}">
-                <a16:creationId xmlns:a16="http://schemas.microsoft.com/office/drawing/2014/main" id="{206E78B0-89DE-4B32-9456-66A76B3D3D50}"/>
-              </a:ext>
-            </a:extLst>
-          </p:cNvPr>
-          <p:cNvSpPr txBox="1"/>
-          <p:nvPr/>
-        </p:nvSpPr>
-        <p:spPr>
-          <a:xfrm>
-            <a:off x="1876605" y="4257333"/>
-            <a:ext cx="1867990" cy="892552"/>
-          </a:xfrm>
-          <a:prstGeom prst="rect">
-            <a:avLst/>
-          </a:prstGeom>
-          <a:noFill/>
-        </p:spPr>
-        <p:txBody>
-          <a:bodyPr wrap="square" rtlCol="0">
-            <a:spAutoFit/>
-          </a:bodyPr>
-          <a:lstStyle/>
-          <a:p>
-            <a:r>
-              <a:rPr lang="en-US" sz="1300" dirty="0">
-                <a:solidFill>
-                  <a:schemeClr val="bg1"/>
-                </a:solidFill>
-              </a:rPr>
-              <a:t>Data manipulation, cleaning, and mining.  Database connection.</a:t>
-            </a:r>
-          </a:p>
-          <a:p>
-            <a:endParaRPr lang="en-US" sz="1300" dirty="0">
-              <a:solidFill>
-                <a:schemeClr val="bg1"/>
-              </a:solidFill>
-            </a:endParaRPr>
-          </a:p>
-        </p:txBody>
-      </p:sp>
-      <p:sp>
-        <p:nvSpPr>
-          <p:cNvPr id="65" name="TextBox 64">
-            <a:extLst>
-              <a:ext uri="{FF2B5EF4-FFF2-40B4-BE49-F238E27FC236}">
-                <a16:creationId xmlns:a16="http://schemas.microsoft.com/office/drawing/2014/main" id="{C8EC5437-6AF9-4F7C-83D9-C635A7E0CDCA}"/>
-              </a:ext>
-            </a:extLst>
-          </p:cNvPr>
-          <p:cNvSpPr txBox="1"/>
-          <p:nvPr/>
-        </p:nvSpPr>
-        <p:spPr>
-          <a:xfrm>
-            <a:off x="6746359" y="1483067"/>
-            <a:ext cx="1352588" cy="692497"/>
-          </a:xfrm>
-          <a:prstGeom prst="rect">
-            <a:avLst/>
-          </a:prstGeom>
-          <a:noFill/>
-        </p:spPr>
-        <p:txBody>
-          <a:bodyPr wrap="square" rtlCol="0">
-            <a:spAutoFit/>
-          </a:bodyPr>
-          <a:lstStyle/>
-          <a:p>
-            <a:r>
-              <a:rPr lang="en-US" sz="1300" dirty="0">
-                <a:solidFill>
-                  <a:schemeClr val="bg1"/>
-                </a:solidFill>
-              </a:rPr>
-              <a:t>SQL database in </a:t>
-            </a:r>
-            <a:r>
-              <a:rPr lang="en-US" sz="1300" dirty="0" err="1">
-                <a:solidFill>
-                  <a:schemeClr val="bg1"/>
-                </a:solidFill>
-              </a:rPr>
-              <a:t>Postgre</a:t>
-            </a:r>
-            <a:r>
-              <a:rPr lang="en-US" sz="1300" dirty="0">
-                <a:solidFill>
-                  <a:schemeClr val="bg1"/>
-                </a:solidFill>
-              </a:rPr>
-              <a:t> server.</a:t>
-            </a:r>
-          </a:p>
-          <a:p>
-            <a:endParaRPr lang="en-US" sz="1300" dirty="0"/>
-          </a:p>
-        </p:txBody>
-      </p:sp>
-      <p:sp>
-        <p:nvSpPr>
-          <p:cNvPr id="66" name="TextBox 65">
-            <a:extLst>
-              <a:ext uri="{FF2B5EF4-FFF2-40B4-BE49-F238E27FC236}">
-                <a16:creationId xmlns:a16="http://schemas.microsoft.com/office/drawing/2014/main" id="{774611B5-4FA8-493F-81C1-9020CC76A1DE}"/>
-              </a:ext>
-            </a:extLst>
-          </p:cNvPr>
-          <p:cNvSpPr txBox="1"/>
-          <p:nvPr/>
-        </p:nvSpPr>
-        <p:spPr>
-          <a:xfrm>
-            <a:off x="6428628" y="3593737"/>
-            <a:ext cx="1723888" cy="692497"/>
-          </a:xfrm>
-          <a:prstGeom prst="rect">
-            <a:avLst/>
-          </a:prstGeom>
-          <a:noFill/>
-        </p:spPr>
-        <p:txBody>
-          <a:bodyPr wrap="square" rtlCol="0">
-            <a:spAutoFit/>
-          </a:bodyPr>
-          <a:lstStyle/>
-          <a:p>
-            <a:r>
-              <a:rPr lang="en-US" sz="1300" dirty="0">
-                <a:solidFill>
-                  <a:schemeClr val="bg1"/>
-                </a:solidFill>
-              </a:rPr>
-              <a:t>Web application framework JSON API</a:t>
-            </a:r>
-          </a:p>
-          <a:p>
-            <a:endParaRPr lang="en-US" sz="1300" dirty="0">
-              <a:solidFill>
-                <a:schemeClr val="bg1"/>
-              </a:solidFill>
-            </a:endParaRPr>
-          </a:p>
-        </p:txBody>
-      </p:sp>
-      <p:sp>
-        <p:nvSpPr>
-          <p:cNvPr id="67" name="TextBox 66">
-            <a:extLst>
-              <a:ext uri="{FF2B5EF4-FFF2-40B4-BE49-F238E27FC236}">
-                <a16:creationId xmlns:a16="http://schemas.microsoft.com/office/drawing/2014/main" id="{C574D3F6-5E80-45EA-A7ED-371D5EB2B3F0}"/>
-              </a:ext>
-            </a:extLst>
-          </p:cNvPr>
-          <p:cNvSpPr txBox="1"/>
-          <p:nvPr/>
-        </p:nvSpPr>
-        <p:spPr>
-          <a:xfrm>
-            <a:off x="7516104" y="4744876"/>
-            <a:ext cx="1608298" cy="769441"/>
-          </a:xfrm>
-          <a:prstGeom prst="rect">
-            <a:avLst/>
-          </a:prstGeom>
-          <a:noFill/>
-        </p:spPr>
-        <p:txBody>
-          <a:bodyPr wrap="square" rtlCol="0">
-            <a:spAutoFit/>
-          </a:bodyPr>
-          <a:lstStyle/>
-          <a:p>
-            <a:r>
-              <a:rPr lang="en-US" sz="1300" dirty="0">
-                <a:solidFill>
-                  <a:schemeClr val="bg1"/>
-                </a:solidFill>
-              </a:rPr>
-              <a:t>Json API reader, </a:t>
-            </a:r>
-            <a:r>
-              <a:rPr lang="en-US" sz="1300" dirty="0" err="1">
-                <a:solidFill>
-                  <a:schemeClr val="bg1"/>
-                </a:solidFill>
-              </a:rPr>
-              <a:t>Jquery</a:t>
-            </a:r>
-            <a:r>
-              <a:rPr lang="en-US" sz="1300" dirty="0">
-                <a:solidFill>
-                  <a:schemeClr val="bg1"/>
-                </a:solidFill>
-              </a:rPr>
-              <a:t>, D3, Leaflet. </a:t>
-            </a:r>
-          </a:p>
-          <a:p>
-            <a:endParaRPr lang="en-US" dirty="0"/>
-          </a:p>
-        </p:txBody>
-      </p:sp>
-      <p:sp>
-        <p:nvSpPr>
-          <p:cNvPr id="68" name="TextBox 67">
-            <a:extLst>
-              <a:ext uri="{FF2B5EF4-FFF2-40B4-BE49-F238E27FC236}">
-                <a16:creationId xmlns:a16="http://schemas.microsoft.com/office/drawing/2014/main" id="{029649E6-89D5-43B0-BCAC-471D668A61A9}"/>
-              </a:ext>
-            </a:extLst>
-          </p:cNvPr>
-          <p:cNvSpPr txBox="1"/>
-          <p:nvPr/>
-        </p:nvSpPr>
-        <p:spPr>
-          <a:xfrm>
-            <a:off x="10656257" y="1304651"/>
-            <a:ext cx="1420521" cy="892552"/>
-          </a:xfrm>
-          <a:prstGeom prst="rect">
-            <a:avLst/>
-          </a:prstGeom>
-          <a:noFill/>
-        </p:spPr>
-        <p:txBody>
-          <a:bodyPr wrap="square" rtlCol="0">
-            <a:spAutoFit/>
-          </a:bodyPr>
-          <a:lstStyle/>
-          <a:p>
-            <a:r>
-              <a:rPr lang="en-US" sz="1300" dirty="0">
-                <a:solidFill>
-                  <a:schemeClr val="bg1"/>
-                </a:solidFill>
-              </a:rPr>
-              <a:t>Web visualization</a:t>
-            </a:r>
-          </a:p>
-          <a:p>
-            <a:r>
-              <a:rPr lang="en-US" sz="1300" dirty="0">
-                <a:solidFill>
-                  <a:schemeClr val="bg1"/>
-                </a:solidFill>
-              </a:rPr>
-              <a:t>- Flask</a:t>
-            </a:r>
-          </a:p>
-          <a:p>
-            <a:r>
-              <a:rPr lang="en-US" sz="1300" dirty="0">
-                <a:solidFill>
-                  <a:schemeClr val="bg1"/>
-                </a:solidFill>
-              </a:rPr>
-              <a:t>- Static html</a:t>
-            </a:r>
-          </a:p>
-          <a:p>
-            <a:endParaRPr lang="en-US" sz="1300" dirty="0">
-              <a:solidFill>
-                <a:schemeClr val="bg1"/>
-              </a:solidFill>
-            </a:endParaRPr>
-          </a:p>
-        </p:txBody>
-      </p:sp>
-      <p:cxnSp>
-        <p:nvCxnSpPr>
-          <p:cNvPr id="26" name="Elbow Connector 25">
-            <a:extLst>
-              <a:ext uri="{FF2B5EF4-FFF2-40B4-BE49-F238E27FC236}">
-                <a16:creationId xmlns:a16="http://schemas.microsoft.com/office/drawing/2014/main" id="{75760BE9-A72A-4647-AB5A-AF2F7F30A3EF}"/>
-              </a:ext>
-            </a:extLst>
-          </p:cNvPr>
-          <p:cNvCxnSpPr>
-            <a:cxnSpLocks/>
-            <a:stCxn id="49" idx="0"/>
-            <a:endCxn id="14" idx="1"/>
-          </p:cNvCxnSpPr>
-          <p:nvPr/>
-        </p:nvCxnSpPr>
-        <p:spPr>
-          <a:xfrm rot="5400000" flipH="1" flipV="1">
-            <a:off x="474602" y="3831890"/>
-            <a:ext cx="1426745" cy="443924"/>
-          </a:xfrm>
-          <a:prstGeom prst="bentConnector2">
-            <a:avLst/>
-          </a:prstGeom>
-          <a:ln w="50800">
-            <a:tailEnd type="triangle"/>
-          </a:ln>
-        </p:spPr>
-        <p:style>
-          <a:lnRef idx="1">
-            <a:schemeClr val="accent1"/>
-          </a:lnRef>
-          <a:fillRef idx="0">
-            <a:schemeClr val="accent1"/>
-          </a:fillRef>
-          <a:effectRef idx="0">
-            <a:schemeClr val="accent1"/>
-          </a:effectRef>
-          <a:fontRef idx="minor">
-            <a:schemeClr val="tx1"/>
-          </a:fontRef>
-        </p:style>
-      </p:cxnSp>
-      <p:cxnSp>
-        <p:nvCxnSpPr>
-          <p:cNvPr id="36" name="Elbow Connector 35">
-            <a:extLst>
-              <a:ext uri="{FF2B5EF4-FFF2-40B4-BE49-F238E27FC236}">
-                <a16:creationId xmlns:a16="http://schemas.microsoft.com/office/drawing/2014/main" id="{EA056ABD-2D4C-4440-9654-26CFDD20F908}"/>
-              </a:ext>
-            </a:extLst>
-          </p:cNvPr>
-          <p:cNvCxnSpPr/>
-          <p:nvPr/>
-        </p:nvCxnSpPr>
-        <p:spPr>
-          <a:xfrm rot="10800000" flipV="1">
-            <a:off x="3474721" y="3424505"/>
-            <a:ext cx="1867989" cy="444065"/>
-          </a:xfrm>
-          <a:prstGeom prst="bentConnector3">
-            <a:avLst>
-              <a:gd name="adj1" fmla="val 350"/>
-            </a:avLst>
-          </a:prstGeom>
-          <a:ln w="50800">
-            <a:tailEnd type="triangle"/>
-          </a:ln>
-        </p:spPr>
-        <p:style>
-          <a:lnRef idx="1">
-            <a:schemeClr val="accent1"/>
-          </a:lnRef>
-          <a:fillRef idx="0">
-            <a:schemeClr val="accent1"/>
-          </a:fillRef>
-          <a:effectRef idx="0">
-            <a:schemeClr val="accent1"/>
-          </a:effectRef>
-          <a:fontRef idx="minor">
-            <a:schemeClr val="tx1"/>
-          </a:fontRef>
-        </p:style>
-      </p:cxnSp>
-      <p:cxnSp>
-        <p:nvCxnSpPr>
-          <p:cNvPr id="42" name="Straight Arrow Connector 41">
-            <a:extLst>
-              <a:ext uri="{FF2B5EF4-FFF2-40B4-BE49-F238E27FC236}">
-                <a16:creationId xmlns:a16="http://schemas.microsoft.com/office/drawing/2014/main" id="{E3352DF2-D019-734E-964F-0D86DAA667C5}"/>
-              </a:ext>
-            </a:extLst>
-          </p:cNvPr>
-          <p:cNvCxnSpPr/>
-          <p:nvPr/>
-        </p:nvCxnSpPr>
-        <p:spPr>
-          <a:xfrm>
-            <a:off x="6130118" y="3424505"/>
-            <a:ext cx="0" cy="832828"/>
-          </a:xfrm>
-          <a:prstGeom prst="straightConnector1">
-            <a:avLst/>
-          </a:prstGeom>
-          <a:ln w="50800">
-            <a:tailEnd type="triangle"/>
-          </a:ln>
-        </p:spPr>
-        <p:style>
-          <a:lnRef idx="1">
-            <a:schemeClr val="accent1"/>
-          </a:lnRef>
-          <a:fillRef idx="0">
-            <a:schemeClr val="accent1"/>
-          </a:fillRef>
-          <a:effectRef idx="0">
-            <a:schemeClr val="accent1"/>
-          </a:effectRef>
-          <a:fontRef idx="minor">
-            <a:schemeClr val="tx1"/>
-          </a:fontRef>
-        </p:style>
-      </p:cxnSp>
+              <a:t>“I don’t always Analyze beer, but when I do, I need a good dataset”</a:t>
+            </a:r>
+          </a:p>
+        </p:txBody>
+      </p:sp>
     </p:spTree>
     <p:extLst>
       <p:ext uri="{BB962C8B-B14F-4D97-AF65-F5344CB8AC3E}">
-        <p14:creationId xmlns:p14="http://schemas.microsoft.com/office/powerpoint/2010/main" val="592535044"/>
+        <p14:creationId xmlns:p14="http://schemas.microsoft.com/office/powerpoint/2010/main" val="1648935273"/>
       </p:ext>
     </p:extLst>
   </p:cSld>
@@ -7547,6 +7547,24 @@
 </file>
 
 <file path=customXml/item1.xml><?xml version="1.0" encoding="utf-8"?>
+<p:properties xmlns:p="http://schemas.microsoft.com/office/2006/metadata/properties" xmlns:xsi="http://www.w3.org/2001/XMLSchema-instance" xmlns:pc="http://schemas.microsoft.com/office/infopath/2007/PartnerControls">
+  <documentManagement>
+    <Status xmlns="71af3243-3dd4-4a8d-8c0d-dd76da1f02a5">Not started</Status>
+    <MediaServiceKeyPoints xmlns="71af3243-3dd4-4a8d-8c0d-dd76da1f02a5" xsi:nil="true"/>
+  </documentManagement>
+</p:properties>
+</file>
+
+<file path=customXml/item2.xml><?xml version="1.0" encoding="utf-8"?>
+<?mso-contentType ?>
+<FormTemplates xmlns="http://schemas.microsoft.com/sharepoint/v3/contenttype/forms">
+  <Display>DocumentLibraryForm</Display>
+  <Edit>DocumentLibraryForm</Edit>
+  <New>DocumentLibraryForm</New>
+</FormTemplates>
+</file>
+
+<file path=customXml/item3.xml><?xml version="1.0" encoding="utf-8"?>
 <ct:contentTypeSchema xmlns:ct="http://schemas.microsoft.com/office/2006/metadata/contentType" xmlns:ma="http://schemas.microsoft.com/office/2006/metadata/properties/metaAttributes" ct:_="" ma:_="" ma:contentTypeName="Document" ma:contentTypeID="0x01010079F111ED35F8CC479449609E8A0923A6" ma:contentTypeVersion="12" ma:contentTypeDescription="Create a new document." ma:contentTypeScope="" ma:versionID="a410dd7f93c95333ffa1b60ed6adedd1">
   <xsd:schema xmlns:xsd="http://www.w3.org/2001/XMLSchema" xmlns:xs="http://www.w3.org/2001/XMLSchema" xmlns:p="http://schemas.microsoft.com/office/2006/metadata/properties" xmlns:ns2="71af3243-3dd4-4a8d-8c0d-dd76da1f02a5" xmlns:ns3="16c05727-aa75-4e4a-9b5f-8a80a1165891" targetNamespace="http://schemas.microsoft.com/office/2006/metadata/properties" ma:root="true" ma:fieldsID="a936d9baba76aa3866493feff160faab" ns2:_="" ns3:_="">
     <xsd:import namespace="71af3243-3dd4-4a8d-8c0d-dd76da1f02a5"/>
@@ -7767,25 +7785,25 @@
 </ct:contentTypeSchema>
 </file>
 
-<file path=customXml/item2.xml><?xml version="1.0" encoding="utf-8"?>
-<?mso-contentType ?>
-<FormTemplates xmlns="http://schemas.microsoft.com/sharepoint/v3/contenttype/forms">
-  <Display>DocumentLibraryForm</Display>
-  <Edit>DocumentLibraryForm</Edit>
-  <New>DocumentLibraryForm</New>
-</FormTemplates>
+<file path=customXml/itemProps1.xml><?xml version="1.0" encoding="utf-8"?>
+<ds:datastoreItem xmlns:ds="http://schemas.openxmlformats.org/officeDocument/2006/customXml" ds:itemID="{8D289AE2-D2AE-49D1-AFAC-3A79F6794255}">
+  <ds:schemaRefs>
+    <ds:schemaRef ds:uri="http://schemas.microsoft.com/office/2006/metadata/properties"/>
+    <ds:schemaRef ds:uri="http://schemas.microsoft.com/office/infopath/2007/PartnerControls"/>
+    <ds:schemaRef ds:uri="71af3243-3dd4-4a8d-8c0d-dd76da1f02a5"/>
+  </ds:schemaRefs>
+</ds:datastoreItem>
 </file>
 
-<file path=customXml/item3.xml><?xml version="1.0" encoding="utf-8"?>
-<p:properties xmlns:p="http://schemas.microsoft.com/office/2006/metadata/properties" xmlns:xsi="http://www.w3.org/2001/XMLSchema-instance" xmlns:pc="http://schemas.microsoft.com/office/infopath/2007/PartnerControls">
-  <documentManagement>
-    <Status xmlns="71af3243-3dd4-4a8d-8c0d-dd76da1f02a5">Not started</Status>
-    <MediaServiceKeyPoints xmlns="71af3243-3dd4-4a8d-8c0d-dd76da1f02a5" xsi:nil="true"/>
-  </documentManagement>
-</p:properties>
+<file path=customXml/itemProps2.xml><?xml version="1.0" encoding="utf-8"?>
+<ds:datastoreItem xmlns:ds="http://schemas.openxmlformats.org/officeDocument/2006/customXml" ds:itemID="{927BD4C1-B6B1-4715-ABF9-E660A51A4EA0}">
+  <ds:schemaRefs>
+    <ds:schemaRef ds:uri="http://schemas.microsoft.com/sharepoint/v3/contenttype/forms"/>
+  </ds:schemaRefs>
+</ds:datastoreItem>
 </file>
 
-<file path=customXml/itemProps1.xml><?xml version="1.0" encoding="utf-8"?>
+<file path=customXml/itemProps3.xml><?xml version="1.0" encoding="utf-8"?>
 <ds:datastoreItem xmlns:ds="http://schemas.openxmlformats.org/officeDocument/2006/customXml" ds:itemID="{41E7CA09-9778-4414-AE97-8064B12DA30E}">
   <ds:schemaRefs>
     <ds:schemaRef ds:uri="http://schemas.microsoft.com/office/2006/metadata/contentType"/>
@@ -7802,22 +7820,4 @@
     <ds:schemaRef ds:uri="http://schemas.microsoft.com/internal/obd"/>
   </ds:schemaRefs>
 </ds:datastoreItem>
-</file>
-
-<file path=customXml/itemProps2.xml><?xml version="1.0" encoding="utf-8"?>
-<ds:datastoreItem xmlns:ds="http://schemas.openxmlformats.org/officeDocument/2006/customXml" ds:itemID="{927BD4C1-B6B1-4715-ABF9-E660A51A4EA0}">
-  <ds:schemaRefs>
-    <ds:schemaRef ds:uri="http://schemas.microsoft.com/sharepoint/v3/contenttype/forms"/>
-  </ds:schemaRefs>
-</ds:datastoreItem>
-</file>
-
-<file path=customXml/itemProps3.xml><?xml version="1.0" encoding="utf-8"?>
-<ds:datastoreItem xmlns:ds="http://schemas.openxmlformats.org/officeDocument/2006/customXml" ds:itemID="{8D289AE2-D2AE-49D1-AFAC-3A79F6794255}">
-  <ds:schemaRefs>
-    <ds:schemaRef ds:uri="http://schemas.microsoft.com/office/2006/metadata/properties"/>
-    <ds:schemaRef ds:uri="http://schemas.microsoft.com/office/infopath/2007/PartnerControls"/>
-    <ds:schemaRef ds:uri="71af3243-3dd4-4a8d-8c0d-dd76da1f02a5"/>
-  </ds:schemaRefs>
-</ds:datastoreItem>
 </file>
--- a/Beers of the USA.pptx
+++ b/Beers of the USA.pptx
@@ -8,9 +8,10 @@
     <p:sldId id="264" r:id="rId5"/>
     <p:sldId id="265" r:id="rId6"/>
     <p:sldId id="260" r:id="rId7"/>
-    <p:sldId id="261" r:id="rId8"/>
-    <p:sldId id="262" r:id="rId9"/>
-    <p:sldId id="263" r:id="rId10"/>
+    <p:sldId id="262" r:id="rId8"/>
+    <p:sldId id="261" r:id="rId9"/>
+    <p:sldId id="266" r:id="rId10"/>
+    <p:sldId id="263" r:id="rId11"/>
   </p:sldIdLst>
   <p:sldSz cx="12192000" cy="6858000"/>
   <p:notesSz cx="6858000" cy="9144000"/>
@@ -355,7 +356,7 @@
           <a:p>
             <a:fld id="{ED291B17-9318-49DB-B28B-6E5994AE9581}" type="datetime1">
               <a:rPr lang="en-US" smtClean="0"/>
-              <a:t>12/10/20</a:t>
+              <a:t>12/11/20</a:t>
             </a:fld>
             <a:endParaRPr lang="en-US" dirty="0"/>
           </a:p>
@@ -558,7 +559,7 @@
           <a:p>
             <a:fld id="{2CED4963-E985-44C4-B8C4-FDD613B7C2F8}" type="datetime1">
               <a:rPr lang="en-US" smtClean="0"/>
-              <a:t>12/10/20</a:t>
+              <a:t>12/11/20</a:t>
             </a:fld>
             <a:endParaRPr lang="en-US" dirty="0"/>
           </a:p>
@@ -920,7 +921,7 @@
           <a:p>
             <a:fld id="{ED291B17-9318-49DB-B28B-6E5994AE9581}" type="datetime1">
               <a:rPr lang="en-US" smtClean="0"/>
-              <a:t>12/10/20</a:t>
+              <a:t>12/11/20</a:t>
             </a:fld>
             <a:endParaRPr lang="en-US" dirty="0"/>
           </a:p>
@@ -1118,7 +1119,7 @@
           <a:p>
             <a:fld id="{78DD82B9-B8EE-4375-B6FF-88FA6ABB15D9}" type="datetime1">
               <a:rPr lang="en-US" smtClean="0"/>
-              <a:t>12/10/20</a:t>
+              <a:t>12/11/20</a:t>
             </a:fld>
             <a:endParaRPr lang="en-US" dirty="0"/>
           </a:p>
@@ -1430,7 +1431,7 @@
           <a:p>
             <a:fld id="{B2497495-0637-405E-AE64-5CC7506D51F5}" type="datetime1">
               <a:rPr lang="en-US" smtClean="0"/>
-              <a:t>12/10/20</a:t>
+              <a:t>12/11/20</a:t>
             </a:fld>
             <a:endParaRPr lang="en-US" dirty="0"/>
           </a:p>
@@ -1683,7 +1684,7 @@
           <a:p>
             <a:fld id="{7BFFD690-9426-415D-8B65-26881E07B2D4}" type="datetime1">
               <a:rPr lang="en-US" smtClean="0"/>
-              <a:t>12/10/20</a:t>
+              <a:t>12/11/20</a:t>
             </a:fld>
             <a:endParaRPr lang="en-US" dirty="0"/>
           </a:p>
@@ -2105,7 +2106,7 @@
           <a:p>
             <a:fld id="{04C4989A-474C-40DE-95B9-011C28B71673}" type="datetime1">
               <a:rPr lang="en-US" smtClean="0"/>
-              <a:t>12/10/20</a:t>
+              <a:t>12/11/20</a:t>
             </a:fld>
             <a:endParaRPr lang="en-US" dirty="0"/>
           </a:p>
@@ -2228,7 +2229,7 @@
           <a:p>
             <a:fld id="{5DB4ED54-5B5E-4A04-93D3-5772E3CE3818}" type="datetime1">
               <a:rPr lang="en-US" smtClean="0"/>
-              <a:t>12/10/20</a:t>
+              <a:t>12/11/20</a:t>
             </a:fld>
             <a:endParaRPr lang="en-US" dirty="0"/>
           </a:p>
@@ -2323,7 +2324,7 @@
           <a:p>
             <a:fld id="{4EDE50D6-574B-40AF-946F-D52A04ADE379}" type="datetime1">
               <a:rPr lang="en-US" smtClean="0"/>
-              <a:t>12/10/20</a:t>
+              <a:t>12/11/20</a:t>
             </a:fld>
             <a:endParaRPr lang="en-US" dirty="0"/>
           </a:p>
@@ -2700,7 +2701,7 @@
           <a:p>
             <a:fld id="{D82884F1-FFEA-405F-9602-3DCA865EDA4E}" type="datetime1">
               <a:rPr lang="en-US" smtClean="0"/>
-              <a:t>12/10/20</a:t>
+              <a:t>12/11/20</a:t>
             </a:fld>
             <a:endParaRPr lang="en-US" dirty="0"/>
           </a:p>
@@ -2993,7 +2994,7 @@
           <a:p>
             <a:fld id="{7E18DB4A-8810-4A10-AD5C-D5E2C667F5B3}" type="datetime1">
               <a:rPr lang="en-US" smtClean="0"/>
-              <a:t>12/10/20</a:t>
+              <a:t>12/11/20</a:t>
             </a:fld>
             <a:endParaRPr lang="en-US" dirty="0"/>
           </a:p>
@@ -3208,7 +3209,7 @@
           <a:p>
             <a:fld id="{ED291B17-9318-49DB-B28B-6E5994AE9581}" type="datetime1">
               <a:rPr lang="en-US" smtClean="0"/>
-              <a:t>12/10/20</a:t>
+              <a:t>12/11/20</a:t>
             </a:fld>
             <a:endParaRPr lang="en-US" dirty="0"/>
           </a:p>
@@ -4347,133 +4348,6 @@
   <p:clrMapOvr>
     <a:masterClrMapping/>
   </p:clrMapOvr>
-  <p:timing>
-    <p:tnLst>
-      <p:par>
-        <p:cTn id="1" dur="indefinite" restart="never" nodeType="tmRoot">
-          <p:childTnLst>
-            <p:seq concurrent="1" nextAc="seek">
-              <p:cTn id="2" dur="indefinite" nodeType="mainSeq">
-                <p:childTnLst>
-                  <p:par>
-                    <p:cTn id="3" fill="hold">
-                      <p:stCondLst>
-                        <p:cond delay="indefinite"/>
-                        <p:cond evt="onBegin" delay="0">
-                          <p:tn val="2"/>
-                        </p:cond>
-                      </p:stCondLst>
-                      <p:childTnLst>
-                        <p:par>
-                          <p:cTn id="4" fill="hold">
-                            <p:stCondLst>
-                              <p:cond delay="0"/>
-                            </p:stCondLst>
-                            <p:childTnLst>
-                              <p:par>
-                                <p:cTn id="5" presetID="2" presetClass="entr" presetSubtype="4" fill="hold" grpId="0" nodeType="afterEffect">
-                                  <p:stCondLst>
-                                    <p:cond delay="0"/>
-                                  </p:stCondLst>
-                                  <p:childTnLst>
-                                    <p:set>
-                                      <p:cBhvr>
-                                        <p:cTn id="6" dur="1" fill="hold">
-                                          <p:stCondLst>
-                                            <p:cond delay="0"/>
-                                          </p:stCondLst>
-                                        </p:cTn>
-                                        <p:tgtEl>
-                                          <p:spTgt spid="10"/>
-                                        </p:tgtEl>
-                                        <p:attrNameLst>
-                                          <p:attrName>style.visibility</p:attrName>
-                                        </p:attrNameLst>
-                                      </p:cBhvr>
-                                      <p:to>
-                                        <p:strVal val="visible"/>
-                                      </p:to>
-                                    </p:set>
-                                    <p:anim calcmode="lin" valueType="num">
-                                      <p:cBhvr additive="base">
-                                        <p:cTn id="7" dur="500" fill="hold"/>
-                                        <p:tgtEl>
-                                          <p:spTgt spid="10"/>
-                                        </p:tgtEl>
-                                        <p:attrNameLst>
-                                          <p:attrName>ppt_x</p:attrName>
-                                        </p:attrNameLst>
-                                      </p:cBhvr>
-                                      <p:tavLst>
-                                        <p:tav tm="0">
-                                          <p:val>
-                                            <p:strVal val="#ppt_x"/>
-                                          </p:val>
-                                        </p:tav>
-                                        <p:tav tm="100000">
-                                          <p:val>
-                                            <p:strVal val="#ppt_x"/>
-                                          </p:val>
-                                        </p:tav>
-                                      </p:tavLst>
-                                    </p:anim>
-                                    <p:anim calcmode="lin" valueType="num">
-                                      <p:cBhvr additive="base">
-                                        <p:cTn id="8" dur="500" fill="hold"/>
-                                        <p:tgtEl>
-                                          <p:spTgt spid="10"/>
-                                        </p:tgtEl>
-                                        <p:attrNameLst>
-                                          <p:attrName>ppt_y</p:attrName>
-                                        </p:attrNameLst>
-                                      </p:cBhvr>
-                                      <p:tavLst>
-                                        <p:tav tm="0">
-                                          <p:val>
-                                            <p:strVal val="1+#ppt_h/2"/>
-                                          </p:val>
-                                        </p:tav>
-                                        <p:tav tm="100000">
-                                          <p:val>
-                                            <p:strVal val="#ppt_y"/>
-                                          </p:val>
-                                        </p:tav>
-                                      </p:tavLst>
-                                    </p:anim>
-                                  </p:childTnLst>
-                                </p:cTn>
-                              </p:par>
-                            </p:childTnLst>
-                          </p:cTn>
-                        </p:par>
-                      </p:childTnLst>
-                    </p:cTn>
-                  </p:par>
-                </p:childTnLst>
-              </p:cTn>
-              <p:prevCondLst>
-                <p:cond evt="onPrev" delay="0">
-                  <p:tgtEl>
-                    <p:sldTgt/>
-                  </p:tgtEl>
-                </p:cond>
-              </p:prevCondLst>
-              <p:nextCondLst>
-                <p:cond evt="onNext" delay="0">
-                  <p:tgtEl>
-                    <p:sldTgt/>
-                  </p:tgtEl>
-                </p:cond>
-              </p:nextCondLst>
-            </p:seq>
-          </p:childTnLst>
-        </p:cTn>
-      </p:par>
-    </p:tnLst>
-    <p:bldLst>
-      <p:bldP spid="10" grpId="0"/>
-    </p:bldLst>
-  </p:timing>
 </p:sld>
 </file>
 
@@ -4946,133 +4820,6 @@
   <p:clrMapOvr>
     <a:masterClrMapping/>
   </p:clrMapOvr>
-  <p:timing>
-    <p:tnLst>
-      <p:par>
-        <p:cTn id="1" dur="indefinite" restart="never" nodeType="tmRoot">
-          <p:childTnLst>
-            <p:seq concurrent="1" nextAc="seek">
-              <p:cTn id="2" dur="indefinite" nodeType="mainSeq">
-                <p:childTnLst>
-                  <p:par>
-                    <p:cTn id="3" fill="hold">
-                      <p:stCondLst>
-                        <p:cond delay="indefinite"/>
-                        <p:cond evt="onBegin" delay="0">
-                          <p:tn val="2"/>
-                        </p:cond>
-                      </p:stCondLst>
-                      <p:childTnLst>
-                        <p:par>
-                          <p:cTn id="4" fill="hold">
-                            <p:stCondLst>
-                              <p:cond delay="0"/>
-                            </p:stCondLst>
-                            <p:childTnLst>
-                              <p:par>
-                                <p:cTn id="5" presetID="2" presetClass="entr" presetSubtype="4" fill="hold" grpId="0" nodeType="afterEffect">
-                                  <p:stCondLst>
-                                    <p:cond delay="0"/>
-                                  </p:stCondLst>
-                                  <p:childTnLst>
-                                    <p:set>
-                                      <p:cBhvr>
-                                        <p:cTn id="6" dur="1" fill="hold">
-                                          <p:stCondLst>
-                                            <p:cond delay="0"/>
-                                          </p:stCondLst>
-                                        </p:cTn>
-                                        <p:tgtEl>
-                                          <p:spTgt spid="10"/>
-                                        </p:tgtEl>
-                                        <p:attrNameLst>
-                                          <p:attrName>style.visibility</p:attrName>
-                                        </p:attrNameLst>
-                                      </p:cBhvr>
-                                      <p:to>
-                                        <p:strVal val="visible"/>
-                                      </p:to>
-                                    </p:set>
-                                    <p:anim calcmode="lin" valueType="num">
-                                      <p:cBhvr additive="base">
-                                        <p:cTn id="7" dur="500" fill="hold"/>
-                                        <p:tgtEl>
-                                          <p:spTgt spid="10"/>
-                                        </p:tgtEl>
-                                        <p:attrNameLst>
-                                          <p:attrName>ppt_x</p:attrName>
-                                        </p:attrNameLst>
-                                      </p:cBhvr>
-                                      <p:tavLst>
-                                        <p:tav tm="0">
-                                          <p:val>
-                                            <p:strVal val="#ppt_x"/>
-                                          </p:val>
-                                        </p:tav>
-                                        <p:tav tm="100000">
-                                          <p:val>
-                                            <p:strVal val="#ppt_x"/>
-                                          </p:val>
-                                        </p:tav>
-                                      </p:tavLst>
-                                    </p:anim>
-                                    <p:anim calcmode="lin" valueType="num">
-                                      <p:cBhvr additive="base">
-                                        <p:cTn id="8" dur="500" fill="hold"/>
-                                        <p:tgtEl>
-                                          <p:spTgt spid="10"/>
-                                        </p:tgtEl>
-                                        <p:attrNameLst>
-                                          <p:attrName>ppt_y</p:attrName>
-                                        </p:attrNameLst>
-                                      </p:cBhvr>
-                                      <p:tavLst>
-                                        <p:tav tm="0">
-                                          <p:val>
-                                            <p:strVal val="1+#ppt_h/2"/>
-                                          </p:val>
-                                        </p:tav>
-                                        <p:tav tm="100000">
-                                          <p:val>
-                                            <p:strVal val="#ppt_y"/>
-                                          </p:val>
-                                        </p:tav>
-                                      </p:tavLst>
-                                    </p:anim>
-                                  </p:childTnLst>
-                                </p:cTn>
-                              </p:par>
-                            </p:childTnLst>
-                          </p:cTn>
-                        </p:par>
-                      </p:childTnLst>
-                    </p:cTn>
-                  </p:par>
-                </p:childTnLst>
-              </p:cTn>
-              <p:prevCondLst>
-                <p:cond evt="onPrev" delay="0">
-                  <p:tgtEl>
-                    <p:sldTgt/>
-                  </p:tgtEl>
-                </p:cond>
-              </p:prevCondLst>
-              <p:nextCondLst>
-                <p:cond evt="onNext" delay="0">
-                  <p:tgtEl>
-                    <p:sldTgt/>
-                  </p:tgtEl>
-                </p:cond>
-              </p:nextCondLst>
-            </p:seq>
-          </p:childTnLst>
-        </p:cTn>
-      </p:par>
-    </p:tnLst>
-    <p:bldLst>
-      <p:bldP spid="10" grpId="0"/>
-    </p:bldLst>
-  </p:timing>
 </p:sld>
 </file>
 
@@ -6443,41 +6190,6 @@
       </p:grpSpPr>
       <p:sp>
         <p:nvSpPr>
-          <p:cNvPr id="2" name="Title 1">
-            <a:extLst>
-              <a:ext uri="{FF2B5EF4-FFF2-40B4-BE49-F238E27FC236}">
-                <a16:creationId xmlns:a16="http://schemas.microsoft.com/office/drawing/2014/main" id="{5E562972-3449-42D1-8185-B4BEFD52AB44}"/>
-              </a:ext>
-            </a:extLst>
-          </p:cNvPr>
-          <p:cNvSpPr>
-            <a:spLocks noGrp="1"/>
-          </p:cNvSpPr>
-          <p:nvPr>
-            <p:ph type="title"/>
-          </p:nvPr>
-        </p:nvSpPr>
-        <p:spPr/>
-        <p:txBody>
-          <a:bodyPr>
-            <a:noAutofit/>
-          </a:bodyPr>
-          <a:lstStyle/>
-          <a:p>
-            <a:r>
-              <a:rPr lang="en-US" sz="6500" b="1" dirty="0">
-                <a:solidFill>
-                  <a:schemeClr val="bg1"/>
-                </a:solidFill>
-                <a:latin typeface="Copperplate Gothic Light" panose="020E0507020206020404" pitchFamily="34" charset="77"/>
-              </a:rPr>
-              <a:t>Datasets USED</a:t>
-            </a:r>
-          </a:p>
-        </p:txBody>
-      </p:sp>
-      <p:sp>
-        <p:nvSpPr>
           <p:cNvPr id="5" name="Content Placeholder 4">
             <a:extLst>
               <a:ext uri="{FF2B5EF4-FFF2-40B4-BE49-F238E27FC236}">
@@ -6492,21 +6204,27 @@
             <p:ph idx="1"/>
           </p:nvPr>
         </p:nvSpPr>
-        <p:spPr/>
+        <p:spPr>
+          <a:xfrm>
+            <a:off x="581192" y="2340864"/>
+            <a:ext cx="7779037" cy="3634486"/>
+          </a:xfrm>
+        </p:spPr>
         <p:txBody>
           <a:bodyPr>
             <a:normAutofit lnSpcReduction="10000"/>
           </a:bodyPr>
           <a:lstStyle/>
           <a:p>
-            <a:pPr marL="0" indent="0" rtl="0">
+            <a:pPr rtl="0" fontAlgn="base">
               <a:spcBef>
                 <a:spcPts val="0"/>
               </a:spcBef>
               <a:spcAft>
-                <a:spcPts val="1600"/>
+                <a:spcPts val="0"/>
               </a:spcAft>
-              <a:buNone/>
+              <a:buFont typeface="+mj-lt"/>
+              <a:buAutoNum type="arabicPeriod"/>
             </a:pPr>
             <a:r>
               <a:rPr lang="en-US" sz="1800" b="0" i="0" u="none" strike="noStrike" dirty="0">
@@ -6514,144 +6232,338 @@
                   <a:schemeClr val="bg1"/>
                 </a:solidFill>
                 <a:effectLst/>
-                <a:latin typeface="Lato"/>
               </a:rPr>
-              <a:t>The data for this project was found on Kaggle from:</a:t>
-            </a:r>
-          </a:p>
-          <a:p>
-            <a:pPr marL="0" indent="0">
+              <a:t>Clone the project repository to your computer.</a:t>
+            </a:r>
+          </a:p>
+          <a:p>
+            <a:pPr rtl="0" fontAlgn="base">
               <a:spcBef>
                 <a:spcPts val="0"/>
               </a:spcBef>
               <a:spcAft>
-                <a:spcPts val="1600"/>
+                <a:spcPts val="0"/>
               </a:spcAft>
-              <a:buNone/>
+              <a:buFont typeface="+mj-lt"/>
+              <a:buAutoNum type="arabicPeriod"/>
             </a:pPr>
             <a:r>
-              <a:rPr lang="en-US" sz="1800" dirty="0">
+              <a:rPr lang="en-US" sz="1800" b="0" i="0" u="none" strike="noStrike" dirty="0">
                 <a:solidFill>
                   <a:schemeClr val="bg1"/>
                 </a:solidFill>
-                <a:latin typeface="Lato"/>
-                <a:hlinkClick r:id="rId3"/>
+                <a:effectLst/>
               </a:rPr>
-              <a:t>Nick Hould's Craft Cans</a:t>
-            </a:r>
-            <a:endParaRPr lang="en-US" sz="1800" dirty="0">
-              <a:solidFill>
-                <a:schemeClr val="bg1"/>
-              </a:solidFill>
-              <a:latin typeface="Lato"/>
-            </a:endParaRPr>
-          </a:p>
-          <a:p>
-            <a:pPr marL="0" indent="0">
+              <a:t>Open a session in </a:t>
+            </a:r>
+            <a:r>
+              <a:rPr lang="en-US" sz="1800" b="0" i="0" u="none" strike="noStrike" dirty="0" err="1">
+                <a:solidFill>
+                  <a:schemeClr val="bg1"/>
+                </a:solidFill>
+                <a:effectLst/>
+              </a:rPr>
+              <a:t>Postgre</a:t>
+            </a:r>
+            <a:r>
+              <a:rPr lang="en-US" sz="1800" b="0" i="0" u="none" strike="noStrike" dirty="0">
+                <a:solidFill>
+                  <a:schemeClr val="bg1"/>
+                </a:solidFill>
+                <a:effectLst/>
+              </a:rPr>
+              <a:t> SQL and create a database titled “</a:t>
+            </a:r>
+            <a:r>
+              <a:rPr lang="en-US" sz="1800" b="0" i="0" u="none" strike="noStrike" dirty="0" err="1">
+                <a:solidFill>
+                  <a:schemeClr val="bg1"/>
+                </a:solidFill>
+                <a:effectLst/>
+              </a:rPr>
+              <a:t>beersDB</a:t>
+            </a:r>
+            <a:r>
+              <a:rPr lang="en-US" sz="1800" b="0" i="0" u="none" strike="noStrike" dirty="0">
+                <a:solidFill>
+                  <a:schemeClr val="bg1"/>
+                </a:solidFill>
+                <a:effectLst/>
+              </a:rPr>
+              <a:t>”.</a:t>
+            </a:r>
+          </a:p>
+          <a:p>
+            <a:pPr rtl="0" fontAlgn="base">
               <a:spcBef>
                 <a:spcPts val="0"/>
               </a:spcBef>
               <a:spcAft>
-                <a:spcPts val="1600"/>
+                <a:spcPts val="0"/>
               </a:spcAft>
-              <a:buNone/>
+              <a:buFont typeface="+mj-lt"/>
+              <a:buAutoNum type="arabicPeriod"/>
             </a:pPr>
             <a:r>
-              <a:rPr lang="en-US" sz="1800" dirty="0">
+              <a:rPr lang="en-US" sz="1800" b="0" i="0" u="none" strike="noStrike" dirty="0">
                 <a:solidFill>
                   <a:schemeClr val="bg1"/>
                 </a:solidFill>
-                <a:latin typeface="Lato"/>
-                <a:hlinkClick r:id="rId4"/>
+                <a:effectLst/>
               </a:rPr>
-              <a:t>J. Trofe's Beer Recipes</a:t>
-            </a:r>
-            <a:endParaRPr lang="en-US" sz="1800" dirty="0">
-              <a:solidFill>
-                <a:schemeClr val="bg1"/>
-              </a:solidFill>
-              <a:latin typeface="Lato"/>
-            </a:endParaRPr>
-          </a:p>
-          <a:p>
-            <a:pPr marL="0" indent="0">
+              <a:t>Run the notebook “</a:t>
+            </a:r>
+            <a:r>
+              <a:rPr lang="en-US" sz="1800" b="0" i="0" u="none" strike="noStrike" dirty="0" err="1">
+                <a:solidFill>
+                  <a:schemeClr val="bg1"/>
+                </a:solidFill>
+                <a:effectLst/>
+              </a:rPr>
+              <a:t>analysis.ipynb</a:t>
+            </a:r>
+            <a:r>
+              <a:rPr lang="en-US" sz="1800" b="0" i="0" u="none" strike="noStrike" dirty="0">
+                <a:solidFill>
+                  <a:schemeClr val="bg1"/>
+                </a:solidFill>
+                <a:effectLst/>
+              </a:rPr>
+              <a:t>”, this will load csv into the different tables in the “</a:t>
+            </a:r>
+            <a:r>
+              <a:rPr lang="en-US" sz="1800" b="0" i="0" u="none" strike="noStrike" dirty="0" err="1">
+                <a:solidFill>
+                  <a:schemeClr val="bg1"/>
+                </a:solidFill>
+                <a:effectLst/>
+              </a:rPr>
+              <a:t>beersDB</a:t>
+            </a:r>
+            <a:r>
+              <a:rPr lang="en-US" sz="1800" b="0" i="0" u="none" strike="noStrike" dirty="0">
+                <a:solidFill>
+                  <a:schemeClr val="bg1"/>
+                </a:solidFill>
+                <a:effectLst/>
+              </a:rPr>
+              <a:t>”. </a:t>
+            </a:r>
+          </a:p>
+          <a:p>
+            <a:pPr rtl="0" fontAlgn="base">
               <a:spcBef>
                 <a:spcPts val="0"/>
               </a:spcBef>
               <a:spcAft>
-                <a:spcPts val="1600"/>
+                <a:spcPts val="0"/>
               </a:spcAft>
-              <a:buNone/>
+              <a:buFont typeface="+mj-lt"/>
+              <a:buAutoNum type="arabicPeriod"/>
             </a:pPr>
             <a:r>
-              <a:rPr lang="en-US" sz="1800" dirty="0">
+              <a:rPr lang="en-US" sz="1800" b="0" i="0" u="none" strike="noStrike" dirty="0">
                 <a:solidFill>
                   <a:schemeClr val="bg1"/>
                 </a:solidFill>
-                <a:latin typeface="Lato"/>
-                <a:hlinkClick r:id="rId5"/>
+                <a:effectLst/>
               </a:rPr>
-              <a:t>Brett Kurzawa's US Breweries</a:t>
-            </a:r>
-            <a:endParaRPr lang="en-US" sz="1800" dirty="0">
-              <a:solidFill>
-                <a:schemeClr val="bg1"/>
-              </a:solidFill>
-              <a:latin typeface="Lato"/>
-            </a:endParaRPr>
-          </a:p>
-          <a:p>
-            <a:pPr marL="0" indent="0">
+              <a:t>Start up the Flask application app.py and run inside the project folder in the command prompt</a:t>
+            </a:r>
+          </a:p>
+          <a:p>
+            <a:pPr rtl="0" fontAlgn="base">
               <a:spcBef>
                 <a:spcPts val="0"/>
               </a:spcBef>
               <a:spcAft>
-                <a:spcPts val="1600"/>
+                <a:spcPts val="0"/>
               </a:spcAft>
-              <a:buNone/>
+              <a:buFont typeface="+mj-lt"/>
+              <a:buAutoNum type="arabicPeriod"/>
             </a:pPr>
-            <a:endParaRPr lang="en-US" sz="1800" dirty="0">
-              <a:solidFill>
-                <a:schemeClr val="bg1"/>
-              </a:solidFill>
-              <a:latin typeface="Lato"/>
-            </a:endParaRPr>
-          </a:p>
-          <a:p>
-            <a:pPr marL="0" indent="0">
+            <a:r>
+              <a:rPr lang="en-US" sz="1800" b="0" i="0" u="none" strike="noStrike" dirty="0">
+                <a:solidFill>
+                  <a:schemeClr val="bg1"/>
+                </a:solidFill>
+                <a:effectLst/>
+              </a:rPr>
+              <a:t>Open the site on localhost:5000 and enjoy.</a:t>
+            </a:r>
+          </a:p>
+          <a:p>
+            <a:pPr rtl="0" fontAlgn="base">
               <a:spcBef>
                 <a:spcPts val="0"/>
               </a:spcBef>
               <a:spcAft>
-                <a:spcPts val="1600"/>
+                <a:spcPts val="0"/>
               </a:spcAft>
-              <a:buNone/>
+              <a:buFont typeface="+mj-lt"/>
+              <a:buAutoNum type="arabicPeriod"/>
             </a:pPr>
-            <a:endParaRPr lang="en-US" sz="1800" b="0" i="0" u="none" strike="noStrike" dirty="0">
-              <a:solidFill>
-                <a:schemeClr val="bg1"/>
-              </a:solidFill>
-              <a:effectLst/>
-              <a:latin typeface="Lato"/>
-            </a:endParaRPr>
+            <a:r>
+              <a:rPr lang="en-US" sz="1800" b="0" i="0" u="none" strike="noStrike" dirty="0">
+                <a:solidFill>
+                  <a:schemeClr val="bg1"/>
+                </a:solidFill>
+                <a:effectLst/>
+              </a:rPr>
+              <a:t>Use the drop down menu to pick different beers and watch the dashboard change.  </a:t>
+            </a:r>
           </a:p>
           <a:p>
             <a:pPr marL="0" indent="0">
               <a:buNone/>
             </a:pPr>
             <a:br>
-              <a:rPr lang="en-US" dirty="0"/>
+              <a:rPr lang="en-US" sz="2000" b="0" dirty="0">
+                <a:solidFill>
+                  <a:schemeClr val="tx1"/>
+                </a:solidFill>
+                <a:effectLst/>
+              </a:rPr>
             </a:br>
-            <a:endParaRPr lang="en-US" dirty="0"/>
-          </a:p>
-        </p:txBody>
-      </p:sp>
-      <p:sp>
-        <p:nvSpPr>
-          <p:cNvPr id="3" name="TextBox 2">
+            <a:br>
+              <a:rPr lang="en-US" dirty="0">
+                <a:solidFill>
+                  <a:schemeClr val="tx1"/>
+                </a:solidFill>
+              </a:rPr>
+            </a:br>
+            <a:endParaRPr lang="en-US" dirty="0">
+              <a:solidFill>
+                <a:schemeClr val="tx1"/>
+              </a:solidFill>
+            </a:endParaRPr>
+          </a:p>
+        </p:txBody>
+      </p:sp>
+      <p:sp>
+        <p:nvSpPr>
+          <p:cNvPr id="10" name="Title 1">
             <a:extLst>
               <a:ext uri="{FF2B5EF4-FFF2-40B4-BE49-F238E27FC236}">
-                <a16:creationId xmlns:a16="http://schemas.microsoft.com/office/drawing/2014/main" id="{17A5DECF-7FF4-6C41-9DC5-7DE3DE432016}"/>
+                <a16:creationId xmlns:a16="http://schemas.microsoft.com/office/drawing/2014/main" id="{499E733B-A0B2-1B46-B732-81F27846870B}"/>
+              </a:ext>
+            </a:extLst>
+          </p:cNvPr>
+          <p:cNvSpPr txBox="1">
+            <a:spLocks/>
+          </p:cNvSpPr>
+          <p:nvPr/>
+        </p:nvSpPr>
+        <p:spPr>
+          <a:xfrm>
+            <a:off x="581192" y="916214"/>
+            <a:ext cx="11029616" cy="1188720"/>
+          </a:xfrm>
+          <a:prstGeom prst="rect">
+            <a:avLst/>
+          </a:prstGeom>
+        </p:spPr>
+        <p:txBody>
+          <a:bodyPr vert="horz" lIns="91440" tIns="45720" rIns="91440" bIns="45720" rtlCol="0" anchor="b">
+            <a:noAutofit/>
+          </a:bodyPr>
+          <a:lstStyle>
+            <a:lvl1pPr algn="l" defTabSz="457200" rtl="0" eaLnBrk="1" latinLnBrk="0" hangingPunct="1">
+              <a:lnSpc>
+                <a:spcPct val="100000"/>
+              </a:lnSpc>
+              <a:spcBef>
+                <a:spcPct val="0"/>
+              </a:spcBef>
+              <a:buNone/>
+              <a:defRPr sz="2800" b="0" kern="1200" cap="all">
+                <a:solidFill>
+                  <a:schemeClr val="tx1">
+                    <a:lumMod val="75000"/>
+                    <a:lumOff val="25000"/>
+                  </a:schemeClr>
+                </a:solidFill>
+                <a:latin typeface="+mj-lt"/>
+                <a:ea typeface="+mj-ea"/>
+                <a:cs typeface="+mj-cs"/>
+              </a:defRPr>
+            </a:lvl1pPr>
+            <a:lvl2pPr eaLnBrk="1" hangingPunct="1">
+              <a:defRPr>
+                <a:solidFill>
+                  <a:schemeClr val="tx2"/>
+                </a:solidFill>
+              </a:defRPr>
+            </a:lvl2pPr>
+            <a:lvl3pPr eaLnBrk="1" hangingPunct="1">
+              <a:defRPr>
+                <a:solidFill>
+                  <a:schemeClr val="tx2"/>
+                </a:solidFill>
+              </a:defRPr>
+            </a:lvl3pPr>
+            <a:lvl4pPr eaLnBrk="1" hangingPunct="1">
+              <a:defRPr>
+                <a:solidFill>
+                  <a:schemeClr val="tx2"/>
+                </a:solidFill>
+              </a:defRPr>
+            </a:lvl4pPr>
+            <a:lvl5pPr eaLnBrk="1" hangingPunct="1">
+              <a:defRPr>
+                <a:solidFill>
+                  <a:schemeClr val="tx2"/>
+                </a:solidFill>
+              </a:defRPr>
+            </a:lvl5pPr>
+            <a:lvl6pPr eaLnBrk="1" hangingPunct="1">
+              <a:defRPr>
+                <a:solidFill>
+                  <a:schemeClr val="tx2"/>
+                </a:solidFill>
+              </a:defRPr>
+            </a:lvl6pPr>
+            <a:lvl7pPr eaLnBrk="1" hangingPunct="1">
+              <a:defRPr>
+                <a:solidFill>
+                  <a:schemeClr val="tx2"/>
+                </a:solidFill>
+              </a:defRPr>
+            </a:lvl7pPr>
+            <a:lvl8pPr eaLnBrk="1" hangingPunct="1">
+              <a:defRPr>
+                <a:solidFill>
+                  <a:schemeClr val="tx2"/>
+                </a:solidFill>
+              </a:defRPr>
+            </a:lvl8pPr>
+            <a:lvl9pPr eaLnBrk="1" hangingPunct="1">
+              <a:defRPr>
+                <a:solidFill>
+                  <a:schemeClr val="tx2"/>
+                </a:solidFill>
+              </a:defRPr>
+            </a:lvl9pPr>
+          </a:lstStyle>
+          <a:p>
+            <a:r>
+              <a:rPr lang="en-US" sz="6500" b="1" dirty="0">
+                <a:solidFill>
+                  <a:schemeClr val="bg1"/>
+                </a:solidFill>
+                <a:latin typeface="Copperplate Gothic Light" panose="020E0507020206020404" pitchFamily="34" charset="77"/>
+              </a:rPr>
+              <a:t>Steps to recreate</a:t>
+            </a:r>
+          </a:p>
+        </p:txBody>
+      </p:sp>
+      <p:sp>
+        <p:nvSpPr>
+          <p:cNvPr id="11" name="TextBox 10">
+            <a:extLst>
+              <a:ext uri="{FF2B5EF4-FFF2-40B4-BE49-F238E27FC236}">
+                <a16:creationId xmlns:a16="http://schemas.microsoft.com/office/drawing/2014/main" id="{145931EB-85D8-0C49-903F-43E22018846E}"/>
               </a:ext>
             </a:extLst>
           </p:cNvPr>
@@ -6681,7 +6593,7 @@
                 </a:solidFill>
                 <a:latin typeface="Copperplate Gothic Light" panose="020E0507020206020404" pitchFamily="34" charset="77"/>
               </a:rPr>
-              <a:t>“I don’t always Analyze beer, but when I do, I need a good dataset”</a:t>
+              <a:t>“I don’t always drink beer, but when I do, I need a flask”</a:t>
             </a:r>
           </a:p>
         </p:txBody>
@@ -6689,7 +6601,7 @@
     </p:spTree>
     <p:extLst>
       <p:ext uri="{BB962C8B-B14F-4D97-AF65-F5344CB8AC3E}">
-        <p14:creationId xmlns:p14="http://schemas.microsoft.com/office/powerpoint/2010/main" val="1648935273"/>
+        <p14:creationId xmlns:p14="http://schemas.microsoft.com/office/powerpoint/2010/main" val="491733537"/>
       </p:ext>
     </p:extLst>
   </p:cSld>
@@ -6732,6 +6644,41 @@
       </p:grpSpPr>
       <p:sp>
         <p:nvSpPr>
+          <p:cNvPr id="2" name="Title 1">
+            <a:extLst>
+              <a:ext uri="{FF2B5EF4-FFF2-40B4-BE49-F238E27FC236}">
+                <a16:creationId xmlns:a16="http://schemas.microsoft.com/office/drawing/2014/main" id="{5E562972-3449-42D1-8185-B4BEFD52AB44}"/>
+              </a:ext>
+            </a:extLst>
+          </p:cNvPr>
+          <p:cNvSpPr>
+            <a:spLocks noGrp="1"/>
+          </p:cNvSpPr>
+          <p:nvPr>
+            <p:ph type="title"/>
+          </p:nvPr>
+        </p:nvSpPr>
+        <p:spPr/>
+        <p:txBody>
+          <a:bodyPr>
+            <a:noAutofit/>
+          </a:bodyPr>
+          <a:lstStyle/>
+          <a:p>
+            <a:r>
+              <a:rPr lang="en-US" sz="6500" b="1" dirty="0">
+                <a:solidFill>
+                  <a:schemeClr val="bg1"/>
+                </a:solidFill>
+                <a:latin typeface="Copperplate Gothic Light" panose="020E0507020206020404" pitchFamily="34" charset="77"/>
+              </a:rPr>
+              <a:t>Datasets USED</a:t>
+            </a:r>
+          </a:p>
+        </p:txBody>
+      </p:sp>
+      <p:sp>
+        <p:nvSpPr>
           <p:cNvPr id="5" name="Content Placeholder 4">
             <a:extLst>
               <a:ext uri="{FF2B5EF4-FFF2-40B4-BE49-F238E27FC236}">
@@ -6746,27 +6693,21 @@
             <p:ph idx="1"/>
           </p:nvPr>
         </p:nvSpPr>
-        <p:spPr>
-          <a:xfrm>
-            <a:off x="581192" y="2340864"/>
-            <a:ext cx="7779037" cy="3634486"/>
-          </a:xfrm>
-        </p:spPr>
+        <p:spPr/>
         <p:txBody>
           <a:bodyPr>
             <a:normAutofit lnSpcReduction="10000"/>
           </a:bodyPr>
           <a:lstStyle/>
           <a:p>
-            <a:pPr rtl="0" fontAlgn="base">
+            <a:pPr marL="0" indent="0" rtl="0">
               <a:spcBef>
                 <a:spcPts val="0"/>
               </a:spcBef>
               <a:spcAft>
-                <a:spcPts val="0"/>
+                <a:spcPts val="1600"/>
               </a:spcAft>
-              <a:buFont typeface="+mj-lt"/>
-              <a:buAutoNum type="arabicPeriod"/>
+              <a:buNone/>
             </a:pPr>
             <a:r>
               <a:rPr lang="en-US" sz="1800" b="0" i="0" u="none" strike="noStrike" dirty="0">
@@ -6774,338 +6715,144 @@
                   <a:schemeClr val="bg1"/>
                 </a:solidFill>
                 <a:effectLst/>
+                <a:latin typeface="Lato"/>
               </a:rPr>
-              <a:t>Clone the project repository to your computer.</a:t>
-            </a:r>
-          </a:p>
-          <a:p>
-            <a:pPr rtl="0" fontAlgn="base">
+              <a:t>The data for this project was found on Kaggle from:</a:t>
+            </a:r>
+          </a:p>
+          <a:p>
+            <a:pPr marL="0" indent="0">
               <a:spcBef>
                 <a:spcPts val="0"/>
               </a:spcBef>
               <a:spcAft>
-                <a:spcPts val="0"/>
+                <a:spcPts val="1600"/>
               </a:spcAft>
-              <a:buFont typeface="+mj-lt"/>
-              <a:buAutoNum type="arabicPeriod"/>
+              <a:buNone/>
             </a:pPr>
             <a:r>
-              <a:rPr lang="en-US" sz="1800" b="0" i="0" u="none" strike="noStrike" dirty="0">
+              <a:rPr lang="en-US" sz="1800" dirty="0">
                 <a:solidFill>
                   <a:schemeClr val="bg1"/>
                 </a:solidFill>
-                <a:effectLst/>
+                <a:latin typeface="Lato"/>
+                <a:hlinkClick r:id="rId3"/>
               </a:rPr>
-              <a:t>Open a session in </a:t>
-            </a:r>
-            <a:r>
-              <a:rPr lang="en-US" sz="1800" b="0" i="0" u="none" strike="noStrike">
-                <a:solidFill>
-                  <a:schemeClr val="bg1"/>
-                </a:solidFill>
-                <a:effectLst/>
-              </a:rPr>
-              <a:t>Postgre </a:t>
-            </a:r>
-            <a:r>
-              <a:rPr lang="en-US" sz="1800" b="0" i="0" u="none" strike="noStrike" dirty="0">
-                <a:solidFill>
-                  <a:schemeClr val="bg1"/>
-                </a:solidFill>
-                <a:effectLst/>
-              </a:rPr>
-              <a:t>SQL and create a database titled “</a:t>
-            </a:r>
-            <a:r>
-              <a:rPr lang="en-US" sz="1800" b="0" i="0" u="none" strike="noStrike" dirty="0" err="1">
-                <a:solidFill>
-                  <a:schemeClr val="bg1"/>
-                </a:solidFill>
-                <a:effectLst/>
-              </a:rPr>
-              <a:t>beersDB</a:t>
-            </a:r>
-            <a:r>
-              <a:rPr lang="en-US" sz="1800" b="0" i="0" u="none" strike="noStrike" dirty="0">
-                <a:solidFill>
-                  <a:schemeClr val="bg1"/>
-                </a:solidFill>
-                <a:effectLst/>
-              </a:rPr>
-              <a:t>”.</a:t>
-            </a:r>
-          </a:p>
-          <a:p>
-            <a:pPr rtl="0" fontAlgn="base">
+              <a:t>Nick Hould's Craft Cans</a:t>
+            </a:r>
+            <a:endParaRPr lang="en-US" sz="1800" dirty="0">
+              <a:solidFill>
+                <a:schemeClr val="bg1"/>
+              </a:solidFill>
+              <a:latin typeface="Lato"/>
+            </a:endParaRPr>
+          </a:p>
+          <a:p>
+            <a:pPr marL="0" indent="0">
               <a:spcBef>
                 <a:spcPts val="0"/>
               </a:spcBef>
               <a:spcAft>
-                <a:spcPts val="0"/>
+                <a:spcPts val="1600"/>
               </a:spcAft>
-              <a:buFont typeface="+mj-lt"/>
-              <a:buAutoNum type="arabicPeriod"/>
+              <a:buNone/>
             </a:pPr>
             <a:r>
-              <a:rPr lang="en-US" sz="1800" b="0" i="0" u="none" strike="noStrike" dirty="0">
+              <a:rPr lang="en-US" sz="1800" dirty="0">
                 <a:solidFill>
                   <a:schemeClr val="bg1"/>
                 </a:solidFill>
-                <a:effectLst/>
+                <a:latin typeface="Lato"/>
+                <a:hlinkClick r:id="rId4"/>
               </a:rPr>
-              <a:t>Run the notebook “</a:t>
-            </a:r>
-            <a:r>
-              <a:rPr lang="en-US" sz="1800" b="0" i="0" u="none" strike="noStrike" dirty="0" err="1">
-                <a:solidFill>
-                  <a:schemeClr val="bg1"/>
-                </a:solidFill>
-                <a:effectLst/>
-              </a:rPr>
-              <a:t>analysis.ipynb</a:t>
-            </a:r>
-            <a:r>
-              <a:rPr lang="en-US" sz="1800" b="0" i="0" u="none" strike="noStrike" dirty="0">
-                <a:solidFill>
-                  <a:schemeClr val="bg1"/>
-                </a:solidFill>
-                <a:effectLst/>
-              </a:rPr>
-              <a:t>”, this will load csv into the different tables in the “</a:t>
-            </a:r>
-            <a:r>
-              <a:rPr lang="en-US" sz="1800" b="0" i="0" u="none" strike="noStrike" dirty="0" err="1">
-                <a:solidFill>
-                  <a:schemeClr val="bg1"/>
-                </a:solidFill>
-                <a:effectLst/>
-              </a:rPr>
-              <a:t>beersDB</a:t>
-            </a:r>
-            <a:r>
-              <a:rPr lang="en-US" sz="1800" b="0" i="0" u="none" strike="noStrike" dirty="0">
-                <a:solidFill>
-                  <a:schemeClr val="bg1"/>
-                </a:solidFill>
-                <a:effectLst/>
-              </a:rPr>
-              <a:t>”. </a:t>
-            </a:r>
-          </a:p>
-          <a:p>
-            <a:pPr rtl="0" fontAlgn="base">
+              <a:t>J. Trofe's Beer Recipes</a:t>
+            </a:r>
+            <a:endParaRPr lang="en-US" sz="1800" dirty="0">
+              <a:solidFill>
+                <a:schemeClr val="bg1"/>
+              </a:solidFill>
+              <a:latin typeface="Lato"/>
+            </a:endParaRPr>
+          </a:p>
+          <a:p>
+            <a:pPr marL="0" indent="0">
               <a:spcBef>
                 <a:spcPts val="0"/>
               </a:spcBef>
               <a:spcAft>
-                <a:spcPts val="0"/>
+                <a:spcPts val="1600"/>
               </a:spcAft>
-              <a:buFont typeface="+mj-lt"/>
-              <a:buAutoNum type="arabicPeriod"/>
+              <a:buNone/>
             </a:pPr>
             <a:r>
-              <a:rPr lang="en-US" sz="1800" b="0" i="0" u="none" strike="noStrike" dirty="0">
+              <a:rPr lang="en-US" sz="1800" dirty="0">
                 <a:solidFill>
                   <a:schemeClr val="bg1"/>
                 </a:solidFill>
-                <a:effectLst/>
+                <a:latin typeface="Lato"/>
+                <a:hlinkClick r:id="rId5"/>
               </a:rPr>
-              <a:t>Start up the Flask application app.py and run inside the project folder in the command prompt</a:t>
-            </a:r>
-          </a:p>
-          <a:p>
-            <a:pPr rtl="0" fontAlgn="base">
+              <a:t>Brett Kurzawa's US Breweries</a:t>
+            </a:r>
+            <a:endParaRPr lang="en-US" sz="1800" dirty="0">
+              <a:solidFill>
+                <a:schemeClr val="bg1"/>
+              </a:solidFill>
+              <a:latin typeface="Lato"/>
+            </a:endParaRPr>
+          </a:p>
+          <a:p>
+            <a:pPr marL="0" indent="0">
               <a:spcBef>
                 <a:spcPts val="0"/>
               </a:spcBef>
               <a:spcAft>
-                <a:spcPts val="0"/>
+                <a:spcPts val="1600"/>
               </a:spcAft>
-              <a:buFont typeface="+mj-lt"/>
-              <a:buAutoNum type="arabicPeriod"/>
+              <a:buNone/>
             </a:pPr>
-            <a:r>
-              <a:rPr lang="en-US" sz="1800" b="0" i="0" u="none" strike="noStrike" dirty="0">
-                <a:solidFill>
-                  <a:schemeClr val="bg1"/>
-                </a:solidFill>
-                <a:effectLst/>
-              </a:rPr>
-              <a:t>Open the site on localhost:5000 and enjoy.</a:t>
-            </a:r>
-          </a:p>
-          <a:p>
-            <a:pPr rtl="0" fontAlgn="base">
+            <a:endParaRPr lang="en-US" sz="1800" dirty="0">
+              <a:solidFill>
+                <a:schemeClr val="bg1"/>
+              </a:solidFill>
+              <a:latin typeface="Lato"/>
+            </a:endParaRPr>
+          </a:p>
+          <a:p>
+            <a:pPr marL="0" indent="0">
               <a:spcBef>
                 <a:spcPts val="0"/>
               </a:spcBef>
               <a:spcAft>
-                <a:spcPts val="0"/>
+                <a:spcPts val="1600"/>
               </a:spcAft>
-              <a:buFont typeface="+mj-lt"/>
-              <a:buAutoNum type="arabicPeriod"/>
+              <a:buNone/>
             </a:pPr>
-            <a:r>
-              <a:rPr lang="en-US" sz="1800" b="0" i="0" u="none" strike="noStrike" dirty="0">
-                <a:solidFill>
-                  <a:schemeClr val="bg1"/>
-                </a:solidFill>
-                <a:effectLst/>
-              </a:rPr>
-              <a:t>Use the drop down menu to pick different beers and watch the dashboard change.  </a:t>
-            </a:r>
+            <a:endParaRPr lang="en-US" sz="1800" b="0" i="0" u="none" strike="noStrike" dirty="0">
+              <a:solidFill>
+                <a:schemeClr val="bg1"/>
+              </a:solidFill>
+              <a:effectLst/>
+              <a:latin typeface="Lato"/>
+            </a:endParaRPr>
           </a:p>
           <a:p>
             <a:pPr marL="0" indent="0">
               <a:buNone/>
             </a:pPr>
             <a:br>
-              <a:rPr lang="en-US" sz="2000" b="0" dirty="0">
-                <a:solidFill>
-                  <a:schemeClr val="tx1"/>
-                </a:solidFill>
-                <a:effectLst/>
-              </a:rPr>
+              <a:rPr lang="en-US" dirty="0"/>
             </a:br>
-            <a:br>
-              <a:rPr lang="en-US" dirty="0">
-                <a:solidFill>
-                  <a:schemeClr val="tx1"/>
-                </a:solidFill>
-              </a:rPr>
-            </a:br>
-            <a:endParaRPr lang="en-US" dirty="0">
-              <a:solidFill>
-                <a:schemeClr val="tx1"/>
-              </a:solidFill>
-            </a:endParaRPr>
-          </a:p>
-        </p:txBody>
-      </p:sp>
-      <p:sp>
-        <p:nvSpPr>
-          <p:cNvPr id="10" name="Title 1">
+            <a:endParaRPr lang="en-US" dirty="0"/>
+          </a:p>
+        </p:txBody>
+      </p:sp>
+      <p:sp>
+        <p:nvSpPr>
+          <p:cNvPr id="3" name="TextBox 2">
             <a:extLst>
               <a:ext uri="{FF2B5EF4-FFF2-40B4-BE49-F238E27FC236}">
-                <a16:creationId xmlns:a16="http://schemas.microsoft.com/office/drawing/2014/main" id="{499E733B-A0B2-1B46-B732-81F27846870B}"/>
-              </a:ext>
-            </a:extLst>
-          </p:cNvPr>
-          <p:cNvSpPr txBox="1">
-            <a:spLocks/>
-          </p:cNvSpPr>
-          <p:nvPr/>
-        </p:nvSpPr>
-        <p:spPr>
-          <a:xfrm>
-            <a:off x="581192" y="916214"/>
-            <a:ext cx="11029616" cy="1188720"/>
-          </a:xfrm>
-          <a:prstGeom prst="rect">
-            <a:avLst/>
-          </a:prstGeom>
-        </p:spPr>
-        <p:txBody>
-          <a:bodyPr vert="horz" lIns="91440" tIns="45720" rIns="91440" bIns="45720" rtlCol="0" anchor="b">
-            <a:noAutofit/>
-          </a:bodyPr>
-          <a:lstStyle>
-            <a:lvl1pPr algn="l" defTabSz="457200" rtl="0" eaLnBrk="1" latinLnBrk="0" hangingPunct="1">
-              <a:lnSpc>
-                <a:spcPct val="100000"/>
-              </a:lnSpc>
-              <a:spcBef>
-                <a:spcPct val="0"/>
-              </a:spcBef>
-              <a:buNone/>
-              <a:defRPr sz="2800" b="0" kern="1200" cap="all">
-                <a:solidFill>
-                  <a:schemeClr val="tx1">
-                    <a:lumMod val="75000"/>
-                    <a:lumOff val="25000"/>
-                  </a:schemeClr>
-                </a:solidFill>
-                <a:latin typeface="+mj-lt"/>
-                <a:ea typeface="+mj-ea"/>
-                <a:cs typeface="+mj-cs"/>
-              </a:defRPr>
-            </a:lvl1pPr>
-            <a:lvl2pPr eaLnBrk="1" hangingPunct="1">
-              <a:defRPr>
-                <a:solidFill>
-                  <a:schemeClr val="tx2"/>
-                </a:solidFill>
-              </a:defRPr>
-            </a:lvl2pPr>
-            <a:lvl3pPr eaLnBrk="1" hangingPunct="1">
-              <a:defRPr>
-                <a:solidFill>
-                  <a:schemeClr val="tx2"/>
-                </a:solidFill>
-              </a:defRPr>
-            </a:lvl3pPr>
-            <a:lvl4pPr eaLnBrk="1" hangingPunct="1">
-              <a:defRPr>
-                <a:solidFill>
-                  <a:schemeClr val="tx2"/>
-                </a:solidFill>
-              </a:defRPr>
-            </a:lvl4pPr>
-            <a:lvl5pPr eaLnBrk="1" hangingPunct="1">
-              <a:defRPr>
-                <a:solidFill>
-                  <a:schemeClr val="tx2"/>
-                </a:solidFill>
-              </a:defRPr>
-            </a:lvl5pPr>
-            <a:lvl6pPr eaLnBrk="1" hangingPunct="1">
-              <a:defRPr>
-                <a:solidFill>
-                  <a:schemeClr val="tx2"/>
-                </a:solidFill>
-              </a:defRPr>
-            </a:lvl6pPr>
-            <a:lvl7pPr eaLnBrk="1" hangingPunct="1">
-              <a:defRPr>
-                <a:solidFill>
-                  <a:schemeClr val="tx2"/>
-                </a:solidFill>
-              </a:defRPr>
-            </a:lvl7pPr>
-            <a:lvl8pPr eaLnBrk="1" hangingPunct="1">
-              <a:defRPr>
-                <a:solidFill>
-                  <a:schemeClr val="tx2"/>
-                </a:solidFill>
-              </a:defRPr>
-            </a:lvl8pPr>
-            <a:lvl9pPr eaLnBrk="1" hangingPunct="1">
-              <a:defRPr>
-                <a:solidFill>
-                  <a:schemeClr val="tx2"/>
-                </a:solidFill>
-              </a:defRPr>
-            </a:lvl9pPr>
-          </a:lstStyle>
-          <a:p>
-            <a:r>
-              <a:rPr lang="en-US" sz="6500" b="1" dirty="0">
-                <a:solidFill>
-                  <a:schemeClr val="bg1"/>
-                </a:solidFill>
-                <a:latin typeface="Copperplate Gothic Light" panose="020E0507020206020404" pitchFamily="34" charset="77"/>
-              </a:rPr>
-              <a:t>Steps to recreate</a:t>
-            </a:r>
-          </a:p>
-        </p:txBody>
-      </p:sp>
-      <p:sp>
-        <p:nvSpPr>
-          <p:cNvPr id="11" name="TextBox 10">
-            <a:extLst>
-              <a:ext uri="{FF2B5EF4-FFF2-40B4-BE49-F238E27FC236}">
-                <a16:creationId xmlns:a16="http://schemas.microsoft.com/office/drawing/2014/main" id="{145931EB-85D8-0C49-903F-43E22018846E}"/>
+                <a16:creationId xmlns:a16="http://schemas.microsoft.com/office/drawing/2014/main" id="{17A5DECF-7FF4-6C41-9DC5-7DE3DE432016}"/>
               </a:ext>
             </a:extLst>
           </p:cNvPr>
@@ -7135,7 +6882,7 @@
                 </a:solidFill>
                 <a:latin typeface="Copperplate Gothic Light" panose="020E0507020206020404" pitchFamily="34" charset="77"/>
               </a:rPr>
-              <a:t>“I don’t always drink beer, but when I do, I need a flask”</a:t>
+              <a:t>“I don’t always Analyze beer, but when I do, I need a good dataset”</a:t>
             </a:r>
           </a:p>
         </p:txBody>
@@ -7143,7 +6890,7 @@
     </p:spTree>
     <p:extLst>
       <p:ext uri="{BB962C8B-B14F-4D97-AF65-F5344CB8AC3E}">
-        <p14:creationId xmlns:p14="http://schemas.microsoft.com/office/powerpoint/2010/main" val="491733537"/>
+        <p14:creationId xmlns:p14="http://schemas.microsoft.com/office/powerpoint/2010/main" val="1648935273"/>
       </p:ext>
     </p:extLst>
   </p:cSld>
@@ -7154,6 +6901,225 @@
 </file>
 
 <file path=ppt/slides/slide6.xml><?xml version="1.0" encoding="utf-8"?>
+<p:sld xmlns:a="http://schemas.openxmlformats.org/drawingml/2006/main" xmlns:r="http://schemas.openxmlformats.org/officeDocument/2006/relationships" xmlns:p="http://schemas.openxmlformats.org/presentationml/2006/main">
+  <p:cSld>
+    <p:bg>
+      <p:bgPr>
+        <a:blipFill dpi="0" rotWithShape="1">
+          <a:blip r:embed="rId2">
+            <a:lum/>
+          </a:blip>
+          <a:srcRect/>
+          <a:stretch>
+            <a:fillRect/>
+          </a:stretch>
+        </a:blipFill>
+        <a:effectLst/>
+      </p:bgPr>
+    </p:bg>
+    <p:spTree>
+      <p:nvGrpSpPr>
+        <p:cNvPr id="1" name=""/>
+        <p:cNvGrpSpPr/>
+        <p:nvPr/>
+      </p:nvGrpSpPr>
+      <p:grpSpPr>
+        <a:xfrm>
+          <a:off x="0" y="0"/>
+          <a:ext cx="0" cy="0"/>
+          <a:chOff x="0" y="0"/>
+          <a:chExt cx="0" cy="0"/>
+        </a:xfrm>
+      </p:grpSpPr>
+      <p:sp>
+        <p:nvSpPr>
+          <p:cNvPr id="2" name="Title 1">
+            <a:extLst>
+              <a:ext uri="{FF2B5EF4-FFF2-40B4-BE49-F238E27FC236}">
+                <a16:creationId xmlns:a16="http://schemas.microsoft.com/office/drawing/2014/main" id="{57F07EEF-53AF-A142-B4FF-BCABC4FA4452}"/>
+              </a:ext>
+            </a:extLst>
+          </p:cNvPr>
+          <p:cNvSpPr>
+            <a:spLocks noGrp="1"/>
+          </p:cNvSpPr>
+          <p:nvPr>
+            <p:ph type="title"/>
+          </p:nvPr>
+        </p:nvSpPr>
+        <p:spPr/>
+        <p:txBody>
+          <a:bodyPr>
+            <a:normAutofit/>
+          </a:bodyPr>
+          <a:lstStyle/>
+          <a:p>
+            <a:r>
+              <a:rPr lang="en-US" sz="6500" b="1" dirty="0">
+                <a:solidFill>
+                  <a:schemeClr val="bg1"/>
+                </a:solidFill>
+                <a:latin typeface="Copperplate Gothic Light" panose="020E0507020206020404" pitchFamily="34" charset="77"/>
+              </a:rPr>
+              <a:t>DATA &amp; VIZ LIMITATIONS</a:t>
+            </a:r>
+            <a:endParaRPr lang="en-US" sz="6500" dirty="0"/>
+          </a:p>
+        </p:txBody>
+      </p:sp>
+      <p:sp>
+        <p:nvSpPr>
+          <p:cNvPr id="3" name="Content Placeholder 2">
+            <a:extLst>
+              <a:ext uri="{FF2B5EF4-FFF2-40B4-BE49-F238E27FC236}">
+                <a16:creationId xmlns:a16="http://schemas.microsoft.com/office/drawing/2014/main" id="{5D52B75B-8B48-C54E-A525-75F103BA8E2B}"/>
+              </a:ext>
+            </a:extLst>
+          </p:cNvPr>
+          <p:cNvSpPr>
+            <a:spLocks noGrp="1"/>
+          </p:cNvSpPr>
+          <p:nvPr>
+            <p:ph idx="1"/>
+          </p:nvPr>
+        </p:nvSpPr>
+        <p:spPr>
+          <a:xfrm>
+            <a:off x="581193" y="1890876"/>
+            <a:ext cx="11029615" cy="3634486"/>
+          </a:xfrm>
+        </p:spPr>
+        <p:txBody>
+          <a:bodyPr/>
+          <a:lstStyle/>
+          <a:p>
+            <a:pPr>
+              <a:buClr>
+                <a:schemeClr val="bg1"/>
+              </a:buClr>
+            </a:pPr>
+            <a:r>
+              <a:rPr lang="en-US" sz="2000" dirty="0">
+                <a:solidFill>
+                  <a:schemeClr val="bg1"/>
+                </a:solidFill>
+              </a:rPr>
+              <a:t>Robust information</a:t>
+            </a:r>
+          </a:p>
+          <a:p>
+            <a:pPr lvl="1">
+              <a:buClr>
+                <a:schemeClr val="bg1"/>
+              </a:buClr>
+            </a:pPr>
+            <a:r>
+              <a:rPr lang="en-US" sz="1800" dirty="0">
+                <a:solidFill>
+                  <a:schemeClr val="bg1"/>
+                </a:solidFill>
+              </a:rPr>
+              <a:t>Style types</a:t>
+            </a:r>
+          </a:p>
+          <a:p>
+            <a:pPr lvl="1">
+              <a:buClr>
+                <a:schemeClr val="bg1"/>
+              </a:buClr>
+            </a:pPr>
+            <a:r>
+              <a:rPr lang="en-US" sz="1800" dirty="0">
+                <a:solidFill>
+                  <a:schemeClr val="bg1"/>
+                </a:solidFill>
+              </a:rPr>
+              <a:t>Breweries</a:t>
+            </a:r>
+          </a:p>
+          <a:p>
+            <a:pPr>
+              <a:buClr>
+                <a:schemeClr val="bg1"/>
+              </a:buClr>
+            </a:pPr>
+            <a:r>
+              <a:rPr lang="en-US" sz="2000" dirty="0">
+                <a:solidFill>
+                  <a:schemeClr val="bg1"/>
+                </a:solidFill>
+              </a:rPr>
+              <a:t>Visualizations</a:t>
+            </a:r>
+          </a:p>
+          <a:p>
+            <a:pPr lvl="1">
+              <a:buClr>
+                <a:schemeClr val="bg1"/>
+              </a:buClr>
+            </a:pPr>
+            <a:endParaRPr lang="en-US" dirty="0">
+              <a:solidFill>
+                <a:schemeClr val="bg1"/>
+              </a:solidFill>
+            </a:endParaRPr>
+          </a:p>
+        </p:txBody>
+      </p:sp>
+      <p:sp>
+        <p:nvSpPr>
+          <p:cNvPr id="4" name="TextBox 3">
+            <a:extLst>
+              <a:ext uri="{FF2B5EF4-FFF2-40B4-BE49-F238E27FC236}">
+                <a16:creationId xmlns:a16="http://schemas.microsoft.com/office/drawing/2014/main" id="{C4D61AEC-5FED-8345-AAF0-AB60BBE7A749}"/>
+              </a:ext>
+            </a:extLst>
+          </p:cNvPr>
+          <p:cNvSpPr txBox="1"/>
+          <p:nvPr/>
+        </p:nvSpPr>
+        <p:spPr>
+          <a:xfrm>
+            <a:off x="5434149" y="5329019"/>
+            <a:ext cx="5055231" cy="646331"/>
+          </a:xfrm>
+          <a:prstGeom prst="rect">
+            <a:avLst/>
+          </a:prstGeom>
+          <a:noFill/>
+        </p:spPr>
+        <p:txBody>
+          <a:bodyPr wrap="square" rtlCol="0">
+            <a:spAutoFit/>
+          </a:bodyPr>
+          <a:lstStyle/>
+          <a:p>
+            <a:r>
+              <a:rPr lang="en-US" cap="all" dirty="0">
+                <a:solidFill>
+                  <a:schemeClr val="bg1"/>
+                </a:solidFill>
+                <a:latin typeface="Copperplate Gothic Light" panose="020E0507020206020404" pitchFamily="34" charset="77"/>
+              </a:rPr>
+              <a:t>“I don’t always drink beer, but when I do, I know my limits”</a:t>
+            </a:r>
+          </a:p>
+        </p:txBody>
+      </p:sp>
+    </p:spTree>
+    <p:extLst>
+      <p:ext uri="{BB962C8B-B14F-4D97-AF65-F5344CB8AC3E}">
+        <p14:creationId xmlns:p14="http://schemas.microsoft.com/office/powerpoint/2010/main" val="857998291"/>
+      </p:ext>
+    </p:extLst>
+  </p:cSld>
+  <p:clrMapOvr>
+    <a:masterClrMapping/>
+  </p:clrMapOvr>
+</p:sld>
+</file>
+
+<file path=ppt/slides/slide7.xml><?xml version="1.0" encoding="utf-8"?>
 <p:sld xmlns:a="http://schemas.openxmlformats.org/drawingml/2006/main" xmlns:r="http://schemas.openxmlformats.org/officeDocument/2006/relationships" xmlns:p="http://schemas.openxmlformats.org/presentationml/2006/main" showMasterSp="0">
   <p:cSld>
     <p:bg>
@@ -7547,21 +7513,21 @@
 </file>
 
 <file path=customXml/item1.xml><?xml version="1.0" encoding="utf-8"?>
+<?mso-contentType ?>
+<FormTemplates xmlns="http://schemas.microsoft.com/sharepoint/v3/contenttype/forms">
+  <Display>DocumentLibraryForm</Display>
+  <Edit>DocumentLibraryForm</Edit>
+  <New>DocumentLibraryForm</New>
+</FormTemplates>
+</file>
+
+<file path=customXml/item2.xml><?xml version="1.0" encoding="utf-8"?>
 <p:properties xmlns:p="http://schemas.microsoft.com/office/2006/metadata/properties" xmlns:xsi="http://www.w3.org/2001/XMLSchema-instance" xmlns:pc="http://schemas.microsoft.com/office/infopath/2007/PartnerControls">
   <documentManagement>
     <Status xmlns="71af3243-3dd4-4a8d-8c0d-dd76da1f02a5">Not started</Status>
     <MediaServiceKeyPoints xmlns="71af3243-3dd4-4a8d-8c0d-dd76da1f02a5" xsi:nil="true"/>
   </documentManagement>
 </p:properties>
-</file>
-
-<file path=customXml/item2.xml><?xml version="1.0" encoding="utf-8"?>
-<?mso-contentType ?>
-<FormTemplates xmlns="http://schemas.microsoft.com/sharepoint/v3/contenttype/forms">
-  <Display>DocumentLibraryForm</Display>
-  <Edit>DocumentLibraryForm</Edit>
-  <New>DocumentLibraryForm</New>
-</FormTemplates>
 </file>
 
 <file path=customXml/item3.xml><?xml version="1.0" encoding="utf-8"?>
@@ -7786,19 +7752,19 @@
 </file>
 
 <file path=customXml/itemProps1.xml><?xml version="1.0" encoding="utf-8"?>
+<ds:datastoreItem xmlns:ds="http://schemas.openxmlformats.org/officeDocument/2006/customXml" ds:itemID="{927BD4C1-B6B1-4715-ABF9-E660A51A4EA0}">
+  <ds:schemaRefs>
+    <ds:schemaRef ds:uri="http://schemas.microsoft.com/sharepoint/v3/contenttype/forms"/>
+  </ds:schemaRefs>
+</ds:datastoreItem>
+</file>
+
+<file path=customXml/itemProps2.xml><?xml version="1.0" encoding="utf-8"?>
 <ds:datastoreItem xmlns:ds="http://schemas.openxmlformats.org/officeDocument/2006/customXml" ds:itemID="{8D289AE2-D2AE-49D1-AFAC-3A79F6794255}">
   <ds:schemaRefs>
     <ds:schemaRef ds:uri="http://schemas.microsoft.com/office/2006/metadata/properties"/>
     <ds:schemaRef ds:uri="http://schemas.microsoft.com/office/infopath/2007/PartnerControls"/>
     <ds:schemaRef ds:uri="71af3243-3dd4-4a8d-8c0d-dd76da1f02a5"/>
-  </ds:schemaRefs>
-</ds:datastoreItem>
-</file>
-
-<file path=customXml/itemProps2.xml><?xml version="1.0" encoding="utf-8"?>
-<ds:datastoreItem xmlns:ds="http://schemas.openxmlformats.org/officeDocument/2006/customXml" ds:itemID="{927BD4C1-B6B1-4715-ABF9-E660A51A4EA0}">
-  <ds:schemaRefs>
-    <ds:schemaRef ds:uri="http://schemas.microsoft.com/sharepoint/v3/contenttype/forms"/>
   </ds:schemaRefs>
 </ds:datastoreItem>
 </file>

--- a/Beers of the USA.pptx
+++ b/Beers of the USA.pptx
@@ -6696,7 +6696,7 @@
         <p:spPr/>
         <p:txBody>
           <a:bodyPr>
-            <a:normAutofit lnSpcReduction="10000"/>
+            <a:normAutofit fontScale="92500" lnSpcReduction="20000"/>
           </a:bodyPr>
           <a:lstStyle/>
           <a:p>
@@ -6717,7 +6717,27 @@
                 <a:effectLst/>
                 <a:latin typeface="Lato"/>
               </a:rPr>
-              <a:t>The data for this project was found on Kaggle from:</a:t>
+              <a:t>The data for this project was </a:t>
+            </a:r>
+            <a:r>
+              <a:rPr lang="en-US" sz="1800" b="0" i="0" u="none" strike="noStrike">
+                <a:solidFill>
+                  <a:schemeClr val="bg1"/>
+                </a:solidFill>
+                <a:effectLst/>
+                <a:latin typeface="Lato"/>
+              </a:rPr>
+              <a:t>found from</a:t>
+            </a:r>
+            <a:r>
+              <a:rPr lang="en-US" sz="1800" b="0" i="0" u="none" strike="noStrike" dirty="0">
+                <a:solidFill>
+                  <a:schemeClr val="bg1"/>
+                </a:solidFill>
+                <a:effectLst/>
+                <a:latin typeface="Lato"/>
+              </a:rPr>
+              <a:t>:</a:t>
             </a:r>
           </a:p>
           <a:p>
@@ -6793,6 +6813,33 @@
                 <a:hlinkClick r:id="rId5"/>
               </a:rPr>
               <a:t>Brett Kurzawa's US Breweries</a:t>
+            </a:r>
+            <a:endParaRPr lang="en-US" sz="1800" dirty="0">
+              <a:solidFill>
+                <a:schemeClr val="bg1"/>
+              </a:solidFill>
+              <a:latin typeface="Lato"/>
+            </a:endParaRPr>
+          </a:p>
+          <a:p>
+            <a:pPr marL="0" indent="0">
+              <a:spcBef>
+                <a:spcPts val="0"/>
+              </a:spcBef>
+              <a:spcAft>
+                <a:spcPts val="1600"/>
+              </a:spcAft>
+              <a:buNone/>
+            </a:pPr>
+            <a:r>
+              <a:rPr lang="en-US" sz="1800" dirty="0">
+                <a:solidFill>
+                  <a:schemeClr val="bg1"/>
+                </a:solidFill>
+                <a:latin typeface="Lato"/>
+                <a:hlinkClick r:id="rId6"/>
+              </a:rPr>
+              <a:t>Open Beer Database</a:t>
             </a:r>
             <a:endParaRPr lang="en-US" sz="1800" dirty="0">
               <a:solidFill>
@@ -7513,21 +7560,21 @@
 </file>
 
 <file path=customXml/item1.xml><?xml version="1.0" encoding="utf-8"?>
+<p:properties xmlns:p="http://schemas.microsoft.com/office/2006/metadata/properties" xmlns:xsi="http://www.w3.org/2001/XMLSchema-instance" xmlns:pc="http://schemas.microsoft.com/office/infopath/2007/PartnerControls">
+  <documentManagement>
+    <Status xmlns="71af3243-3dd4-4a8d-8c0d-dd76da1f02a5">Not started</Status>
+    <MediaServiceKeyPoints xmlns="71af3243-3dd4-4a8d-8c0d-dd76da1f02a5" xsi:nil="true"/>
+  </documentManagement>
+</p:properties>
+</file>
+
+<file path=customXml/item2.xml><?xml version="1.0" encoding="utf-8"?>
 <?mso-contentType ?>
 <FormTemplates xmlns="http://schemas.microsoft.com/sharepoint/v3/contenttype/forms">
   <Display>DocumentLibraryForm</Display>
   <Edit>DocumentLibraryForm</Edit>
   <New>DocumentLibraryForm</New>
 </FormTemplates>
-</file>
-
-<file path=customXml/item2.xml><?xml version="1.0" encoding="utf-8"?>
-<p:properties xmlns:p="http://schemas.microsoft.com/office/2006/metadata/properties" xmlns:xsi="http://www.w3.org/2001/XMLSchema-instance" xmlns:pc="http://schemas.microsoft.com/office/infopath/2007/PartnerControls">
-  <documentManagement>
-    <Status xmlns="71af3243-3dd4-4a8d-8c0d-dd76da1f02a5">Not started</Status>
-    <MediaServiceKeyPoints xmlns="71af3243-3dd4-4a8d-8c0d-dd76da1f02a5" xsi:nil="true"/>
-  </documentManagement>
-</p:properties>
 </file>
 
 <file path=customXml/item3.xml><?xml version="1.0" encoding="utf-8"?>
@@ -7752,19 +7799,19 @@
 </file>
 
 <file path=customXml/itemProps1.xml><?xml version="1.0" encoding="utf-8"?>
-<ds:datastoreItem xmlns:ds="http://schemas.openxmlformats.org/officeDocument/2006/customXml" ds:itemID="{927BD4C1-B6B1-4715-ABF9-E660A51A4EA0}">
+<ds:datastoreItem xmlns:ds="http://schemas.openxmlformats.org/officeDocument/2006/customXml" ds:itemID="{8D289AE2-D2AE-49D1-AFAC-3A79F6794255}">
   <ds:schemaRefs>
-    <ds:schemaRef ds:uri="http://schemas.microsoft.com/sharepoint/v3/contenttype/forms"/>
+    <ds:schemaRef ds:uri="http://schemas.microsoft.com/office/2006/metadata/properties"/>
+    <ds:schemaRef ds:uri="http://schemas.microsoft.com/office/infopath/2007/PartnerControls"/>
+    <ds:schemaRef ds:uri="71af3243-3dd4-4a8d-8c0d-dd76da1f02a5"/>
   </ds:schemaRefs>
 </ds:datastoreItem>
 </file>
 
 <file path=customXml/itemProps2.xml><?xml version="1.0" encoding="utf-8"?>
-<ds:datastoreItem xmlns:ds="http://schemas.openxmlformats.org/officeDocument/2006/customXml" ds:itemID="{8D289AE2-D2AE-49D1-AFAC-3A79F6794255}">
+<ds:datastoreItem xmlns:ds="http://schemas.openxmlformats.org/officeDocument/2006/customXml" ds:itemID="{927BD4C1-B6B1-4715-ABF9-E660A51A4EA0}">
   <ds:schemaRefs>
-    <ds:schemaRef ds:uri="http://schemas.microsoft.com/office/2006/metadata/properties"/>
-    <ds:schemaRef ds:uri="http://schemas.microsoft.com/office/infopath/2007/PartnerControls"/>
-    <ds:schemaRef ds:uri="71af3243-3dd4-4a8d-8c0d-dd76da1f02a5"/>
+    <ds:schemaRef ds:uri="http://schemas.microsoft.com/sharepoint/v3/contenttype/forms"/>
   </ds:schemaRefs>
 </ds:datastoreItem>
 </file>
